--- a/BaiduAI.pptx
+++ b/BaiduAI.pptx
@@ -9,13 +9,14 @@
     <p:sldId id="275" r:id="rId4"/>
     <p:sldId id="286" r:id="rId5"/>
     <p:sldId id="282" r:id="rId6"/>
-    <p:sldId id="294" r:id="rId7"/>
-    <p:sldId id="303" r:id="rId8"/>
-    <p:sldId id="295" r:id="rId9"/>
-    <p:sldId id="297" r:id="rId10"/>
-    <p:sldId id="299" r:id="rId11"/>
-    <p:sldId id="300" r:id="rId12"/>
-    <p:sldId id="278" r:id="rId13"/>
+    <p:sldId id="310" r:id="rId7"/>
+    <p:sldId id="294" r:id="rId8"/>
+    <p:sldId id="303" r:id="rId9"/>
+    <p:sldId id="295" r:id="rId10"/>
+    <p:sldId id="297" r:id="rId11"/>
+    <p:sldId id="299" r:id="rId12"/>
+    <p:sldId id="300" r:id="rId13"/>
+    <p:sldId id="278" r:id="rId14"/>
   </p:sldIdLst>
   <p:sldSz cx="12192000" cy="6858000"/>
   <p:notesSz cx="7103745" cy="10234295"/>
@@ -3024,6 +3025,214 @@
           <a:bodyPr anchor="ctr" anchorCtr="0"/>
           <a:lstStyle/>
           <a:p>
+            <a:pPr algn="l"/>
+            <a:r>
+              <a:rPr lang="zh-CN" altLang="en-US" sz="2500" b="1" dirty="0">
+                <a:solidFill>
+                  <a:srgbClr val="ED6C00"/>
+                </a:solidFill>
+                <a:latin typeface="微软雅黑" panose="020B0503020204020204" charset="-122"/>
+                <a:ea typeface="微软雅黑" panose="020B0503020204020204" charset="-122"/>
+              </a:rPr>
+              <a:t>自我评价与体会</a:t>
+            </a:r>
+            <a:endParaRPr lang="zh-CN" altLang="en-US" sz="2500" b="1" dirty="0">
+              <a:solidFill>
+                <a:srgbClr val="ED6C00"/>
+              </a:solidFill>
+              <a:latin typeface="微软雅黑" panose="020B0503020204020204" charset="-122"/>
+              <a:ea typeface="微软雅黑" panose="020B0503020204020204" charset="-122"/>
+            </a:endParaRPr>
+          </a:p>
+        </p:txBody>
+      </p:sp>
+      <p:sp>
+        <p:nvSpPr>
+          <p:cNvPr id="3" name="文本框 2"/>
+          <p:cNvSpPr txBox="1"/>
+          <p:nvPr/>
+        </p:nvSpPr>
+        <p:spPr>
+          <a:xfrm>
+            <a:off x="838200" y="1319530"/>
+            <a:ext cx="9411335" cy="3744595"/>
+          </a:xfrm>
+          <a:prstGeom prst="rect">
+            <a:avLst/>
+          </a:prstGeom>
+          <a:noFill/>
+        </p:spPr>
+        <p:txBody>
+          <a:bodyPr wrap="square" rtlCol="0">
+            <a:spAutoFit/>
+          </a:bodyPr>
+          <a:p>
+            <a:pPr>
+              <a:lnSpc>
+                <a:spcPct val="120000"/>
+              </a:lnSpc>
+            </a:pPr>
+            <a:r>
+              <a:rPr lang="zh-CN" altLang="en-US" dirty="0"/>
+              <a:t>①工作质量：提升工作效率，在有效的时间内用最有效的方式工作，同时不懂的地方要更多地虚心请教同事，细心查阅资料，保证工作的顺利</a:t>
+            </a:r>
+            <a:r>
+              <a:rPr lang="zh-CN" altLang="en-US" dirty="0" smtClean="0"/>
+              <a:t>；</a:t>
+            </a:r>
+            <a:endParaRPr lang="zh-CN" altLang="en-US" dirty="0"/>
+          </a:p>
+          <a:p>
+            <a:pPr>
+              <a:lnSpc>
+                <a:spcPct val="120000"/>
+              </a:lnSpc>
+            </a:pPr>
+            <a:endParaRPr lang="zh-CN" altLang="en-US" dirty="0"/>
+          </a:p>
+          <a:p>
+            <a:pPr>
+              <a:lnSpc>
+                <a:spcPct val="120000"/>
+              </a:lnSpc>
+            </a:pPr>
+            <a:r>
+              <a:rPr lang="zh-CN" altLang="en-US" dirty="0"/>
+              <a:t>②思考不足：在进行每一项工作之前，认真分析工作内容，对于工作中可能出现的一些疑问，要先做好应对措施，另外对于工作中出现的问题要及时总结；</a:t>
+            </a:r>
+            <a:endParaRPr lang="zh-CN" altLang="en-US" dirty="0"/>
+          </a:p>
+          <a:p>
+            <a:pPr>
+              <a:lnSpc>
+                <a:spcPct val="120000"/>
+              </a:lnSpc>
+            </a:pPr>
+            <a:endParaRPr lang="zh-CN" altLang="en-US" dirty="0"/>
+          </a:p>
+          <a:p>
+            <a:pPr>
+              <a:lnSpc>
+                <a:spcPct val="120000"/>
+              </a:lnSpc>
+            </a:pPr>
+            <a:r>
+              <a:rPr lang="zh-CN" altLang="en-US" dirty="0"/>
+              <a:t>③业务知识：工作中出现的问题，归根结底还是因为对相关领域知识的了解不足导致的，因此平日里要更多地注重业务知识的积累，多看多听多想</a:t>
+            </a:r>
+            <a:r>
+              <a:rPr lang="zh-CN" altLang="en-US" dirty="0" smtClean="0"/>
+              <a:t>；</a:t>
+            </a:r>
+            <a:endParaRPr lang="zh-CN" altLang="en-US" dirty="0"/>
+          </a:p>
+          <a:p>
+            <a:pPr>
+              <a:lnSpc>
+                <a:spcPct val="120000"/>
+              </a:lnSpc>
+            </a:pPr>
+            <a:endParaRPr lang="zh-CN" altLang="en-US" dirty="0"/>
+          </a:p>
+          <a:p>
+            <a:pPr>
+              <a:lnSpc>
+                <a:spcPct val="120000"/>
+              </a:lnSpc>
+            </a:pPr>
+            <a:r>
+              <a:rPr lang="zh-CN" altLang="en-US" dirty="0"/>
+              <a:t>④缺乏积极主动性：积极主动地完成交代下来的工作，并且当交代下来的工作完成时，应该主动询问是否有其他的需要，并主动地进行测试方面知识的学习与完善</a:t>
+            </a:r>
+            <a:endParaRPr lang="zh-CN" altLang="en-US" dirty="0"/>
+          </a:p>
+        </p:txBody>
+      </p:sp>
+    </p:spTree>
+  </p:cSld>
+  <p:clrMapOvr>
+    <a:masterClrMapping/>
+  </p:clrMapOvr>
+</p:sld>
+</file>
+
+<file path=ppt/slides/slide11.xml><?xml version="1.0" encoding="utf-8"?>
+<p:sld xmlns:a="http://schemas.openxmlformats.org/drawingml/2006/main" xmlns:r="http://schemas.openxmlformats.org/officeDocument/2006/relationships" xmlns:p="http://schemas.openxmlformats.org/presentationml/2006/main">
+  <p:cSld>
+    <p:spTree>
+      <p:nvGrpSpPr>
+        <p:cNvPr id="1" name=""/>
+        <p:cNvGrpSpPr/>
+        <p:nvPr/>
+      </p:nvGrpSpPr>
+      <p:grpSpPr>
+        <a:xfrm>
+          <a:off x="0" y="0"/>
+          <a:ext cx="0" cy="0"/>
+          <a:chOff x="0" y="0"/>
+          <a:chExt cx="0" cy="0"/>
+        </a:xfrm>
+      </p:grpSpPr>
+      <p:sp>
+        <p:nvSpPr>
+          <p:cNvPr id="7" name="文本框 6"/>
+          <p:cNvSpPr txBox="1"/>
+          <p:nvPr/>
+        </p:nvSpPr>
+        <p:spPr>
+          <a:xfrm>
+            <a:off x="11334750" y="6398895"/>
+            <a:ext cx="323850" cy="245110"/>
+          </a:xfrm>
+          <a:prstGeom prst="rect">
+            <a:avLst/>
+          </a:prstGeom>
+          <a:noFill/>
+        </p:spPr>
+        <p:txBody>
+          <a:bodyPr wrap="none" rtlCol="0">
+            <a:spAutoFit/>
+          </a:bodyPr>
+          <a:lstStyle/>
+          <a:p>
+            <a:r>
+              <a:rPr lang="en-US" altLang="zh-CN" sz="1000">
+                <a:solidFill>
+                  <a:srgbClr val="ED6C00"/>
+                </a:solidFill>
+                <a:latin typeface="Arial" panose="020B0604020202020204" pitchFamily="34" charset="0"/>
+              </a:rPr>
+              <a:t>02</a:t>
+            </a:r>
+            <a:endParaRPr lang="en-US" altLang="zh-CN" sz="1000">
+              <a:solidFill>
+                <a:srgbClr val="ED6C00"/>
+              </a:solidFill>
+              <a:latin typeface="Arial" panose="020B0604020202020204" pitchFamily="34" charset="0"/>
+            </a:endParaRPr>
+          </a:p>
+        </p:txBody>
+      </p:sp>
+      <p:sp>
+        <p:nvSpPr>
+          <p:cNvPr id="8" name="标题 7"/>
+          <p:cNvSpPr>
+            <a:spLocks noGrp="1"/>
+          </p:cNvSpPr>
+          <p:nvPr>
+            <p:ph type="title"/>
+          </p:nvPr>
+        </p:nvSpPr>
+        <p:spPr>
+          <a:xfrm>
+            <a:off x="838200" y="347980"/>
+            <a:ext cx="7988935" cy="805180"/>
+          </a:xfrm>
+        </p:spPr>
+        <p:txBody>
+          <a:bodyPr anchor="ctr" anchorCtr="0"/>
+          <a:lstStyle/>
+          <a:p>
             <a:pPr algn="l">
               <a:buClrTx/>
               <a:buSzTx/>
@@ -3198,7 +3407,7 @@
 </p:sld>
 </file>
 
-<file path=ppt/slides/slide11.xml><?xml version="1.0" encoding="utf-8"?>
+<file path=ppt/slides/slide12.xml><?xml version="1.0" encoding="utf-8"?>
 <p:sld xmlns:a="http://schemas.openxmlformats.org/drawingml/2006/main" xmlns:r="http://schemas.openxmlformats.org/officeDocument/2006/relationships" xmlns:p="http://schemas.openxmlformats.org/presentationml/2006/main">
   <p:cSld>
     <p:spTree>
@@ -3509,7 +3718,9 @@
           </a:xfrm>
         </p:spPr>
         <p:txBody>
-          <a:bodyPr/>
+          <a:bodyPr>
+            <a:normAutofit fontScale="90000"/>
+          </a:bodyPr>
           <a:lstStyle/>
           <a:p>
             <a:pPr marL="342900" indent="-342900" algn="l">
@@ -3527,7 +3738,48 @@
                 <a:latin typeface="微软雅黑" panose="020B0503020204020204" charset="-122"/>
                 <a:ea typeface="微软雅黑" panose="020B0503020204020204" charset="-122"/>
               </a:rPr>
-              <a:t>工作内容概述</a:t>
+              <a:t>注册百度</a:t>
+            </a:r>
+            <a:r>
+              <a:rPr lang="en-US" altLang="zh-CN" sz="2000" dirty="0" smtClean="0">
+                <a:solidFill>
+                  <a:srgbClr val="292929"/>
+                </a:solidFill>
+                <a:latin typeface="微软雅黑" panose="020B0503020204020204" charset="-122"/>
+                <a:ea typeface="微软雅黑" panose="020B0503020204020204" charset="-122"/>
+              </a:rPr>
+              <a:t>AI</a:t>
+            </a:r>
+            <a:r>
+              <a:rPr lang="zh-CN" altLang="en-US" sz="2000" dirty="0" smtClean="0">
+                <a:solidFill>
+                  <a:srgbClr val="292929"/>
+                </a:solidFill>
+                <a:latin typeface="微软雅黑" panose="020B0503020204020204" charset="-122"/>
+                <a:ea typeface="微软雅黑" panose="020B0503020204020204" charset="-122"/>
+              </a:rPr>
+              <a:t>账号 </a:t>
+            </a:r>
+            <a:r>
+              <a:rPr lang="en-US" altLang="zh-CN" sz="2000" dirty="0" smtClean="0">
+                <a:solidFill>
+                  <a:srgbClr val="292929"/>
+                </a:solidFill>
+                <a:latin typeface="微软雅黑" panose="020B0503020204020204" charset="-122"/>
+                <a:ea typeface="微软雅黑" panose="020B0503020204020204" charset="-122"/>
+              </a:rPr>
+              <a:t>-&gt;</a:t>
+            </a:r>
+            <a:r>
+              <a:rPr lang="zh-CN" altLang="en-US" sz="2000" dirty="0" smtClean="0">
+                <a:solidFill>
+                  <a:srgbClr val="292929"/>
+                </a:solidFill>
+                <a:latin typeface="微软雅黑" panose="020B0503020204020204" charset="-122"/>
+                <a:ea typeface="微软雅黑" panose="020B0503020204020204" charset="-122"/>
+                <a:sym typeface="+mn-ea"/>
+              </a:rPr>
+              <a:t>创建人脸识别应用</a:t>
             </a:r>
             <a:endParaRPr lang="en-US" altLang="zh-CN" sz="2000" dirty="0" smtClean="0">
               <a:solidFill>
@@ -3546,6 +3798,16 @@
               <a:buChar char="l"/>
             </a:pPr>
             <a:r>
+              <a:rPr lang="en-US" altLang="zh-CN" sz="2000" dirty="0" smtClean="0">
+                <a:solidFill>
+                  <a:srgbClr val="292929"/>
+                </a:solidFill>
+                <a:latin typeface="微软雅黑" panose="020B0503020204020204" charset="-122"/>
+                <a:ea typeface="微软雅黑" panose="020B0503020204020204" charset="-122"/>
+              </a:rPr>
+              <a:t>SDK</a:t>
+            </a:r>
+            <a:r>
               <a:rPr lang="zh-CN" altLang="en-US" sz="2000" dirty="0" smtClean="0">
                 <a:solidFill>
                   <a:srgbClr val="292929"/>
@@ -3553,7 +3815,7 @@
                 <a:latin typeface="微软雅黑" panose="020B0503020204020204" charset="-122"/>
                 <a:ea typeface="微软雅黑" panose="020B0503020204020204" charset="-122"/>
               </a:rPr>
-              <a:t>工作心得与体会</a:t>
+              <a:t>下载和基础概念</a:t>
             </a:r>
             <a:endParaRPr lang="zh-CN" altLang="en-US" sz="2000" dirty="0" smtClean="0">
               <a:solidFill>
@@ -3579,7 +3841,63 @@
                 <a:latin typeface="微软雅黑" panose="020B0503020204020204" charset="-122"/>
                 <a:ea typeface="微软雅黑" panose="020B0503020204020204" charset="-122"/>
               </a:rPr>
-              <a:t>自我评价与改进</a:t>
+              <a:t>基础功能（</a:t>
+            </a:r>
+            <a:r>
+              <a:rPr lang="en-US" altLang="zh-CN" sz="2000" dirty="0" smtClean="0">
+                <a:solidFill>
+                  <a:srgbClr val="292929"/>
+                </a:solidFill>
+                <a:latin typeface="微软雅黑" panose="020B0503020204020204" charset="-122"/>
+                <a:ea typeface="微软雅黑" panose="020B0503020204020204" charset="-122"/>
+              </a:rPr>
+              <a:t>API</a:t>
+            </a:r>
+            <a:r>
+              <a:rPr lang="zh-CN" altLang="en-US" sz="2000" dirty="0" smtClean="0">
+                <a:solidFill>
+                  <a:srgbClr val="292929"/>
+                </a:solidFill>
+                <a:latin typeface="微软雅黑" panose="020B0503020204020204" charset="-122"/>
+                <a:ea typeface="微软雅黑" panose="020B0503020204020204" charset="-122"/>
+              </a:rPr>
+              <a:t>调用</a:t>
+            </a:r>
+            <a:r>
+              <a:rPr lang="zh-CN" altLang="en-US" sz="2000" dirty="0" smtClean="0">
+                <a:solidFill>
+                  <a:srgbClr val="292929"/>
+                </a:solidFill>
+                <a:latin typeface="微软雅黑" panose="020B0503020204020204" charset="-122"/>
+                <a:ea typeface="微软雅黑" panose="020B0503020204020204" charset="-122"/>
+              </a:rPr>
+              <a:t>）</a:t>
+            </a:r>
+            <a:endParaRPr lang="zh-CN" altLang="en-US" sz="2000" dirty="0" smtClean="0">
+              <a:solidFill>
+                <a:srgbClr val="292929"/>
+              </a:solidFill>
+              <a:latin typeface="微软雅黑" panose="020B0503020204020204" charset="-122"/>
+              <a:ea typeface="微软雅黑" panose="020B0503020204020204" charset="-122"/>
+            </a:endParaRPr>
+          </a:p>
+          <a:p>
+            <a:pPr marL="342900" indent="-342900" algn="l">
+              <a:lnSpc>
+                <a:spcPct val="300000"/>
+              </a:lnSpc>
+              <a:buFont typeface="Wingdings" panose="05000000000000000000" pitchFamily="2" charset="2"/>
+              <a:buChar char="l"/>
+            </a:pPr>
+            <a:r>
+              <a:rPr lang="zh-CN" altLang="en-US" sz="2000" dirty="0" smtClean="0">
+                <a:solidFill>
+                  <a:srgbClr val="292929"/>
+                </a:solidFill>
+                <a:latin typeface="微软雅黑" panose="020B0503020204020204" charset="-122"/>
+                <a:ea typeface="微软雅黑" panose="020B0503020204020204" charset="-122"/>
+              </a:rPr>
+              <a:t>实现应用（实际可应用的项目）</a:t>
             </a:r>
             <a:endParaRPr lang="en-US" altLang="zh-CN" sz="2000" dirty="0" smtClean="0">
               <a:solidFill>
@@ -3598,34 +3916,14 @@
               <a:buChar char="l"/>
             </a:pPr>
             <a:r>
-              <a:rPr lang="zh-CN" altLang="en-US" sz="2000" dirty="0" smtClean="0">
+              <a:rPr lang="zh-CN" altLang="en-US" sz="2000" dirty="0">
                 <a:solidFill>
                   <a:srgbClr val="292929"/>
                 </a:solidFill>
                 <a:latin typeface="微软雅黑" panose="020B0503020204020204" charset="-122"/>
                 <a:ea typeface="微软雅黑" panose="020B0503020204020204" charset="-122"/>
               </a:rPr>
-              <a:t>意见</a:t>
-            </a:r>
-            <a:r>
-              <a:rPr lang="en-US" altLang="zh-CN" sz="2000" dirty="0" smtClean="0">
-                <a:solidFill>
-                  <a:srgbClr val="292929"/>
-                </a:solidFill>
-                <a:latin typeface="微软雅黑" panose="020B0503020204020204" charset="-122"/>
-                <a:ea typeface="微软雅黑" panose="020B0503020204020204" charset="-122"/>
-              </a:rPr>
-              <a:t>&amp;</a:t>
-            </a:r>
-            <a:r>
-              <a:rPr lang="zh-CN" altLang="en-US" sz="2000" dirty="0" smtClean="0">
-                <a:solidFill>
-                  <a:srgbClr val="292929"/>
-                </a:solidFill>
-                <a:latin typeface="微软雅黑" panose="020B0503020204020204" charset="-122"/>
-                <a:ea typeface="微软雅黑" panose="020B0503020204020204" charset="-122"/>
-              </a:rPr>
-              <a:t>建议</a:t>
+              <a:t>注意事项</a:t>
             </a:r>
             <a:endParaRPr lang="zh-CN" altLang="en-US" sz="2000" dirty="0">
               <a:solidFill>
@@ -3691,9 +3989,9 @@
                 <a:latin typeface="微软雅黑" panose="020B0503020204020204" charset="-122"/>
                 <a:ea typeface="微软雅黑" panose="020B0503020204020204" charset="-122"/>
               </a:rPr>
-              <a:t>工作内容概述</a:t>
-            </a:r>
-            <a:endParaRPr lang="zh-CN" altLang="en-US" sz="2500" b="1" dirty="0">
+              <a:t>注册百度AI账号 -&gt;创建人脸识别应用</a:t>
+            </a:r>
+            <a:endParaRPr lang="zh-CN" altLang="en-US" sz="2500" b="1" dirty="0" smtClean="0">
               <a:solidFill>
                 <a:srgbClr val="ED6C00"/>
               </a:solidFill>
@@ -3728,14 +4026,14 @@
               <a:buChar char="l"/>
             </a:pPr>
             <a:r>
-              <a:rPr lang="zh-CN" sz="2000" b="1" dirty="0" smtClean="0">
+              <a:rPr lang="zh-CN" altLang="en-US" sz="2000" b="1" dirty="0" smtClean="0">
                 <a:solidFill>
                   <a:srgbClr val="292929"/>
                 </a:solidFill>
                 <a:latin typeface="微软雅黑" panose="020B0503020204020204" charset="-122"/>
                 <a:ea typeface="微软雅黑" panose="020B0503020204020204" charset="-122"/>
               </a:rPr>
-              <a:t>根据需求和</a:t>
+              <a:t>百度</a:t>
             </a:r>
             <a:r>
               <a:rPr lang="en-US" altLang="zh-CN" sz="2000" b="1" dirty="0" smtClean="0">
@@ -3745,7 +4043,7 @@
                 <a:latin typeface="微软雅黑" panose="020B0503020204020204" charset="-122"/>
                 <a:ea typeface="微软雅黑" panose="020B0503020204020204" charset="-122"/>
               </a:rPr>
-              <a:t>UI</a:t>
+              <a:t>AI</a:t>
             </a:r>
             <a:r>
               <a:rPr lang="zh-CN" altLang="en-US" sz="2000" b="1" dirty="0" smtClean="0">
@@ -3755,19 +4053,19 @@
                 <a:latin typeface="微软雅黑" panose="020B0503020204020204" charset="-122"/>
                 <a:ea typeface="微软雅黑" panose="020B0503020204020204" charset="-122"/>
               </a:rPr>
-              <a:t>交互稿</a:t>
-            </a:r>
-            <a:r>
-              <a:rPr lang="zh-CN" sz="2000" b="1" dirty="0" smtClean="0">
+              <a:t>首页地址：</a:t>
+            </a:r>
+            <a:r>
+              <a:rPr lang="zh-CN" altLang="en-US" sz="2000" b="1" dirty="0" smtClean="0">
                 <a:solidFill>
                   <a:srgbClr val="292929"/>
                 </a:solidFill>
                 <a:latin typeface="微软雅黑" panose="020B0503020204020204" charset="-122"/>
                 <a:ea typeface="微软雅黑" panose="020B0503020204020204" charset="-122"/>
               </a:rPr>
-              <a:t>设计测试用例</a:t>
-            </a:r>
-            <a:endParaRPr lang="en-US" altLang="zh-CN" sz="2000" dirty="0" smtClean="0">
+              <a:t>https://ai.baidu.com/</a:t>
+            </a:r>
+            <a:endParaRPr lang="zh-CN" altLang="en-US" sz="2000" b="1" dirty="0" smtClean="0">
               <a:solidFill>
                 <a:srgbClr val="292929"/>
               </a:solidFill>
@@ -3781,24 +4079,14 @@
               <a:buChar char="l"/>
             </a:pPr>
             <a:r>
-              <a:rPr lang="zh-CN" sz="2000" b="1" dirty="0" smtClean="0">
+              <a:rPr sz="2000" b="1" dirty="0" smtClean="0">
                 <a:solidFill>
                   <a:srgbClr val="292929"/>
                 </a:solidFill>
                 <a:latin typeface="微软雅黑" panose="020B0503020204020204" charset="-122"/>
                 <a:ea typeface="微软雅黑" panose="020B0503020204020204" charset="-122"/>
               </a:rPr>
-              <a:t>执行测试用例，寻找</a:t>
-            </a:r>
-            <a:r>
-              <a:rPr lang="en-US" altLang="zh-CN" sz="2000" b="1" dirty="0" smtClean="0">
-                <a:solidFill>
-                  <a:srgbClr val="292929"/>
-                </a:solidFill>
-                <a:latin typeface="微软雅黑" panose="020B0503020204020204" charset="-122"/>
-                <a:ea typeface="微软雅黑" panose="020B0503020204020204" charset="-122"/>
-              </a:rPr>
-              <a:t>BUG</a:t>
+              <a:t>新手接入指南</a:t>
             </a:r>
             <a:r>
               <a:rPr lang="zh-CN" altLang="en-US" sz="2000" b="1" dirty="0" smtClean="0">
@@ -3808,19 +4096,19 @@
                 <a:latin typeface="微软雅黑" panose="020B0503020204020204" charset="-122"/>
                 <a:ea typeface="微软雅黑" panose="020B0503020204020204" charset="-122"/>
               </a:rPr>
-              <a:t>分析问题所在并进行准确定位和验证，提交</a:t>
-            </a:r>
-            <a:r>
-              <a:rPr lang="en-US" altLang="zh-CN" sz="2000" b="1" dirty="0" smtClean="0">
+              <a:t>地址：</a:t>
+            </a:r>
+            <a:r>
+              <a:rPr lang="zh-CN" altLang="en-US" sz="2000" b="1" dirty="0" smtClean="0">
                 <a:solidFill>
                   <a:srgbClr val="292929"/>
                 </a:solidFill>
                 <a:latin typeface="微软雅黑" panose="020B0503020204020204" charset="-122"/>
                 <a:ea typeface="微软雅黑" panose="020B0503020204020204" charset="-122"/>
               </a:rPr>
-              <a:t>BUG</a:t>
-            </a:r>
-            <a:endParaRPr lang="en-US" altLang="zh-CN" sz="2000" dirty="0" smtClean="0">
+              <a:t>https://ai.baidu.com/docs#/Begin/top</a:t>
+            </a:r>
+            <a:endParaRPr lang="zh-CN" altLang="en-US" sz="2000" b="1" dirty="0" smtClean="0">
               <a:solidFill>
                 <a:srgbClr val="292929"/>
               </a:solidFill>
@@ -3841,119 +4129,9 @@
                 <a:latin typeface="微软雅黑" panose="020B0503020204020204" charset="-122"/>
                 <a:ea typeface="微软雅黑" panose="020B0503020204020204" charset="-122"/>
               </a:rPr>
-              <a:t>跟踪并验证</a:t>
-            </a:r>
-            <a:r>
-              <a:rPr lang="en-US" altLang="zh-CN" sz="2000" b="1" dirty="0" smtClean="0">
-                <a:solidFill>
-                  <a:srgbClr val="292929"/>
-                </a:solidFill>
-                <a:latin typeface="微软雅黑" panose="020B0503020204020204" charset="-122"/>
-                <a:ea typeface="微软雅黑" panose="020B0503020204020204" charset="-122"/>
-              </a:rPr>
-              <a:t>BUG</a:t>
-            </a:r>
-            <a:r>
-              <a:rPr lang="zh-CN" altLang="en-US" sz="2000" b="1" dirty="0" smtClean="0">
-                <a:solidFill>
-                  <a:srgbClr val="292929"/>
-                </a:solidFill>
-                <a:latin typeface="微软雅黑" panose="020B0503020204020204" charset="-122"/>
-                <a:ea typeface="微软雅黑" panose="020B0503020204020204" charset="-122"/>
-              </a:rPr>
-              <a:t>确认</a:t>
-            </a:r>
-            <a:r>
-              <a:rPr lang="en-US" altLang="zh-CN" sz="2000" b="1" dirty="0" smtClean="0">
-                <a:solidFill>
-                  <a:srgbClr val="292929"/>
-                </a:solidFill>
-                <a:latin typeface="微软雅黑" panose="020B0503020204020204" charset="-122"/>
-                <a:ea typeface="微软雅黑" panose="020B0503020204020204" charset="-122"/>
-              </a:rPr>
-              <a:t>BUG</a:t>
-            </a:r>
-            <a:r>
-              <a:rPr lang="zh-CN" altLang="en-US" sz="2000" b="1" dirty="0" smtClean="0">
-                <a:solidFill>
-                  <a:srgbClr val="292929"/>
-                </a:solidFill>
-                <a:latin typeface="微软雅黑" panose="020B0503020204020204" charset="-122"/>
-                <a:ea typeface="微软雅黑" panose="020B0503020204020204" charset="-122"/>
-              </a:rPr>
-              <a:t>已经修复，并将其关闭</a:t>
-            </a:r>
-            <a:endParaRPr lang="en-US" altLang="zh-CN" sz="2000" b="1" dirty="0" smtClean="0">
-              <a:solidFill>
-                <a:srgbClr val="292929"/>
-              </a:solidFill>
-              <a:latin typeface="微软雅黑" panose="020B0503020204020204" charset="-122"/>
-              <a:ea typeface="微软雅黑" panose="020B0503020204020204" charset="-122"/>
-            </a:endParaRPr>
-          </a:p>
-          <a:p>
-            <a:pPr marL="342900" indent="-342900" algn="l">
-              <a:buFont typeface="Wingdings" panose="05000000000000000000" pitchFamily="2" charset="2"/>
-              <a:buChar char="l"/>
-            </a:pPr>
-            <a:r>
-              <a:rPr lang="zh-CN" altLang="en-US" sz="2000" b="1" dirty="0" smtClean="0">
-                <a:solidFill>
-                  <a:srgbClr val="292929"/>
-                </a:solidFill>
-                <a:latin typeface="微软雅黑" panose="020B0503020204020204" charset="-122"/>
-                <a:ea typeface="微软雅黑" panose="020B0503020204020204" charset="-122"/>
-              </a:rPr>
-              <a:t>对系统进行性能测试，提升系统性能</a:t>
-            </a:r>
-            <a:endParaRPr lang="en-US" altLang="zh-CN" sz="2000" b="1" dirty="0" smtClean="0">
-              <a:solidFill>
-                <a:srgbClr val="292929"/>
-              </a:solidFill>
-              <a:latin typeface="微软雅黑" panose="020B0503020204020204" charset="-122"/>
-              <a:ea typeface="微软雅黑" panose="020B0503020204020204" charset="-122"/>
-            </a:endParaRPr>
-          </a:p>
-          <a:p>
-            <a:pPr marL="342900" indent="-342900" algn="l">
-              <a:buFont typeface="Wingdings" panose="05000000000000000000" pitchFamily="2" charset="2"/>
-              <a:buChar char="l"/>
-            </a:pPr>
-            <a:r>
-              <a:rPr lang="zh-CN" altLang="en-US" sz="2000" b="1" dirty="0" smtClean="0">
-                <a:solidFill>
-                  <a:srgbClr val="292929"/>
-                </a:solidFill>
-                <a:latin typeface="微软雅黑" panose="020B0503020204020204" charset="-122"/>
-                <a:ea typeface="微软雅黑" panose="020B0503020204020204" charset="-122"/>
-              </a:rPr>
-              <a:t>按照标准格式编写并提交测试文档（用户手册、测试报告等）</a:t>
-            </a:r>
-            <a:endParaRPr lang="en-US" altLang="zh-CN" sz="2000" b="1" dirty="0" smtClean="0">
-              <a:solidFill>
-                <a:srgbClr val="292929"/>
-              </a:solidFill>
-              <a:latin typeface="微软雅黑" panose="020B0503020204020204" charset="-122"/>
-              <a:ea typeface="微软雅黑" panose="020B0503020204020204" charset="-122"/>
-            </a:endParaRPr>
-          </a:p>
-          <a:p>
-            <a:pPr marL="342900" indent="-342900" algn="l">
-              <a:buFont typeface="Wingdings" panose="05000000000000000000" pitchFamily="2" charset="2"/>
-              <a:buChar char="l"/>
-            </a:pPr>
-            <a:r>
-              <a:rPr lang="zh-CN" altLang="en-US" sz="2000" b="1" dirty="0" smtClean="0">
-                <a:solidFill>
-                  <a:srgbClr val="292929"/>
-                </a:solidFill>
-                <a:latin typeface="微软雅黑" panose="020B0503020204020204" charset="-122"/>
-                <a:ea typeface="微软雅黑" panose="020B0503020204020204" charset="-122"/>
-                <a:sym typeface="+mn-ea"/>
-              </a:rPr>
-              <a:t>给实施部门提供支持，解决客户实际使用中的问题</a:t>
-            </a:r>
-            <a:endParaRPr lang="en-US" altLang="zh-CN" sz="2000" b="1" dirty="0" smtClean="0">
+              <a:t>人脸识别开发文档 ： https://ai.baidu.com/docs#/Face-Guide/top</a:t>
+            </a:r>
+            <a:endParaRPr lang="zh-CN" altLang="en-US" sz="2000" b="1" dirty="0" smtClean="0">
               <a:solidFill>
                 <a:srgbClr val="292929"/>
               </a:solidFill>
@@ -4024,7 +4202,7 @@
         <p:spPr>
           <a:xfrm>
             <a:off x="922020" y="3870325"/>
-            <a:ext cx="8956675" cy="2306955"/>
+            <a:ext cx="8956675" cy="2183765"/>
           </a:xfrm>
           <a:prstGeom prst="rect">
             <a:avLst/>
@@ -4036,18 +4214,41 @@
             <a:spAutoFit/>
           </a:bodyPr>
           <a:p>
-            <a:pPr algn="l"/>
+            <a:r>
+              <a:rPr lang="zh-CN" altLang="en-US" sz="3200" dirty="0">
+                <a:sym typeface="+mn-ea"/>
+              </a:rPr>
+              <a:t>注册</a:t>
+            </a:r>
+            <a:r>
+              <a:rPr lang="en-US" altLang="zh-CN" sz="3200" dirty="0">
+                <a:sym typeface="+mn-ea"/>
+              </a:rPr>
+              <a:t>/</a:t>
+            </a:r>
+            <a:r>
+              <a:rPr lang="zh-CN" altLang="en-US" sz="3200" dirty="0">
+                <a:sym typeface="+mn-ea"/>
+              </a:rPr>
+              <a:t>登录 </a:t>
+            </a:r>
             <a:r>
               <a:rPr lang="zh-CN" altLang="en-US" sz="3200" dirty="0"/>
-              <a:t>设计用例 →执行用例→</a:t>
-            </a:r>
-            <a:r>
-              <a:rPr lang="zh-CN" altLang="en-US" sz="3200" dirty="0" smtClean="0"/>
-              <a:t>发现</a:t>
-            </a:r>
-            <a:r>
-              <a:rPr lang="en-US" altLang="zh-CN" sz="3200" dirty="0" smtClean="0"/>
-              <a:t>BUG</a:t>
+              <a:t>→</a:t>
+            </a:r>
+            <a:r>
+              <a:rPr lang="zh-CN" altLang="en-US" sz="3200" dirty="0">
+                <a:sym typeface="+mn-ea"/>
+              </a:rPr>
+              <a:t>进入控制台 </a:t>
+            </a:r>
+            <a:r>
+              <a:rPr lang="zh-CN" altLang="en-US" sz="3200" dirty="0"/>
+              <a:t>→</a:t>
+            </a:r>
+            <a:r>
+              <a:rPr sz="3200" dirty="0" smtClean="0"/>
+              <a:t>选择人脸识别</a:t>
             </a:r>
             <a:r>
               <a:rPr lang="zh-CN" altLang="en-US" sz="3200" dirty="0" smtClean="0"/>
@@ -4057,46 +4258,53 @@
               <a:rPr lang="zh-CN" altLang="en-US" sz="3200" dirty="0" smtClean="0">
                 <a:sym typeface="+mn-ea"/>
               </a:rPr>
-              <a:t>→提交</a:t>
+              <a:t>→</a:t>
+            </a:r>
+            <a:r>
+              <a:rPr sz="3200" dirty="0" smtClean="0">
+                <a:sym typeface="+mn-ea"/>
+              </a:rPr>
+              <a:t>创建应用 </a:t>
+            </a:r>
+            <a:r>
+              <a:rPr lang="zh-CN" altLang="en-US" sz="3200" dirty="0" smtClean="0">
+                <a:sym typeface="+mn-ea"/>
+              </a:rPr>
+              <a:t>→</a:t>
+            </a:r>
+            <a:r>
+              <a:rPr sz="3200" dirty="0" smtClean="0">
+                <a:sym typeface="+mn-ea"/>
+              </a:rPr>
+              <a:t>进入应用列表 </a:t>
+            </a:r>
+            <a:r>
+              <a:rPr lang="zh-CN" altLang="en-US" sz="3200" dirty="0" smtClean="0">
+                <a:sym typeface="+mn-ea"/>
+              </a:rPr>
+              <a:t>→记录下</a:t>
             </a:r>
             <a:r>
               <a:rPr lang="en-US" altLang="zh-CN" sz="3200" dirty="0" smtClean="0">
                 <a:sym typeface="+mn-ea"/>
               </a:rPr>
-              <a:t>BUG</a:t>
+              <a:t>APP key</a:t>
             </a:r>
             <a:r>
               <a:rPr lang="zh-CN" altLang="en-US" sz="3200" dirty="0" smtClean="0">
                 <a:sym typeface="+mn-ea"/>
               </a:rPr>
-              <a:t>→确认</a:t>
+              <a:t>，</a:t>
             </a:r>
             <a:r>
               <a:rPr lang="en-US" altLang="zh-CN" sz="3200" dirty="0" smtClean="0">
                 <a:sym typeface="+mn-ea"/>
               </a:rPr>
-              <a:t>BUG</a:t>
-            </a:r>
-            <a:r>
-              <a:rPr lang="zh-CN" altLang="en-US" sz="3200" dirty="0" smtClean="0">
-                <a:sym typeface="+mn-ea"/>
-              </a:rPr>
-              <a:t>修复→关闭</a:t>
-            </a:r>
-            <a:r>
-              <a:rPr lang="en-US" altLang="zh-CN" sz="3200" dirty="0" smtClean="0">
-                <a:sym typeface="+mn-ea"/>
-              </a:rPr>
-              <a:t>BUG</a:t>
-            </a:r>
-            <a:endParaRPr lang="en-US" altLang="zh-CN" sz="3200" dirty="0" smtClean="0"/>
-          </a:p>
-          <a:p>
-            <a:pPr algn="l"/>
+              <a:t>Security key</a:t>
+            </a:r>
             <a:endParaRPr lang="en-US" altLang="zh-CN" sz="4000" dirty="0" smtClean="0"/>
           </a:p>
           <a:p>
-            <a:pPr algn="l"/>
             <a:endParaRPr lang="en-US" altLang="zh-CN" sz="4000" dirty="0" smtClean="0"/>
           </a:p>
         </p:txBody>
@@ -4195,7 +4403,7 @@
                 <a:latin typeface="微软雅黑" panose="020B0503020204020204" charset="-122"/>
                 <a:ea typeface="微软雅黑" panose="020B0503020204020204" charset="-122"/>
               </a:rPr>
-              <a:t>设计用例</a:t>
+              <a:t>SDK下载</a:t>
             </a:r>
             <a:endParaRPr lang="zh-CN" altLang="en-US" sz="2500" b="1" dirty="0">
               <a:solidFill>
@@ -4209,14 +4417,14 @@
       </p:sp>
       <p:sp>
         <p:nvSpPr>
-          <p:cNvPr id="3" name="文本框 2"/>
+          <p:cNvPr id="4" name="文本框 3"/>
           <p:cNvSpPr txBox="1"/>
           <p:nvPr/>
         </p:nvSpPr>
         <p:spPr>
           <a:xfrm>
-            <a:off x="838200" y="1319530"/>
-            <a:ext cx="9411335" cy="2223135"/>
+            <a:off x="838200" y="1021715"/>
+            <a:ext cx="10777220" cy="1198880"/>
           </a:xfrm>
           <a:prstGeom prst="rect">
             <a:avLst/>
@@ -4228,122 +4436,192 @@
             <a:spAutoFit/>
           </a:bodyPr>
           <a:p>
-            <a:pPr>
-              <a:lnSpc>
-                <a:spcPct val="110000"/>
-              </a:lnSpc>
+            <a:pPr marL="285750" indent="-285750">
+              <a:buFont typeface="Wingdings" panose="05000000000000000000" charset="0"/>
+              <a:buChar char="l"/>
             </a:pPr>
             <a:r>
-              <a:rPr lang="zh-CN" altLang="en-US" dirty="0"/>
-              <a:t>①测试用例要根据系统需求说明书或者交互稿编写</a:t>
-            </a:r>
-            <a:r>
-              <a:rPr lang="zh-CN" altLang="en-US" dirty="0" smtClean="0"/>
-              <a:t>；</a:t>
-            </a:r>
-            <a:endParaRPr lang="zh-CN" altLang="en-US" dirty="0"/>
-          </a:p>
-          <a:p>
-            <a:pPr>
-              <a:lnSpc>
-                <a:spcPct val="110000"/>
-              </a:lnSpc>
+              <a:rPr lang="en-US" altLang="zh-CN"/>
+              <a:t>SDK</a:t>
+            </a:r>
+            <a:r>
+              <a:rPr lang="zh-CN" altLang="en-US"/>
+              <a:t>下载地址发</a:t>
+            </a:r>
+            <a:r>
+              <a:rPr lang="en-US" altLang="zh-CN"/>
+              <a:t>: https://ai.baidu.com/sdk#bfr</a:t>
+            </a:r>
+            <a:endParaRPr lang="en-US" altLang="zh-CN"/>
+          </a:p>
+          <a:p>
+            <a:pPr marL="285750" indent="-285750">
+              <a:buFont typeface="Wingdings" panose="05000000000000000000" charset="0"/>
+              <a:buChar char="l"/>
             </a:pPr>
             <a:r>
-              <a:rPr lang="zh-CN" altLang="en-US" dirty="0"/>
-              <a:t>②测试用例需要分类写（如</a:t>
-            </a:r>
-            <a:r>
-              <a:rPr lang="en-US" altLang="zh-CN" dirty="0"/>
-              <a:t>UI</a:t>
-            </a:r>
-            <a:r>
-              <a:rPr lang="zh-CN" altLang="en-US" dirty="0"/>
-              <a:t>界面、功能、容错、兼容、性能等几大类）</a:t>
-            </a:r>
-            <a:r>
-              <a:rPr lang="en-US" altLang="zh-CN" dirty="0"/>
-              <a:t>,</a:t>
-            </a:r>
-            <a:r>
-              <a:rPr lang="zh-CN" altLang="en-US" dirty="0"/>
-              <a:t>每个大类在根据软件的逻辑等进行划分成小类，最后细分到测试点</a:t>
-            </a:r>
-            <a:r>
-              <a:rPr lang="zh-CN" altLang="en-US" dirty="0" smtClean="0"/>
-              <a:t>；</a:t>
-            </a:r>
-            <a:endParaRPr lang="zh-CN" altLang="en-US" dirty="0"/>
-          </a:p>
-          <a:p>
-            <a:pPr>
-              <a:lnSpc>
-                <a:spcPct val="110000"/>
-              </a:lnSpc>
+              <a:rPr lang="en-US" altLang="zh-CN"/>
+              <a:t>下载Java 服务器端SDK : Java HTTP SDK</a:t>
+            </a:r>
+            <a:endParaRPr lang="en-US" altLang="zh-CN"/>
+          </a:p>
+          <a:p>
+            <a:pPr marL="285750" indent="-285750">
+              <a:buFont typeface="Arial" panose="020B0604020202020204" pitchFamily="34" charset="0"/>
+              <a:buChar char="•"/>
             </a:pPr>
-            <a:r>
-              <a:rPr lang="zh-CN" altLang="en-US" dirty="0"/>
-              <a:t>③设计用例常使用的方法：边界值、等价类、因果图法、正常和异常的测试</a:t>
-            </a:r>
-            <a:r>
-              <a:rPr lang="zh-CN" altLang="en-US" dirty="0" smtClean="0"/>
-              <a:t>；</a:t>
-            </a:r>
-            <a:endParaRPr lang="zh-CN" altLang="en-US" dirty="0"/>
-          </a:p>
-          <a:p>
-            <a:pPr>
-              <a:lnSpc>
-                <a:spcPct val="110000"/>
-              </a:lnSpc>
-            </a:pPr>
-            <a:r>
-              <a:rPr lang="zh-CN" altLang="en-US" dirty="0"/>
-              <a:t>④编写用例覆盖率要高，精力主要集中在软件的主要业务流程和风险高的地方，最好能分出测试的优先级别</a:t>
-            </a:r>
-            <a:endParaRPr lang="zh-CN" altLang="en-US" dirty="0"/>
-          </a:p>
-          <a:p>
-            <a:pPr marL="342900" indent="-342900">
-              <a:lnSpc>
-                <a:spcPct val="110000"/>
-              </a:lnSpc>
-              <a:buFont typeface="+mj-ea"/>
-              <a:buAutoNum type="circleNumDbPlain" startAt="5"/>
-            </a:pPr>
-            <a:r>
-              <a:rPr lang="zh-CN" altLang="en-US" dirty="0"/>
-              <a:t>对于编写好的测试用例，需要评审（便于提前发现问题）</a:t>
-            </a:r>
-            <a:endParaRPr lang="zh-CN" altLang="en-US" dirty="0"/>
-          </a:p>
-        </p:txBody>
-      </p:sp>
-      <p:pic>
-        <p:nvPicPr>
-          <p:cNvPr id="2" name="图片 1" descr="f703738da9773912a2e14710f8198618377ae2f8"/>
-          <p:cNvPicPr>
-            <a:picLocks noChangeAspect="1"/>
-          </p:cNvPicPr>
+            <a:endParaRPr lang="en-US" altLang="zh-CN"/>
+          </a:p>
+          <a:p>
+            <a:endParaRPr lang="en-US" altLang="zh-CN"/>
+          </a:p>
+        </p:txBody>
+      </p:sp>
+      <p:sp>
+        <p:nvSpPr>
+          <p:cNvPr id="6" name="文本框 5"/>
+          <p:cNvSpPr txBox="1"/>
           <p:nvPr/>
-        </p:nvPicPr>
-        <p:blipFill>
-          <a:blip r:embed="rId1"/>
-          <a:srcRect l="2730" b="12081"/>
-          <a:stretch>
-            <a:fillRect/>
-          </a:stretch>
-        </p:blipFill>
+        </p:nvSpPr>
         <p:spPr>
           <a:xfrm>
-            <a:off x="3359150" y="3542665"/>
-            <a:ext cx="5386070" cy="2692400"/>
+            <a:off x="1055370" y="1953895"/>
+            <a:ext cx="7515225" cy="368300"/>
+          </a:xfrm>
+          <a:prstGeom prst="rect">
+            <a:avLst/>
+          </a:prstGeom>
+          <a:noFill/>
+        </p:spPr>
+        <p:txBody>
+          <a:bodyPr wrap="square" rtlCol="0">
+            <a:spAutoFit/>
+          </a:bodyPr>
+          <a:p>
+            <a:endParaRPr lang="zh-CN" altLang="en-US"/>
+          </a:p>
+        </p:txBody>
+      </p:sp>
+      <p:sp>
+        <p:nvSpPr>
+          <p:cNvPr id="9" name="标题 7"/>
+          <p:cNvSpPr>
+            <a:spLocks noGrp="1"/>
+          </p:cNvSpPr>
+          <p:nvPr/>
+        </p:nvSpPr>
+        <p:spPr>
+          <a:xfrm>
+            <a:off x="838200" y="1735455"/>
+            <a:ext cx="7988935" cy="805180"/>
           </a:xfrm>
           <a:prstGeom prst="rect">
             <a:avLst/>
           </a:prstGeom>
         </p:spPr>
-      </p:pic>
+        <p:txBody>
+          <a:bodyPr vert="horz" lIns="91440" tIns="45720" rIns="91440" bIns="45720" rtlCol="0" anchor="ctr" anchorCtr="0">
+            <a:normAutofit/>
+          </a:bodyPr>
+          <a:lstStyle>
+            <a:lvl1pPr algn="ctr" defTabSz="914400" rtl="0" eaLnBrk="1" latinLnBrk="0" hangingPunct="1">
+              <a:lnSpc>
+                <a:spcPct val="90000"/>
+              </a:lnSpc>
+              <a:spcBef>
+                <a:spcPct val="0"/>
+              </a:spcBef>
+              <a:buNone/>
+              <a:defRPr sz="6000" kern="1200">
+                <a:solidFill>
+                  <a:schemeClr val="tx1"/>
+                </a:solidFill>
+                <a:latin typeface="+mj-lt"/>
+                <a:ea typeface="+mj-ea"/>
+                <a:cs typeface="+mj-cs"/>
+              </a:defRPr>
+            </a:lvl1pPr>
+          </a:lstStyle>
+          <a:p>
+            <a:pPr algn="l"/>
+            <a:r>
+              <a:rPr lang="zh-CN" altLang="en-US" sz="2500" b="1" dirty="0">
+                <a:solidFill>
+                  <a:srgbClr val="ED6C00"/>
+                </a:solidFill>
+                <a:latin typeface="微软雅黑" panose="020B0503020204020204" charset="-122"/>
+                <a:ea typeface="微软雅黑" panose="020B0503020204020204" charset="-122"/>
+              </a:rPr>
+              <a:t>基础概念</a:t>
+            </a:r>
+            <a:endParaRPr lang="zh-CN" altLang="en-US" sz="2500" b="1" dirty="0">
+              <a:solidFill>
+                <a:srgbClr val="ED6C00"/>
+              </a:solidFill>
+              <a:latin typeface="微软雅黑" panose="020B0503020204020204" charset="-122"/>
+              <a:ea typeface="微软雅黑" panose="020B0503020204020204" charset="-122"/>
+            </a:endParaRPr>
+          </a:p>
+        </p:txBody>
+      </p:sp>
+      <p:sp>
+        <p:nvSpPr>
+          <p:cNvPr id="11" name="文本框 10"/>
+          <p:cNvSpPr txBox="1"/>
+          <p:nvPr/>
+        </p:nvSpPr>
+        <p:spPr>
+          <a:xfrm>
+            <a:off x="838200" y="2540635"/>
+            <a:ext cx="8336280" cy="1198880"/>
+          </a:xfrm>
+          <a:prstGeom prst="rect">
+            <a:avLst/>
+          </a:prstGeom>
+          <a:noFill/>
+        </p:spPr>
+        <p:txBody>
+          <a:bodyPr wrap="square" rtlCol="0" anchor="t">
+            <a:spAutoFit/>
+          </a:bodyPr>
+          <a:p>
+            <a:pPr indent="0">
+              <a:buFont typeface="+mj-lt"/>
+              <a:buNone/>
+            </a:pPr>
+            <a:r>
+              <a:rPr lang="en-US" altLang="zh-CN"/>
+              <a:t>1.HTTP </a:t>
+            </a:r>
+            <a:endParaRPr lang="en-US" altLang="zh-CN"/>
+          </a:p>
+          <a:p>
+            <a:pPr indent="0">
+              <a:buFont typeface="+mj-lt"/>
+              <a:buNone/>
+            </a:pPr>
+            <a:endParaRPr lang="en-US" altLang="zh-CN"/>
+          </a:p>
+          <a:p>
+            <a:pPr indent="0">
+              <a:buFont typeface="+mj-lt"/>
+              <a:buNone/>
+            </a:pPr>
+            <a:r>
+              <a:rPr lang="en-US" altLang="zh-CN"/>
+              <a:t>2.</a:t>
+            </a:r>
+            <a:endParaRPr lang="en-US" altLang="zh-CN"/>
+          </a:p>
+          <a:p>
+            <a:pPr indent="0">
+              <a:buFont typeface="Wingdings" panose="05000000000000000000" charset="0"/>
+              <a:buNone/>
+            </a:pPr>
+            <a:endParaRPr lang="en-US" altLang="zh-CN"/>
+          </a:p>
+        </p:txBody>
+      </p:sp>
     </p:spTree>
   </p:cSld>
   <p:clrMapOvr>
@@ -4353,6 +4631,163 @@
 </file>
 
 <file path=ppt/slides/slide5.xml><?xml version="1.0" encoding="utf-8"?>
+<p:sld xmlns:a="http://schemas.openxmlformats.org/drawingml/2006/main" xmlns:r="http://schemas.openxmlformats.org/officeDocument/2006/relationships" xmlns:p="http://schemas.openxmlformats.org/presentationml/2006/main">
+  <p:cSld>
+    <p:spTree>
+      <p:nvGrpSpPr>
+        <p:cNvPr id="1" name=""/>
+        <p:cNvGrpSpPr/>
+        <p:nvPr/>
+      </p:nvGrpSpPr>
+      <p:grpSpPr/>
+      <p:sp>
+        <p:nvSpPr>
+          <p:cNvPr id="8" name="标题 7"/>
+          <p:cNvSpPr>
+            <a:spLocks noGrp="1"/>
+          </p:cNvSpPr>
+          <p:nvPr>
+            <p:ph type="title"/>
+          </p:nvPr>
+        </p:nvSpPr>
+        <p:spPr>
+          <a:xfrm>
+            <a:off x="838200" y="347980"/>
+            <a:ext cx="7988935" cy="805180"/>
+          </a:xfrm>
+        </p:spPr>
+        <p:txBody>
+          <a:bodyPr anchor="ctr" anchorCtr="0"/>
+          <a:p>
+            <a:pPr algn="l"/>
+            <a:r>
+              <a:rPr lang="zh-CN" altLang="en-US" sz="2500" b="1" dirty="0">
+                <a:solidFill>
+                  <a:srgbClr val="ED6C00"/>
+                </a:solidFill>
+                <a:latin typeface="微软雅黑" panose="020B0503020204020204" charset="-122"/>
+                <a:ea typeface="微软雅黑" panose="020B0503020204020204" charset="-122"/>
+              </a:rPr>
+              <a:t>基础功能（API调用）</a:t>
+            </a:r>
+            <a:endParaRPr lang="zh-CN" altLang="en-US" sz="2500" b="1" dirty="0">
+              <a:solidFill>
+                <a:srgbClr val="ED6C00"/>
+              </a:solidFill>
+              <a:latin typeface="微软雅黑" panose="020B0503020204020204" charset="-122"/>
+              <a:ea typeface="微软雅黑" panose="020B0503020204020204" charset="-122"/>
+            </a:endParaRPr>
+          </a:p>
+        </p:txBody>
+      </p:sp>
+      <p:sp>
+        <p:nvSpPr>
+          <p:cNvPr id="5" name="文本框 4"/>
+          <p:cNvSpPr txBox="1"/>
+          <p:nvPr/>
+        </p:nvSpPr>
+        <p:spPr>
+          <a:xfrm>
+            <a:off x="838200" y="1392555"/>
+            <a:ext cx="8585200" cy="2030095"/>
+          </a:xfrm>
+          <a:prstGeom prst="rect">
+            <a:avLst/>
+          </a:prstGeom>
+          <a:noFill/>
+        </p:spPr>
+        <p:txBody>
+          <a:bodyPr wrap="square" rtlCol="0">
+            <a:spAutoFit/>
+          </a:bodyPr>
+          <a:p>
+            <a:pPr marL="285750" indent="-285750">
+              <a:buFont typeface="Wingdings" panose="05000000000000000000" charset="0"/>
+              <a:buChar char="l"/>
+            </a:pPr>
+            <a:r>
+              <a:rPr lang="zh-CN" altLang="en-US"/>
+              <a:t>人脸检测</a:t>
+            </a:r>
+            <a:endParaRPr lang="zh-CN" altLang="en-US"/>
+          </a:p>
+          <a:p>
+            <a:pPr marL="285750" indent="-285750">
+              <a:buFont typeface="Wingdings" panose="05000000000000000000" charset="0"/>
+              <a:buChar char="l"/>
+            </a:pPr>
+            <a:r>
+              <a:rPr lang="zh-CN" altLang="en-US"/>
+              <a:t>人脸对比</a:t>
+            </a:r>
+            <a:endParaRPr lang="zh-CN" altLang="en-US"/>
+          </a:p>
+          <a:p>
+            <a:pPr marL="285750" indent="-285750">
+              <a:buFont typeface="Wingdings" panose="05000000000000000000" charset="0"/>
+              <a:buChar char="l"/>
+            </a:pPr>
+            <a:r>
+              <a:rPr lang="zh-CN" altLang="en-US"/>
+              <a:t>人脸搜索</a:t>
+            </a:r>
+            <a:endParaRPr lang="zh-CN" altLang="en-US"/>
+          </a:p>
+          <a:p>
+            <a:pPr marL="285750" indent="-285750">
+              <a:buFont typeface="Wingdings" panose="05000000000000000000" charset="0"/>
+              <a:buChar char="l"/>
+            </a:pPr>
+            <a:r>
+              <a:rPr lang="zh-CN" altLang="en-US"/>
+              <a:t>人脸库管理</a:t>
+            </a:r>
+            <a:endParaRPr lang="zh-CN" altLang="en-US"/>
+          </a:p>
+          <a:p>
+            <a:pPr marL="285750" indent="-285750">
+              <a:buFont typeface="Wingdings" panose="05000000000000000000" charset="0"/>
+              <a:buChar char="l"/>
+            </a:pPr>
+            <a:r>
+              <a:rPr lang="zh-CN" altLang="en-US"/>
+              <a:t>活体检测</a:t>
+            </a:r>
+            <a:endParaRPr lang="zh-CN" altLang="en-US"/>
+          </a:p>
+          <a:p>
+            <a:pPr marL="285750" indent="-285750">
+              <a:buFont typeface="Wingdings" panose="05000000000000000000" charset="0"/>
+              <a:buChar char="l"/>
+            </a:pPr>
+            <a:r>
+              <a:rPr lang="zh-CN" altLang="en-US"/>
+              <a:t>身份验证</a:t>
+            </a:r>
+            <a:endParaRPr lang="zh-CN" altLang="en-US"/>
+          </a:p>
+          <a:p>
+            <a:pPr marL="285750" indent="-285750">
+              <a:buFont typeface="Wingdings" panose="05000000000000000000" charset="0"/>
+              <a:buChar char="l"/>
+            </a:pPr>
+            <a:r>
+              <a:rPr lang="zh-CN" altLang="en-US"/>
+              <a:t>人脸融合</a:t>
+            </a:r>
+            <a:endParaRPr lang="zh-CN" altLang="en-US"/>
+          </a:p>
+        </p:txBody>
+      </p:sp>
+    </p:spTree>
+  </p:cSld>
+  <p:clrMapOvr>
+    <a:masterClrMapping/>
+  </p:clrMapOvr>
+</p:sld>
+</file>
+
+<file path=ppt/slides/slide6.xml><?xml version="1.0" encoding="utf-8"?>
 <p:sld xmlns:a="http://schemas.openxmlformats.org/drawingml/2006/main" xmlns:r="http://schemas.openxmlformats.org/officeDocument/2006/relationships" xmlns:p="http://schemas.openxmlformats.org/presentationml/2006/main">
   <p:cSld>
     <p:spTree>
@@ -4636,7 +5071,7 @@
 </p:sld>
 </file>
 
-<file path=ppt/slides/slide6.xml><?xml version="1.0" encoding="utf-8"?>
+<file path=ppt/slides/slide7.xml><?xml version="1.0" encoding="utf-8"?>
 <p:sld xmlns:a="http://schemas.openxmlformats.org/drawingml/2006/main" xmlns:r="http://schemas.openxmlformats.org/officeDocument/2006/relationships" xmlns:p="http://schemas.openxmlformats.org/presentationml/2006/main">
   <p:cSld>
     <p:spTree>
@@ -4979,7 +5414,7 @@
 </p:sld>
 </file>
 
-<file path=ppt/slides/slide7.xml><?xml version="1.0" encoding="utf-8"?>
+<file path=ppt/slides/slide8.xml><?xml version="1.0" encoding="utf-8"?>
 <p:sld xmlns:a="http://schemas.openxmlformats.org/drawingml/2006/main" xmlns:r="http://schemas.openxmlformats.org/officeDocument/2006/relationships" xmlns:p="http://schemas.openxmlformats.org/presentationml/2006/main">
   <p:cSld>
     <p:spTree>
@@ -5251,7 +5686,7 @@
 </p:sld>
 </file>
 
-<file path=ppt/slides/slide8.xml><?xml version="1.0" encoding="utf-8"?>
+<file path=ppt/slides/slide9.xml><?xml version="1.0" encoding="utf-8"?>
 <p:sld xmlns:a="http://schemas.openxmlformats.org/drawingml/2006/main" xmlns:r="http://schemas.openxmlformats.org/officeDocument/2006/relationships" xmlns:p="http://schemas.openxmlformats.org/presentationml/2006/main">
   <p:cSld>
     <p:spTree>
@@ -6124,214 +6559,6 @@
 </p:sld>
 </file>
 
-<file path=ppt/slides/slide9.xml><?xml version="1.0" encoding="utf-8"?>
-<p:sld xmlns:a="http://schemas.openxmlformats.org/drawingml/2006/main" xmlns:r="http://schemas.openxmlformats.org/officeDocument/2006/relationships" xmlns:p="http://schemas.openxmlformats.org/presentationml/2006/main">
-  <p:cSld>
-    <p:spTree>
-      <p:nvGrpSpPr>
-        <p:cNvPr id="1" name=""/>
-        <p:cNvGrpSpPr/>
-        <p:nvPr/>
-      </p:nvGrpSpPr>
-      <p:grpSpPr>
-        <a:xfrm>
-          <a:off x="0" y="0"/>
-          <a:ext cx="0" cy="0"/>
-          <a:chOff x="0" y="0"/>
-          <a:chExt cx="0" cy="0"/>
-        </a:xfrm>
-      </p:grpSpPr>
-      <p:sp>
-        <p:nvSpPr>
-          <p:cNvPr id="7" name="文本框 6"/>
-          <p:cNvSpPr txBox="1"/>
-          <p:nvPr/>
-        </p:nvSpPr>
-        <p:spPr>
-          <a:xfrm>
-            <a:off x="11334750" y="6398895"/>
-            <a:ext cx="323850" cy="245110"/>
-          </a:xfrm>
-          <a:prstGeom prst="rect">
-            <a:avLst/>
-          </a:prstGeom>
-          <a:noFill/>
-        </p:spPr>
-        <p:txBody>
-          <a:bodyPr wrap="none" rtlCol="0">
-            <a:spAutoFit/>
-          </a:bodyPr>
-          <a:lstStyle/>
-          <a:p>
-            <a:r>
-              <a:rPr lang="en-US" altLang="zh-CN" sz="1000">
-                <a:solidFill>
-                  <a:srgbClr val="ED6C00"/>
-                </a:solidFill>
-                <a:latin typeface="Arial" panose="020B0604020202020204" pitchFamily="34" charset="0"/>
-              </a:rPr>
-              <a:t>02</a:t>
-            </a:r>
-            <a:endParaRPr lang="en-US" altLang="zh-CN" sz="1000">
-              <a:solidFill>
-                <a:srgbClr val="ED6C00"/>
-              </a:solidFill>
-              <a:latin typeface="Arial" panose="020B0604020202020204" pitchFamily="34" charset="0"/>
-            </a:endParaRPr>
-          </a:p>
-        </p:txBody>
-      </p:sp>
-      <p:sp>
-        <p:nvSpPr>
-          <p:cNvPr id="8" name="标题 7"/>
-          <p:cNvSpPr>
-            <a:spLocks noGrp="1"/>
-          </p:cNvSpPr>
-          <p:nvPr>
-            <p:ph type="title"/>
-          </p:nvPr>
-        </p:nvSpPr>
-        <p:spPr>
-          <a:xfrm>
-            <a:off x="838200" y="347980"/>
-            <a:ext cx="7988935" cy="805180"/>
-          </a:xfrm>
-        </p:spPr>
-        <p:txBody>
-          <a:bodyPr anchor="ctr" anchorCtr="0"/>
-          <a:lstStyle/>
-          <a:p>
-            <a:pPr algn="l"/>
-            <a:r>
-              <a:rPr lang="zh-CN" altLang="en-US" sz="2500" b="1" dirty="0">
-                <a:solidFill>
-                  <a:srgbClr val="ED6C00"/>
-                </a:solidFill>
-                <a:latin typeface="微软雅黑" panose="020B0503020204020204" charset="-122"/>
-                <a:ea typeface="微软雅黑" panose="020B0503020204020204" charset="-122"/>
-              </a:rPr>
-              <a:t>自我评价与体会</a:t>
-            </a:r>
-            <a:endParaRPr lang="zh-CN" altLang="en-US" sz="2500" b="1" dirty="0">
-              <a:solidFill>
-                <a:srgbClr val="ED6C00"/>
-              </a:solidFill>
-              <a:latin typeface="微软雅黑" panose="020B0503020204020204" charset="-122"/>
-              <a:ea typeface="微软雅黑" panose="020B0503020204020204" charset="-122"/>
-            </a:endParaRPr>
-          </a:p>
-        </p:txBody>
-      </p:sp>
-      <p:sp>
-        <p:nvSpPr>
-          <p:cNvPr id="3" name="文本框 2"/>
-          <p:cNvSpPr txBox="1"/>
-          <p:nvPr/>
-        </p:nvSpPr>
-        <p:spPr>
-          <a:xfrm>
-            <a:off x="838200" y="1319530"/>
-            <a:ext cx="9411335" cy="3744595"/>
-          </a:xfrm>
-          <a:prstGeom prst="rect">
-            <a:avLst/>
-          </a:prstGeom>
-          <a:noFill/>
-        </p:spPr>
-        <p:txBody>
-          <a:bodyPr wrap="square" rtlCol="0">
-            <a:spAutoFit/>
-          </a:bodyPr>
-          <a:p>
-            <a:pPr>
-              <a:lnSpc>
-                <a:spcPct val="120000"/>
-              </a:lnSpc>
-            </a:pPr>
-            <a:r>
-              <a:rPr lang="zh-CN" altLang="en-US" dirty="0"/>
-              <a:t>①工作质量：提升工作效率，在有效的时间内用最有效的方式工作，同时不懂的地方要更多地虚心请教同事，细心查阅资料，保证工作的顺利</a:t>
-            </a:r>
-            <a:r>
-              <a:rPr lang="zh-CN" altLang="en-US" dirty="0" smtClean="0"/>
-              <a:t>；</a:t>
-            </a:r>
-            <a:endParaRPr lang="zh-CN" altLang="en-US" dirty="0"/>
-          </a:p>
-          <a:p>
-            <a:pPr>
-              <a:lnSpc>
-                <a:spcPct val="120000"/>
-              </a:lnSpc>
-            </a:pPr>
-            <a:endParaRPr lang="zh-CN" altLang="en-US" dirty="0"/>
-          </a:p>
-          <a:p>
-            <a:pPr>
-              <a:lnSpc>
-                <a:spcPct val="120000"/>
-              </a:lnSpc>
-            </a:pPr>
-            <a:r>
-              <a:rPr lang="zh-CN" altLang="en-US" dirty="0"/>
-              <a:t>②思考不足：在进行每一项工作之前，认真分析工作内容，对于工作中可能出现的一些疑问，要先做好应对措施，另外对于工作中出现的问题要及时总结；</a:t>
-            </a:r>
-            <a:endParaRPr lang="zh-CN" altLang="en-US" dirty="0"/>
-          </a:p>
-          <a:p>
-            <a:pPr>
-              <a:lnSpc>
-                <a:spcPct val="120000"/>
-              </a:lnSpc>
-            </a:pPr>
-            <a:endParaRPr lang="zh-CN" altLang="en-US" dirty="0"/>
-          </a:p>
-          <a:p>
-            <a:pPr>
-              <a:lnSpc>
-                <a:spcPct val="120000"/>
-              </a:lnSpc>
-            </a:pPr>
-            <a:r>
-              <a:rPr lang="zh-CN" altLang="en-US" dirty="0"/>
-              <a:t>③业务知识：工作中出现的问题，归根结底还是因为对相关领域知识的了解不足导致的，因此平日里要更多地注重业务知识的积累，多看多听多想</a:t>
-            </a:r>
-            <a:r>
-              <a:rPr lang="zh-CN" altLang="en-US" dirty="0" smtClean="0"/>
-              <a:t>；</a:t>
-            </a:r>
-            <a:endParaRPr lang="zh-CN" altLang="en-US" dirty="0"/>
-          </a:p>
-          <a:p>
-            <a:pPr>
-              <a:lnSpc>
-                <a:spcPct val="120000"/>
-              </a:lnSpc>
-            </a:pPr>
-            <a:endParaRPr lang="zh-CN" altLang="en-US" dirty="0"/>
-          </a:p>
-          <a:p>
-            <a:pPr>
-              <a:lnSpc>
-                <a:spcPct val="120000"/>
-              </a:lnSpc>
-            </a:pPr>
-            <a:r>
-              <a:rPr lang="zh-CN" altLang="en-US" dirty="0"/>
-              <a:t>④缺乏积极主动性：积极主动地完成交代下来的工作，并且当交代下来的工作完成时，应该主动询问是否有其他的需要，并主动地进行测试方面知识的学习与完善</a:t>
-            </a:r>
-            <a:endParaRPr lang="zh-CN" altLang="en-US" dirty="0"/>
-          </a:p>
-        </p:txBody>
-      </p:sp>
-    </p:spTree>
-  </p:cSld>
-  <p:clrMapOvr>
-    <a:masterClrMapping/>
-  </p:clrMapOvr>
-</p:sld>
-</file>
-
 <file path=ppt/tags/tag1.xml><?xml version="1.0" encoding="utf-8"?>
 <p:tagLst xmlns:p="http://schemas.openxmlformats.org/presentationml/2006/main">
   <p:tag name="KSO_WM_SLIDE_MODEL_TYPE" val="cover"/>

--- a/BaiduAI.pptx
+++ b/BaiduAI.pptx
@@ -9,14 +9,16 @@
     <p:sldId id="275" r:id="rId4"/>
     <p:sldId id="286" r:id="rId5"/>
     <p:sldId id="282" r:id="rId6"/>
-    <p:sldId id="310" r:id="rId7"/>
-    <p:sldId id="294" r:id="rId8"/>
-    <p:sldId id="303" r:id="rId9"/>
-    <p:sldId id="295" r:id="rId10"/>
-    <p:sldId id="297" r:id="rId11"/>
-    <p:sldId id="299" r:id="rId12"/>
-    <p:sldId id="300" r:id="rId13"/>
-    <p:sldId id="278" r:id="rId14"/>
+    <p:sldId id="320" r:id="rId7"/>
+    <p:sldId id="321" r:id="rId8"/>
+    <p:sldId id="294" r:id="rId9"/>
+    <p:sldId id="303" r:id="rId10"/>
+    <p:sldId id="295" r:id="rId11"/>
+    <p:sldId id="297" r:id="rId12"/>
+    <p:sldId id="299" r:id="rId13"/>
+    <p:sldId id="300" r:id="rId14"/>
+    <p:sldId id="322" r:id="rId15"/>
+    <p:sldId id="278" r:id="rId16"/>
   </p:sldIdLst>
   <p:sldSz cx="12192000" cy="6858000"/>
   <p:notesSz cx="7103745" cy="10234295"/>
@@ -116,6 +118,4482 @@
     </a:lvl9pPr>
   </p:defaultTextStyle>
 </p:presentation>
+</file>
+
+<file path=ppt/diagrams/colors1.xml><?xml version="1.0" encoding="utf-8"?>
+<dgm:colorsDef xmlns:dgm="http://schemas.openxmlformats.org/drawingml/2006/diagram" xmlns:a="http://schemas.openxmlformats.org/drawingml/2006/main" uniqueId="urn:microsoft.com/office/officeart/2005/8/colors/accent1_2">
+  <dgm:title val=""/>
+  <dgm:desc val=""/>
+  <dgm:catLst>
+    <dgm:cat type="accent1" pri="11200"/>
+  </dgm:catLst>
+  <dgm:styleLbl name="alignAcc1">
+    <dgm:fillClrLst meth="repeat">
+      <a:schemeClr val="lt1">
+        <a:alpha val="90000"/>
+      </a:schemeClr>
+    </dgm:fillClrLst>
+    <dgm:linClrLst meth="repeat">
+      <a:schemeClr val="accent1"/>
+    </dgm:linClrLst>
+    <dgm:effectClrLst/>
+    <dgm:txLinClrLst/>
+    <dgm:txFillClrLst meth="repeat">
+      <a:schemeClr val="dk1"/>
+    </dgm:txFillClrLst>
+    <dgm:txEffectClrLst/>
+  </dgm:styleLbl>
+  <dgm:styleLbl name="alignAccFollowNode1">
+    <dgm:fillClrLst meth="repeat">
+      <a:schemeClr val="accent1">
+        <a:alpha val="90000"/>
+        <a:tint val="40000"/>
+      </a:schemeClr>
+    </dgm:fillClrLst>
+    <dgm:linClrLst meth="repeat">
+      <a:schemeClr val="accent1">
+        <a:alpha val="90000"/>
+        <a:tint val="40000"/>
+      </a:schemeClr>
+    </dgm:linClrLst>
+    <dgm:effectClrLst/>
+    <dgm:txLinClrLst/>
+    <dgm:txFillClrLst meth="repeat">
+      <a:schemeClr val="dk1"/>
+    </dgm:txFillClrLst>
+    <dgm:txEffectClrLst/>
+  </dgm:styleLbl>
+  <dgm:styleLbl name="alignImgPlace1">
+    <dgm:fillClrLst meth="repeat">
+      <a:schemeClr val="accent1">
+        <a:tint val="50000"/>
+      </a:schemeClr>
+    </dgm:fillClrLst>
+    <dgm:linClrLst meth="repeat">
+      <a:schemeClr val="lt1"/>
+    </dgm:linClrLst>
+    <dgm:effectClrLst/>
+    <dgm:txLinClrLst/>
+    <dgm:txFillClrLst meth="repeat">
+      <a:schemeClr val="lt1"/>
+    </dgm:txFillClrLst>
+    <dgm:txEffectClrLst/>
+  </dgm:styleLbl>
+  <dgm:styleLbl name="alignNode1">
+    <dgm:fillClrLst meth="repeat">
+      <a:schemeClr val="accent1"/>
+    </dgm:fillClrLst>
+    <dgm:linClrLst meth="repeat">
+      <a:schemeClr val="accent1"/>
+    </dgm:linClrLst>
+    <dgm:effectClrLst/>
+    <dgm:txLinClrLst/>
+    <dgm:txFillClrLst/>
+    <dgm:txEffectClrLst/>
+  </dgm:styleLbl>
+  <dgm:styleLbl name="asst0">
+    <dgm:fillClrLst meth="repeat">
+      <a:schemeClr val="accent1"/>
+    </dgm:fillClrLst>
+    <dgm:linClrLst meth="repeat">
+      <a:schemeClr val="lt1"/>
+    </dgm:linClrLst>
+    <dgm:effectClrLst/>
+    <dgm:txLinClrLst/>
+    <dgm:txFillClrLst/>
+    <dgm:txEffectClrLst/>
+  </dgm:styleLbl>
+  <dgm:styleLbl name="asst1">
+    <dgm:fillClrLst meth="repeat">
+      <a:schemeClr val="accent1"/>
+    </dgm:fillClrLst>
+    <dgm:linClrLst meth="repeat">
+      <a:schemeClr val="lt1"/>
+    </dgm:linClrLst>
+    <dgm:effectClrLst/>
+    <dgm:txLinClrLst/>
+    <dgm:txFillClrLst/>
+    <dgm:txEffectClrLst/>
+  </dgm:styleLbl>
+  <dgm:styleLbl name="asst2">
+    <dgm:fillClrLst meth="repeat">
+      <a:schemeClr val="accent1"/>
+    </dgm:fillClrLst>
+    <dgm:linClrLst meth="repeat">
+      <a:schemeClr val="lt1"/>
+    </dgm:linClrLst>
+    <dgm:effectClrLst/>
+    <dgm:txLinClrLst/>
+    <dgm:txFillClrLst/>
+    <dgm:txEffectClrLst/>
+  </dgm:styleLbl>
+  <dgm:styleLbl name="asst3">
+    <dgm:fillClrLst meth="repeat">
+      <a:schemeClr val="accent1"/>
+    </dgm:fillClrLst>
+    <dgm:linClrLst meth="repeat">
+      <a:schemeClr val="lt1"/>
+    </dgm:linClrLst>
+    <dgm:effectClrLst/>
+    <dgm:txLinClrLst/>
+    <dgm:txFillClrLst/>
+    <dgm:txEffectClrLst/>
+  </dgm:styleLbl>
+  <dgm:styleLbl name="asst4">
+    <dgm:fillClrLst meth="repeat">
+      <a:schemeClr val="accent1"/>
+    </dgm:fillClrLst>
+    <dgm:linClrLst meth="repeat">
+      <a:schemeClr val="lt1"/>
+    </dgm:linClrLst>
+    <dgm:effectClrLst/>
+    <dgm:txLinClrLst/>
+    <dgm:txFillClrLst/>
+    <dgm:txEffectClrLst/>
+  </dgm:styleLbl>
+  <dgm:styleLbl name="bgAcc1">
+    <dgm:fillClrLst meth="repeat">
+      <a:schemeClr val="lt1">
+        <a:alpha val="90000"/>
+      </a:schemeClr>
+    </dgm:fillClrLst>
+    <dgm:linClrLst meth="repeat">
+      <a:schemeClr val="accent1"/>
+    </dgm:linClrLst>
+    <dgm:effectClrLst/>
+    <dgm:txLinClrLst/>
+    <dgm:txFillClrLst meth="repeat">
+      <a:schemeClr val="dk1"/>
+    </dgm:txFillClrLst>
+    <dgm:txEffectClrLst/>
+  </dgm:styleLbl>
+  <dgm:styleLbl name="bgAccFollowNode1">
+    <dgm:fillClrLst meth="repeat">
+      <a:schemeClr val="accent1">
+        <a:alpha val="90000"/>
+        <a:tint val="40000"/>
+      </a:schemeClr>
+    </dgm:fillClrLst>
+    <dgm:linClrLst meth="repeat">
+      <a:schemeClr val="accent1">
+        <a:alpha val="90000"/>
+        <a:tint val="40000"/>
+      </a:schemeClr>
+    </dgm:linClrLst>
+    <dgm:effectClrLst/>
+    <dgm:txLinClrLst/>
+    <dgm:txFillClrLst meth="repeat">
+      <a:schemeClr val="dk1"/>
+    </dgm:txFillClrLst>
+    <dgm:txEffectClrLst/>
+  </dgm:styleLbl>
+  <dgm:styleLbl name="bgImgPlace1">
+    <dgm:fillClrLst meth="repeat">
+      <a:schemeClr val="accent1">
+        <a:tint val="50000"/>
+      </a:schemeClr>
+    </dgm:fillClrLst>
+    <dgm:linClrLst meth="repeat">
+      <a:schemeClr val="lt1"/>
+    </dgm:linClrLst>
+    <dgm:effectClrLst/>
+    <dgm:txLinClrLst/>
+    <dgm:txFillClrLst meth="repeat">
+      <a:schemeClr val="lt1"/>
+    </dgm:txFillClrLst>
+    <dgm:txEffectClrLst/>
+  </dgm:styleLbl>
+  <dgm:styleLbl name="bgShp">
+    <dgm:fillClrLst meth="repeat">
+      <a:schemeClr val="accent1">
+        <a:tint val="40000"/>
+      </a:schemeClr>
+    </dgm:fillClrLst>
+    <dgm:linClrLst meth="repeat">
+      <a:schemeClr val="accent1"/>
+    </dgm:linClrLst>
+    <dgm:effectClrLst/>
+    <dgm:txLinClrLst/>
+    <dgm:txFillClrLst meth="repeat">
+      <a:schemeClr val="dk1"/>
+    </dgm:txFillClrLst>
+    <dgm:txEffectClrLst/>
+  </dgm:styleLbl>
+  <dgm:styleLbl name="bgSibTrans2D1">
+    <dgm:fillClrLst meth="repeat">
+      <a:schemeClr val="accent1">
+        <a:tint val="60000"/>
+      </a:schemeClr>
+    </dgm:fillClrLst>
+    <dgm:linClrLst meth="repeat">
+      <a:schemeClr val="accent1">
+        <a:tint val="60000"/>
+      </a:schemeClr>
+    </dgm:linClrLst>
+    <dgm:effectClrLst/>
+    <dgm:txLinClrLst/>
+    <dgm:txFillClrLst/>
+    <dgm:txEffectClrLst/>
+  </dgm:styleLbl>
+  <dgm:styleLbl name="callout">
+    <dgm:fillClrLst meth="repeat">
+      <a:schemeClr val="accent1"/>
+    </dgm:fillClrLst>
+    <dgm:linClrLst meth="repeat">
+      <a:schemeClr val="accent1">
+        <a:tint val="50000"/>
+      </a:schemeClr>
+    </dgm:linClrLst>
+    <dgm:effectClrLst/>
+    <dgm:txLinClrLst/>
+    <dgm:txFillClrLst meth="repeat">
+      <a:schemeClr val="tx1"/>
+    </dgm:txFillClrLst>
+    <dgm:txEffectClrLst/>
+  </dgm:styleLbl>
+  <dgm:styleLbl name="conFgAcc1">
+    <dgm:fillClrLst meth="repeat">
+      <a:schemeClr val="lt1">
+        <a:alpha val="90000"/>
+      </a:schemeClr>
+    </dgm:fillClrLst>
+    <dgm:linClrLst meth="repeat">
+      <a:schemeClr val="accent1"/>
+    </dgm:linClrLst>
+    <dgm:effectClrLst/>
+    <dgm:txLinClrLst/>
+    <dgm:txFillClrLst meth="repeat">
+      <a:schemeClr val="dk1"/>
+    </dgm:txFillClrLst>
+    <dgm:txEffectClrLst/>
+  </dgm:styleLbl>
+  <dgm:styleLbl name="dkBgShp">
+    <dgm:fillClrLst meth="repeat">
+      <a:schemeClr val="accent1">
+        <a:shade val="80000"/>
+      </a:schemeClr>
+    </dgm:fillClrLst>
+    <dgm:linClrLst meth="repeat">
+      <a:schemeClr val="accent1"/>
+    </dgm:linClrLst>
+    <dgm:effectClrLst/>
+    <dgm:txLinClrLst/>
+    <dgm:txFillClrLst meth="repeat">
+      <a:schemeClr val="lt1"/>
+    </dgm:txFillClrLst>
+    <dgm:txEffectClrLst/>
+  </dgm:styleLbl>
+  <dgm:styleLbl name="fgAcc0">
+    <dgm:fillClrLst meth="repeat">
+      <a:schemeClr val="lt1">
+        <a:alpha val="90000"/>
+      </a:schemeClr>
+    </dgm:fillClrLst>
+    <dgm:linClrLst meth="repeat">
+      <a:schemeClr val="accent1"/>
+    </dgm:linClrLst>
+    <dgm:effectClrLst/>
+    <dgm:txLinClrLst/>
+    <dgm:txFillClrLst meth="repeat">
+      <a:schemeClr val="dk1"/>
+    </dgm:txFillClrLst>
+    <dgm:txEffectClrLst/>
+  </dgm:styleLbl>
+  <dgm:styleLbl name="fgAcc1">
+    <dgm:fillClrLst meth="repeat">
+      <a:schemeClr val="lt1">
+        <a:alpha val="90000"/>
+      </a:schemeClr>
+    </dgm:fillClrLst>
+    <dgm:linClrLst meth="repeat">
+      <a:schemeClr val="accent1"/>
+    </dgm:linClrLst>
+    <dgm:effectClrLst/>
+    <dgm:txLinClrLst/>
+    <dgm:txFillClrLst meth="repeat">
+      <a:schemeClr val="dk1"/>
+    </dgm:txFillClrLst>
+    <dgm:txEffectClrLst/>
+  </dgm:styleLbl>
+  <dgm:styleLbl name="fgAcc2">
+    <dgm:fillClrLst meth="repeat">
+      <a:schemeClr val="lt1">
+        <a:alpha val="90000"/>
+      </a:schemeClr>
+    </dgm:fillClrLst>
+    <dgm:linClrLst meth="repeat">
+      <a:schemeClr val="accent1"/>
+    </dgm:linClrLst>
+    <dgm:effectClrLst/>
+    <dgm:txLinClrLst/>
+    <dgm:txFillClrLst meth="repeat">
+      <a:schemeClr val="dk1"/>
+    </dgm:txFillClrLst>
+    <dgm:txEffectClrLst/>
+  </dgm:styleLbl>
+  <dgm:styleLbl name="fgAcc3">
+    <dgm:fillClrLst meth="repeat">
+      <a:schemeClr val="lt1">
+        <a:alpha val="90000"/>
+      </a:schemeClr>
+    </dgm:fillClrLst>
+    <dgm:linClrLst meth="repeat">
+      <a:schemeClr val="accent1"/>
+    </dgm:linClrLst>
+    <dgm:effectClrLst/>
+    <dgm:txLinClrLst/>
+    <dgm:txFillClrLst meth="repeat">
+      <a:schemeClr val="dk1"/>
+    </dgm:txFillClrLst>
+    <dgm:txEffectClrLst/>
+  </dgm:styleLbl>
+  <dgm:styleLbl name="fgAcc4">
+    <dgm:fillClrLst meth="repeat">
+      <a:schemeClr val="lt1">
+        <a:alpha val="90000"/>
+      </a:schemeClr>
+    </dgm:fillClrLst>
+    <dgm:linClrLst meth="repeat">
+      <a:schemeClr val="accent1"/>
+    </dgm:linClrLst>
+    <dgm:effectClrLst/>
+    <dgm:txLinClrLst/>
+    <dgm:txFillClrLst meth="repeat">
+      <a:schemeClr val="dk1"/>
+    </dgm:txFillClrLst>
+    <dgm:txEffectClrLst/>
+  </dgm:styleLbl>
+  <dgm:styleLbl name="fgAccFollowNode1">
+    <dgm:fillClrLst meth="repeat">
+      <a:schemeClr val="accent1">
+        <a:alpha val="90000"/>
+        <a:tint val="40000"/>
+      </a:schemeClr>
+    </dgm:fillClrLst>
+    <dgm:linClrLst meth="repeat">
+      <a:schemeClr val="accent1">
+        <a:alpha val="90000"/>
+        <a:tint val="40000"/>
+      </a:schemeClr>
+    </dgm:linClrLst>
+    <dgm:effectClrLst/>
+    <dgm:txLinClrLst/>
+    <dgm:txFillClrLst meth="repeat">
+      <a:schemeClr val="dk1"/>
+    </dgm:txFillClrLst>
+    <dgm:txEffectClrLst/>
+  </dgm:styleLbl>
+  <dgm:styleLbl name="fgImgPlace1">
+    <dgm:fillClrLst meth="repeat">
+      <a:schemeClr val="accent1">
+        <a:tint val="50000"/>
+      </a:schemeClr>
+    </dgm:fillClrLst>
+    <dgm:linClrLst meth="repeat">
+      <a:schemeClr val="lt1"/>
+    </dgm:linClrLst>
+    <dgm:effectClrLst/>
+    <dgm:txLinClrLst/>
+    <dgm:txFillClrLst meth="repeat">
+      <a:schemeClr val="lt1"/>
+    </dgm:txFillClrLst>
+    <dgm:txEffectClrLst/>
+  </dgm:styleLbl>
+  <dgm:styleLbl name="fgShp">
+    <dgm:fillClrLst meth="repeat">
+      <a:schemeClr val="accent1">
+        <a:tint val="60000"/>
+      </a:schemeClr>
+    </dgm:fillClrLst>
+    <dgm:linClrLst meth="repeat">
+      <a:schemeClr val="lt1"/>
+    </dgm:linClrLst>
+    <dgm:effectClrLst/>
+    <dgm:txLinClrLst/>
+    <dgm:txFillClrLst meth="repeat">
+      <a:schemeClr val="dk1"/>
+    </dgm:txFillClrLst>
+    <dgm:txEffectClrLst/>
+  </dgm:styleLbl>
+  <dgm:styleLbl name="fgSibTrans2D1">
+    <dgm:fillClrLst meth="repeat">
+      <a:schemeClr val="accent1">
+        <a:tint val="60000"/>
+      </a:schemeClr>
+    </dgm:fillClrLst>
+    <dgm:linClrLst meth="repeat">
+      <a:schemeClr val="accent1">
+        <a:tint val="60000"/>
+      </a:schemeClr>
+    </dgm:linClrLst>
+    <dgm:effectClrLst/>
+    <dgm:txLinClrLst/>
+    <dgm:txFillClrLst/>
+    <dgm:txEffectClrLst/>
+  </dgm:styleLbl>
+  <dgm:styleLbl name="lnNode1">
+    <dgm:fillClrLst meth="repeat">
+      <a:schemeClr val="accent1"/>
+    </dgm:fillClrLst>
+    <dgm:linClrLst meth="repeat">
+      <a:schemeClr val="lt1"/>
+    </dgm:linClrLst>
+    <dgm:effectClrLst/>
+    <dgm:txLinClrLst/>
+    <dgm:txFillClrLst/>
+    <dgm:txEffectClrLst/>
+  </dgm:styleLbl>
+  <dgm:styleLbl name="node0">
+    <dgm:fillClrLst meth="repeat">
+      <a:schemeClr val="accent1"/>
+    </dgm:fillClrLst>
+    <dgm:linClrLst meth="repeat">
+      <a:schemeClr val="lt1"/>
+    </dgm:linClrLst>
+    <dgm:effectClrLst/>
+    <dgm:txLinClrLst/>
+    <dgm:txFillClrLst/>
+    <dgm:txEffectClrLst/>
+  </dgm:styleLbl>
+  <dgm:styleLbl name="node1">
+    <dgm:fillClrLst meth="repeat">
+      <a:schemeClr val="accent1"/>
+    </dgm:fillClrLst>
+    <dgm:linClrLst meth="repeat">
+      <a:schemeClr val="lt1"/>
+    </dgm:linClrLst>
+    <dgm:effectClrLst/>
+    <dgm:txLinClrLst/>
+    <dgm:txFillClrLst/>
+    <dgm:txEffectClrLst/>
+  </dgm:styleLbl>
+  <dgm:styleLbl name="node2">
+    <dgm:fillClrLst meth="repeat">
+      <a:schemeClr val="accent1"/>
+    </dgm:fillClrLst>
+    <dgm:linClrLst meth="repeat">
+      <a:schemeClr val="lt1"/>
+    </dgm:linClrLst>
+    <dgm:effectClrLst/>
+    <dgm:txLinClrLst/>
+    <dgm:txFillClrLst/>
+    <dgm:txEffectClrLst/>
+  </dgm:styleLbl>
+  <dgm:styleLbl name="node3">
+    <dgm:fillClrLst meth="repeat">
+      <a:schemeClr val="accent1"/>
+    </dgm:fillClrLst>
+    <dgm:linClrLst meth="repeat">
+      <a:schemeClr val="lt1"/>
+    </dgm:linClrLst>
+    <dgm:effectClrLst/>
+    <dgm:txLinClrLst/>
+    <dgm:txFillClrLst/>
+    <dgm:txEffectClrLst/>
+  </dgm:styleLbl>
+  <dgm:styleLbl name="node4">
+    <dgm:fillClrLst meth="repeat">
+      <a:schemeClr val="accent1"/>
+    </dgm:fillClrLst>
+    <dgm:linClrLst meth="repeat">
+      <a:schemeClr val="lt1"/>
+    </dgm:linClrLst>
+    <dgm:effectClrLst/>
+    <dgm:txLinClrLst/>
+    <dgm:txFillClrLst/>
+    <dgm:txEffectClrLst/>
+  </dgm:styleLbl>
+  <dgm:styleLbl name="parChTrans1D1">
+    <dgm:fillClrLst meth="repeat">
+      <a:schemeClr val="accent1"/>
+    </dgm:fillClrLst>
+    <dgm:linClrLst meth="repeat">
+      <a:schemeClr val="accent1">
+        <a:shade val="60000"/>
+      </a:schemeClr>
+    </dgm:linClrLst>
+    <dgm:effectClrLst/>
+    <dgm:txLinClrLst/>
+    <dgm:txFillClrLst meth="repeat">
+      <a:schemeClr val="tx1"/>
+    </dgm:txFillClrLst>
+    <dgm:txEffectClrLst/>
+  </dgm:styleLbl>
+  <dgm:styleLbl name="parChTrans1D2">
+    <dgm:fillClrLst meth="repeat">
+      <a:schemeClr val="accent1"/>
+    </dgm:fillClrLst>
+    <dgm:linClrLst meth="repeat">
+      <a:schemeClr val="accent1">
+        <a:shade val="60000"/>
+      </a:schemeClr>
+    </dgm:linClrLst>
+    <dgm:effectClrLst/>
+    <dgm:txLinClrLst/>
+    <dgm:txFillClrLst meth="repeat">
+      <a:schemeClr val="tx1"/>
+    </dgm:txFillClrLst>
+    <dgm:txEffectClrLst/>
+  </dgm:styleLbl>
+  <dgm:styleLbl name="parChTrans1D3">
+    <dgm:fillClrLst meth="repeat">
+      <a:schemeClr val="accent1"/>
+    </dgm:fillClrLst>
+    <dgm:linClrLst meth="repeat">
+      <a:schemeClr val="accent1">
+        <a:shade val="80000"/>
+      </a:schemeClr>
+    </dgm:linClrLst>
+    <dgm:effectClrLst/>
+    <dgm:txLinClrLst/>
+    <dgm:txFillClrLst meth="repeat">
+      <a:schemeClr val="tx1"/>
+    </dgm:txFillClrLst>
+    <dgm:txEffectClrLst/>
+  </dgm:styleLbl>
+  <dgm:styleLbl name="parChTrans1D4">
+    <dgm:fillClrLst meth="repeat">
+      <a:schemeClr val="accent1"/>
+    </dgm:fillClrLst>
+    <dgm:linClrLst meth="repeat">
+      <a:schemeClr val="accent1">
+        <a:shade val="80000"/>
+      </a:schemeClr>
+    </dgm:linClrLst>
+    <dgm:effectClrLst/>
+    <dgm:txLinClrLst/>
+    <dgm:txFillClrLst meth="repeat">
+      <a:schemeClr val="tx1"/>
+    </dgm:txFillClrLst>
+    <dgm:txEffectClrLst/>
+  </dgm:styleLbl>
+  <dgm:styleLbl name="parChTrans2D1">
+    <dgm:fillClrLst meth="repeat">
+      <a:schemeClr val="accent1">
+        <a:tint val="60000"/>
+      </a:schemeClr>
+    </dgm:fillClrLst>
+    <dgm:linClrLst meth="repeat">
+      <a:schemeClr val="accent1">
+        <a:tint val="60000"/>
+      </a:schemeClr>
+    </dgm:linClrLst>
+    <dgm:effectClrLst/>
+    <dgm:txLinClrLst/>
+    <dgm:txFillClrLst meth="repeat">
+      <a:schemeClr val="lt1"/>
+    </dgm:txFillClrLst>
+    <dgm:txEffectClrLst/>
+  </dgm:styleLbl>
+  <dgm:styleLbl name="parChTrans2D2">
+    <dgm:fillClrLst meth="repeat">
+      <a:schemeClr val="accent1"/>
+    </dgm:fillClrLst>
+    <dgm:linClrLst meth="repeat">
+      <a:schemeClr val="accent1"/>
+    </dgm:linClrLst>
+    <dgm:effectClrLst/>
+    <dgm:txLinClrLst/>
+    <dgm:txFillClrLst meth="repeat">
+      <a:schemeClr val="lt1"/>
+    </dgm:txFillClrLst>
+    <dgm:txEffectClrLst/>
+  </dgm:styleLbl>
+  <dgm:styleLbl name="parChTrans2D3">
+    <dgm:fillClrLst meth="repeat">
+      <a:schemeClr val="accent1"/>
+    </dgm:fillClrLst>
+    <dgm:linClrLst meth="repeat">
+      <a:schemeClr val="accent1"/>
+    </dgm:linClrLst>
+    <dgm:effectClrLst/>
+    <dgm:txLinClrLst/>
+    <dgm:txFillClrLst meth="repeat">
+      <a:schemeClr val="lt1"/>
+    </dgm:txFillClrLst>
+    <dgm:txEffectClrLst/>
+  </dgm:styleLbl>
+  <dgm:styleLbl name="parChTrans2D4">
+    <dgm:fillClrLst meth="repeat">
+      <a:schemeClr val="accent1"/>
+    </dgm:fillClrLst>
+    <dgm:linClrLst meth="repeat">
+      <a:schemeClr val="accent1"/>
+    </dgm:linClrLst>
+    <dgm:effectClrLst/>
+    <dgm:txLinClrLst/>
+    <dgm:txFillClrLst meth="repeat">
+      <a:schemeClr val="lt1"/>
+    </dgm:txFillClrLst>
+    <dgm:txEffectClrLst/>
+  </dgm:styleLbl>
+  <dgm:styleLbl name="revTx">
+    <dgm:fillClrLst meth="repeat">
+      <a:schemeClr val="lt1">
+        <a:alpha val="0"/>
+      </a:schemeClr>
+    </dgm:fillClrLst>
+    <dgm:linClrLst meth="repeat">
+      <a:schemeClr val="dk1">
+        <a:alpha val="0"/>
+      </a:schemeClr>
+    </dgm:linClrLst>
+    <dgm:effectClrLst/>
+    <dgm:txLinClrLst/>
+    <dgm:txFillClrLst meth="repeat">
+      <a:schemeClr val="tx1"/>
+    </dgm:txFillClrLst>
+    <dgm:txEffectClrLst/>
+  </dgm:styleLbl>
+  <dgm:styleLbl name="sibTrans1D1">
+    <dgm:fillClrLst meth="repeat">
+      <a:schemeClr val="accent1"/>
+    </dgm:fillClrLst>
+    <dgm:linClrLst meth="repeat">
+      <a:schemeClr val="accent1"/>
+    </dgm:linClrLst>
+    <dgm:effectClrLst/>
+    <dgm:txLinClrLst/>
+    <dgm:txFillClrLst meth="repeat">
+      <a:schemeClr val="tx1"/>
+    </dgm:txFillClrLst>
+    <dgm:txEffectClrLst/>
+  </dgm:styleLbl>
+  <dgm:styleLbl name="sibTrans2D1">
+    <dgm:fillClrLst meth="repeat">
+      <a:schemeClr val="accent1">
+        <a:tint val="60000"/>
+      </a:schemeClr>
+    </dgm:fillClrLst>
+    <dgm:linClrLst meth="repeat">
+      <a:schemeClr val="accent1">
+        <a:tint val="60000"/>
+      </a:schemeClr>
+    </dgm:linClrLst>
+    <dgm:effectClrLst/>
+    <dgm:txLinClrLst/>
+    <dgm:txFillClrLst/>
+    <dgm:txEffectClrLst/>
+  </dgm:styleLbl>
+  <dgm:styleLbl name="solidAlignAcc1">
+    <dgm:fillClrLst meth="repeat">
+      <a:schemeClr val="lt1"/>
+    </dgm:fillClrLst>
+    <dgm:linClrLst meth="repeat">
+      <a:schemeClr val="accent1"/>
+    </dgm:linClrLst>
+    <dgm:effectClrLst/>
+    <dgm:txLinClrLst/>
+    <dgm:txFillClrLst meth="repeat">
+      <a:schemeClr val="dk1"/>
+    </dgm:txFillClrLst>
+    <dgm:txEffectClrLst/>
+  </dgm:styleLbl>
+  <dgm:styleLbl name="solidBgAcc1">
+    <dgm:fillClrLst meth="repeat">
+      <a:schemeClr val="lt1"/>
+    </dgm:fillClrLst>
+    <dgm:linClrLst meth="repeat">
+      <a:schemeClr val="accent1"/>
+    </dgm:linClrLst>
+    <dgm:effectClrLst/>
+    <dgm:txLinClrLst/>
+    <dgm:txFillClrLst meth="repeat">
+      <a:schemeClr val="dk1"/>
+    </dgm:txFillClrLst>
+    <dgm:txEffectClrLst/>
+  </dgm:styleLbl>
+  <dgm:styleLbl name="solidFgAcc1">
+    <dgm:fillClrLst meth="repeat">
+      <a:schemeClr val="lt1"/>
+    </dgm:fillClrLst>
+    <dgm:linClrLst meth="repeat">
+      <a:schemeClr val="accent1"/>
+    </dgm:linClrLst>
+    <dgm:effectClrLst/>
+    <dgm:txLinClrLst/>
+    <dgm:txFillClrLst meth="repeat">
+      <a:schemeClr val="dk1"/>
+    </dgm:txFillClrLst>
+    <dgm:txEffectClrLst/>
+  </dgm:styleLbl>
+  <dgm:styleLbl name="trAlignAcc1">
+    <dgm:fillClrLst meth="repeat">
+      <a:schemeClr val="lt1">
+        <a:alpha val="40000"/>
+      </a:schemeClr>
+    </dgm:fillClrLst>
+    <dgm:linClrLst meth="repeat">
+      <a:schemeClr val="accent1"/>
+    </dgm:linClrLst>
+    <dgm:effectClrLst/>
+    <dgm:txLinClrLst/>
+    <dgm:txFillClrLst meth="repeat">
+      <a:schemeClr val="dk1"/>
+    </dgm:txFillClrLst>
+    <dgm:txEffectClrLst/>
+  </dgm:styleLbl>
+  <dgm:styleLbl name="trBgShp">
+    <dgm:fillClrLst meth="repeat">
+      <a:schemeClr val="accent1">
+        <a:tint val="50000"/>
+        <a:alpha val="40000"/>
+      </a:schemeClr>
+    </dgm:fillClrLst>
+    <dgm:linClrLst meth="repeat">
+      <a:schemeClr val="accent1"/>
+    </dgm:linClrLst>
+    <dgm:effectClrLst/>
+    <dgm:txLinClrLst/>
+    <dgm:txFillClrLst meth="repeat">
+      <a:schemeClr val="lt1"/>
+    </dgm:txFillClrLst>
+    <dgm:txEffectClrLst/>
+  </dgm:styleLbl>
+  <dgm:styleLbl name="vennNode1">
+    <dgm:fillClrLst meth="repeat">
+      <a:schemeClr val="accent1">
+        <a:alpha val="50000"/>
+      </a:schemeClr>
+    </dgm:fillClrLst>
+    <dgm:linClrLst meth="repeat">
+      <a:schemeClr val="lt1"/>
+    </dgm:linClrLst>
+    <dgm:effectClrLst/>
+    <dgm:txLinClrLst/>
+    <dgm:txFillClrLst/>
+    <dgm:txEffectClrLst/>
+  </dgm:styleLbl>
+</dgm:colorsDef>
+</file>
+
+<file path=ppt/diagrams/data1.xml><?xml version="1.0" encoding="utf-8"?>
+<dgm:dataModel xmlns:dgm="http://schemas.openxmlformats.org/drawingml/2006/diagram" xmlns:a="http://schemas.openxmlformats.org/drawingml/2006/main">
+  <dgm:ptLst>
+    <dgm:pt modelId="{EFE73B03-4D71-4565-8C52-4902BE6377A4}" type="doc">
+      <dgm:prSet loTypeId="hierarchy" loCatId="hierarchy" qsTypeId="urn:microsoft.com/office/officeart/2005/8/quickstyle/simple1" qsCatId="simple" csTypeId="urn:microsoft.com/office/officeart/2005/8/colors/accent1_2" csCatId="accent1" phldr="0"/>
+      <dgm:spPr/>
+      <dgm:t>
+        <a:bodyPr/>
+        <a:p>
+          <a:endParaRPr lang="zh-CN" altLang="en-US"/>
+        </a:p>
+      </dgm:t>
+    </dgm:pt>
+    <dgm:pt modelId="{0605F139-5EF0-48E7-A091-192233D2011D}">
+      <dgm:prSet phldrT="[文本]" phldr="0" custT="0"/>
+      <dgm:spPr/>
+      <dgm:t>
+        <a:bodyPr vert="horz" wrap="square"/>
+        <a:p>
+          <a:pPr>
+            <a:lnSpc>
+              <a:spcPct val="100000"/>
+            </a:lnSpc>
+            <a:spcBef>
+              <a:spcPct val="0"/>
+            </a:spcBef>
+            <a:spcAft>
+              <a:spcPct val="35000"/>
+            </a:spcAft>
+          </a:pPr>
+          <a:r>
+            <a:rPr lang="zh-CN" altLang="en-US"/>
+            <a:t>库</a:t>
+          </a:r>
+          <a:r>
+            <a:rPr lang="zh-CN" altLang="en-US"/>
+            <a:t/>
+          </a:r>
+          <a:endParaRPr lang="zh-CN" altLang="en-US"/>
+        </a:p>
+      </dgm:t>
+    </dgm:pt>
+    <dgm:pt modelId="{2AFB1B2A-8749-4E5E-9CB9-0B60F81C46F8}" cxnId="{C035365B-F6BF-4DC6-9561-EFEEF279882F}" type="parTrans">
+      <dgm:prSet/>
+      <dgm:spPr/>
+      <dgm:t>
+        <a:bodyPr/>
+        <a:p>
+          <a:endParaRPr lang="zh-CN" altLang="en-US"/>
+        </a:p>
+      </dgm:t>
+    </dgm:pt>
+    <dgm:pt modelId="{E0FFEB56-236E-4FE9-83BF-31494E265D5A}" cxnId="{C035365B-F6BF-4DC6-9561-EFEEF279882F}" type="sibTrans">
+      <dgm:prSet/>
+      <dgm:spPr/>
+      <dgm:t>
+        <a:bodyPr/>
+        <a:p>
+          <a:endParaRPr lang="zh-CN" altLang="en-US"/>
+        </a:p>
+      </dgm:t>
+    </dgm:pt>
+    <dgm:pt modelId="{4530EE7D-F557-4815-9ED2-EABC47F46978}">
+      <dgm:prSet phldrT="[文本]" phldr="0" custT="0"/>
+      <dgm:spPr/>
+      <dgm:t>
+        <a:bodyPr vert="horz" wrap="square"/>
+        <a:p>
+          <a:pPr>
+            <a:lnSpc>
+              <a:spcPct val="100000"/>
+            </a:lnSpc>
+            <a:spcBef>
+              <a:spcPct val="0"/>
+            </a:spcBef>
+            <a:spcAft>
+              <a:spcPct val="35000"/>
+            </a:spcAft>
+          </a:pPr>
+          <a:r>
+            <a:rPr lang="zh-CN" altLang="en-US"/>
+            <a:t>组</a:t>
+          </a:r>
+          <a:r>
+            <a:rPr lang="en-US" altLang="zh-CN"/>
+            <a:t>1</a:t>
+          </a:r>
+          <a:r>
+            <a:rPr lang="en-US" altLang="zh-CN"/>
+            <a:t/>
+          </a:r>
+          <a:endParaRPr lang="en-US" altLang="zh-CN"/>
+        </a:p>
+      </dgm:t>
+    </dgm:pt>
+    <dgm:pt modelId="{AC2BFF99-DAE2-494A-88AB-85D75BC6D2EE}" cxnId="{ED29CA9F-BFEE-4ECD-A114-8D1BBE6E405B}" type="parTrans">
+      <dgm:prSet/>
+      <dgm:spPr/>
+      <dgm:t>
+        <a:bodyPr/>
+        <a:p>
+          <a:endParaRPr lang="zh-CN" altLang="en-US"/>
+        </a:p>
+      </dgm:t>
+    </dgm:pt>
+    <dgm:pt modelId="{B98A0394-6758-42EB-8D0E-4491BED52B6C}" cxnId="{ED29CA9F-BFEE-4ECD-A114-8D1BBE6E405B}" type="sibTrans">
+      <dgm:prSet/>
+      <dgm:spPr/>
+      <dgm:t>
+        <a:bodyPr/>
+        <a:p>
+          <a:endParaRPr lang="zh-CN" altLang="en-US"/>
+        </a:p>
+      </dgm:t>
+    </dgm:pt>
+    <dgm:pt modelId="{2C2A4BF3-AA22-4080-9546-909CF9AC3ECB}">
+      <dgm:prSet phldrT="[文本]" phldr="0" custT="0"/>
+      <dgm:spPr/>
+      <dgm:t>
+        <a:bodyPr vert="horz" wrap="square"/>
+        <a:p>
+          <a:pPr>
+            <a:lnSpc>
+              <a:spcPct val="100000"/>
+            </a:lnSpc>
+            <a:spcBef>
+              <a:spcPct val="0"/>
+            </a:spcBef>
+            <a:spcAft>
+              <a:spcPct val="35000"/>
+            </a:spcAft>
+          </a:pPr>
+          <a:r>
+            <a:rPr lang="zh-CN" altLang="en-US"/>
+            <a:t>用户</a:t>
+          </a:r>
+          <a:r>
+            <a:rPr lang="en-US" altLang="zh-CN"/>
+            <a:t>1</a:t>
+          </a:r>
+          <a:r>
+            <a:rPr lang="en-US" altLang="zh-CN"/>
+            <a:t/>
+          </a:r>
+          <a:endParaRPr lang="en-US" altLang="zh-CN"/>
+        </a:p>
+      </dgm:t>
+    </dgm:pt>
+    <dgm:pt modelId="{4A6A0524-D9B7-4A37-8E78-5FE688BDCCE6}" cxnId="{8982534C-CA46-4979-9677-AC24DDD95868}" type="parTrans">
+      <dgm:prSet/>
+      <dgm:spPr/>
+      <dgm:t>
+        <a:bodyPr/>
+        <a:p>
+          <a:endParaRPr lang="zh-CN" altLang="en-US"/>
+        </a:p>
+      </dgm:t>
+    </dgm:pt>
+    <dgm:pt modelId="{39CECE7E-7D7C-4022-9437-1E0813814145}" cxnId="{8982534C-CA46-4979-9677-AC24DDD95868}" type="sibTrans">
+      <dgm:prSet/>
+      <dgm:spPr/>
+      <dgm:t>
+        <a:bodyPr/>
+        <a:p>
+          <a:endParaRPr lang="zh-CN" altLang="en-US"/>
+        </a:p>
+      </dgm:t>
+    </dgm:pt>
+    <dgm:pt modelId="{13A1BA05-A83F-442E-AC90-E1A569E689C2}">
+      <dgm:prSet phldr="0" custT="0"/>
+      <dgm:spPr/>
+      <dgm:t>
+        <a:bodyPr vert="horz" wrap="square"/>
+        <a:p>
+          <a:pPr>
+            <a:lnSpc>
+              <a:spcPct val="100000"/>
+            </a:lnSpc>
+            <a:spcBef>
+              <a:spcPct val="0"/>
+            </a:spcBef>
+            <a:spcAft>
+              <a:spcPct val="35000"/>
+            </a:spcAft>
+          </a:pPr>
+          <a:r>
+            <a:rPr lang="zh-CN"/>
+            <a:t>用户</a:t>
+          </a:r>
+          <a:r>
+            <a:rPr lang="en-US" altLang="zh-CN"/>
+            <a:t>1</a:t>
+          </a:r>
+          <a:r>
+            <a:rPr lang="zh-CN"/>
+            <a:t>人脸图（多）</a:t>
+          </a:r>
+          <a:endParaRPr lang="zh-CN"/>
+        </a:p>
+      </dgm:t>
+    </dgm:pt>
+    <dgm:pt modelId="{2845A291-8AA9-4A47-8DBD-071B2C9BECD6}" cxnId="{1311680D-932F-4A5F-B890-1DF76F9007F0}" type="parTrans">
+      <dgm:prSet/>
+      <dgm:spPr/>
+    </dgm:pt>
+    <dgm:pt modelId="{2F7466DA-8274-446D-AD68-BDF68CC54DFD}" cxnId="{1311680D-932F-4A5F-B890-1DF76F9007F0}" type="sibTrans">
+      <dgm:prSet/>
+      <dgm:spPr/>
+    </dgm:pt>
+    <dgm:pt modelId="{51E7A158-BFC2-47B2-8B3C-476A333700D9}">
+      <dgm:prSet phldr="0" custT="0"/>
+      <dgm:spPr/>
+      <dgm:t>
+        <a:bodyPr vert="horz" wrap="square"/>
+        <a:p>
+          <a:pPr>
+            <a:lnSpc>
+              <a:spcPct val="100000"/>
+            </a:lnSpc>
+            <a:spcBef>
+              <a:spcPct val="0"/>
+            </a:spcBef>
+            <a:spcAft>
+              <a:spcPct val="35000"/>
+            </a:spcAft>
+          </a:pPr>
+          <a:r>
+            <a:rPr>
+              <a:sym typeface="+mn-ea"/>
+            </a:rPr>
+            <a:t>用</a:t>
+          </a:r>
+          <a:r>
+            <a:rPr lang="zh-CN" altLang="en-US">
+              <a:sym typeface="+mn-ea"/>
+            </a:rPr>
+            <a:t>户</a:t>
+          </a:r>
+          <a:r>
+            <a:rPr>
+              <a:sym typeface="+mn-ea"/>
+            </a:rPr>
+            <a:t>2</a:t>
+          </a:r>
+          <a:r>
+            <a:rPr lang="en-US" altLang="zh-CN"/>
+            <a:t/>
+          </a:r>
+          <a:endParaRPr lang="en-US" altLang="zh-CN"/>
+        </a:p>
+      </dgm:t>
+    </dgm:pt>
+    <dgm:pt modelId="{AF86616F-F0C8-4A89-87C6-B67BA271F6D8}" cxnId="{EB27C3B8-33EF-4DAC-8FA7-0C91E41004C5}" type="parTrans">
+      <dgm:prSet/>
+      <dgm:spPr/>
+    </dgm:pt>
+    <dgm:pt modelId="{184784B9-A758-4CCD-89BD-4D01C997C297}" cxnId="{EB27C3B8-33EF-4DAC-8FA7-0C91E41004C5}" type="sibTrans">
+      <dgm:prSet/>
+      <dgm:spPr/>
+    </dgm:pt>
+    <dgm:pt modelId="{C78C4F92-AD69-46C8-910C-41059E8ED0A9}">
+      <dgm:prSet phldrT="[文本]" phldr="0" custT="0"/>
+      <dgm:spPr/>
+      <dgm:t>
+        <a:bodyPr vert="horz" wrap="square"/>
+        <a:p>
+          <a:pPr>
+            <a:lnSpc>
+              <a:spcPct val="100000"/>
+            </a:lnSpc>
+            <a:spcBef>
+              <a:spcPct val="0"/>
+            </a:spcBef>
+            <a:spcAft>
+              <a:spcPct val="35000"/>
+            </a:spcAft>
+          </a:pPr>
+          <a:r>
+            <a:rPr>
+              <a:sym typeface="+mn-ea"/>
+            </a:rPr>
+            <a:t>用</a:t>
+          </a:r>
+          <a:r>
+            <a:rPr lang="zh-CN">
+              <a:sym typeface="+mn-ea"/>
+            </a:rPr>
+            <a:t>户</a:t>
+          </a:r>
+          <a:r>
+            <a:rPr lang="en-US" altLang="zh-CN">
+              <a:sym typeface="+mn-ea"/>
+            </a:rPr>
+            <a:t>2</a:t>
+          </a:r>
+          <a:r>
+            <a:rPr>
+              <a:sym typeface="+mn-ea"/>
+            </a:rPr>
+            <a:t>人</a:t>
+          </a:r>
+          <a:r>
+            <a:rPr lang="zh-CN">
+              <a:sym typeface="+mn-ea"/>
+            </a:rPr>
+            <a:t>脸图（多）</a:t>
+          </a:r>
+          <a:r>
+            <a:rPr lang="zh-CN"/>
+            <a:t/>
+          </a:r>
+          <a:endParaRPr lang="zh-CN"/>
+        </a:p>
+      </dgm:t>
+    </dgm:pt>
+    <dgm:pt modelId="{581124B7-0397-40F7-9B1D-41220103BA68}" cxnId="{705B5263-B052-442B-9E0C-4EEF316A2B35}" type="parTrans">
+      <dgm:prSet/>
+      <dgm:spPr/>
+      <dgm:t>
+        <a:bodyPr/>
+        <a:p>
+          <a:endParaRPr lang="zh-CN" altLang="en-US"/>
+        </a:p>
+      </dgm:t>
+    </dgm:pt>
+    <dgm:pt modelId="{A23C44A9-E7A6-467B-BF93-DD0656347715}" cxnId="{705B5263-B052-442B-9E0C-4EEF316A2B35}" type="sibTrans">
+      <dgm:prSet/>
+      <dgm:spPr/>
+      <dgm:t>
+        <a:bodyPr/>
+        <a:p>
+          <a:endParaRPr lang="zh-CN" altLang="en-US"/>
+        </a:p>
+      </dgm:t>
+    </dgm:pt>
+    <dgm:pt modelId="{4E4A1E17-A3EC-4A54-9171-277E11A0B287}">
+      <dgm:prSet phldrT="[文本]" phldr="0" custT="0"/>
+      <dgm:spPr/>
+      <dgm:t>
+        <a:bodyPr vert="horz" wrap="square"/>
+        <a:p>
+          <a:pPr>
+            <a:lnSpc>
+              <a:spcPct val="100000"/>
+            </a:lnSpc>
+            <a:spcBef>
+              <a:spcPct val="0"/>
+            </a:spcBef>
+            <a:spcAft>
+              <a:spcPct val="35000"/>
+            </a:spcAft>
+          </a:pPr>
+          <a:r>
+            <a:rPr lang="zh-CN" altLang="en-US"/>
+            <a:t>组</a:t>
+          </a:r>
+          <a:r>
+            <a:rPr lang="en-US" altLang="zh-CN"/>
+            <a:t>2</a:t>
+          </a:r>
+          <a:r>
+            <a:rPr lang="en-US" altLang="zh-CN"/>
+            <a:t/>
+          </a:r>
+          <a:endParaRPr lang="en-US" altLang="zh-CN"/>
+        </a:p>
+      </dgm:t>
+    </dgm:pt>
+    <dgm:pt modelId="{367D7799-1E5C-4947-8AD1-85D1E0D367AF}" cxnId="{D2079773-E641-4CA2-B125-BDC436FF23C8}" type="parTrans">
+      <dgm:prSet/>
+      <dgm:spPr/>
+      <dgm:t>
+        <a:bodyPr/>
+        <a:p>
+          <a:endParaRPr lang="zh-CN" altLang="en-US"/>
+        </a:p>
+      </dgm:t>
+    </dgm:pt>
+    <dgm:pt modelId="{7FFEBD18-7D5B-41C0-A8F3-60942A71708D}" cxnId="{D2079773-E641-4CA2-B125-BDC436FF23C8}" type="sibTrans">
+      <dgm:prSet/>
+      <dgm:spPr/>
+      <dgm:t>
+        <a:bodyPr/>
+        <a:p>
+          <a:endParaRPr lang="zh-CN" altLang="en-US"/>
+        </a:p>
+      </dgm:t>
+    </dgm:pt>
+    <dgm:pt modelId="{2B9D6902-DCB2-4AC4-BFAC-AF964742FD39}">
+      <dgm:prSet phldrT="[文本]" phldr="0" custT="0"/>
+      <dgm:spPr/>
+      <dgm:t>
+        <a:bodyPr vert="horz" wrap="square"/>
+        <a:p>
+          <a:pPr>
+            <a:lnSpc>
+              <a:spcPct val="100000"/>
+            </a:lnSpc>
+            <a:spcBef>
+              <a:spcPct val="0"/>
+            </a:spcBef>
+            <a:spcAft>
+              <a:spcPct val="35000"/>
+            </a:spcAft>
+          </a:pPr>
+          <a:r>
+            <a:rPr lang="zh-CN" altLang="en-US"/>
+            <a:t>用户</a:t>
+          </a:r>
+          <a:r>
+            <a:rPr lang="en-US" altLang="zh-CN"/>
+            <a:t>1</a:t>
+          </a:r>
+          <a:r>
+            <a:rPr lang="en-US" altLang="zh-CN"/>
+            <a:t/>
+          </a:r>
+          <a:endParaRPr lang="en-US" altLang="zh-CN"/>
+        </a:p>
+      </dgm:t>
+    </dgm:pt>
+    <dgm:pt modelId="{9EAB334F-AA91-4141-B6FE-557B19FCD964}" cxnId="{76C5CFFA-0574-40CD-A012-BE80E4AC2DC5}" type="parTrans">
+      <dgm:prSet/>
+      <dgm:spPr/>
+      <dgm:t>
+        <a:bodyPr/>
+        <a:p>
+          <a:endParaRPr lang="zh-CN" altLang="en-US"/>
+        </a:p>
+      </dgm:t>
+    </dgm:pt>
+    <dgm:pt modelId="{EB4A7ACA-5833-4A98-973D-A8E863091431}" cxnId="{76C5CFFA-0574-40CD-A012-BE80E4AC2DC5}" type="sibTrans">
+      <dgm:prSet/>
+      <dgm:spPr/>
+      <dgm:t>
+        <a:bodyPr/>
+        <a:p>
+          <a:endParaRPr lang="zh-CN" altLang="en-US"/>
+        </a:p>
+      </dgm:t>
+    </dgm:pt>
+    <dgm:pt modelId="{A18857E9-3519-4370-BEAC-A2FE100CB7F0}">
+      <dgm:prSet phldr="0" custT="0"/>
+      <dgm:spPr/>
+      <dgm:t>
+        <a:bodyPr vert="horz" wrap="square"/>
+        <a:p>
+          <a:pPr>
+            <a:lnSpc>
+              <a:spcPct val="100000"/>
+            </a:lnSpc>
+            <a:spcBef>
+              <a:spcPct val="0"/>
+            </a:spcBef>
+            <a:spcAft>
+              <a:spcPct val="35000"/>
+            </a:spcAft>
+          </a:pPr>
+          <a:r>
+            <a:rPr>
+              <a:sym typeface="+mn-ea"/>
+            </a:rPr>
+            <a:t>用</a:t>
+          </a:r>
+          <a:r>
+            <a:rPr lang="zh-CN">
+              <a:sym typeface="+mn-ea"/>
+            </a:rPr>
+            <a:t>户</a:t>
+          </a:r>
+          <a:r>
+            <a:rPr>
+              <a:sym typeface="+mn-ea"/>
+            </a:rPr>
+            <a:t>1</a:t>
+          </a:r>
+          <a:r>
+            <a:rPr>
+              <a:sym typeface="+mn-ea"/>
+            </a:rPr>
+            <a:t>人</a:t>
+          </a:r>
+          <a:r>
+            <a:rPr lang="zh-CN">
+              <a:sym typeface="+mn-ea"/>
+            </a:rPr>
+            <a:t>脸图（多）</a:t>
+          </a:r>
+          <a:r>
+            <a:rPr lang="zh-CN"/>
+            <a:t/>
+          </a:r>
+          <a:endParaRPr lang="zh-CN"/>
+        </a:p>
+      </dgm:t>
+    </dgm:pt>
+    <dgm:pt modelId="{6AF91C3C-E00E-4827-9B42-8C96569E2A72}" cxnId="{F03B396C-8513-4BB2-A031-E78369556CB3}" type="parTrans">
+      <dgm:prSet/>
+      <dgm:spPr/>
+    </dgm:pt>
+    <dgm:pt modelId="{97830C3B-256E-4BE9-9647-FDF616A60AE6}" cxnId="{F03B396C-8513-4BB2-A031-E78369556CB3}" type="sibTrans">
+      <dgm:prSet/>
+      <dgm:spPr/>
+    </dgm:pt>
+    <dgm:pt modelId="{5FBAB40F-6011-4629-9B30-77C9439C91BF}" type="pres">
+      <dgm:prSet presAssocID="{EFE73B03-4D71-4565-8C52-4902BE6377A4}" presName="diagram" presStyleCnt="0">
+        <dgm:presLayoutVars>
+          <dgm:chPref val="1"/>
+          <dgm:dir/>
+          <dgm:animOne val="branch"/>
+          <dgm:animLvl val="lvl"/>
+          <dgm:resizeHandles val="exact"/>
+        </dgm:presLayoutVars>
+      </dgm:prSet>
+      <dgm:spPr/>
+    </dgm:pt>
+    <dgm:pt modelId="{2332AA2E-A989-4175-BB73-78EA4C3BDB65}" type="pres">
+      <dgm:prSet presAssocID="{0605F139-5EF0-48E7-A091-192233D2011D}" presName="root1" presStyleCnt="0"/>
+      <dgm:spPr/>
+    </dgm:pt>
+    <dgm:pt modelId="{24E3F4AB-32FB-4CE0-9DAC-FC4DD26B5900}" type="pres">
+      <dgm:prSet presAssocID="{0605F139-5EF0-48E7-A091-192233D2011D}" presName="LevelOneTextNode" presStyleLbl="node0" presStyleIdx="0" presStyleCnt="1">
+        <dgm:presLayoutVars>
+          <dgm:chPref val="3"/>
+        </dgm:presLayoutVars>
+      </dgm:prSet>
+      <dgm:spPr/>
+    </dgm:pt>
+    <dgm:pt modelId="{44F25638-8073-4DA7-9390-5AC06A304565}" type="pres">
+      <dgm:prSet presAssocID="{0605F139-5EF0-48E7-A091-192233D2011D}" presName="level2hierChild" presStyleCnt="0"/>
+      <dgm:spPr/>
+    </dgm:pt>
+    <dgm:pt modelId="{B47BD6C9-6D53-4A69-975F-9CF96E25F10F}" type="pres">
+      <dgm:prSet presAssocID="{AC2BFF99-DAE2-494A-88AB-85D75BC6D2EE}" presName="conn2-1" presStyleLbl="parChTrans1D2" presStyleIdx="0" presStyleCnt="2"/>
+      <dgm:spPr/>
+    </dgm:pt>
+    <dgm:pt modelId="{C1833E64-0598-4ED8-B73B-4C820BB35531}" type="pres">
+      <dgm:prSet presAssocID="{AC2BFF99-DAE2-494A-88AB-85D75BC6D2EE}" presName="connTx" presStyleCnt="0"/>
+      <dgm:spPr/>
+    </dgm:pt>
+    <dgm:pt modelId="{46F58ACF-5130-428E-B3EF-87D6FEC0C921}" type="pres">
+      <dgm:prSet presAssocID="{4530EE7D-F557-4815-9ED2-EABC47F46978}" presName="root2" presStyleCnt="0"/>
+      <dgm:spPr/>
+    </dgm:pt>
+    <dgm:pt modelId="{3C0D5057-54F2-42F8-ADAD-AA27A1CC1A1B}" type="pres">
+      <dgm:prSet presAssocID="{4530EE7D-F557-4815-9ED2-EABC47F46978}" presName="LevelTwoTextNode" presStyleLbl="node2" presStyleIdx="0" presStyleCnt="2">
+        <dgm:presLayoutVars>
+          <dgm:chPref val="3"/>
+        </dgm:presLayoutVars>
+      </dgm:prSet>
+      <dgm:spPr/>
+    </dgm:pt>
+    <dgm:pt modelId="{48673F39-879C-4946-8DC7-FD68F0552920}" type="pres">
+      <dgm:prSet presAssocID="{4530EE7D-F557-4815-9ED2-EABC47F46978}" presName="level3hierChild" presStyleCnt="0"/>
+      <dgm:spPr/>
+    </dgm:pt>
+    <dgm:pt modelId="{FA61825B-C877-4D42-AAFB-0586288A9783}" type="pres">
+      <dgm:prSet presAssocID="{4A6A0524-D9B7-4A37-8E78-5FE688BDCCE6}" presName="conn2-1" presStyleLbl="parChTrans1D3" presStyleIdx="0" presStyleCnt="3"/>
+      <dgm:spPr/>
+    </dgm:pt>
+    <dgm:pt modelId="{66B35CF0-1806-4E4A-8B50-99A64DECDBA9}" type="pres">
+      <dgm:prSet presAssocID="{4A6A0524-D9B7-4A37-8E78-5FE688BDCCE6}" presName="connTx" presStyleCnt="0"/>
+      <dgm:spPr/>
+    </dgm:pt>
+    <dgm:pt modelId="{F95D7524-EA0E-4F9D-9D6F-B10856D5C83F}" type="pres">
+      <dgm:prSet presAssocID="{2C2A4BF3-AA22-4080-9546-909CF9AC3ECB}" presName="root2" presStyleCnt="0"/>
+      <dgm:spPr/>
+    </dgm:pt>
+    <dgm:pt modelId="{63712EDC-9AF8-41BC-8F72-ADF8D554FF07}" type="pres">
+      <dgm:prSet presAssocID="{2C2A4BF3-AA22-4080-9546-909CF9AC3ECB}" presName="LevelTwoTextNode" presStyleLbl="node3" presStyleIdx="0" presStyleCnt="3">
+        <dgm:presLayoutVars>
+          <dgm:chPref val="3"/>
+        </dgm:presLayoutVars>
+      </dgm:prSet>
+      <dgm:spPr/>
+    </dgm:pt>
+    <dgm:pt modelId="{E0C65410-D9BC-4E23-87DE-EBBC54AD2166}" type="pres">
+      <dgm:prSet presAssocID="{2C2A4BF3-AA22-4080-9546-909CF9AC3ECB}" presName="level3hierChild" presStyleCnt="0"/>
+      <dgm:spPr/>
+    </dgm:pt>
+    <dgm:pt modelId="{11243F0F-4DFF-4777-BC77-AD077EFF0A55}" type="pres">
+      <dgm:prSet presAssocID="{2845A291-8AA9-4A47-8DBD-071B2C9BECD6}" presName="conn2-1" presStyleLbl="parChTrans1D4" presStyleIdx="0" presStyleCnt="3"/>
+      <dgm:spPr/>
+    </dgm:pt>
+    <dgm:pt modelId="{CD64F153-D07E-4850-8572-8180C549CC02}" type="pres">
+      <dgm:prSet presAssocID="{2845A291-8AA9-4A47-8DBD-071B2C9BECD6}" presName="connTx" presStyleCnt="0"/>
+      <dgm:spPr/>
+    </dgm:pt>
+    <dgm:pt modelId="{15480794-421D-4802-B654-EB92D00542BE}" type="pres">
+      <dgm:prSet presAssocID="{13A1BA05-A83F-442E-AC90-E1A569E689C2}" presName="root2" presStyleCnt="0"/>
+      <dgm:spPr/>
+    </dgm:pt>
+    <dgm:pt modelId="{467A1948-8400-4137-BE42-AB46DA460F73}" type="pres">
+      <dgm:prSet presAssocID="{13A1BA05-A83F-442E-AC90-E1A569E689C2}" presName="LevelTwoTextNode" presStyleLbl="node4" presStyleIdx="0" presStyleCnt="3">
+        <dgm:presLayoutVars>
+          <dgm:chPref val="3"/>
+        </dgm:presLayoutVars>
+      </dgm:prSet>
+      <dgm:spPr/>
+    </dgm:pt>
+    <dgm:pt modelId="{035593AD-9E2B-4FF0-A3E5-745E5FF69BE6}" type="pres">
+      <dgm:prSet presAssocID="{13A1BA05-A83F-442E-AC90-E1A569E689C2}" presName="level3hierChild" presStyleCnt="0"/>
+      <dgm:spPr/>
+    </dgm:pt>
+    <dgm:pt modelId="{635849E5-51AE-4E43-A653-3325AF81FF0C}" type="pres">
+      <dgm:prSet presAssocID="{AF86616F-F0C8-4A89-87C6-B67BA271F6D8}" presName="conn2-1" presStyleLbl="parChTrans1D3" presStyleIdx="1" presStyleCnt="3"/>
+      <dgm:spPr/>
+    </dgm:pt>
+    <dgm:pt modelId="{E360BDD8-7085-4F4D-9CD7-C129DE6C06E3}" type="pres">
+      <dgm:prSet presAssocID="{AF86616F-F0C8-4A89-87C6-B67BA271F6D8}" presName="connTx" presStyleCnt="0"/>
+      <dgm:spPr/>
+    </dgm:pt>
+    <dgm:pt modelId="{E89BA77C-5107-43F8-9AE5-995D8509DD73}" type="pres">
+      <dgm:prSet presAssocID="{51E7A158-BFC2-47B2-8B3C-476A333700D9}" presName="root2" presStyleCnt="0"/>
+      <dgm:spPr/>
+    </dgm:pt>
+    <dgm:pt modelId="{4263710E-E21F-4CC8-BA04-FA0552986842}" type="pres">
+      <dgm:prSet presAssocID="{51E7A158-BFC2-47B2-8B3C-476A333700D9}" presName="LevelTwoTextNode" presStyleLbl="node3" presStyleIdx="1" presStyleCnt="3">
+        <dgm:presLayoutVars>
+          <dgm:chPref val="3"/>
+        </dgm:presLayoutVars>
+      </dgm:prSet>
+      <dgm:spPr/>
+    </dgm:pt>
+    <dgm:pt modelId="{5F2D68DB-CD85-497F-92FD-D3F3D598EB20}" type="pres">
+      <dgm:prSet presAssocID="{51E7A158-BFC2-47B2-8B3C-476A333700D9}" presName="level3hierChild" presStyleCnt="0"/>
+      <dgm:spPr/>
+    </dgm:pt>
+    <dgm:pt modelId="{E81582B1-A130-479F-ACE3-61EF727591CE}" type="pres">
+      <dgm:prSet presAssocID="{581124B7-0397-40F7-9B1D-41220103BA68}" presName="conn2-1" presStyleLbl="parChTrans1D4" presStyleIdx="1" presStyleCnt="3"/>
+      <dgm:spPr/>
+    </dgm:pt>
+    <dgm:pt modelId="{C3EBFA62-33AA-4455-9D61-7B96DA4B37A4}" type="pres">
+      <dgm:prSet presAssocID="{581124B7-0397-40F7-9B1D-41220103BA68}" presName="connTx" presStyleCnt="0"/>
+      <dgm:spPr/>
+    </dgm:pt>
+    <dgm:pt modelId="{2DF34A52-3962-401F-8488-13EE54243675}" type="pres">
+      <dgm:prSet presAssocID="{C78C4F92-AD69-46C8-910C-41059E8ED0A9}" presName="root2" presStyleCnt="0"/>
+      <dgm:spPr/>
+    </dgm:pt>
+    <dgm:pt modelId="{29F748CF-C0E7-4DEA-B3A3-0E8AEB5CA964}" type="pres">
+      <dgm:prSet presAssocID="{C78C4F92-AD69-46C8-910C-41059E8ED0A9}" presName="LevelTwoTextNode" presStyleLbl="node4" presStyleIdx="1" presStyleCnt="3">
+        <dgm:presLayoutVars>
+          <dgm:chPref val="3"/>
+        </dgm:presLayoutVars>
+      </dgm:prSet>
+      <dgm:spPr/>
+    </dgm:pt>
+    <dgm:pt modelId="{02AC44EF-F1FC-4C54-8D55-2436304955F9}" type="pres">
+      <dgm:prSet presAssocID="{C78C4F92-AD69-46C8-910C-41059E8ED0A9}" presName="level3hierChild" presStyleCnt="0"/>
+      <dgm:spPr/>
+    </dgm:pt>
+    <dgm:pt modelId="{2E81B90F-7494-41FF-808F-F7F82B993B40}" type="pres">
+      <dgm:prSet presAssocID="{367D7799-1E5C-4947-8AD1-85D1E0D367AF}" presName="conn2-1" presStyleLbl="parChTrans1D2" presStyleIdx="1" presStyleCnt="2"/>
+      <dgm:spPr/>
+    </dgm:pt>
+    <dgm:pt modelId="{0F4B7785-0023-487B-801C-9850969E1D34}" type="pres">
+      <dgm:prSet presAssocID="{367D7799-1E5C-4947-8AD1-85D1E0D367AF}" presName="connTx" presStyleCnt="0"/>
+      <dgm:spPr/>
+    </dgm:pt>
+    <dgm:pt modelId="{4925E953-147A-4210-9A9C-63730A307231}" type="pres">
+      <dgm:prSet presAssocID="{4E4A1E17-A3EC-4A54-9171-277E11A0B287}" presName="root2" presStyleCnt="0"/>
+      <dgm:spPr/>
+    </dgm:pt>
+    <dgm:pt modelId="{3D382021-A429-4403-82FF-5A95DD3EBB20}" type="pres">
+      <dgm:prSet presAssocID="{4E4A1E17-A3EC-4A54-9171-277E11A0B287}" presName="LevelTwoTextNode" presStyleLbl="node2" presStyleIdx="1" presStyleCnt="2">
+        <dgm:presLayoutVars>
+          <dgm:chPref val="3"/>
+        </dgm:presLayoutVars>
+      </dgm:prSet>
+      <dgm:spPr/>
+    </dgm:pt>
+    <dgm:pt modelId="{6D231649-1A42-47D5-A289-01058E6A05B6}" type="pres">
+      <dgm:prSet presAssocID="{4E4A1E17-A3EC-4A54-9171-277E11A0B287}" presName="level3hierChild" presStyleCnt="0"/>
+      <dgm:spPr/>
+    </dgm:pt>
+    <dgm:pt modelId="{B68D4CB7-ED76-4EEE-B7F0-455597F5F947}" type="pres">
+      <dgm:prSet presAssocID="{9EAB334F-AA91-4141-B6FE-557B19FCD964}" presName="conn2-1" presStyleLbl="parChTrans1D3" presStyleIdx="2" presStyleCnt="3"/>
+      <dgm:spPr/>
+    </dgm:pt>
+    <dgm:pt modelId="{5CB1AA4B-5999-455A-85BE-A2532A5BECF0}" type="pres">
+      <dgm:prSet presAssocID="{9EAB334F-AA91-4141-B6FE-557B19FCD964}" presName="connTx" presStyleCnt="0"/>
+      <dgm:spPr/>
+    </dgm:pt>
+    <dgm:pt modelId="{A1B09372-2280-4FF7-9810-328BF9428FDA}" type="pres">
+      <dgm:prSet presAssocID="{2B9D6902-DCB2-4AC4-BFAC-AF964742FD39}" presName="root2" presStyleCnt="0"/>
+      <dgm:spPr/>
+    </dgm:pt>
+    <dgm:pt modelId="{402901F7-4C4B-47C4-BE12-824FDFB99F9B}" type="pres">
+      <dgm:prSet presAssocID="{2B9D6902-DCB2-4AC4-BFAC-AF964742FD39}" presName="LevelTwoTextNode" presStyleLbl="node3" presStyleIdx="2" presStyleCnt="3">
+        <dgm:presLayoutVars>
+          <dgm:chPref val="3"/>
+        </dgm:presLayoutVars>
+      </dgm:prSet>
+      <dgm:spPr/>
+    </dgm:pt>
+    <dgm:pt modelId="{48115C91-152F-4201-BB89-A30029998550}" type="pres">
+      <dgm:prSet presAssocID="{2B9D6902-DCB2-4AC4-BFAC-AF964742FD39}" presName="level3hierChild" presStyleCnt="0"/>
+      <dgm:spPr/>
+    </dgm:pt>
+    <dgm:pt modelId="{DA2000B3-A3B6-4EFC-A825-0A6C126D52C5}" type="pres">
+      <dgm:prSet presAssocID="{6AF91C3C-E00E-4827-9B42-8C96569E2A72}" presName="conn2-1" presStyleLbl="parChTrans1D4" presStyleIdx="2" presStyleCnt="3"/>
+      <dgm:spPr/>
+    </dgm:pt>
+    <dgm:pt modelId="{EE787B8E-7AAA-442B-9C90-08D4F6E6BBF6}" type="pres">
+      <dgm:prSet presAssocID="{6AF91C3C-E00E-4827-9B42-8C96569E2A72}" presName="connTx" presStyleCnt="0"/>
+      <dgm:spPr/>
+    </dgm:pt>
+    <dgm:pt modelId="{CB54B7B2-0470-48DA-8162-E018E69A30B8}" type="pres">
+      <dgm:prSet presAssocID="{A18857E9-3519-4370-BEAC-A2FE100CB7F0}" presName="root2" presStyleCnt="0"/>
+      <dgm:spPr/>
+    </dgm:pt>
+    <dgm:pt modelId="{0E254FF5-707D-4454-BB56-843591B507FB}" type="pres">
+      <dgm:prSet presAssocID="{A18857E9-3519-4370-BEAC-A2FE100CB7F0}" presName="LevelTwoTextNode" presStyleLbl="node4" presStyleIdx="2" presStyleCnt="3">
+        <dgm:presLayoutVars>
+          <dgm:chPref val="3"/>
+        </dgm:presLayoutVars>
+      </dgm:prSet>
+      <dgm:spPr/>
+    </dgm:pt>
+    <dgm:pt modelId="{46F6C1F7-5C88-454D-95F9-82DC1A79764A}" type="pres">
+      <dgm:prSet presAssocID="{A18857E9-3519-4370-BEAC-A2FE100CB7F0}" presName="level3hierChild" presStyleCnt="0"/>
+      <dgm:spPr/>
+    </dgm:pt>
+  </dgm:ptLst>
+  <dgm:cxnLst>
+    <dgm:cxn modelId="{C035365B-F6BF-4DC6-9561-EFEEF279882F}" srcId="{EFE73B03-4D71-4565-8C52-4902BE6377A4}" destId="{0605F139-5EF0-48E7-A091-192233D2011D}" srcOrd="0" destOrd="0" parTransId="{2AFB1B2A-8749-4E5E-9CB9-0B60F81C46F8}" sibTransId="{E0FFEB56-236E-4FE9-83BF-31494E265D5A}"/>
+    <dgm:cxn modelId="{ED29CA9F-BFEE-4ECD-A114-8D1BBE6E405B}" srcId="{0605F139-5EF0-48E7-A091-192233D2011D}" destId="{4530EE7D-F557-4815-9ED2-EABC47F46978}" srcOrd="0" destOrd="0" parTransId="{AC2BFF99-DAE2-494A-88AB-85D75BC6D2EE}" sibTransId="{B98A0394-6758-42EB-8D0E-4491BED52B6C}"/>
+    <dgm:cxn modelId="{8982534C-CA46-4979-9677-AC24DDD95868}" srcId="{4530EE7D-F557-4815-9ED2-EABC47F46978}" destId="{2C2A4BF3-AA22-4080-9546-909CF9AC3ECB}" srcOrd="0" destOrd="0" parTransId="{4A6A0524-D9B7-4A37-8E78-5FE688BDCCE6}" sibTransId="{39CECE7E-7D7C-4022-9437-1E0813814145}"/>
+    <dgm:cxn modelId="{1311680D-932F-4A5F-B890-1DF76F9007F0}" srcId="{2C2A4BF3-AA22-4080-9546-909CF9AC3ECB}" destId="{13A1BA05-A83F-442E-AC90-E1A569E689C2}" srcOrd="0" destOrd="0" parTransId="{2845A291-8AA9-4A47-8DBD-071B2C9BECD6}" sibTransId="{2F7466DA-8274-446D-AD68-BDF68CC54DFD}"/>
+    <dgm:cxn modelId="{EB27C3B8-33EF-4DAC-8FA7-0C91E41004C5}" srcId="{4530EE7D-F557-4815-9ED2-EABC47F46978}" destId="{51E7A158-BFC2-47B2-8B3C-476A333700D9}" srcOrd="1" destOrd="0" parTransId="{AF86616F-F0C8-4A89-87C6-B67BA271F6D8}" sibTransId="{184784B9-A758-4CCD-89BD-4D01C997C297}"/>
+    <dgm:cxn modelId="{705B5263-B052-442B-9E0C-4EEF316A2B35}" srcId="{51E7A158-BFC2-47B2-8B3C-476A333700D9}" destId="{C78C4F92-AD69-46C8-910C-41059E8ED0A9}" srcOrd="0" destOrd="1" parTransId="{581124B7-0397-40F7-9B1D-41220103BA68}" sibTransId="{A23C44A9-E7A6-467B-BF93-DD0656347715}"/>
+    <dgm:cxn modelId="{D2079773-E641-4CA2-B125-BDC436FF23C8}" srcId="{0605F139-5EF0-48E7-A091-192233D2011D}" destId="{4E4A1E17-A3EC-4A54-9171-277E11A0B287}" srcOrd="1" destOrd="0" parTransId="{367D7799-1E5C-4947-8AD1-85D1E0D367AF}" sibTransId="{7FFEBD18-7D5B-41C0-A8F3-60942A71708D}"/>
+    <dgm:cxn modelId="{76C5CFFA-0574-40CD-A012-BE80E4AC2DC5}" srcId="{4E4A1E17-A3EC-4A54-9171-277E11A0B287}" destId="{2B9D6902-DCB2-4AC4-BFAC-AF964742FD39}" srcOrd="0" destOrd="1" parTransId="{9EAB334F-AA91-4141-B6FE-557B19FCD964}" sibTransId="{EB4A7ACA-5833-4A98-973D-A8E863091431}"/>
+    <dgm:cxn modelId="{F03B396C-8513-4BB2-A031-E78369556CB3}" srcId="{2B9D6902-DCB2-4AC4-BFAC-AF964742FD39}" destId="{A18857E9-3519-4370-BEAC-A2FE100CB7F0}" srcOrd="0" destOrd="0" parTransId="{6AF91C3C-E00E-4827-9B42-8C96569E2A72}" sibTransId="{97830C3B-256E-4BE9-9647-FDF616A60AE6}"/>
+    <dgm:cxn modelId="{ABBB617C-F386-4361-BE01-1D6E9ECCEDA4}" type="presOf" srcId="{EFE73B03-4D71-4565-8C52-4902BE6377A4}" destId="{5FBAB40F-6011-4629-9B30-77C9439C91BF}" srcOrd="0" destOrd="0" presId="urn:microsoft.com/office/officeart/2005/8/layout/hierarchy2"/>
+    <dgm:cxn modelId="{E7A4411E-BCB8-460C-9D3D-516CB047940D}" type="presParOf" srcId="{5FBAB40F-6011-4629-9B30-77C9439C91BF}" destId="{2332AA2E-A989-4175-BB73-78EA4C3BDB65}" srcOrd="0" destOrd="0" presId="urn:microsoft.com/office/officeart/2005/8/layout/hierarchy2"/>
+    <dgm:cxn modelId="{300E5588-BB75-4930-9853-BF553F1ACC27}" type="presParOf" srcId="{2332AA2E-A989-4175-BB73-78EA4C3BDB65}" destId="{24E3F4AB-32FB-4CE0-9DAC-FC4DD26B5900}" srcOrd="0" destOrd="0" presId="urn:microsoft.com/office/officeart/2005/8/layout/hierarchy2"/>
+    <dgm:cxn modelId="{6ECA914B-FD01-4D3D-8A0E-303D7E6B42DF}" type="presOf" srcId="{0605F139-5EF0-48E7-A091-192233D2011D}" destId="{24E3F4AB-32FB-4CE0-9DAC-FC4DD26B5900}" srcOrd="0" destOrd="0" presId="urn:microsoft.com/office/officeart/2005/8/layout/hierarchy2"/>
+    <dgm:cxn modelId="{572CB7A4-6FDE-4706-9E10-11011A64FBFF}" type="presParOf" srcId="{2332AA2E-A989-4175-BB73-78EA4C3BDB65}" destId="{44F25638-8073-4DA7-9390-5AC06A304565}" srcOrd="1" destOrd="0" presId="urn:microsoft.com/office/officeart/2005/8/layout/hierarchy2"/>
+    <dgm:cxn modelId="{9CDF73AB-8EBF-4187-BF79-BD4C02EADD96}" type="presParOf" srcId="{44F25638-8073-4DA7-9390-5AC06A304565}" destId="{B47BD6C9-6D53-4A69-975F-9CF96E25F10F}" srcOrd="0" destOrd="1" presId="urn:microsoft.com/office/officeart/2005/8/layout/hierarchy2"/>
+    <dgm:cxn modelId="{24111FA9-2FD1-47B6-BC1D-8AF0272A1A8F}" type="presOf" srcId="{AC2BFF99-DAE2-494A-88AB-85D75BC6D2EE}" destId="{B47BD6C9-6D53-4A69-975F-9CF96E25F10F}" srcOrd="0" destOrd="0" presId="urn:microsoft.com/office/officeart/2005/8/layout/hierarchy2"/>
+    <dgm:cxn modelId="{8A677514-D45D-4D13-8343-DF31EB4D6723}" type="presParOf" srcId="{B47BD6C9-6D53-4A69-975F-9CF96E25F10F}" destId="{C1833E64-0598-4ED8-B73B-4C820BB35531}" srcOrd="0" destOrd="0" presId="urn:microsoft.com/office/officeart/2005/8/layout/hierarchy2"/>
+    <dgm:cxn modelId="{95AA0732-6289-4B31-BF77-EE124870844E}" type="presOf" srcId="{AC2BFF99-DAE2-494A-88AB-85D75BC6D2EE}" destId="{C1833E64-0598-4ED8-B73B-4C820BB35531}" srcOrd="1" destOrd="0" presId="urn:microsoft.com/office/officeart/2005/8/layout/hierarchy2"/>
+    <dgm:cxn modelId="{44DA7437-F3D9-476D-95B6-EC326C146F90}" type="presParOf" srcId="{44F25638-8073-4DA7-9390-5AC06A304565}" destId="{46F58ACF-5130-428E-B3EF-87D6FEC0C921}" srcOrd="1" destOrd="1" presId="urn:microsoft.com/office/officeart/2005/8/layout/hierarchy2"/>
+    <dgm:cxn modelId="{1CA29152-98D6-4217-9FE8-F17B824D2CD3}" type="presParOf" srcId="{46F58ACF-5130-428E-B3EF-87D6FEC0C921}" destId="{3C0D5057-54F2-42F8-ADAD-AA27A1CC1A1B}" srcOrd="0" destOrd="1" presId="urn:microsoft.com/office/officeart/2005/8/layout/hierarchy2"/>
+    <dgm:cxn modelId="{B7D1F858-7403-4EC0-B4B0-176E2AE9CEB9}" type="presOf" srcId="{4530EE7D-F557-4815-9ED2-EABC47F46978}" destId="{3C0D5057-54F2-42F8-ADAD-AA27A1CC1A1B}" srcOrd="0" destOrd="0" presId="urn:microsoft.com/office/officeart/2005/8/layout/hierarchy2"/>
+    <dgm:cxn modelId="{559AA9F5-B3B0-42BB-A352-E237E01825FB}" type="presParOf" srcId="{46F58ACF-5130-428E-B3EF-87D6FEC0C921}" destId="{48673F39-879C-4946-8DC7-FD68F0552920}" srcOrd="1" destOrd="1" presId="urn:microsoft.com/office/officeart/2005/8/layout/hierarchy2"/>
+    <dgm:cxn modelId="{F0E5E62E-DD2A-41F7-ADD3-A935551DA964}" type="presParOf" srcId="{48673F39-879C-4946-8DC7-FD68F0552920}" destId="{FA61825B-C877-4D42-AAFB-0586288A9783}" srcOrd="0" destOrd="1" presId="urn:microsoft.com/office/officeart/2005/8/layout/hierarchy2"/>
+    <dgm:cxn modelId="{86A763B8-D4F7-4F83-AD4A-28E5ABAB7C80}" type="presOf" srcId="{4A6A0524-D9B7-4A37-8E78-5FE688BDCCE6}" destId="{FA61825B-C877-4D42-AAFB-0586288A9783}" srcOrd="0" destOrd="0" presId="urn:microsoft.com/office/officeart/2005/8/layout/hierarchy2"/>
+    <dgm:cxn modelId="{89AD1ED2-BB94-436C-9F1D-4B6DD03244AA}" type="presParOf" srcId="{FA61825B-C877-4D42-AAFB-0586288A9783}" destId="{66B35CF0-1806-4E4A-8B50-99A64DECDBA9}" srcOrd="0" destOrd="0" presId="urn:microsoft.com/office/officeart/2005/8/layout/hierarchy2"/>
+    <dgm:cxn modelId="{612A3B80-CEFA-406B-94C3-76D06CE34011}" type="presOf" srcId="{4A6A0524-D9B7-4A37-8E78-5FE688BDCCE6}" destId="{66B35CF0-1806-4E4A-8B50-99A64DECDBA9}" srcOrd="1" destOrd="0" presId="urn:microsoft.com/office/officeart/2005/8/layout/hierarchy2"/>
+    <dgm:cxn modelId="{ADD3C562-49CB-4382-BAB2-6F3FB7CC3AAB}" type="presParOf" srcId="{48673F39-879C-4946-8DC7-FD68F0552920}" destId="{F95D7524-EA0E-4F9D-9D6F-B10856D5C83F}" srcOrd="1" destOrd="1" presId="urn:microsoft.com/office/officeart/2005/8/layout/hierarchy2"/>
+    <dgm:cxn modelId="{35247F0A-0EDE-4E21-BD8A-865768D2FB7A}" type="presParOf" srcId="{F95D7524-EA0E-4F9D-9D6F-B10856D5C83F}" destId="{63712EDC-9AF8-41BC-8F72-ADF8D554FF07}" srcOrd="0" destOrd="1" presId="urn:microsoft.com/office/officeart/2005/8/layout/hierarchy2"/>
+    <dgm:cxn modelId="{F2CF5F55-3264-4966-A68E-EC6BFE9146DB}" type="presOf" srcId="{2C2A4BF3-AA22-4080-9546-909CF9AC3ECB}" destId="{63712EDC-9AF8-41BC-8F72-ADF8D554FF07}" srcOrd="0" destOrd="0" presId="urn:microsoft.com/office/officeart/2005/8/layout/hierarchy2"/>
+    <dgm:cxn modelId="{9A345389-E977-4F92-A909-DF16F3D76E73}" type="presParOf" srcId="{F95D7524-EA0E-4F9D-9D6F-B10856D5C83F}" destId="{E0C65410-D9BC-4E23-87DE-EBBC54AD2166}" srcOrd="1" destOrd="1" presId="urn:microsoft.com/office/officeart/2005/8/layout/hierarchy2"/>
+    <dgm:cxn modelId="{4CC3B1D1-C56B-46F7-AB44-7FF772C1BDF7}" type="presParOf" srcId="{E0C65410-D9BC-4E23-87DE-EBBC54AD2166}" destId="{11243F0F-4DFF-4777-BC77-AD077EFF0A55}" srcOrd="0" destOrd="1" presId="urn:microsoft.com/office/officeart/2005/8/layout/hierarchy2"/>
+    <dgm:cxn modelId="{3BCA07A0-D58C-40D7-8F82-8663E6FF5BBF}" type="presOf" srcId="{2845A291-8AA9-4A47-8DBD-071B2C9BECD6}" destId="{11243F0F-4DFF-4777-BC77-AD077EFF0A55}" srcOrd="0" destOrd="0" presId="urn:microsoft.com/office/officeart/2005/8/layout/hierarchy2"/>
+    <dgm:cxn modelId="{1068029D-0965-4648-A31C-95BCDAE669BB}" type="presParOf" srcId="{11243F0F-4DFF-4777-BC77-AD077EFF0A55}" destId="{CD64F153-D07E-4850-8572-8180C549CC02}" srcOrd="0" destOrd="0" presId="urn:microsoft.com/office/officeart/2005/8/layout/hierarchy2"/>
+    <dgm:cxn modelId="{28464501-6250-436A-AE99-EEE19D7E0BAD}" type="presOf" srcId="{2845A291-8AA9-4A47-8DBD-071B2C9BECD6}" destId="{CD64F153-D07E-4850-8572-8180C549CC02}" srcOrd="1" destOrd="0" presId="urn:microsoft.com/office/officeart/2005/8/layout/hierarchy2"/>
+    <dgm:cxn modelId="{F2B4D36E-58AC-426A-B292-1F97230B41D6}" type="presParOf" srcId="{E0C65410-D9BC-4E23-87DE-EBBC54AD2166}" destId="{15480794-421D-4802-B654-EB92D00542BE}" srcOrd="1" destOrd="1" presId="urn:microsoft.com/office/officeart/2005/8/layout/hierarchy2"/>
+    <dgm:cxn modelId="{1F3A3E0C-6519-482C-BBEB-66E2974979D1}" type="presParOf" srcId="{15480794-421D-4802-B654-EB92D00542BE}" destId="{467A1948-8400-4137-BE42-AB46DA460F73}" srcOrd="0" destOrd="1" presId="urn:microsoft.com/office/officeart/2005/8/layout/hierarchy2"/>
+    <dgm:cxn modelId="{10122BFA-727A-4CD8-9B05-50B255E322E4}" type="presOf" srcId="{13A1BA05-A83F-442E-AC90-E1A569E689C2}" destId="{467A1948-8400-4137-BE42-AB46DA460F73}" srcOrd="0" destOrd="0" presId="urn:microsoft.com/office/officeart/2005/8/layout/hierarchy2"/>
+    <dgm:cxn modelId="{1081800B-BA0D-48C1-9781-4DF1299FBF24}" type="presParOf" srcId="{15480794-421D-4802-B654-EB92D00542BE}" destId="{035593AD-9E2B-4FF0-A3E5-745E5FF69BE6}" srcOrd="1" destOrd="1" presId="urn:microsoft.com/office/officeart/2005/8/layout/hierarchy2"/>
+    <dgm:cxn modelId="{20799B86-E94F-405F-8011-9550E00D044B}" type="presParOf" srcId="{48673F39-879C-4946-8DC7-FD68F0552920}" destId="{635849E5-51AE-4E43-A653-3325AF81FF0C}" srcOrd="2" destOrd="1" presId="urn:microsoft.com/office/officeart/2005/8/layout/hierarchy2"/>
+    <dgm:cxn modelId="{95CCB730-6ECD-4FDF-9024-0B62D3DB7363}" type="presOf" srcId="{AF86616F-F0C8-4A89-87C6-B67BA271F6D8}" destId="{635849E5-51AE-4E43-A653-3325AF81FF0C}" srcOrd="0" destOrd="0" presId="urn:microsoft.com/office/officeart/2005/8/layout/hierarchy2"/>
+    <dgm:cxn modelId="{F79F1C35-4848-4E6F-9777-47D148EBAC95}" type="presParOf" srcId="{635849E5-51AE-4E43-A653-3325AF81FF0C}" destId="{E360BDD8-7085-4F4D-9CD7-C129DE6C06E3}" srcOrd="0" destOrd="2" presId="urn:microsoft.com/office/officeart/2005/8/layout/hierarchy2"/>
+    <dgm:cxn modelId="{4398E8FF-1FCF-4978-BA98-FB3BB683698C}" type="presOf" srcId="{AF86616F-F0C8-4A89-87C6-B67BA271F6D8}" destId="{E360BDD8-7085-4F4D-9CD7-C129DE6C06E3}" srcOrd="1" destOrd="0" presId="urn:microsoft.com/office/officeart/2005/8/layout/hierarchy2"/>
+    <dgm:cxn modelId="{C9F099D2-CAA6-432F-B2F0-8310377C05AC}" type="presParOf" srcId="{48673F39-879C-4946-8DC7-FD68F0552920}" destId="{E89BA77C-5107-43F8-9AE5-995D8509DD73}" srcOrd="3" destOrd="1" presId="urn:microsoft.com/office/officeart/2005/8/layout/hierarchy2"/>
+    <dgm:cxn modelId="{D540CB5C-B573-4970-8B2E-117FA001944B}" type="presParOf" srcId="{E89BA77C-5107-43F8-9AE5-995D8509DD73}" destId="{4263710E-E21F-4CC8-BA04-FA0552986842}" srcOrd="0" destOrd="3" presId="urn:microsoft.com/office/officeart/2005/8/layout/hierarchy2"/>
+    <dgm:cxn modelId="{CE4F1C28-79E2-43D0-AA39-B1AE04F40472}" type="presOf" srcId="{51E7A158-BFC2-47B2-8B3C-476A333700D9}" destId="{4263710E-E21F-4CC8-BA04-FA0552986842}" srcOrd="0" destOrd="0" presId="urn:microsoft.com/office/officeart/2005/8/layout/hierarchy2"/>
+    <dgm:cxn modelId="{7C98B0A5-39BE-47A1-B334-9320025E49C0}" type="presParOf" srcId="{E89BA77C-5107-43F8-9AE5-995D8509DD73}" destId="{5F2D68DB-CD85-497F-92FD-D3F3D598EB20}" srcOrd="1" destOrd="3" presId="urn:microsoft.com/office/officeart/2005/8/layout/hierarchy2"/>
+    <dgm:cxn modelId="{E23EA3F3-D0C9-4448-A001-6DB4D4515DBE}" type="presParOf" srcId="{5F2D68DB-CD85-497F-92FD-D3F3D598EB20}" destId="{E81582B1-A130-479F-ACE3-61EF727591CE}" srcOrd="0" destOrd="1" presId="urn:microsoft.com/office/officeart/2005/8/layout/hierarchy2"/>
+    <dgm:cxn modelId="{76FB66D0-884E-480B-A1DA-57F61E787234}" type="presOf" srcId="{581124B7-0397-40F7-9B1D-41220103BA68}" destId="{E81582B1-A130-479F-ACE3-61EF727591CE}" srcOrd="0" destOrd="0" presId="urn:microsoft.com/office/officeart/2005/8/layout/hierarchy2"/>
+    <dgm:cxn modelId="{3AADD3D1-EA62-4093-B227-0211673F4377}" type="presParOf" srcId="{E81582B1-A130-479F-ACE3-61EF727591CE}" destId="{C3EBFA62-33AA-4455-9D61-7B96DA4B37A4}" srcOrd="0" destOrd="0" presId="urn:microsoft.com/office/officeart/2005/8/layout/hierarchy2"/>
+    <dgm:cxn modelId="{2D6731C5-598F-4354-966F-CAF5926EEA51}" type="presOf" srcId="{581124B7-0397-40F7-9B1D-41220103BA68}" destId="{C3EBFA62-33AA-4455-9D61-7B96DA4B37A4}" srcOrd="1" destOrd="0" presId="urn:microsoft.com/office/officeart/2005/8/layout/hierarchy2"/>
+    <dgm:cxn modelId="{DCF31E49-5620-4FA8-8D3A-7B8BB9D82BD4}" type="presParOf" srcId="{5F2D68DB-CD85-497F-92FD-D3F3D598EB20}" destId="{2DF34A52-3962-401F-8488-13EE54243675}" srcOrd="1" destOrd="1" presId="urn:microsoft.com/office/officeart/2005/8/layout/hierarchy2"/>
+    <dgm:cxn modelId="{5E6025FD-1BC3-425D-A635-58C0E86A0B41}" type="presParOf" srcId="{2DF34A52-3962-401F-8488-13EE54243675}" destId="{29F748CF-C0E7-4DEA-B3A3-0E8AEB5CA964}" srcOrd="0" destOrd="1" presId="urn:microsoft.com/office/officeart/2005/8/layout/hierarchy2"/>
+    <dgm:cxn modelId="{9CA407B2-213C-41AE-A1BE-2733BE0A425B}" type="presOf" srcId="{C78C4F92-AD69-46C8-910C-41059E8ED0A9}" destId="{29F748CF-C0E7-4DEA-B3A3-0E8AEB5CA964}" srcOrd="0" destOrd="0" presId="urn:microsoft.com/office/officeart/2005/8/layout/hierarchy2"/>
+    <dgm:cxn modelId="{0AE8B287-1D59-4C75-8887-F9FF889124D7}" type="presParOf" srcId="{2DF34A52-3962-401F-8488-13EE54243675}" destId="{02AC44EF-F1FC-4C54-8D55-2436304955F9}" srcOrd="1" destOrd="1" presId="urn:microsoft.com/office/officeart/2005/8/layout/hierarchy2"/>
+    <dgm:cxn modelId="{B31B1198-C649-4251-B147-6DF10B604863}" type="presParOf" srcId="{44F25638-8073-4DA7-9390-5AC06A304565}" destId="{2E81B90F-7494-41FF-808F-F7F82B993B40}" srcOrd="2" destOrd="1" presId="urn:microsoft.com/office/officeart/2005/8/layout/hierarchy2"/>
+    <dgm:cxn modelId="{BE8DEE2D-5C8D-4798-BD60-7603F49C7AC4}" type="presOf" srcId="{367D7799-1E5C-4947-8AD1-85D1E0D367AF}" destId="{2E81B90F-7494-41FF-808F-F7F82B993B40}" srcOrd="0" destOrd="0" presId="urn:microsoft.com/office/officeart/2005/8/layout/hierarchy2"/>
+    <dgm:cxn modelId="{2021EDE9-6D92-4A9D-9686-FAC00027BE36}" type="presParOf" srcId="{2E81B90F-7494-41FF-808F-F7F82B993B40}" destId="{0F4B7785-0023-487B-801C-9850969E1D34}" srcOrd="0" destOrd="2" presId="urn:microsoft.com/office/officeart/2005/8/layout/hierarchy2"/>
+    <dgm:cxn modelId="{E6AEFA24-FC4B-454C-B874-E8CDE0B2F2AF}" type="presOf" srcId="{367D7799-1E5C-4947-8AD1-85D1E0D367AF}" destId="{0F4B7785-0023-487B-801C-9850969E1D34}" srcOrd="1" destOrd="0" presId="urn:microsoft.com/office/officeart/2005/8/layout/hierarchy2"/>
+    <dgm:cxn modelId="{C093B1DE-B135-41FB-8AA9-9E33B354CC55}" type="presParOf" srcId="{44F25638-8073-4DA7-9390-5AC06A304565}" destId="{4925E953-147A-4210-9A9C-63730A307231}" srcOrd="3" destOrd="1" presId="urn:microsoft.com/office/officeart/2005/8/layout/hierarchy2"/>
+    <dgm:cxn modelId="{AD5BD9A9-33C4-4FC8-974B-E024D6715D32}" type="presParOf" srcId="{4925E953-147A-4210-9A9C-63730A307231}" destId="{3D382021-A429-4403-82FF-5A95DD3EBB20}" srcOrd="0" destOrd="3" presId="urn:microsoft.com/office/officeart/2005/8/layout/hierarchy2"/>
+    <dgm:cxn modelId="{E476AB3F-FB38-4099-AB8A-30AFB3DD9DEB}" type="presOf" srcId="{4E4A1E17-A3EC-4A54-9171-277E11A0B287}" destId="{3D382021-A429-4403-82FF-5A95DD3EBB20}" srcOrd="0" destOrd="0" presId="urn:microsoft.com/office/officeart/2005/8/layout/hierarchy2"/>
+    <dgm:cxn modelId="{9DD556A0-7516-4032-974C-3121F90036AB}" type="presParOf" srcId="{4925E953-147A-4210-9A9C-63730A307231}" destId="{6D231649-1A42-47D5-A289-01058E6A05B6}" srcOrd="1" destOrd="3" presId="urn:microsoft.com/office/officeart/2005/8/layout/hierarchy2"/>
+    <dgm:cxn modelId="{8C1DAAAF-8CFC-452C-A2E3-E9DF004A8378}" type="presParOf" srcId="{6D231649-1A42-47D5-A289-01058E6A05B6}" destId="{B68D4CB7-ED76-4EEE-B7F0-455597F5F947}" srcOrd="0" destOrd="1" presId="urn:microsoft.com/office/officeart/2005/8/layout/hierarchy2"/>
+    <dgm:cxn modelId="{232181C7-8A1F-4223-A554-EB7764BF4903}" type="presOf" srcId="{9EAB334F-AA91-4141-B6FE-557B19FCD964}" destId="{B68D4CB7-ED76-4EEE-B7F0-455597F5F947}" srcOrd="0" destOrd="0" presId="urn:microsoft.com/office/officeart/2005/8/layout/hierarchy2"/>
+    <dgm:cxn modelId="{07E17EE0-AD5B-40ED-9D21-25CEA2B8CD7D}" type="presParOf" srcId="{B68D4CB7-ED76-4EEE-B7F0-455597F5F947}" destId="{5CB1AA4B-5999-455A-85BE-A2532A5BECF0}" srcOrd="0" destOrd="0" presId="urn:microsoft.com/office/officeart/2005/8/layout/hierarchy2"/>
+    <dgm:cxn modelId="{F0C24C75-8D8F-4614-8EA4-4EF8655CB8D1}" type="presOf" srcId="{9EAB334F-AA91-4141-B6FE-557B19FCD964}" destId="{5CB1AA4B-5999-455A-85BE-A2532A5BECF0}" srcOrd="1" destOrd="0" presId="urn:microsoft.com/office/officeart/2005/8/layout/hierarchy2"/>
+    <dgm:cxn modelId="{FAEBB4A1-4BC5-4377-A913-30B7E9EF0F29}" type="presParOf" srcId="{6D231649-1A42-47D5-A289-01058E6A05B6}" destId="{A1B09372-2280-4FF7-9810-328BF9428FDA}" srcOrd="1" destOrd="1" presId="urn:microsoft.com/office/officeart/2005/8/layout/hierarchy2"/>
+    <dgm:cxn modelId="{937DE3A7-9423-4718-AFE0-F8D0358B08CB}" type="presParOf" srcId="{A1B09372-2280-4FF7-9810-328BF9428FDA}" destId="{402901F7-4C4B-47C4-BE12-824FDFB99F9B}" srcOrd="0" destOrd="1" presId="urn:microsoft.com/office/officeart/2005/8/layout/hierarchy2"/>
+    <dgm:cxn modelId="{0A240F54-2D8D-4316-B51B-BCB47CE69201}" type="presOf" srcId="{2B9D6902-DCB2-4AC4-BFAC-AF964742FD39}" destId="{402901F7-4C4B-47C4-BE12-824FDFB99F9B}" srcOrd="0" destOrd="0" presId="urn:microsoft.com/office/officeart/2005/8/layout/hierarchy2"/>
+    <dgm:cxn modelId="{AF26343A-1D48-40C0-B98F-EB28F4B2553B}" type="presParOf" srcId="{A1B09372-2280-4FF7-9810-328BF9428FDA}" destId="{48115C91-152F-4201-BB89-A30029998550}" srcOrd="1" destOrd="1" presId="urn:microsoft.com/office/officeart/2005/8/layout/hierarchy2"/>
+    <dgm:cxn modelId="{0D6063D2-93CD-47DC-B12D-56DD4D214B26}" type="presParOf" srcId="{48115C91-152F-4201-BB89-A30029998550}" destId="{DA2000B3-A3B6-4EFC-A825-0A6C126D52C5}" srcOrd="0" destOrd="1" presId="urn:microsoft.com/office/officeart/2005/8/layout/hierarchy2"/>
+    <dgm:cxn modelId="{D1D0F45D-DAA2-4515-A727-E55A6EF554A8}" type="presOf" srcId="{6AF91C3C-E00E-4827-9B42-8C96569E2A72}" destId="{DA2000B3-A3B6-4EFC-A825-0A6C126D52C5}" srcOrd="0" destOrd="0" presId="urn:microsoft.com/office/officeart/2005/8/layout/hierarchy2"/>
+    <dgm:cxn modelId="{A53F88B7-EE68-4A15-A9A2-9B19943CCA4B}" type="presParOf" srcId="{DA2000B3-A3B6-4EFC-A825-0A6C126D52C5}" destId="{EE787B8E-7AAA-442B-9C90-08D4F6E6BBF6}" srcOrd="0" destOrd="0" presId="urn:microsoft.com/office/officeart/2005/8/layout/hierarchy2"/>
+    <dgm:cxn modelId="{FE247177-B0F1-4672-BEE1-EF2AB9250927}" type="presOf" srcId="{6AF91C3C-E00E-4827-9B42-8C96569E2A72}" destId="{EE787B8E-7AAA-442B-9C90-08D4F6E6BBF6}" srcOrd="1" destOrd="0" presId="urn:microsoft.com/office/officeart/2005/8/layout/hierarchy2"/>
+    <dgm:cxn modelId="{0D4441A9-F16B-402C-809A-E519EC43BE7D}" type="presParOf" srcId="{48115C91-152F-4201-BB89-A30029998550}" destId="{CB54B7B2-0470-48DA-8162-E018E69A30B8}" srcOrd="1" destOrd="1" presId="urn:microsoft.com/office/officeart/2005/8/layout/hierarchy2"/>
+    <dgm:cxn modelId="{B3EE651B-8D44-44DB-9F78-B04D8AE80235}" type="presParOf" srcId="{CB54B7B2-0470-48DA-8162-E018E69A30B8}" destId="{0E254FF5-707D-4454-BB56-843591B507FB}" srcOrd="0" destOrd="1" presId="urn:microsoft.com/office/officeart/2005/8/layout/hierarchy2"/>
+    <dgm:cxn modelId="{1F3E2E4D-F3E8-497F-BC74-D70D8FE8B13D}" type="presOf" srcId="{A18857E9-3519-4370-BEAC-A2FE100CB7F0}" destId="{0E254FF5-707D-4454-BB56-843591B507FB}" srcOrd="0" destOrd="0" presId="urn:microsoft.com/office/officeart/2005/8/layout/hierarchy2"/>
+    <dgm:cxn modelId="{8B50F0AA-0ED8-4F0C-95C3-33A6C95DCD58}" type="presParOf" srcId="{CB54B7B2-0470-48DA-8162-E018E69A30B8}" destId="{46F6C1F7-5C88-454D-95F9-82DC1A79764A}" srcOrd="1" destOrd="1" presId="urn:microsoft.com/office/officeart/2005/8/layout/hierarchy2"/>
+  </dgm:cxnLst>
+  <dgm:bg/>
+  <dgm:whole/>
+  <dgm:extLst>
+    <a:ext uri="http://schemas.microsoft.com/office/drawing/2008/diagram">
+      <dsp:dataModelExt xmlns:dsp="http://schemas.microsoft.com/office/drawing/2008/diagram" relId="rId5" minVer="http://schemas.openxmlformats.org/drawingml/2006/diagram"/>
+    </a:ext>
+  </dgm:extLst>
+</dgm:dataModel>
+</file>
+
+<file path=ppt/diagrams/drawing1.xml><?xml version="1.0" encoding="utf-8"?>
+<dsp:drawing xmlns:dgm="http://schemas.openxmlformats.org/drawingml/2006/diagram" xmlns:dsp="http://schemas.microsoft.com/office/drawing/2008/diagram" xmlns:a="http://schemas.openxmlformats.org/drawingml/2006/main" xmlns:r="http://schemas.openxmlformats.org/officeDocument/2006/relationships">
+  <dsp:spTree>
+    <dsp:nvGrpSpPr>
+      <dsp:cNvPr id="2" name="组合 1"/>
+      <dsp:cNvGrpSpPr/>
+    </dsp:nvGrpSpPr>
+    <dsp:grpSpPr>
+      <a:xfrm>
+        <a:off x="0" y="0"/>
+        <a:ext cx="5823585" cy="3782695"/>
+        <a:chOff x="0" y="0"/>
+        <a:chExt cx="5823585" cy="3782695"/>
+      </a:xfrm>
+    </dsp:grpSpPr>
+    <dsp:sp modelId="{24E3F4AB-32FB-4CE0-9DAC-FC4DD26B5900}">
+      <dsp:nvSpPr>
+        <dsp:cNvPr id="3" name="圆角矩形 2"/>
+        <dsp:cNvSpPr/>
+      </dsp:nvSpPr>
+      <dsp:spPr bwMode="white">
+        <a:xfrm>
+          <a:off x="0" y="1772356"/>
+          <a:ext cx="1119920" cy="559960"/>
+        </a:xfrm>
+        <a:prstGeom prst="roundRect">
+          <a:avLst>
+            <a:gd name="adj" fmla="val 10000"/>
+          </a:avLst>
+        </a:prstGeom>
+      </dsp:spPr>
+      <dsp:style>
+        <a:lnRef idx="2">
+          <a:schemeClr val="lt1"/>
+        </a:lnRef>
+        <a:fillRef idx="1">
+          <a:schemeClr val="accent1"/>
+        </a:fillRef>
+        <a:effectRef idx="0">
+          <a:scrgbClr r="0" g="0" b="0"/>
+        </a:effectRef>
+        <a:fontRef idx="minor">
+          <a:schemeClr val="lt1"/>
+        </a:fontRef>
+      </dsp:style>
+      <dsp:txBody>
+        <a:bodyPr vert="horz" wrap="square" lIns="10160" tIns="10160" rIns="10160" bIns="10160" anchor="ctr"/>
+        <a:lstStyle>
+          <a:lvl1pPr algn="ctr">
+            <a:defRPr sz="1600"/>
+          </a:lvl1pPr>
+          <a:lvl2pPr marL="114300" indent="-114300" algn="ctr">
+            <a:defRPr sz="1200"/>
+          </a:lvl2pPr>
+          <a:lvl3pPr marL="228600" indent="-114300" algn="ctr">
+            <a:defRPr sz="1200"/>
+          </a:lvl3pPr>
+          <a:lvl4pPr marL="342900" indent="-114300" algn="ctr">
+            <a:defRPr sz="1200"/>
+          </a:lvl4pPr>
+          <a:lvl5pPr marL="457200" indent="-114300" algn="ctr">
+            <a:defRPr sz="1200"/>
+          </a:lvl5pPr>
+          <a:lvl6pPr marL="571500" indent="-114300" algn="ctr">
+            <a:defRPr sz="1200"/>
+          </a:lvl6pPr>
+          <a:lvl7pPr marL="685800" indent="-114300" algn="ctr">
+            <a:defRPr sz="1200"/>
+          </a:lvl7pPr>
+          <a:lvl8pPr marL="800100" indent="-114300" algn="ctr">
+            <a:defRPr sz="1200"/>
+          </a:lvl8pPr>
+          <a:lvl9pPr marL="914400" indent="-114300" algn="ctr">
+            <a:defRPr sz="1200"/>
+          </a:lvl9pPr>
+        </a:lstStyle>
+        <a:p>
+          <a:pPr lvl="0">
+            <a:lnSpc>
+              <a:spcPct val="100000"/>
+            </a:lnSpc>
+            <a:spcBef>
+              <a:spcPct val="0"/>
+            </a:spcBef>
+            <a:spcAft>
+              <a:spcPct val="35000"/>
+            </a:spcAft>
+          </a:pPr>
+          <a:r>
+            <a:rPr lang="zh-CN" altLang="en-US"/>
+            <a:t>库</a:t>
+          </a:r>
+          <a:endParaRPr lang="zh-CN" altLang="en-US"/>
+        </a:p>
+      </dsp:txBody>
+      <dsp:txXfrm>
+        <a:off x="0" y="1772356"/>
+        <a:ext cx="1119920" cy="559960"/>
+      </dsp:txXfrm>
+    </dsp:sp>
+    <dsp:sp modelId="{B47BD6C9-6D53-4A69-975F-9CF96E25F10F}">
+      <dsp:nvSpPr>
+        <dsp:cNvPr id="4" name="任意多边形 3"/>
+        <dsp:cNvSpPr/>
+      </dsp:nvSpPr>
+      <dsp:spPr bwMode="white">
+        <a:xfrm>
+          <a:off x="1014537" y="1797530"/>
+          <a:ext cx="658735" cy="26646"/>
+        </a:xfrm>
+        <a:custGeom>
+          <a:avLst/>
+          <a:gdLst/>
+          <a:ahLst/>
+          <a:cxnLst/>
+          <a:pathLst>
+            <a:path w="1037" h="42">
+              <a:moveTo>
+                <a:pt x="166" y="401"/>
+              </a:moveTo>
+              <a:lnTo>
+                <a:pt x="871" y="-359"/>
+              </a:lnTo>
+            </a:path>
+          </a:pathLst>
+        </a:custGeom>
+      </dsp:spPr>
+      <dsp:style>
+        <a:lnRef idx="2">
+          <a:schemeClr val="accent1">
+            <a:shade val="60000"/>
+          </a:schemeClr>
+        </a:lnRef>
+        <a:fillRef idx="0">
+          <a:schemeClr val="accent1"/>
+        </a:fillRef>
+        <a:effectRef idx="0">
+          <a:scrgbClr r="0" g="0" b="0"/>
+        </a:effectRef>
+        <a:fontRef idx="minor"/>
+      </dsp:style>
+      <dsp:txBody>
+        <a:bodyPr lIns="12700" tIns="0" rIns="12700" bIns="0" anchor="ctr"/>
+        <a:lstStyle>
+          <a:lvl1pPr algn="ctr">
+            <a:defRPr sz="5500"/>
+          </a:lvl1pPr>
+          <a:lvl2pPr marL="285750" indent="-285750" algn="ctr">
+            <a:defRPr sz="4200"/>
+          </a:lvl2pPr>
+          <a:lvl3pPr marL="571500" indent="-285750" algn="ctr">
+            <a:defRPr sz="4200"/>
+          </a:lvl3pPr>
+          <a:lvl4pPr marL="857250" indent="-285750" algn="ctr">
+            <a:defRPr sz="4200"/>
+          </a:lvl4pPr>
+          <a:lvl5pPr marL="1143000" indent="-285750" algn="ctr">
+            <a:defRPr sz="4200"/>
+          </a:lvl5pPr>
+          <a:lvl6pPr marL="1428750" indent="-285750" algn="ctr">
+            <a:defRPr sz="4200"/>
+          </a:lvl6pPr>
+          <a:lvl7pPr marL="1714500" indent="-285750" algn="ctr">
+            <a:defRPr sz="4200"/>
+          </a:lvl7pPr>
+          <a:lvl8pPr marL="2000250" indent="-285750" algn="ctr">
+            <a:defRPr sz="4200"/>
+          </a:lvl8pPr>
+          <a:lvl9pPr marL="2286000" indent="-285750" algn="ctr">
+            <a:defRPr sz="4200"/>
+          </a:lvl9pPr>
+        </a:lstStyle>
+        <a:p>
+          <a:pPr lvl="0">
+            <a:lnSpc>
+              <a:spcPct val="100000"/>
+            </a:lnSpc>
+            <a:spcBef>
+              <a:spcPct val="0"/>
+            </a:spcBef>
+            <a:spcAft>
+              <a:spcPct val="35000"/>
+            </a:spcAft>
+          </a:pPr>
+          <a:endParaRPr lang="zh-CN" altLang="en-US"/>
+        </a:p>
+      </dsp:txBody>
+      <dsp:txXfrm>
+        <a:off x="1014537" y="1797530"/>
+        <a:ext cx="658735" cy="26646"/>
+      </dsp:txXfrm>
+    </dsp:sp>
+    <dsp:sp modelId="{3C0D5057-54F2-42F8-ADAD-AA27A1CC1A1B}">
+      <dsp:nvSpPr>
+        <dsp:cNvPr id="5" name="圆角矩形 4"/>
+        <dsp:cNvSpPr/>
+      </dsp:nvSpPr>
+      <dsp:spPr bwMode="white">
+        <a:xfrm>
+          <a:off x="1567888" y="1289390"/>
+          <a:ext cx="1119920" cy="559960"/>
+        </a:xfrm>
+        <a:prstGeom prst="roundRect">
+          <a:avLst>
+            <a:gd name="adj" fmla="val 10000"/>
+          </a:avLst>
+        </a:prstGeom>
+      </dsp:spPr>
+      <dsp:style>
+        <a:lnRef idx="2">
+          <a:schemeClr val="lt1"/>
+        </a:lnRef>
+        <a:fillRef idx="1">
+          <a:schemeClr val="accent1"/>
+        </a:fillRef>
+        <a:effectRef idx="0">
+          <a:scrgbClr r="0" g="0" b="0"/>
+        </a:effectRef>
+        <a:fontRef idx="minor">
+          <a:schemeClr val="lt1"/>
+        </a:fontRef>
+      </dsp:style>
+      <dsp:txBody>
+        <a:bodyPr vert="horz" wrap="square" lIns="10160" tIns="10160" rIns="10160" bIns="10160" anchor="ctr"/>
+        <a:lstStyle>
+          <a:lvl1pPr algn="ctr">
+            <a:defRPr sz="1600"/>
+          </a:lvl1pPr>
+          <a:lvl2pPr marL="114300" indent="-114300" algn="ctr">
+            <a:defRPr sz="1200"/>
+          </a:lvl2pPr>
+          <a:lvl3pPr marL="228600" indent="-114300" algn="ctr">
+            <a:defRPr sz="1200"/>
+          </a:lvl3pPr>
+          <a:lvl4pPr marL="342900" indent="-114300" algn="ctr">
+            <a:defRPr sz="1200"/>
+          </a:lvl4pPr>
+          <a:lvl5pPr marL="457200" indent="-114300" algn="ctr">
+            <a:defRPr sz="1200"/>
+          </a:lvl5pPr>
+          <a:lvl6pPr marL="571500" indent="-114300" algn="ctr">
+            <a:defRPr sz="1200"/>
+          </a:lvl6pPr>
+          <a:lvl7pPr marL="685800" indent="-114300" algn="ctr">
+            <a:defRPr sz="1200"/>
+          </a:lvl7pPr>
+          <a:lvl8pPr marL="800100" indent="-114300" algn="ctr">
+            <a:defRPr sz="1200"/>
+          </a:lvl8pPr>
+          <a:lvl9pPr marL="914400" indent="-114300" algn="ctr">
+            <a:defRPr sz="1200"/>
+          </a:lvl9pPr>
+        </a:lstStyle>
+        <a:p>
+          <a:pPr lvl="0">
+            <a:lnSpc>
+              <a:spcPct val="100000"/>
+            </a:lnSpc>
+            <a:spcBef>
+              <a:spcPct val="0"/>
+            </a:spcBef>
+            <a:spcAft>
+              <a:spcPct val="35000"/>
+            </a:spcAft>
+          </a:pPr>
+          <a:r>
+            <a:rPr lang="zh-CN" altLang="en-US"/>
+            <a:t>组</a:t>
+          </a:r>
+          <a:r>
+            <a:rPr lang="en-US" altLang="zh-CN"/>
+            <a:t>1</a:t>
+          </a:r>
+          <a:endParaRPr lang="en-US" altLang="zh-CN"/>
+        </a:p>
+      </dsp:txBody>
+      <dsp:txXfrm>
+        <a:off x="1567888" y="1289390"/>
+        <a:ext cx="1119920" cy="559960"/>
+      </dsp:txXfrm>
+    </dsp:sp>
+    <dsp:sp modelId="{FA61825B-C877-4D42-AAFB-0586288A9783}">
+      <dsp:nvSpPr>
+        <dsp:cNvPr id="6" name="任意多边形 5"/>
+        <dsp:cNvSpPr/>
+      </dsp:nvSpPr>
+      <dsp:spPr bwMode="white">
+        <a:xfrm>
+          <a:off x="2635955" y="1395059"/>
+          <a:ext cx="551674" cy="26646"/>
+        </a:xfrm>
+        <a:custGeom>
+          <a:avLst/>
+          <a:gdLst/>
+          <a:ahLst/>
+          <a:cxnLst/>
+          <a:pathLst>
+            <a:path w="869" h="42">
+              <a:moveTo>
+                <a:pt x="82" y="275"/>
+              </a:moveTo>
+              <a:lnTo>
+                <a:pt x="787" y="-233"/>
+              </a:lnTo>
+            </a:path>
+          </a:pathLst>
+        </a:custGeom>
+      </dsp:spPr>
+      <dsp:style>
+        <a:lnRef idx="2">
+          <a:schemeClr val="accent1">
+            <a:shade val="80000"/>
+          </a:schemeClr>
+        </a:lnRef>
+        <a:fillRef idx="0">
+          <a:schemeClr val="accent1"/>
+        </a:fillRef>
+        <a:effectRef idx="0">
+          <a:scrgbClr r="0" g="0" b="0"/>
+        </a:effectRef>
+        <a:fontRef idx="minor"/>
+      </dsp:style>
+      <dsp:txBody>
+        <a:bodyPr lIns="12700" tIns="0" rIns="12700" bIns="0" anchor="ctr"/>
+        <a:lstStyle>
+          <a:lvl1pPr algn="ctr">
+            <a:defRPr sz="5500"/>
+          </a:lvl1pPr>
+          <a:lvl2pPr marL="285750" indent="-285750" algn="ctr">
+            <a:defRPr sz="4200"/>
+          </a:lvl2pPr>
+          <a:lvl3pPr marL="571500" indent="-285750" algn="ctr">
+            <a:defRPr sz="4200"/>
+          </a:lvl3pPr>
+          <a:lvl4pPr marL="857250" indent="-285750" algn="ctr">
+            <a:defRPr sz="4200"/>
+          </a:lvl4pPr>
+          <a:lvl5pPr marL="1143000" indent="-285750" algn="ctr">
+            <a:defRPr sz="4200"/>
+          </a:lvl5pPr>
+          <a:lvl6pPr marL="1428750" indent="-285750" algn="ctr">
+            <a:defRPr sz="4200"/>
+          </a:lvl6pPr>
+          <a:lvl7pPr marL="1714500" indent="-285750" algn="ctr">
+            <a:defRPr sz="4200"/>
+          </a:lvl7pPr>
+          <a:lvl8pPr marL="2000250" indent="-285750" algn="ctr">
+            <a:defRPr sz="4200"/>
+          </a:lvl8pPr>
+          <a:lvl9pPr marL="2286000" indent="-285750" algn="ctr">
+            <a:defRPr sz="4200"/>
+          </a:lvl9pPr>
+        </a:lstStyle>
+        <a:p>
+          <a:pPr lvl="0">
+            <a:lnSpc>
+              <a:spcPct val="100000"/>
+            </a:lnSpc>
+            <a:spcBef>
+              <a:spcPct val="0"/>
+            </a:spcBef>
+            <a:spcAft>
+              <a:spcPct val="35000"/>
+            </a:spcAft>
+          </a:pPr>
+          <a:endParaRPr lang="zh-CN" altLang="en-US"/>
+        </a:p>
+      </dsp:txBody>
+      <dsp:txXfrm>
+        <a:off x="2635955" y="1395059"/>
+        <a:ext cx="551674" cy="26646"/>
+      </dsp:txXfrm>
+    </dsp:sp>
+    <dsp:sp modelId="{63712EDC-9AF8-41BC-8F72-ADF8D554FF07}">
+      <dsp:nvSpPr>
+        <dsp:cNvPr id="7" name="圆角矩形 6"/>
+        <dsp:cNvSpPr/>
+      </dsp:nvSpPr>
+      <dsp:spPr bwMode="white">
+        <a:xfrm>
+          <a:off x="3135777" y="967413"/>
+          <a:ext cx="1119920" cy="559960"/>
+        </a:xfrm>
+        <a:prstGeom prst="roundRect">
+          <a:avLst>
+            <a:gd name="adj" fmla="val 10000"/>
+          </a:avLst>
+        </a:prstGeom>
+      </dsp:spPr>
+      <dsp:style>
+        <a:lnRef idx="2">
+          <a:schemeClr val="lt1"/>
+        </a:lnRef>
+        <a:fillRef idx="1">
+          <a:schemeClr val="accent1"/>
+        </a:fillRef>
+        <a:effectRef idx="0">
+          <a:scrgbClr r="0" g="0" b="0"/>
+        </a:effectRef>
+        <a:fontRef idx="minor">
+          <a:schemeClr val="lt1"/>
+        </a:fontRef>
+      </dsp:style>
+      <dsp:txBody>
+        <a:bodyPr vert="horz" wrap="square" lIns="10160" tIns="10160" rIns="10160" bIns="10160" anchor="ctr"/>
+        <a:lstStyle>
+          <a:lvl1pPr algn="ctr">
+            <a:defRPr sz="1600"/>
+          </a:lvl1pPr>
+          <a:lvl2pPr marL="114300" indent="-114300" algn="ctr">
+            <a:defRPr sz="1200"/>
+          </a:lvl2pPr>
+          <a:lvl3pPr marL="228600" indent="-114300" algn="ctr">
+            <a:defRPr sz="1200"/>
+          </a:lvl3pPr>
+          <a:lvl4pPr marL="342900" indent="-114300" algn="ctr">
+            <a:defRPr sz="1200"/>
+          </a:lvl4pPr>
+          <a:lvl5pPr marL="457200" indent="-114300" algn="ctr">
+            <a:defRPr sz="1200"/>
+          </a:lvl5pPr>
+          <a:lvl6pPr marL="571500" indent="-114300" algn="ctr">
+            <a:defRPr sz="1200"/>
+          </a:lvl6pPr>
+          <a:lvl7pPr marL="685800" indent="-114300" algn="ctr">
+            <a:defRPr sz="1200"/>
+          </a:lvl7pPr>
+          <a:lvl8pPr marL="800100" indent="-114300" algn="ctr">
+            <a:defRPr sz="1200"/>
+          </a:lvl8pPr>
+          <a:lvl9pPr marL="914400" indent="-114300" algn="ctr">
+            <a:defRPr sz="1200"/>
+          </a:lvl9pPr>
+        </a:lstStyle>
+        <a:p>
+          <a:pPr lvl="0">
+            <a:lnSpc>
+              <a:spcPct val="100000"/>
+            </a:lnSpc>
+            <a:spcBef>
+              <a:spcPct val="0"/>
+            </a:spcBef>
+            <a:spcAft>
+              <a:spcPct val="35000"/>
+            </a:spcAft>
+          </a:pPr>
+          <a:r>
+            <a:rPr lang="zh-CN" altLang="en-US"/>
+            <a:t>用户</a:t>
+          </a:r>
+          <a:r>
+            <a:rPr lang="en-US" altLang="zh-CN"/>
+            <a:t>1</a:t>
+          </a:r>
+          <a:endParaRPr lang="en-US" altLang="zh-CN"/>
+        </a:p>
+      </dsp:txBody>
+      <dsp:txXfrm>
+        <a:off x="3135777" y="967413"/>
+        <a:ext cx="1119920" cy="559960"/>
+      </dsp:txXfrm>
+    </dsp:sp>
+    <dsp:sp modelId="{11243F0F-4DFF-4777-BC77-AD077EFF0A55}">
+      <dsp:nvSpPr>
+        <dsp:cNvPr id="18" name="任意多边形 17"/>
+        <dsp:cNvSpPr/>
+      </dsp:nvSpPr>
+      <dsp:spPr bwMode="white">
+        <a:xfrm>
+          <a:off x="4255697" y="1234071"/>
+          <a:ext cx="447968" cy="26646"/>
+        </a:xfrm>
+        <a:custGeom>
+          <a:avLst/>
+          <a:gdLst/>
+          <a:ahLst/>
+          <a:cxnLst/>
+          <a:pathLst>
+            <a:path w="705" h="42">
+              <a:moveTo>
+                <a:pt x="0" y="21"/>
+              </a:moveTo>
+              <a:lnTo>
+                <a:pt x="705" y="21"/>
+              </a:lnTo>
+            </a:path>
+          </a:pathLst>
+        </a:custGeom>
+      </dsp:spPr>
+      <dsp:style>
+        <a:lnRef idx="2">
+          <a:schemeClr val="accent1">
+            <a:shade val="80000"/>
+          </a:schemeClr>
+        </a:lnRef>
+        <a:fillRef idx="0">
+          <a:schemeClr val="accent1"/>
+        </a:fillRef>
+        <a:effectRef idx="0">
+          <a:scrgbClr r="0" g="0" b="0"/>
+        </a:effectRef>
+        <a:fontRef idx="minor"/>
+      </dsp:style>
+      <dsp:txBody>
+        <a:bodyPr lIns="12700" tIns="0" rIns="12700" bIns="0" anchor="ctr"/>
+        <a:lstStyle>
+          <a:lvl1pPr algn="ctr">
+            <a:defRPr sz="5500"/>
+          </a:lvl1pPr>
+          <a:lvl2pPr marL="285750" indent="-285750" algn="ctr">
+            <a:defRPr sz="4200"/>
+          </a:lvl2pPr>
+          <a:lvl3pPr marL="571500" indent="-285750" algn="ctr">
+            <a:defRPr sz="4200"/>
+          </a:lvl3pPr>
+          <a:lvl4pPr marL="857250" indent="-285750" algn="ctr">
+            <a:defRPr sz="4200"/>
+          </a:lvl4pPr>
+          <a:lvl5pPr marL="1143000" indent="-285750" algn="ctr">
+            <a:defRPr sz="4200"/>
+          </a:lvl5pPr>
+          <a:lvl6pPr marL="1428750" indent="-285750" algn="ctr">
+            <a:defRPr sz="4200"/>
+          </a:lvl6pPr>
+          <a:lvl7pPr marL="1714500" indent="-285750" algn="ctr">
+            <a:defRPr sz="4200"/>
+          </a:lvl7pPr>
+          <a:lvl8pPr marL="2000250" indent="-285750" algn="ctr">
+            <a:defRPr sz="4200"/>
+          </a:lvl8pPr>
+          <a:lvl9pPr marL="2286000" indent="-285750" algn="ctr">
+            <a:defRPr sz="4200"/>
+          </a:lvl9pPr>
+        </a:lstStyle>
+        <a:p>
+          <a:pPr lvl="0">
+            <a:lnSpc>
+              <a:spcPct val="100000"/>
+            </a:lnSpc>
+            <a:spcBef>
+              <a:spcPct val="0"/>
+            </a:spcBef>
+            <a:spcAft>
+              <a:spcPct val="35000"/>
+            </a:spcAft>
+          </a:pPr>
+        </a:p>
+      </dsp:txBody>
+      <dsp:txXfrm>
+        <a:off x="4255697" y="1234071"/>
+        <a:ext cx="447968" cy="26646"/>
+      </dsp:txXfrm>
+    </dsp:sp>
+    <dsp:sp modelId="{467A1948-8400-4137-BE42-AB46DA460F73}">
+      <dsp:nvSpPr>
+        <dsp:cNvPr id="19" name="圆角矩形 18"/>
+        <dsp:cNvSpPr/>
+      </dsp:nvSpPr>
+      <dsp:spPr bwMode="white">
+        <a:xfrm>
+          <a:off x="4703665" y="967413"/>
+          <a:ext cx="1119920" cy="559960"/>
+        </a:xfrm>
+        <a:prstGeom prst="roundRect">
+          <a:avLst>
+            <a:gd name="adj" fmla="val 10000"/>
+          </a:avLst>
+        </a:prstGeom>
+      </dsp:spPr>
+      <dsp:style>
+        <a:lnRef idx="2">
+          <a:schemeClr val="lt1"/>
+        </a:lnRef>
+        <a:fillRef idx="1">
+          <a:schemeClr val="accent1"/>
+        </a:fillRef>
+        <a:effectRef idx="0">
+          <a:scrgbClr r="0" g="0" b="0"/>
+        </a:effectRef>
+        <a:fontRef idx="minor">
+          <a:schemeClr val="lt1"/>
+        </a:fontRef>
+      </dsp:style>
+      <dsp:txBody>
+        <a:bodyPr vert="horz" wrap="square" lIns="10160" tIns="10160" rIns="10160" bIns="10160" anchor="ctr"/>
+        <a:lstStyle>
+          <a:lvl1pPr algn="ctr">
+            <a:defRPr sz="1600"/>
+          </a:lvl1pPr>
+          <a:lvl2pPr marL="114300" indent="-114300" algn="ctr">
+            <a:defRPr sz="1200"/>
+          </a:lvl2pPr>
+          <a:lvl3pPr marL="228600" indent="-114300" algn="ctr">
+            <a:defRPr sz="1200"/>
+          </a:lvl3pPr>
+          <a:lvl4pPr marL="342900" indent="-114300" algn="ctr">
+            <a:defRPr sz="1200"/>
+          </a:lvl4pPr>
+          <a:lvl5pPr marL="457200" indent="-114300" algn="ctr">
+            <a:defRPr sz="1200"/>
+          </a:lvl5pPr>
+          <a:lvl6pPr marL="571500" indent="-114300" algn="ctr">
+            <a:defRPr sz="1200"/>
+          </a:lvl6pPr>
+          <a:lvl7pPr marL="685800" indent="-114300" algn="ctr">
+            <a:defRPr sz="1200"/>
+          </a:lvl7pPr>
+          <a:lvl8pPr marL="800100" indent="-114300" algn="ctr">
+            <a:defRPr sz="1200"/>
+          </a:lvl8pPr>
+          <a:lvl9pPr marL="914400" indent="-114300" algn="ctr">
+            <a:defRPr sz="1200"/>
+          </a:lvl9pPr>
+        </a:lstStyle>
+        <a:p>
+          <a:pPr lvl="0">
+            <a:lnSpc>
+              <a:spcPct val="100000"/>
+            </a:lnSpc>
+            <a:spcBef>
+              <a:spcPct val="0"/>
+            </a:spcBef>
+            <a:spcAft>
+              <a:spcPct val="35000"/>
+            </a:spcAft>
+          </a:pPr>
+          <a:r>
+            <a:rPr lang="zh-CN"/>
+            <a:t>用户</a:t>
+          </a:r>
+          <a:r>
+            <a:rPr lang="en-US" altLang="zh-CN"/>
+            <a:t>1</a:t>
+          </a:r>
+          <a:r>
+            <a:rPr lang="zh-CN"/>
+            <a:t>人脸图（多）</a:t>
+          </a:r>
+          <a:endParaRPr lang="zh-CN"/>
+        </a:p>
+      </dsp:txBody>
+      <dsp:txXfrm>
+        <a:off x="4703665" y="967413"/>
+        <a:ext cx="1119920" cy="559960"/>
+      </dsp:txXfrm>
+    </dsp:sp>
+    <dsp:sp modelId="{635849E5-51AE-4E43-A653-3325AF81FF0C}">
+      <dsp:nvSpPr>
+        <dsp:cNvPr id="20" name="任意多边形 19"/>
+        <dsp:cNvSpPr/>
+      </dsp:nvSpPr>
+      <dsp:spPr bwMode="white">
+        <a:xfrm>
+          <a:off x="2635955" y="1717036"/>
+          <a:ext cx="551674" cy="26646"/>
+        </a:xfrm>
+        <a:custGeom>
+          <a:avLst/>
+          <a:gdLst/>
+          <a:ahLst/>
+          <a:cxnLst/>
+          <a:pathLst>
+            <a:path w="869" h="42">
+              <a:moveTo>
+                <a:pt x="82" y="-233"/>
+              </a:moveTo>
+              <a:lnTo>
+                <a:pt x="787" y="275"/>
+              </a:lnTo>
+            </a:path>
+          </a:pathLst>
+        </a:custGeom>
+      </dsp:spPr>
+      <dsp:style>
+        <a:lnRef idx="2">
+          <a:schemeClr val="accent1">
+            <a:shade val="80000"/>
+          </a:schemeClr>
+        </a:lnRef>
+        <a:fillRef idx="0">
+          <a:schemeClr val="accent1"/>
+        </a:fillRef>
+        <a:effectRef idx="0">
+          <a:scrgbClr r="0" g="0" b="0"/>
+        </a:effectRef>
+        <a:fontRef idx="minor"/>
+      </dsp:style>
+      <dsp:txBody>
+        <a:bodyPr lIns="12700" tIns="0" rIns="12700" bIns="0" anchor="ctr"/>
+        <a:lstStyle>
+          <a:lvl1pPr algn="ctr">
+            <a:defRPr sz="5500"/>
+          </a:lvl1pPr>
+          <a:lvl2pPr marL="285750" indent="-285750" algn="ctr">
+            <a:defRPr sz="4200"/>
+          </a:lvl2pPr>
+          <a:lvl3pPr marL="571500" indent="-285750" algn="ctr">
+            <a:defRPr sz="4200"/>
+          </a:lvl3pPr>
+          <a:lvl4pPr marL="857250" indent="-285750" algn="ctr">
+            <a:defRPr sz="4200"/>
+          </a:lvl4pPr>
+          <a:lvl5pPr marL="1143000" indent="-285750" algn="ctr">
+            <a:defRPr sz="4200"/>
+          </a:lvl5pPr>
+          <a:lvl6pPr marL="1428750" indent="-285750" algn="ctr">
+            <a:defRPr sz="4200"/>
+          </a:lvl6pPr>
+          <a:lvl7pPr marL="1714500" indent="-285750" algn="ctr">
+            <a:defRPr sz="4200"/>
+          </a:lvl7pPr>
+          <a:lvl8pPr marL="2000250" indent="-285750" algn="ctr">
+            <a:defRPr sz="4200"/>
+          </a:lvl8pPr>
+          <a:lvl9pPr marL="2286000" indent="-285750" algn="ctr">
+            <a:defRPr sz="4200"/>
+          </a:lvl9pPr>
+        </a:lstStyle>
+        <a:p>
+          <a:pPr lvl="0">
+            <a:lnSpc>
+              <a:spcPct val="100000"/>
+            </a:lnSpc>
+            <a:spcBef>
+              <a:spcPct val="0"/>
+            </a:spcBef>
+            <a:spcAft>
+              <a:spcPct val="35000"/>
+            </a:spcAft>
+          </a:pPr>
+        </a:p>
+      </dsp:txBody>
+      <dsp:txXfrm>
+        <a:off x="2635955" y="1717036"/>
+        <a:ext cx="551674" cy="26646"/>
+      </dsp:txXfrm>
+    </dsp:sp>
+    <dsp:sp modelId="{4263710E-E21F-4CC8-BA04-FA0552986842}">
+      <dsp:nvSpPr>
+        <dsp:cNvPr id="21" name="圆角矩形 20"/>
+        <dsp:cNvSpPr/>
+      </dsp:nvSpPr>
+      <dsp:spPr bwMode="white">
+        <a:xfrm>
+          <a:off x="3135777" y="1611367"/>
+          <a:ext cx="1119920" cy="559960"/>
+        </a:xfrm>
+        <a:prstGeom prst="roundRect">
+          <a:avLst>
+            <a:gd name="adj" fmla="val 10000"/>
+          </a:avLst>
+        </a:prstGeom>
+      </dsp:spPr>
+      <dsp:style>
+        <a:lnRef idx="2">
+          <a:schemeClr val="lt1"/>
+        </a:lnRef>
+        <a:fillRef idx="1">
+          <a:schemeClr val="accent1"/>
+        </a:fillRef>
+        <a:effectRef idx="0">
+          <a:scrgbClr r="0" g="0" b="0"/>
+        </a:effectRef>
+        <a:fontRef idx="minor">
+          <a:schemeClr val="lt1"/>
+        </a:fontRef>
+      </dsp:style>
+      <dsp:txBody>
+        <a:bodyPr vert="horz" wrap="square" lIns="10160" tIns="10160" rIns="10160" bIns="10160" anchor="ctr"/>
+        <a:lstStyle>
+          <a:lvl1pPr algn="ctr">
+            <a:defRPr sz="1600"/>
+          </a:lvl1pPr>
+          <a:lvl2pPr marL="114300" indent="-114300" algn="ctr">
+            <a:defRPr sz="1200"/>
+          </a:lvl2pPr>
+          <a:lvl3pPr marL="228600" indent="-114300" algn="ctr">
+            <a:defRPr sz="1200"/>
+          </a:lvl3pPr>
+          <a:lvl4pPr marL="342900" indent="-114300" algn="ctr">
+            <a:defRPr sz="1200"/>
+          </a:lvl4pPr>
+          <a:lvl5pPr marL="457200" indent="-114300" algn="ctr">
+            <a:defRPr sz="1200"/>
+          </a:lvl5pPr>
+          <a:lvl6pPr marL="571500" indent="-114300" algn="ctr">
+            <a:defRPr sz="1200"/>
+          </a:lvl6pPr>
+          <a:lvl7pPr marL="685800" indent="-114300" algn="ctr">
+            <a:defRPr sz="1200"/>
+          </a:lvl7pPr>
+          <a:lvl8pPr marL="800100" indent="-114300" algn="ctr">
+            <a:defRPr sz="1200"/>
+          </a:lvl8pPr>
+          <a:lvl9pPr marL="914400" indent="-114300" algn="ctr">
+            <a:defRPr sz="1200"/>
+          </a:lvl9pPr>
+        </a:lstStyle>
+        <a:p>
+          <a:pPr lvl="0">
+            <a:lnSpc>
+              <a:spcPct val="100000"/>
+            </a:lnSpc>
+            <a:spcBef>
+              <a:spcPct val="0"/>
+            </a:spcBef>
+            <a:spcAft>
+              <a:spcPct val="35000"/>
+            </a:spcAft>
+          </a:pPr>
+          <a:r>
+            <a:rPr>
+              <a:sym typeface="+mn-ea"/>
+            </a:rPr>
+            <a:t>用</a:t>
+          </a:r>
+          <a:r>
+            <a:rPr lang="zh-CN" altLang="en-US">
+              <a:sym typeface="+mn-ea"/>
+            </a:rPr>
+            <a:t>户</a:t>
+          </a:r>
+          <a:r>
+            <a:rPr>
+              <a:sym typeface="+mn-ea"/>
+            </a:rPr>
+            <a:t>2</a:t>
+          </a:r>
+          <a:endParaRPr lang="en-US" altLang="zh-CN"/>
+        </a:p>
+      </dsp:txBody>
+      <dsp:txXfrm>
+        <a:off x="3135777" y="1611367"/>
+        <a:ext cx="1119920" cy="559960"/>
+      </dsp:txXfrm>
+    </dsp:sp>
+    <dsp:sp modelId="{E81582B1-A130-479F-ACE3-61EF727591CE}">
+      <dsp:nvSpPr>
+        <dsp:cNvPr id="8" name="任意多边形 7"/>
+        <dsp:cNvSpPr/>
+      </dsp:nvSpPr>
+      <dsp:spPr bwMode="white">
+        <a:xfrm>
+          <a:off x="4255697" y="1878025"/>
+          <a:ext cx="447968" cy="26646"/>
+        </a:xfrm>
+        <a:custGeom>
+          <a:avLst/>
+          <a:gdLst/>
+          <a:ahLst/>
+          <a:cxnLst/>
+          <a:pathLst>
+            <a:path w="705" h="42">
+              <a:moveTo>
+                <a:pt x="0" y="21"/>
+              </a:moveTo>
+              <a:lnTo>
+                <a:pt x="705" y="21"/>
+              </a:lnTo>
+            </a:path>
+          </a:pathLst>
+        </a:custGeom>
+      </dsp:spPr>
+      <dsp:style>
+        <a:lnRef idx="2">
+          <a:schemeClr val="accent1">
+            <a:shade val="80000"/>
+          </a:schemeClr>
+        </a:lnRef>
+        <a:fillRef idx="0">
+          <a:schemeClr val="accent1"/>
+        </a:fillRef>
+        <a:effectRef idx="0">
+          <a:scrgbClr r="0" g="0" b="0"/>
+        </a:effectRef>
+        <a:fontRef idx="minor"/>
+      </dsp:style>
+      <dsp:txBody>
+        <a:bodyPr lIns="12700" tIns="0" rIns="12700" bIns="0" anchor="ctr"/>
+        <a:lstStyle>
+          <a:lvl1pPr algn="ctr">
+            <a:defRPr sz="5500"/>
+          </a:lvl1pPr>
+          <a:lvl2pPr marL="285750" indent="-285750" algn="ctr">
+            <a:defRPr sz="4200"/>
+          </a:lvl2pPr>
+          <a:lvl3pPr marL="571500" indent="-285750" algn="ctr">
+            <a:defRPr sz="4200"/>
+          </a:lvl3pPr>
+          <a:lvl4pPr marL="857250" indent="-285750" algn="ctr">
+            <a:defRPr sz="4200"/>
+          </a:lvl4pPr>
+          <a:lvl5pPr marL="1143000" indent="-285750" algn="ctr">
+            <a:defRPr sz="4200"/>
+          </a:lvl5pPr>
+          <a:lvl6pPr marL="1428750" indent="-285750" algn="ctr">
+            <a:defRPr sz="4200"/>
+          </a:lvl6pPr>
+          <a:lvl7pPr marL="1714500" indent="-285750" algn="ctr">
+            <a:defRPr sz="4200"/>
+          </a:lvl7pPr>
+          <a:lvl8pPr marL="2000250" indent="-285750" algn="ctr">
+            <a:defRPr sz="4200"/>
+          </a:lvl8pPr>
+          <a:lvl9pPr marL="2286000" indent="-285750" algn="ctr">
+            <a:defRPr sz="4200"/>
+          </a:lvl9pPr>
+        </a:lstStyle>
+        <a:p>
+          <a:pPr lvl="0">
+            <a:lnSpc>
+              <a:spcPct val="100000"/>
+            </a:lnSpc>
+            <a:spcBef>
+              <a:spcPct val="0"/>
+            </a:spcBef>
+            <a:spcAft>
+              <a:spcPct val="35000"/>
+            </a:spcAft>
+          </a:pPr>
+          <a:endParaRPr lang="zh-CN" altLang="en-US"/>
+        </a:p>
+      </dsp:txBody>
+      <dsp:txXfrm>
+        <a:off x="4255697" y="1878025"/>
+        <a:ext cx="447968" cy="26646"/>
+      </dsp:txXfrm>
+    </dsp:sp>
+    <dsp:sp modelId="{29F748CF-C0E7-4DEA-B3A3-0E8AEB5CA964}">
+      <dsp:nvSpPr>
+        <dsp:cNvPr id="9" name="圆角矩形 8"/>
+        <dsp:cNvSpPr/>
+      </dsp:nvSpPr>
+      <dsp:spPr bwMode="white">
+        <a:xfrm>
+          <a:off x="4703665" y="1611367"/>
+          <a:ext cx="1119920" cy="559960"/>
+        </a:xfrm>
+        <a:prstGeom prst="roundRect">
+          <a:avLst>
+            <a:gd name="adj" fmla="val 10000"/>
+          </a:avLst>
+        </a:prstGeom>
+      </dsp:spPr>
+      <dsp:style>
+        <a:lnRef idx="2">
+          <a:schemeClr val="lt1"/>
+        </a:lnRef>
+        <a:fillRef idx="1">
+          <a:schemeClr val="accent1"/>
+        </a:fillRef>
+        <a:effectRef idx="0">
+          <a:scrgbClr r="0" g="0" b="0"/>
+        </a:effectRef>
+        <a:fontRef idx="minor">
+          <a:schemeClr val="lt1"/>
+        </a:fontRef>
+      </dsp:style>
+      <dsp:txBody>
+        <a:bodyPr vert="horz" wrap="square" lIns="10160" tIns="10160" rIns="10160" bIns="10160" anchor="ctr"/>
+        <a:lstStyle>
+          <a:lvl1pPr algn="ctr">
+            <a:defRPr sz="1600"/>
+          </a:lvl1pPr>
+          <a:lvl2pPr marL="114300" indent="-114300" algn="ctr">
+            <a:defRPr sz="1200"/>
+          </a:lvl2pPr>
+          <a:lvl3pPr marL="228600" indent="-114300" algn="ctr">
+            <a:defRPr sz="1200"/>
+          </a:lvl3pPr>
+          <a:lvl4pPr marL="342900" indent="-114300" algn="ctr">
+            <a:defRPr sz="1200"/>
+          </a:lvl4pPr>
+          <a:lvl5pPr marL="457200" indent="-114300" algn="ctr">
+            <a:defRPr sz="1200"/>
+          </a:lvl5pPr>
+          <a:lvl6pPr marL="571500" indent="-114300" algn="ctr">
+            <a:defRPr sz="1200"/>
+          </a:lvl6pPr>
+          <a:lvl7pPr marL="685800" indent="-114300" algn="ctr">
+            <a:defRPr sz="1200"/>
+          </a:lvl7pPr>
+          <a:lvl8pPr marL="800100" indent="-114300" algn="ctr">
+            <a:defRPr sz="1200"/>
+          </a:lvl8pPr>
+          <a:lvl9pPr marL="914400" indent="-114300" algn="ctr">
+            <a:defRPr sz="1200"/>
+          </a:lvl9pPr>
+        </a:lstStyle>
+        <a:p>
+          <a:pPr lvl="0">
+            <a:lnSpc>
+              <a:spcPct val="100000"/>
+            </a:lnSpc>
+            <a:spcBef>
+              <a:spcPct val="0"/>
+            </a:spcBef>
+            <a:spcAft>
+              <a:spcPct val="35000"/>
+            </a:spcAft>
+          </a:pPr>
+          <a:r>
+            <a:rPr>
+              <a:sym typeface="+mn-ea"/>
+            </a:rPr>
+            <a:t>用</a:t>
+          </a:r>
+          <a:r>
+            <a:rPr lang="zh-CN">
+              <a:sym typeface="+mn-ea"/>
+            </a:rPr>
+            <a:t>户</a:t>
+          </a:r>
+          <a:r>
+            <a:rPr lang="en-US" altLang="zh-CN">
+              <a:sym typeface="+mn-ea"/>
+            </a:rPr>
+            <a:t>2</a:t>
+          </a:r>
+          <a:r>
+            <a:rPr>
+              <a:sym typeface="+mn-ea"/>
+            </a:rPr>
+            <a:t>人</a:t>
+          </a:r>
+          <a:r>
+            <a:rPr lang="zh-CN">
+              <a:sym typeface="+mn-ea"/>
+            </a:rPr>
+            <a:t>脸图（多）</a:t>
+          </a:r>
+          <a:endParaRPr lang="zh-CN"/>
+        </a:p>
+      </dsp:txBody>
+      <dsp:txXfrm>
+        <a:off x="4703665" y="1611367"/>
+        <a:ext cx="1119920" cy="559960"/>
+      </dsp:txXfrm>
+    </dsp:sp>
+    <dsp:sp modelId="{2E81B90F-7494-41FF-808F-F7F82B993B40}">
+      <dsp:nvSpPr>
+        <dsp:cNvPr id="10" name="任意多边形 9"/>
+        <dsp:cNvSpPr/>
+      </dsp:nvSpPr>
+      <dsp:spPr bwMode="white">
+        <a:xfrm>
+          <a:off x="1014537" y="2280496"/>
+          <a:ext cx="658735" cy="26646"/>
+        </a:xfrm>
+        <a:custGeom>
+          <a:avLst/>
+          <a:gdLst/>
+          <a:ahLst/>
+          <a:cxnLst/>
+          <a:pathLst>
+            <a:path w="1037" h="42">
+              <a:moveTo>
+                <a:pt x="166" y="-359"/>
+              </a:moveTo>
+              <a:lnTo>
+                <a:pt x="871" y="401"/>
+              </a:lnTo>
+            </a:path>
+          </a:pathLst>
+        </a:custGeom>
+      </dsp:spPr>
+      <dsp:style>
+        <a:lnRef idx="2">
+          <a:schemeClr val="accent1">
+            <a:shade val="60000"/>
+          </a:schemeClr>
+        </a:lnRef>
+        <a:fillRef idx="0">
+          <a:schemeClr val="accent1"/>
+        </a:fillRef>
+        <a:effectRef idx="0">
+          <a:scrgbClr r="0" g="0" b="0"/>
+        </a:effectRef>
+        <a:fontRef idx="minor"/>
+      </dsp:style>
+      <dsp:txBody>
+        <a:bodyPr lIns="12700" tIns="0" rIns="12700" bIns="0" anchor="ctr"/>
+        <a:lstStyle>
+          <a:lvl1pPr algn="ctr">
+            <a:defRPr sz="5500"/>
+          </a:lvl1pPr>
+          <a:lvl2pPr marL="285750" indent="-285750" algn="ctr">
+            <a:defRPr sz="4200"/>
+          </a:lvl2pPr>
+          <a:lvl3pPr marL="571500" indent="-285750" algn="ctr">
+            <a:defRPr sz="4200"/>
+          </a:lvl3pPr>
+          <a:lvl4pPr marL="857250" indent="-285750" algn="ctr">
+            <a:defRPr sz="4200"/>
+          </a:lvl4pPr>
+          <a:lvl5pPr marL="1143000" indent="-285750" algn="ctr">
+            <a:defRPr sz="4200"/>
+          </a:lvl5pPr>
+          <a:lvl6pPr marL="1428750" indent="-285750" algn="ctr">
+            <a:defRPr sz="4200"/>
+          </a:lvl6pPr>
+          <a:lvl7pPr marL="1714500" indent="-285750" algn="ctr">
+            <a:defRPr sz="4200"/>
+          </a:lvl7pPr>
+          <a:lvl8pPr marL="2000250" indent="-285750" algn="ctr">
+            <a:defRPr sz="4200"/>
+          </a:lvl8pPr>
+          <a:lvl9pPr marL="2286000" indent="-285750" algn="ctr">
+            <a:defRPr sz="4200"/>
+          </a:lvl9pPr>
+        </a:lstStyle>
+        <a:p>
+          <a:pPr lvl="0">
+            <a:lnSpc>
+              <a:spcPct val="100000"/>
+            </a:lnSpc>
+            <a:spcBef>
+              <a:spcPct val="0"/>
+            </a:spcBef>
+            <a:spcAft>
+              <a:spcPct val="35000"/>
+            </a:spcAft>
+          </a:pPr>
+          <a:endParaRPr lang="zh-CN" altLang="en-US"/>
+        </a:p>
+      </dsp:txBody>
+      <dsp:txXfrm>
+        <a:off x="1014537" y="2280496"/>
+        <a:ext cx="658735" cy="26646"/>
+      </dsp:txXfrm>
+    </dsp:sp>
+    <dsp:sp modelId="{3D382021-A429-4403-82FF-5A95DD3EBB20}">
+      <dsp:nvSpPr>
+        <dsp:cNvPr id="11" name="圆角矩形 10"/>
+        <dsp:cNvSpPr/>
+      </dsp:nvSpPr>
+      <dsp:spPr bwMode="white">
+        <a:xfrm>
+          <a:off x="1567888" y="2255322"/>
+          <a:ext cx="1119920" cy="559960"/>
+        </a:xfrm>
+        <a:prstGeom prst="roundRect">
+          <a:avLst>
+            <a:gd name="adj" fmla="val 10000"/>
+          </a:avLst>
+        </a:prstGeom>
+      </dsp:spPr>
+      <dsp:style>
+        <a:lnRef idx="2">
+          <a:schemeClr val="lt1"/>
+        </a:lnRef>
+        <a:fillRef idx="1">
+          <a:schemeClr val="accent1"/>
+        </a:fillRef>
+        <a:effectRef idx="0">
+          <a:scrgbClr r="0" g="0" b="0"/>
+        </a:effectRef>
+        <a:fontRef idx="minor">
+          <a:schemeClr val="lt1"/>
+        </a:fontRef>
+      </dsp:style>
+      <dsp:txBody>
+        <a:bodyPr vert="horz" wrap="square" lIns="10160" tIns="10160" rIns="10160" bIns="10160" anchor="ctr"/>
+        <a:lstStyle>
+          <a:lvl1pPr algn="ctr">
+            <a:defRPr sz="1600"/>
+          </a:lvl1pPr>
+          <a:lvl2pPr marL="114300" indent="-114300" algn="ctr">
+            <a:defRPr sz="1200"/>
+          </a:lvl2pPr>
+          <a:lvl3pPr marL="228600" indent="-114300" algn="ctr">
+            <a:defRPr sz="1200"/>
+          </a:lvl3pPr>
+          <a:lvl4pPr marL="342900" indent="-114300" algn="ctr">
+            <a:defRPr sz="1200"/>
+          </a:lvl4pPr>
+          <a:lvl5pPr marL="457200" indent="-114300" algn="ctr">
+            <a:defRPr sz="1200"/>
+          </a:lvl5pPr>
+          <a:lvl6pPr marL="571500" indent="-114300" algn="ctr">
+            <a:defRPr sz="1200"/>
+          </a:lvl6pPr>
+          <a:lvl7pPr marL="685800" indent="-114300" algn="ctr">
+            <a:defRPr sz="1200"/>
+          </a:lvl7pPr>
+          <a:lvl8pPr marL="800100" indent="-114300" algn="ctr">
+            <a:defRPr sz="1200"/>
+          </a:lvl8pPr>
+          <a:lvl9pPr marL="914400" indent="-114300" algn="ctr">
+            <a:defRPr sz="1200"/>
+          </a:lvl9pPr>
+        </a:lstStyle>
+        <a:p>
+          <a:pPr lvl="0">
+            <a:lnSpc>
+              <a:spcPct val="100000"/>
+            </a:lnSpc>
+            <a:spcBef>
+              <a:spcPct val="0"/>
+            </a:spcBef>
+            <a:spcAft>
+              <a:spcPct val="35000"/>
+            </a:spcAft>
+          </a:pPr>
+          <a:r>
+            <a:rPr lang="zh-CN" altLang="en-US"/>
+            <a:t>组</a:t>
+          </a:r>
+          <a:r>
+            <a:rPr lang="en-US" altLang="zh-CN"/>
+            <a:t>2</a:t>
+          </a:r>
+          <a:endParaRPr lang="en-US" altLang="zh-CN"/>
+        </a:p>
+      </dsp:txBody>
+      <dsp:txXfrm>
+        <a:off x="1567888" y="2255322"/>
+        <a:ext cx="1119920" cy="559960"/>
+      </dsp:txXfrm>
+    </dsp:sp>
+    <dsp:sp modelId="{B68D4CB7-ED76-4EEE-B7F0-455597F5F947}">
+      <dsp:nvSpPr>
+        <dsp:cNvPr id="12" name="任意多边形 11"/>
+        <dsp:cNvSpPr/>
+      </dsp:nvSpPr>
+      <dsp:spPr bwMode="white">
+        <a:xfrm>
+          <a:off x="2687808" y="2521979"/>
+          <a:ext cx="447968" cy="26646"/>
+        </a:xfrm>
+        <a:custGeom>
+          <a:avLst/>
+          <a:gdLst/>
+          <a:ahLst/>
+          <a:cxnLst/>
+          <a:pathLst>
+            <a:path w="705" h="42">
+              <a:moveTo>
+                <a:pt x="0" y="21"/>
+              </a:moveTo>
+              <a:lnTo>
+                <a:pt x="705" y="21"/>
+              </a:lnTo>
+            </a:path>
+          </a:pathLst>
+        </a:custGeom>
+      </dsp:spPr>
+      <dsp:style>
+        <a:lnRef idx="2">
+          <a:schemeClr val="accent1">
+            <a:shade val="80000"/>
+          </a:schemeClr>
+        </a:lnRef>
+        <a:fillRef idx="0">
+          <a:schemeClr val="accent1"/>
+        </a:fillRef>
+        <a:effectRef idx="0">
+          <a:scrgbClr r="0" g="0" b="0"/>
+        </a:effectRef>
+        <a:fontRef idx="minor"/>
+      </dsp:style>
+      <dsp:txBody>
+        <a:bodyPr lIns="12700" tIns="0" rIns="12700" bIns="0" anchor="ctr"/>
+        <a:lstStyle>
+          <a:lvl1pPr algn="ctr">
+            <a:defRPr sz="5500"/>
+          </a:lvl1pPr>
+          <a:lvl2pPr marL="285750" indent="-285750" algn="ctr">
+            <a:defRPr sz="4200"/>
+          </a:lvl2pPr>
+          <a:lvl3pPr marL="571500" indent="-285750" algn="ctr">
+            <a:defRPr sz="4200"/>
+          </a:lvl3pPr>
+          <a:lvl4pPr marL="857250" indent="-285750" algn="ctr">
+            <a:defRPr sz="4200"/>
+          </a:lvl4pPr>
+          <a:lvl5pPr marL="1143000" indent="-285750" algn="ctr">
+            <a:defRPr sz="4200"/>
+          </a:lvl5pPr>
+          <a:lvl6pPr marL="1428750" indent="-285750" algn="ctr">
+            <a:defRPr sz="4200"/>
+          </a:lvl6pPr>
+          <a:lvl7pPr marL="1714500" indent="-285750" algn="ctr">
+            <a:defRPr sz="4200"/>
+          </a:lvl7pPr>
+          <a:lvl8pPr marL="2000250" indent="-285750" algn="ctr">
+            <a:defRPr sz="4200"/>
+          </a:lvl8pPr>
+          <a:lvl9pPr marL="2286000" indent="-285750" algn="ctr">
+            <a:defRPr sz="4200"/>
+          </a:lvl9pPr>
+        </a:lstStyle>
+        <a:p>
+          <a:pPr lvl="0">
+            <a:lnSpc>
+              <a:spcPct val="100000"/>
+            </a:lnSpc>
+            <a:spcBef>
+              <a:spcPct val="0"/>
+            </a:spcBef>
+            <a:spcAft>
+              <a:spcPct val="35000"/>
+            </a:spcAft>
+          </a:pPr>
+          <a:endParaRPr lang="zh-CN" altLang="en-US"/>
+        </a:p>
+      </dsp:txBody>
+      <dsp:txXfrm>
+        <a:off x="2687808" y="2521979"/>
+        <a:ext cx="447968" cy="26646"/>
+      </dsp:txXfrm>
+    </dsp:sp>
+    <dsp:sp modelId="{402901F7-4C4B-47C4-BE12-824FDFB99F9B}">
+      <dsp:nvSpPr>
+        <dsp:cNvPr id="13" name="圆角矩形 12"/>
+        <dsp:cNvSpPr/>
+      </dsp:nvSpPr>
+      <dsp:spPr bwMode="white">
+        <a:xfrm>
+          <a:off x="3135777" y="2255322"/>
+          <a:ext cx="1119920" cy="559960"/>
+        </a:xfrm>
+        <a:prstGeom prst="roundRect">
+          <a:avLst>
+            <a:gd name="adj" fmla="val 10000"/>
+          </a:avLst>
+        </a:prstGeom>
+      </dsp:spPr>
+      <dsp:style>
+        <a:lnRef idx="2">
+          <a:schemeClr val="lt1"/>
+        </a:lnRef>
+        <a:fillRef idx="1">
+          <a:schemeClr val="accent1"/>
+        </a:fillRef>
+        <a:effectRef idx="0">
+          <a:scrgbClr r="0" g="0" b="0"/>
+        </a:effectRef>
+        <a:fontRef idx="minor">
+          <a:schemeClr val="lt1"/>
+        </a:fontRef>
+      </dsp:style>
+      <dsp:txBody>
+        <a:bodyPr vert="horz" wrap="square" lIns="10160" tIns="10160" rIns="10160" bIns="10160" anchor="ctr"/>
+        <a:lstStyle>
+          <a:lvl1pPr algn="ctr">
+            <a:defRPr sz="1600"/>
+          </a:lvl1pPr>
+          <a:lvl2pPr marL="114300" indent="-114300" algn="ctr">
+            <a:defRPr sz="1200"/>
+          </a:lvl2pPr>
+          <a:lvl3pPr marL="228600" indent="-114300" algn="ctr">
+            <a:defRPr sz="1200"/>
+          </a:lvl3pPr>
+          <a:lvl4pPr marL="342900" indent="-114300" algn="ctr">
+            <a:defRPr sz="1200"/>
+          </a:lvl4pPr>
+          <a:lvl5pPr marL="457200" indent="-114300" algn="ctr">
+            <a:defRPr sz="1200"/>
+          </a:lvl5pPr>
+          <a:lvl6pPr marL="571500" indent="-114300" algn="ctr">
+            <a:defRPr sz="1200"/>
+          </a:lvl6pPr>
+          <a:lvl7pPr marL="685800" indent="-114300" algn="ctr">
+            <a:defRPr sz="1200"/>
+          </a:lvl7pPr>
+          <a:lvl8pPr marL="800100" indent="-114300" algn="ctr">
+            <a:defRPr sz="1200"/>
+          </a:lvl8pPr>
+          <a:lvl9pPr marL="914400" indent="-114300" algn="ctr">
+            <a:defRPr sz="1200"/>
+          </a:lvl9pPr>
+        </a:lstStyle>
+        <a:p>
+          <a:pPr lvl="0">
+            <a:lnSpc>
+              <a:spcPct val="100000"/>
+            </a:lnSpc>
+            <a:spcBef>
+              <a:spcPct val="0"/>
+            </a:spcBef>
+            <a:spcAft>
+              <a:spcPct val="35000"/>
+            </a:spcAft>
+          </a:pPr>
+          <a:r>
+            <a:rPr lang="zh-CN" altLang="en-US"/>
+            <a:t>用户</a:t>
+          </a:r>
+          <a:r>
+            <a:rPr lang="en-US" altLang="zh-CN"/>
+            <a:t>1</a:t>
+          </a:r>
+          <a:endParaRPr lang="en-US" altLang="zh-CN"/>
+        </a:p>
+      </dsp:txBody>
+      <dsp:txXfrm>
+        <a:off x="3135777" y="2255322"/>
+        <a:ext cx="1119920" cy="559960"/>
+      </dsp:txXfrm>
+    </dsp:sp>
+    <dsp:sp modelId="{DA2000B3-A3B6-4EFC-A825-0A6C126D52C5}">
+      <dsp:nvSpPr>
+        <dsp:cNvPr id="22" name="任意多边形 21"/>
+        <dsp:cNvSpPr/>
+      </dsp:nvSpPr>
+      <dsp:spPr bwMode="white">
+        <a:xfrm>
+          <a:off x="4255697" y="2521979"/>
+          <a:ext cx="447968" cy="26646"/>
+        </a:xfrm>
+        <a:custGeom>
+          <a:avLst/>
+          <a:gdLst/>
+          <a:ahLst/>
+          <a:cxnLst/>
+          <a:pathLst>
+            <a:path w="705" h="42">
+              <a:moveTo>
+                <a:pt x="0" y="21"/>
+              </a:moveTo>
+              <a:lnTo>
+                <a:pt x="705" y="21"/>
+              </a:lnTo>
+            </a:path>
+          </a:pathLst>
+        </a:custGeom>
+      </dsp:spPr>
+      <dsp:style>
+        <a:lnRef idx="2">
+          <a:schemeClr val="accent1">
+            <a:shade val="80000"/>
+          </a:schemeClr>
+        </a:lnRef>
+        <a:fillRef idx="0">
+          <a:schemeClr val="accent1"/>
+        </a:fillRef>
+        <a:effectRef idx="0">
+          <a:scrgbClr r="0" g="0" b="0"/>
+        </a:effectRef>
+        <a:fontRef idx="minor"/>
+      </dsp:style>
+      <dsp:txBody>
+        <a:bodyPr lIns="12700" tIns="0" rIns="12700" bIns="0" anchor="ctr"/>
+        <a:lstStyle>
+          <a:lvl1pPr algn="ctr">
+            <a:defRPr sz="5500"/>
+          </a:lvl1pPr>
+          <a:lvl2pPr marL="285750" indent="-285750" algn="ctr">
+            <a:defRPr sz="4200"/>
+          </a:lvl2pPr>
+          <a:lvl3pPr marL="571500" indent="-285750" algn="ctr">
+            <a:defRPr sz="4200"/>
+          </a:lvl3pPr>
+          <a:lvl4pPr marL="857250" indent="-285750" algn="ctr">
+            <a:defRPr sz="4200"/>
+          </a:lvl4pPr>
+          <a:lvl5pPr marL="1143000" indent="-285750" algn="ctr">
+            <a:defRPr sz="4200"/>
+          </a:lvl5pPr>
+          <a:lvl6pPr marL="1428750" indent="-285750" algn="ctr">
+            <a:defRPr sz="4200"/>
+          </a:lvl6pPr>
+          <a:lvl7pPr marL="1714500" indent="-285750" algn="ctr">
+            <a:defRPr sz="4200"/>
+          </a:lvl7pPr>
+          <a:lvl8pPr marL="2000250" indent="-285750" algn="ctr">
+            <a:defRPr sz="4200"/>
+          </a:lvl8pPr>
+          <a:lvl9pPr marL="2286000" indent="-285750" algn="ctr">
+            <a:defRPr sz="4200"/>
+          </a:lvl9pPr>
+        </a:lstStyle>
+        <a:p>
+          <a:pPr lvl="0">
+            <a:lnSpc>
+              <a:spcPct val="100000"/>
+            </a:lnSpc>
+            <a:spcBef>
+              <a:spcPct val="0"/>
+            </a:spcBef>
+            <a:spcAft>
+              <a:spcPct val="35000"/>
+            </a:spcAft>
+          </a:pPr>
+        </a:p>
+      </dsp:txBody>
+      <dsp:txXfrm>
+        <a:off x="4255697" y="2521979"/>
+        <a:ext cx="447968" cy="26646"/>
+      </dsp:txXfrm>
+    </dsp:sp>
+    <dsp:sp modelId="{0E254FF5-707D-4454-BB56-843591B507FB}">
+      <dsp:nvSpPr>
+        <dsp:cNvPr id="23" name="圆角矩形 22"/>
+        <dsp:cNvSpPr/>
+      </dsp:nvSpPr>
+      <dsp:spPr bwMode="white">
+        <a:xfrm>
+          <a:off x="4703665" y="2255322"/>
+          <a:ext cx="1119920" cy="559960"/>
+        </a:xfrm>
+        <a:prstGeom prst="roundRect">
+          <a:avLst>
+            <a:gd name="adj" fmla="val 10000"/>
+          </a:avLst>
+        </a:prstGeom>
+      </dsp:spPr>
+      <dsp:style>
+        <a:lnRef idx="2">
+          <a:schemeClr val="lt1"/>
+        </a:lnRef>
+        <a:fillRef idx="1">
+          <a:schemeClr val="accent1"/>
+        </a:fillRef>
+        <a:effectRef idx="0">
+          <a:scrgbClr r="0" g="0" b="0"/>
+        </a:effectRef>
+        <a:fontRef idx="minor">
+          <a:schemeClr val="lt1"/>
+        </a:fontRef>
+      </dsp:style>
+      <dsp:txBody>
+        <a:bodyPr vert="horz" wrap="square" lIns="10160" tIns="10160" rIns="10160" bIns="10160" anchor="ctr"/>
+        <a:lstStyle>
+          <a:lvl1pPr algn="ctr">
+            <a:defRPr sz="1600"/>
+          </a:lvl1pPr>
+          <a:lvl2pPr marL="114300" indent="-114300" algn="ctr">
+            <a:defRPr sz="1200"/>
+          </a:lvl2pPr>
+          <a:lvl3pPr marL="228600" indent="-114300" algn="ctr">
+            <a:defRPr sz="1200"/>
+          </a:lvl3pPr>
+          <a:lvl4pPr marL="342900" indent="-114300" algn="ctr">
+            <a:defRPr sz="1200"/>
+          </a:lvl4pPr>
+          <a:lvl5pPr marL="457200" indent="-114300" algn="ctr">
+            <a:defRPr sz="1200"/>
+          </a:lvl5pPr>
+          <a:lvl6pPr marL="571500" indent="-114300" algn="ctr">
+            <a:defRPr sz="1200"/>
+          </a:lvl6pPr>
+          <a:lvl7pPr marL="685800" indent="-114300" algn="ctr">
+            <a:defRPr sz="1200"/>
+          </a:lvl7pPr>
+          <a:lvl8pPr marL="800100" indent="-114300" algn="ctr">
+            <a:defRPr sz="1200"/>
+          </a:lvl8pPr>
+          <a:lvl9pPr marL="914400" indent="-114300" algn="ctr">
+            <a:defRPr sz="1200"/>
+          </a:lvl9pPr>
+        </a:lstStyle>
+        <a:p>
+          <a:pPr lvl="0">
+            <a:lnSpc>
+              <a:spcPct val="100000"/>
+            </a:lnSpc>
+            <a:spcBef>
+              <a:spcPct val="0"/>
+            </a:spcBef>
+            <a:spcAft>
+              <a:spcPct val="35000"/>
+            </a:spcAft>
+          </a:pPr>
+          <a:r>
+            <a:rPr>
+              <a:sym typeface="+mn-ea"/>
+            </a:rPr>
+            <a:t>用</a:t>
+          </a:r>
+          <a:r>
+            <a:rPr lang="zh-CN">
+              <a:sym typeface="+mn-ea"/>
+            </a:rPr>
+            <a:t>户</a:t>
+          </a:r>
+          <a:r>
+            <a:rPr>
+              <a:sym typeface="+mn-ea"/>
+            </a:rPr>
+            <a:t>1</a:t>
+          </a:r>
+          <a:r>
+            <a:rPr>
+              <a:sym typeface="+mn-ea"/>
+            </a:rPr>
+            <a:t>人</a:t>
+          </a:r>
+          <a:r>
+            <a:rPr lang="zh-CN">
+              <a:sym typeface="+mn-ea"/>
+            </a:rPr>
+            <a:t>脸图（多）</a:t>
+          </a:r>
+          <a:endParaRPr lang="zh-CN"/>
+        </a:p>
+      </dsp:txBody>
+      <dsp:txXfrm>
+        <a:off x="4703665" y="2255322"/>
+        <a:ext cx="1119920" cy="559960"/>
+      </dsp:txXfrm>
+    </dsp:sp>
+  </dsp:spTree>
+</dsp:drawing>
+</file>
+
+<file path=ppt/diagrams/layout1.xml><?xml version="1.0" encoding="utf-8"?>
+<dgm:layoutDef xmlns:dgm="http://schemas.openxmlformats.org/drawingml/2006/diagram" xmlns:a="http://schemas.openxmlformats.org/drawingml/2006/main" uniqueId="urn:microsoft.com/office/officeart/2005/8/layout/hierarchy2">
+  <dgm:title val=""/>
+  <dgm:desc val=""/>
+  <dgm:catLst>
+    <dgm:cat type="hierarchy" pri="5000"/>
+  </dgm:catLst>
+  <dgm:sampData>
+    <dgm:dataModel>
+      <dgm:ptLst>
+        <dgm:pt modelId="0" type="doc"/>
+        <dgm:pt modelId="1">
+          <dgm:prSet phldr="1"/>
+        </dgm:pt>
+        <dgm:pt modelId="2">
+          <dgm:prSet phldr="1"/>
+        </dgm:pt>
+        <dgm:pt modelId="21">
+          <dgm:prSet phldr="1"/>
+        </dgm:pt>
+        <dgm:pt modelId="22">
+          <dgm:prSet phldr="1"/>
+        </dgm:pt>
+        <dgm:pt modelId="3">
+          <dgm:prSet phldr="1"/>
+        </dgm:pt>
+        <dgm:pt modelId="31">
+          <dgm:prSet phldr="1"/>
+        </dgm:pt>
+      </dgm:ptLst>
+      <dgm:cxnLst>
+        <dgm:cxn modelId="4" srcId="0" destId="1" srcOrd="0" destOrd="0"/>
+        <dgm:cxn modelId="5" srcId="1" destId="2" srcOrd="0" destOrd="0"/>
+        <dgm:cxn modelId="6" srcId="1" destId="3" srcOrd="1" destOrd="0"/>
+        <dgm:cxn modelId="23" srcId="2" destId="21" srcOrd="0" destOrd="0"/>
+        <dgm:cxn modelId="24" srcId="2" destId="22" srcOrd="1" destOrd="0"/>
+        <dgm:cxn modelId="33" srcId="3" destId="31" srcOrd="0" destOrd="0"/>
+      </dgm:cxnLst>
+      <dgm:bg/>
+      <dgm:whole/>
+    </dgm:dataModel>
+  </dgm:sampData>
+  <dgm:styleData>
+    <dgm:dataModel>
+      <dgm:ptLst>
+        <dgm:pt modelId="0" type="doc">
+          <dgm:prSet qsTypeId="urn:microsoft.com/office/officeart/2005/8/quickstyle/simple5"/>
+        </dgm:pt>
+        <dgm:pt modelId="1"/>
+        <dgm:pt modelId="11"/>
+        <dgm:pt modelId="12"/>
+      </dgm:ptLst>
+      <dgm:cxnLst>
+        <dgm:cxn modelId="2" srcId="0" destId="1" srcOrd="0" destOrd="0"/>
+        <dgm:cxn modelId="13" srcId="1" destId="11" srcOrd="0" destOrd="0"/>
+        <dgm:cxn modelId="14" srcId="1" destId="12" srcOrd="1" destOrd="0"/>
+      </dgm:cxnLst>
+      <dgm:bg/>
+      <dgm:whole/>
+    </dgm:dataModel>
+  </dgm:styleData>
+  <dgm:clrData>
+    <dgm:dataModel>
+      <dgm:ptLst>
+        <dgm:pt modelId="0" type="doc"/>
+        <dgm:pt modelId="1"/>
+        <dgm:pt modelId="2"/>
+        <dgm:pt modelId="21"/>
+        <dgm:pt modelId="211"/>
+        <dgm:pt modelId="3"/>
+        <dgm:pt modelId="31"/>
+        <dgm:pt modelId="311"/>
+      </dgm:ptLst>
+      <dgm:cxnLst>
+        <dgm:cxn modelId="4" srcId="0" destId="1" srcOrd="0" destOrd="0"/>
+        <dgm:cxn modelId="5" srcId="1" destId="2" srcOrd="0" destOrd="0"/>
+        <dgm:cxn modelId="6" srcId="1" destId="3" srcOrd="1" destOrd="0"/>
+        <dgm:cxn modelId="23" srcId="2" destId="21" srcOrd="0" destOrd="0"/>
+        <dgm:cxn modelId="24" srcId="21" destId="211" srcOrd="0" destOrd="0"/>
+        <dgm:cxn modelId="33" srcId="3" destId="31" srcOrd="0" destOrd="0"/>
+        <dgm:cxn modelId="34" srcId="31" destId="311" srcOrd="0" destOrd="0"/>
+      </dgm:cxnLst>
+      <dgm:bg/>
+      <dgm:whole/>
+    </dgm:dataModel>
+  </dgm:clrData>
+  <dgm:layoutNode name="diagram">
+    <dgm:varLst>
+      <dgm:chPref val="1"/>
+      <dgm:dir/>
+      <dgm:animOne val="branch"/>
+      <dgm:animLvl val="lvl"/>
+      <dgm:resizeHandles val="exact"/>
+    </dgm:varLst>
+    <dgm:choose name="Name0">
+      <dgm:if name="Name1" func="var" arg="dir" op="equ" val="norm">
+        <dgm:alg type="hierChild">
+          <dgm:param type="linDir" val="fromT"/>
+          <dgm:param type="chAlign" val="l"/>
+        </dgm:alg>
+      </dgm:if>
+      <dgm:else name="Name2">
+        <dgm:alg type="hierChild">
+          <dgm:param type="linDir" val="fromT"/>
+          <dgm:param type="chAlign" val="r"/>
+        </dgm:alg>
+      </dgm:else>
+    </dgm:choose>
+    <dgm:shape xmlns:r="http://schemas.openxmlformats.org/officeDocument/2006/relationships" r:blip="">
+      <dgm:adjLst/>
+    </dgm:shape>
+    <dgm:presOf/>
+    <dgm:constrLst>
+      <dgm:constr type="h" for="des" ptType="node" refType="h"/>
+      <dgm:constr type="w" for="des" ptType="node" refType="h" refFor="des" refPtType="node" fact="2"/>
+      <dgm:constr type="sibSp" refType="h" refFor="des" refPtType="node" op="equ" fact="0.15"/>
+      <dgm:constr type="sibSp" for="des" forName="level2hierChild" refType="h" refFor="des" refPtType="node" op="equ" fact="0.15"/>
+      <dgm:constr type="sibSp" for="des" forName="level3hierChild" refType="h" refFor="des" refPtType="node" op="equ" fact="0.15"/>
+      <dgm:constr type="sp" for="des" forName="root1" refType="w" refFor="des" refPtType="node" fact="0.4"/>
+      <dgm:constr type="sp" for="des" forName="root2" refType="sp" refFor="des" refForName="root1" op="equ"/>
+      <dgm:constr type="primFontSz" for="des" ptType="node" op="equ" val="65"/>
+      <dgm:constr type="primFontSz" for="des" forName="connTx" op="equ" val="55"/>
+      <dgm:constr type="primFontSz" for="des" forName="connTx" refType="primFontSz" refFor="des" refPtType="node" op="lte" fact="0.8"/>
+    </dgm:constrLst>
+    <dgm:ruleLst/>
+    <dgm:forEach name="Name3" axis="ch">
+      <dgm:forEach name="Name4" axis="self" ptType="node">
+        <dgm:layoutNode name="root1">
+          <dgm:choose name="Name5">
+            <dgm:if name="Name6" func="var" arg="dir" op="equ" val="norm">
+              <dgm:alg type="hierRoot">
+                <dgm:param type="hierAlign" val="lCtrCh"/>
+              </dgm:alg>
+            </dgm:if>
+            <dgm:else name="Name7">
+              <dgm:alg type="hierRoot">
+                <dgm:param type="hierAlign" val="rCtrCh"/>
+              </dgm:alg>
+            </dgm:else>
+          </dgm:choose>
+          <dgm:shape xmlns:r="http://schemas.openxmlformats.org/officeDocument/2006/relationships" r:blip="">
+            <dgm:adjLst/>
+          </dgm:shape>
+          <dgm:presOf/>
+          <dgm:constrLst/>
+          <dgm:ruleLst/>
+          <dgm:layoutNode name="LevelOneTextNode" styleLbl="node0">
+            <dgm:varLst>
+              <dgm:chPref val="3"/>
+            </dgm:varLst>
+            <dgm:alg type="tx"/>
+            <dgm:shape xmlns:r="http://schemas.openxmlformats.org/officeDocument/2006/relationships" type="roundRect" r:blip="">
+              <dgm:adjLst>
+                <dgm:adj idx="1" val="0.1"/>
+              </dgm:adjLst>
+            </dgm:shape>
+            <dgm:presOf axis="self"/>
+            <dgm:constrLst>
+              <dgm:constr type="tMarg" refType="primFontSz" fact="0.05"/>
+              <dgm:constr type="bMarg" refType="primFontSz" fact="0.05"/>
+              <dgm:constr type="lMarg" refType="primFontSz" fact="0.05"/>
+              <dgm:constr type="rMarg" refType="primFontSz" fact="0.05"/>
+            </dgm:constrLst>
+            <dgm:ruleLst>
+              <dgm:rule type="primFontSz" val="5" fact="NaN" max="NaN"/>
+            </dgm:ruleLst>
+          </dgm:layoutNode>
+          <dgm:layoutNode name="level2hierChild">
+            <dgm:choose name="Name8">
+              <dgm:if name="Name9" func="var" arg="dir" op="equ" val="norm">
+                <dgm:alg type="hierChild">
+                  <dgm:param type="linDir" val="fromT"/>
+                  <dgm:param type="chAlign" val="l"/>
+                </dgm:alg>
+              </dgm:if>
+              <dgm:else name="Name10">
+                <dgm:alg type="hierChild">
+                  <dgm:param type="linDir" val="fromT"/>
+                  <dgm:param type="chAlign" val="r"/>
+                </dgm:alg>
+              </dgm:else>
+            </dgm:choose>
+            <dgm:shape xmlns:r="http://schemas.openxmlformats.org/officeDocument/2006/relationships" r:blip="">
+              <dgm:adjLst/>
+            </dgm:shape>
+            <dgm:presOf/>
+            <dgm:constrLst/>
+            <dgm:ruleLst/>
+            <dgm:forEach name="repeat" axis="ch">
+              <dgm:forEach name="Name11" axis="self" ptType="parTrans" cnt="1">
+                <dgm:layoutNode name="conn2-1">
+                  <dgm:choose name="Name12">
+                    <dgm:if name="Name13" func="var" arg="dir" op="equ" val="norm">
+                      <dgm:alg type="conn">
+                        <dgm:param type="dim" val="1D"/>
+                        <dgm:param type="endSty" val="noArr"/>
+                        <dgm:param type="begPts" val="midR"/>
+                        <dgm:param type="endPts" val="midL"/>
+                      </dgm:alg>
+                    </dgm:if>
+                    <dgm:else name="Name14">
+                      <dgm:alg type="conn">
+                        <dgm:param type="dim" val="1D"/>
+                        <dgm:param type="endSty" val="noArr"/>
+                        <dgm:param type="begPts" val="midL"/>
+                        <dgm:param type="endPts" val="midR"/>
+                      </dgm:alg>
+                    </dgm:else>
+                  </dgm:choose>
+                  <dgm:shape xmlns:r="http://schemas.openxmlformats.org/officeDocument/2006/relationships" type="conn" r:blip="">
+                    <dgm:adjLst/>
+                  </dgm:shape>
+                  <dgm:presOf axis="self"/>
+                  <dgm:constrLst>
+                    <dgm:constr type="w" val="1"/>
+                    <dgm:constr type="h" val="5"/>
+                    <dgm:constr type="connDist"/>
+                    <dgm:constr type="begPad"/>
+                    <dgm:constr type="endPad"/>
+                    <dgm:constr type="userA" for="ch" refType="connDist"/>
+                  </dgm:constrLst>
+                  <dgm:ruleLst/>
+                  <dgm:layoutNode name="connTx">
+                    <dgm:alg type="tx">
+                      <dgm:param type="autoTxRot" val="grav"/>
+                    </dgm:alg>
+                    <dgm:shape xmlns:r="http://schemas.openxmlformats.org/officeDocument/2006/relationships" type="rect" r:blip="" hideGeom="1">
+                      <dgm:adjLst/>
+                    </dgm:shape>
+                    <dgm:presOf axis="self"/>
+                    <dgm:constrLst>
+                      <dgm:constr type="userA"/>
+                      <dgm:constr type="w" refType="userA" fact="0.05"/>
+                      <dgm:constr type="h" refType="userA" fact="0.05"/>
+                      <dgm:constr type="lMarg" val="1"/>
+                      <dgm:constr type="rMarg" val="1"/>
+                      <dgm:constr type="tMarg"/>
+                      <dgm:constr type="bMarg"/>
+                    </dgm:constrLst>
+                    <dgm:ruleLst>
+                      <dgm:rule type="h" val="NaN" fact="0.25" max="NaN"/>
+                      <dgm:rule type="w" val="NaN" fact="0.8" max="NaN"/>
+                      <dgm:rule type="primFontSz" val="5" fact="NaN" max="NaN"/>
+                    </dgm:ruleLst>
+                  </dgm:layoutNode>
+                </dgm:layoutNode>
+              </dgm:forEach>
+              <dgm:forEach name="Name15" axis="self" ptType="node">
+                <dgm:layoutNode name="root2">
+                  <dgm:choose name="Name16">
+                    <dgm:if name="Name17" func="var" arg="dir" op="equ" val="norm">
+                      <dgm:alg type="hierRoot">
+                        <dgm:param type="hierAlign" val="lCtrCh"/>
+                      </dgm:alg>
+                    </dgm:if>
+                    <dgm:else name="Name18">
+                      <dgm:alg type="hierRoot">
+                        <dgm:param type="hierAlign" val="rCtrCh"/>
+                      </dgm:alg>
+                    </dgm:else>
+                  </dgm:choose>
+                  <dgm:shape xmlns:r="http://schemas.openxmlformats.org/officeDocument/2006/relationships" r:blip="">
+                    <dgm:adjLst/>
+                  </dgm:shape>
+                  <dgm:presOf/>
+                  <dgm:constrLst/>
+                  <dgm:ruleLst/>
+                  <dgm:layoutNode name="LevelTwoTextNode">
+                    <dgm:varLst>
+                      <dgm:chPref val="3"/>
+                    </dgm:varLst>
+                    <dgm:alg type="tx"/>
+                    <dgm:shape xmlns:r="http://schemas.openxmlformats.org/officeDocument/2006/relationships" type="roundRect" r:blip="">
+                      <dgm:adjLst>
+                        <dgm:adj idx="1" val="0.1"/>
+                      </dgm:adjLst>
+                    </dgm:shape>
+                    <dgm:presOf axis="self"/>
+                    <dgm:constrLst>
+                      <dgm:constr type="tMarg" refType="primFontSz" fact="0.05"/>
+                      <dgm:constr type="bMarg" refType="primFontSz" fact="0.05"/>
+                      <dgm:constr type="lMarg" refType="primFontSz" fact="0.05"/>
+                      <dgm:constr type="rMarg" refType="primFontSz" fact="0.05"/>
+                    </dgm:constrLst>
+                    <dgm:ruleLst>
+                      <dgm:rule type="primFontSz" val="5" fact="NaN" max="NaN"/>
+                    </dgm:ruleLst>
+                  </dgm:layoutNode>
+                  <dgm:layoutNode name="level3hierChild">
+                    <dgm:choose name="Name19">
+                      <dgm:if name="Name20" func="var" arg="dir" op="equ" val="norm">
+                        <dgm:alg type="hierChild">
+                          <dgm:param type="linDir" val="fromT"/>
+                          <dgm:param type="chAlign" val="l"/>
+                        </dgm:alg>
+                      </dgm:if>
+                      <dgm:else name="Name21">
+                        <dgm:alg type="hierChild">
+                          <dgm:param type="linDir" val="fromT"/>
+                          <dgm:param type="chAlign" val="r"/>
+                        </dgm:alg>
+                      </dgm:else>
+                    </dgm:choose>
+                    <dgm:shape xmlns:r="http://schemas.openxmlformats.org/officeDocument/2006/relationships" r:blip="">
+                      <dgm:adjLst/>
+                    </dgm:shape>
+                    <dgm:presOf/>
+                    <dgm:constrLst/>
+                    <dgm:ruleLst/>
+                    <dgm:forEach name="Name22" ref="repeat"/>
+                  </dgm:layoutNode>
+                </dgm:layoutNode>
+              </dgm:forEach>
+            </dgm:forEach>
+          </dgm:layoutNode>
+        </dgm:layoutNode>
+      </dgm:forEach>
+    </dgm:forEach>
+  </dgm:layoutNode>
+</dgm:layoutDef>
+</file>
+
+<file path=ppt/diagrams/quickStyle1.xml><?xml version="1.0" encoding="utf-8"?>
+<dgm:styleDef xmlns:dgm="http://schemas.openxmlformats.org/drawingml/2006/diagram" xmlns:a="http://schemas.openxmlformats.org/drawingml/2006/main" uniqueId="urn:microsoft.com/office/officeart/2005/8/quickstyle/simple1">
+  <dgm:title val=""/>
+  <dgm:desc val=""/>
+  <dgm:catLst>
+    <dgm:cat type="simple" pri="10100"/>
+  </dgm:catLst>
+  <dgm:scene3d>
+    <a:camera prst="orthographicFront"/>
+    <a:lightRig rig="threePt" dir="t"/>
+  </dgm:scene3d>
+  <dgm:styleLbl name="alignAcc1">
+    <dgm:scene3d>
+      <a:camera prst="orthographicFront"/>
+      <a:lightRig rig="threePt" dir="t"/>
+    </dgm:scene3d>
+    <dgm:txPr/>
+    <dgm:style>
+      <a:lnRef idx="2">
+        <a:scrgbClr r="0" g="0" b="0"/>
+      </a:lnRef>
+      <a:fillRef idx="1">
+        <a:scrgbClr r="0" g="0" b="0"/>
+      </a:fillRef>
+      <a:effectRef idx="0">
+        <a:scrgbClr r="0" g="0" b="0"/>
+      </a:effectRef>
+      <a:fontRef idx="minor"/>
+    </dgm:style>
+  </dgm:styleLbl>
+  <dgm:styleLbl name="alignAccFollowNode1">
+    <dgm:scene3d>
+      <a:camera prst="orthographicFront"/>
+      <a:lightRig rig="threePt" dir="t"/>
+    </dgm:scene3d>
+    <dgm:txPr/>
+    <dgm:style>
+      <a:lnRef idx="2">
+        <a:scrgbClr r="0" g="0" b="0"/>
+      </a:lnRef>
+      <a:fillRef idx="1">
+        <a:scrgbClr r="0" g="0" b="0"/>
+      </a:fillRef>
+      <a:effectRef idx="0">
+        <a:scrgbClr r="0" g="0" b="0"/>
+      </a:effectRef>
+      <a:fontRef idx="minor"/>
+    </dgm:style>
+  </dgm:styleLbl>
+  <dgm:styleLbl name="alignImgPlace1">
+    <dgm:scene3d>
+      <a:camera prst="orthographicFront"/>
+      <a:lightRig rig="threePt" dir="t"/>
+    </dgm:scene3d>
+    <dgm:txPr/>
+    <dgm:style>
+      <a:lnRef idx="2">
+        <a:scrgbClr r="0" g="0" b="0"/>
+      </a:lnRef>
+      <a:fillRef idx="1">
+        <a:scrgbClr r="0" g="0" b="0"/>
+      </a:fillRef>
+      <a:effectRef idx="0">
+        <a:scrgbClr r="0" g="0" b="0"/>
+      </a:effectRef>
+      <a:fontRef idx="minor"/>
+    </dgm:style>
+  </dgm:styleLbl>
+  <dgm:styleLbl name="alignNode1">
+    <dgm:scene3d>
+      <a:camera prst="orthographicFront"/>
+      <a:lightRig rig="threePt" dir="t"/>
+    </dgm:scene3d>
+    <dgm:txPr/>
+    <dgm:style>
+      <a:lnRef idx="2">
+        <a:scrgbClr r="0" g="0" b="0"/>
+      </a:lnRef>
+      <a:fillRef idx="1">
+        <a:scrgbClr r="0" g="0" b="0"/>
+      </a:fillRef>
+      <a:effectRef idx="0">
+        <a:scrgbClr r="0" g="0" b="0"/>
+      </a:effectRef>
+      <a:fontRef idx="minor">
+        <a:schemeClr val="lt1"/>
+      </a:fontRef>
+    </dgm:style>
+  </dgm:styleLbl>
+  <dgm:styleLbl name="asst0">
+    <dgm:scene3d>
+      <a:camera prst="orthographicFront"/>
+      <a:lightRig rig="threePt" dir="t"/>
+    </dgm:scene3d>
+    <dgm:txPr/>
+    <dgm:style>
+      <a:lnRef idx="2">
+        <a:scrgbClr r="0" g="0" b="0"/>
+      </a:lnRef>
+      <a:fillRef idx="1">
+        <a:scrgbClr r="0" g="0" b="0"/>
+      </a:fillRef>
+      <a:effectRef idx="0">
+        <a:scrgbClr r="0" g="0" b="0"/>
+      </a:effectRef>
+      <a:fontRef idx="minor">
+        <a:schemeClr val="lt1"/>
+      </a:fontRef>
+    </dgm:style>
+  </dgm:styleLbl>
+  <dgm:styleLbl name="asst1">
+    <dgm:scene3d>
+      <a:camera prst="orthographicFront"/>
+      <a:lightRig rig="threePt" dir="t"/>
+    </dgm:scene3d>
+    <dgm:txPr/>
+    <dgm:style>
+      <a:lnRef idx="2">
+        <a:scrgbClr r="0" g="0" b="0"/>
+      </a:lnRef>
+      <a:fillRef idx="1">
+        <a:scrgbClr r="0" g="0" b="0"/>
+      </a:fillRef>
+      <a:effectRef idx="0">
+        <a:scrgbClr r="0" g="0" b="0"/>
+      </a:effectRef>
+      <a:fontRef idx="minor">
+        <a:schemeClr val="lt1"/>
+      </a:fontRef>
+    </dgm:style>
+  </dgm:styleLbl>
+  <dgm:styleLbl name="asst2">
+    <dgm:scene3d>
+      <a:camera prst="orthographicFront"/>
+      <a:lightRig rig="threePt" dir="t"/>
+    </dgm:scene3d>
+    <dgm:txPr/>
+    <dgm:style>
+      <a:lnRef idx="2">
+        <a:scrgbClr r="0" g="0" b="0"/>
+      </a:lnRef>
+      <a:fillRef idx="1">
+        <a:scrgbClr r="0" g="0" b="0"/>
+      </a:fillRef>
+      <a:effectRef idx="0">
+        <a:scrgbClr r="0" g="0" b="0"/>
+      </a:effectRef>
+      <a:fontRef idx="minor">
+        <a:schemeClr val="lt1"/>
+      </a:fontRef>
+    </dgm:style>
+  </dgm:styleLbl>
+  <dgm:styleLbl name="asst3">
+    <dgm:scene3d>
+      <a:camera prst="orthographicFront"/>
+      <a:lightRig rig="threePt" dir="t"/>
+    </dgm:scene3d>
+    <dgm:txPr/>
+    <dgm:style>
+      <a:lnRef idx="2">
+        <a:scrgbClr r="0" g="0" b="0"/>
+      </a:lnRef>
+      <a:fillRef idx="1">
+        <a:scrgbClr r="0" g="0" b="0"/>
+      </a:fillRef>
+      <a:effectRef idx="0">
+        <a:scrgbClr r="0" g="0" b="0"/>
+      </a:effectRef>
+      <a:fontRef idx="minor">
+        <a:schemeClr val="lt1"/>
+      </a:fontRef>
+    </dgm:style>
+  </dgm:styleLbl>
+  <dgm:styleLbl name="asst4">
+    <dgm:scene3d>
+      <a:camera prst="orthographicFront"/>
+      <a:lightRig rig="threePt" dir="t"/>
+    </dgm:scene3d>
+    <dgm:txPr/>
+    <dgm:style>
+      <a:lnRef idx="2">
+        <a:scrgbClr r="0" g="0" b="0"/>
+      </a:lnRef>
+      <a:fillRef idx="1">
+        <a:scrgbClr r="0" g="0" b="0"/>
+      </a:fillRef>
+      <a:effectRef idx="0">
+        <a:scrgbClr r="0" g="0" b="0"/>
+      </a:effectRef>
+      <a:fontRef idx="minor">
+        <a:schemeClr val="lt1"/>
+      </a:fontRef>
+    </dgm:style>
+  </dgm:styleLbl>
+  <dgm:styleLbl name="bgAcc1">
+    <dgm:scene3d>
+      <a:camera prst="orthographicFront"/>
+      <a:lightRig rig="threePt" dir="t"/>
+    </dgm:scene3d>
+    <dgm:txPr/>
+    <dgm:style>
+      <a:lnRef idx="2">
+        <a:scrgbClr r="0" g="0" b="0"/>
+      </a:lnRef>
+      <a:fillRef idx="1">
+        <a:scrgbClr r="0" g="0" b="0"/>
+      </a:fillRef>
+      <a:effectRef idx="0">
+        <a:scrgbClr r="0" g="0" b="0"/>
+      </a:effectRef>
+      <a:fontRef idx="minor"/>
+    </dgm:style>
+  </dgm:styleLbl>
+  <dgm:styleLbl name="bgAccFollowNode1">
+    <dgm:scene3d>
+      <a:camera prst="orthographicFront"/>
+      <a:lightRig rig="threePt" dir="t"/>
+    </dgm:scene3d>
+    <dgm:txPr/>
+    <dgm:style>
+      <a:lnRef idx="2">
+        <a:scrgbClr r="0" g="0" b="0"/>
+      </a:lnRef>
+      <a:fillRef idx="1">
+        <a:scrgbClr r="0" g="0" b="0"/>
+      </a:fillRef>
+      <a:effectRef idx="0">
+        <a:scrgbClr r="0" g="0" b="0"/>
+      </a:effectRef>
+      <a:fontRef idx="minor"/>
+    </dgm:style>
+  </dgm:styleLbl>
+  <dgm:styleLbl name="bgImgPlace1">
+    <dgm:scene3d>
+      <a:camera prst="orthographicFront"/>
+      <a:lightRig rig="threePt" dir="t"/>
+    </dgm:scene3d>
+    <dgm:txPr/>
+    <dgm:style>
+      <a:lnRef idx="2">
+        <a:scrgbClr r="0" g="0" b="0"/>
+      </a:lnRef>
+      <a:fillRef idx="1">
+        <a:scrgbClr r="0" g="0" b="0"/>
+      </a:fillRef>
+      <a:effectRef idx="0">
+        <a:scrgbClr r="0" g="0" b="0"/>
+      </a:effectRef>
+      <a:fontRef idx="minor"/>
+    </dgm:style>
+  </dgm:styleLbl>
+  <dgm:styleLbl name="bgShp">
+    <dgm:scene3d>
+      <a:camera prst="orthographicFront"/>
+      <a:lightRig rig="threePt" dir="t"/>
+    </dgm:scene3d>
+    <dgm:txPr/>
+    <dgm:style>
+      <a:lnRef idx="0">
+        <a:scrgbClr r="0" g="0" b="0"/>
+      </a:lnRef>
+      <a:fillRef idx="1">
+        <a:scrgbClr r="0" g="0" b="0"/>
+      </a:fillRef>
+      <a:effectRef idx="0">
+        <a:scrgbClr r="0" g="0" b="0"/>
+      </a:effectRef>
+      <a:fontRef idx="minor"/>
+    </dgm:style>
+  </dgm:styleLbl>
+  <dgm:styleLbl name="bgSibTrans2D1">
+    <dgm:scene3d>
+      <a:camera prst="orthographicFront"/>
+      <a:lightRig rig="threePt" dir="t"/>
+    </dgm:scene3d>
+    <dgm:txPr/>
+    <dgm:style>
+      <a:lnRef idx="0">
+        <a:scrgbClr r="0" g="0" b="0"/>
+      </a:lnRef>
+      <a:fillRef idx="1">
+        <a:scrgbClr r="0" g="0" b="0"/>
+      </a:fillRef>
+      <a:effectRef idx="0">
+        <a:scrgbClr r="0" g="0" b="0"/>
+      </a:effectRef>
+      <a:fontRef idx="minor">
+        <a:schemeClr val="lt1"/>
+      </a:fontRef>
+    </dgm:style>
+  </dgm:styleLbl>
+  <dgm:styleLbl name="callout">
+    <dgm:scene3d>
+      <a:camera prst="orthographicFront"/>
+      <a:lightRig rig="threePt" dir="t"/>
+    </dgm:scene3d>
+    <dgm:txPr/>
+    <dgm:style>
+      <a:lnRef idx="2">
+        <a:scrgbClr r="0" g="0" b="0"/>
+      </a:lnRef>
+      <a:fillRef idx="1">
+        <a:scrgbClr r="0" g="0" b="0"/>
+      </a:fillRef>
+      <a:effectRef idx="0">
+        <a:scrgbClr r="0" g="0" b="0"/>
+      </a:effectRef>
+      <a:fontRef idx="minor"/>
+    </dgm:style>
+  </dgm:styleLbl>
+  <dgm:styleLbl name="conFgAcc1">
+    <dgm:scene3d>
+      <a:camera prst="orthographicFront"/>
+      <a:lightRig rig="threePt" dir="t"/>
+    </dgm:scene3d>
+    <dgm:txPr/>
+    <dgm:style>
+      <a:lnRef idx="2">
+        <a:scrgbClr r="0" g="0" b="0"/>
+      </a:lnRef>
+      <a:fillRef idx="1">
+        <a:scrgbClr r="0" g="0" b="0"/>
+      </a:fillRef>
+      <a:effectRef idx="0">
+        <a:scrgbClr r="0" g="0" b="0"/>
+      </a:effectRef>
+      <a:fontRef idx="minor"/>
+    </dgm:style>
+  </dgm:styleLbl>
+  <dgm:styleLbl name="dkBgShp">
+    <dgm:scene3d>
+      <a:camera prst="orthographicFront"/>
+      <a:lightRig rig="threePt" dir="t"/>
+    </dgm:scene3d>
+    <dgm:txPr/>
+    <dgm:style>
+      <a:lnRef idx="0">
+        <a:scrgbClr r="0" g="0" b="0"/>
+      </a:lnRef>
+      <a:fillRef idx="1">
+        <a:scrgbClr r="0" g="0" b="0"/>
+      </a:fillRef>
+      <a:effectRef idx="0">
+        <a:scrgbClr r="0" g="0" b="0"/>
+      </a:effectRef>
+      <a:fontRef idx="minor"/>
+    </dgm:style>
+  </dgm:styleLbl>
+  <dgm:styleLbl name="fgAcc0">
+    <dgm:scene3d>
+      <a:camera prst="orthographicFront"/>
+      <a:lightRig rig="threePt" dir="t"/>
+    </dgm:scene3d>
+    <dgm:txPr/>
+    <dgm:style>
+      <a:lnRef idx="2">
+        <a:scrgbClr r="0" g="0" b="0"/>
+      </a:lnRef>
+      <a:fillRef idx="1">
+        <a:scrgbClr r="0" g="0" b="0"/>
+      </a:fillRef>
+      <a:effectRef idx="0">
+        <a:scrgbClr r="0" g="0" b="0"/>
+      </a:effectRef>
+      <a:fontRef idx="minor"/>
+    </dgm:style>
+  </dgm:styleLbl>
+  <dgm:styleLbl name="fgAcc1">
+    <dgm:scene3d>
+      <a:camera prst="orthographicFront"/>
+      <a:lightRig rig="threePt" dir="t"/>
+    </dgm:scene3d>
+    <dgm:txPr/>
+    <dgm:style>
+      <a:lnRef idx="2">
+        <a:scrgbClr r="0" g="0" b="0"/>
+      </a:lnRef>
+      <a:fillRef idx="1">
+        <a:scrgbClr r="0" g="0" b="0"/>
+      </a:fillRef>
+      <a:effectRef idx="0">
+        <a:scrgbClr r="0" g="0" b="0"/>
+      </a:effectRef>
+      <a:fontRef idx="minor"/>
+    </dgm:style>
+  </dgm:styleLbl>
+  <dgm:styleLbl name="fgAcc2">
+    <dgm:scene3d>
+      <a:camera prst="orthographicFront"/>
+      <a:lightRig rig="threePt" dir="t"/>
+    </dgm:scene3d>
+    <dgm:txPr/>
+    <dgm:style>
+      <a:lnRef idx="2">
+        <a:scrgbClr r="0" g="0" b="0"/>
+      </a:lnRef>
+      <a:fillRef idx="1">
+        <a:scrgbClr r="0" g="0" b="0"/>
+      </a:fillRef>
+      <a:effectRef idx="0">
+        <a:scrgbClr r="0" g="0" b="0"/>
+      </a:effectRef>
+      <a:fontRef idx="minor"/>
+    </dgm:style>
+  </dgm:styleLbl>
+  <dgm:styleLbl name="fgAcc3">
+    <dgm:scene3d>
+      <a:camera prst="orthographicFront"/>
+      <a:lightRig rig="threePt" dir="t"/>
+    </dgm:scene3d>
+    <dgm:txPr/>
+    <dgm:style>
+      <a:lnRef idx="2">
+        <a:scrgbClr r="0" g="0" b="0"/>
+      </a:lnRef>
+      <a:fillRef idx="1">
+        <a:scrgbClr r="0" g="0" b="0"/>
+      </a:fillRef>
+      <a:effectRef idx="0">
+        <a:scrgbClr r="0" g="0" b="0"/>
+      </a:effectRef>
+      <a:fontRef idx="minor"/>
+    </dgm:style>
+  </dgm:styleLbl>
+  <dgm:styleLbl name="fgAcc4">
+    <dgm:scene3d>
+      <a:camera prst="orthographicFront"/>
+      <a:lightRig rig="threePt" dir="t"/>
+    </dgm:scene3d>
+    <dgm:txPr/>
+    <dgm:style>
+      <a:lnRef idx="2">
+        <a:scrgbClr r="0" g="0" b="0"/>
+      </a:lnRef>
+      <a:fillRef idx="1">
+        <a:scrgbClr r="0" g="0" b="0"/>
+      </a:fillRef>
+      <a:effectRef idx="0">
+        <a:scrgbClr r="0" g="0" b="0"/>
+      </a:effectRef>
+      <a:fontRef idx="minor"/>
+    </dgm:style>
+  </dgm:styleLbl>
+  <dgm:styleLbl name="fgAccFollowNode1">
+    <dgm:scene3d>
+      <a:camera prst="orthographicFront"/>
+      <a:lightRig rig="threePt" dir="t"/>
+    </dgm:scene3d>
+    <dgm:txPr/>
+    <dgm:style>
+      <a:lnRef idx="2">
+        <a:scrgbClr r="0" g="0" b="0"/>
+      </a:lnRef>
+      <a:fillRef idx="1">
+        <a:scrgbClr r="0" g="0" b="0"/>
+      </a:fillRef>
+      <a:effectRef idx="0">
+        <a:scrgbClr r="0" g="0" b="0"/>
+      </a:effectRef>
+      <a:fontRef idx="minor"/>
+    </dgm:style>
+  </dgm:styleLbl>
+  <dgm:styleLbl name="fgImgPlace1">
+    <dgm:scene3d>
+      <a:camera prst="orthographicFront"/>
+      <a:lightRig rig="threePt" dir="t"/>
+    </dgm:scene3d>
+    <dgm:txPr/>
+    <dgm:style>
+      <a:lnRef idx="2">
+        <a:scrgbClr r="0" g="0" b="0"/>
+      </a:lnRef>
+      <a:fillRef idx="1">
+        <a:scrgbClr r="0" g="0" b="0"/>
+      </a:fillRef>
+      <a:effectRef idx="0">
+        <a:scrgbClr r="0" g="0" b="0"/>
+      </a:effectRef>
+      <a:fontRef idx="minor"/>
+    </dgm:style>
+  </dgm:styleLbl>
+  <dgm:styleLbl name="fgShp">
+    <dgm:scene3d>
+      <a:camera prst="orthographicFront"/>
+      <a:lightRig rig="threePt" dir="t"/>
+    </dgm:scene3d>
+    <dgm:txPr/>
+    <dgm:style>
+      <a:lnRef idx="2">
+        <a:scrgbClr r="0" g="0" b="0"/>
+      </a:lnRef>
+      <a:fillRef idx="1">
+        <a:scrgbClr r="0" g="0" b="0"/>
+      </a:fillRef>
+      <a:effectRef idx="0">
+        <a:scrgbClr r="0" g="0" b="0"/>
+      </a:effectRef>
+      <a:fontRef idx="minor"/>
+    </dgm:style>
+  </dgm:styleLbl>
+  <dgm:styleLbl name="fgSibTrans2D1">
+    <dgm:scene3d>
+      <a:camera prst="orthographicFront"/>
+      <a:lightRig rig="threePt" dir="t"/>
+    </dgm:scene3d>
+    <dgm:txPr/>
+    <dgm:style>
+      <a:lnRef idx="0">
+        <a:scrgbClr r="0" g="0" b="0"/>
+      </a:lnRef>
+      <a:fillRef idx="1">
+        <a:scrgbClr r="0" g="0" b="0"/>
+      </a:fillRef>
+      <a:effectRef idx="0">
+        <a:scrgbClr r="0" g="0" b="0"/>
+      </a:effectRef>
+      <a:fontRef idx="minor">
+        <a:schemeClr val="lt1"/>
+      </a:fontRef>
+    </dgm:style>
+  </dgm:styleLbl>
+  <dgm:styleLbl name="lnNode1">
+    <dgm:scene3d>
+      <a:camera prst="orthographicFront"/>
+      <a:lightRig rig="threePt" dir="t"/>
+    </dgm:scene3d>
+    <dgm:txPr/>
+    <dgm:style>
+      <a:lnRef idx="2">
+        <a:scrgbClr r="0" g="0" b="0"/>
+      </a:lnRef>
+      <a:fillRef idx="1">
+        <a:scrgbClr r="0" g="0" b="0"/>
+      </a:fillRef>
+      <a:effectRef idx="0">
+        <a:scrgbClr r="0" g="0" b="0"/>
+      </a:effectRef>
+      <a:fontRef idx="minor">
+        <a:schemeClr val="lt1"/>
+      </a:fontRef>
+    </dgm:style>
+  </dgm:styleLbl>
+  <dgm:styleLbl name="node0">
+    <dgm:scene3d>
+      <a:camera prst="orthographicFront"/>
+      <a:lightRig rig="threePt" dir="t"/>
+    </dgm:scene3d>
+    <dgm:txPr/>
+    <dgm:style>
+      <a:lnRef idx="2">
+        <a:scrgbClr r="0" g="0" b="0"/>
+      </a:lnRef>
+      <a:fillRef idx="1">
+        <a:scrgbClr r="0" g="0" b="0"/>
+      </a:fillRef>
+      <a:effectRef idx="0">
+        <a:scrgbClr r="0" g="0" b="0"/>
+      </a:effectRef>
+      <a:fontRef idx="minor">
+        <a:schemeClr val="lt1"/>
+      </a:fontRef>
+    </dgm:style>
+  </dgm:styleLbl>
+  <dgm:styleLbl name="node1">
+    <dgm:scene3d>
+      <a:camera prst="orthographicFront"/>
+      <a:lightRig rig="threePt" dir="t"/>
+    </dgm:scene3d>
+    <dgm:txPr/>
+    <dgm:style>
+      <a:lnRef idx="2">
+        <a:scrgbClr r="0" g="0" b="0"/>
+      </a:lnRef>
+      <a:fillRef idx="1">
+        <a:scrgbClr r="0" g="0" b="0"/>
+      </a:fillRef>
+      <a:effectRef idx="0">
+        <a:scrgbClr r="0" g="0" b="0"/>
+      </a:effectRef>
+      <a:fontRef idx="minor">
+        <a:schemeClr val="lt1"/>
+      </a:fontRef>
+    </dgm:style>
+  </dgm:styleLbl>
+  <dgm:styleLbl name="node2">
+    <dgm:scene3d>
+      <a:camera prst="orthographicFront"/>
+      <a:lightRig rig="threePt" dir="t"/>
+    </dgm:scene3d>
+    <dgm:txPr/>
+    <dgm:style>
+      <a:lnRef idx="2">
+        <a:scrgbClr r="0" g="0" b="0"/>
+      </a:lnRef>
+      <a:fillRef idx="1">
+        <a:scrgbClr r="0" g="0" b="0"/>
+      </a:fillRef>
+      <a:effectRef idx="0">
+        <a:scrgbClr r="0" g="0" b="0"/>
+      </a:effectRef>
+      <a:fontRef idx="minor">
+        <a:schemeClr val="lt1"/>
+      </a:fontRef>
+    </dgm:style>
+  </dgm:styleLbl>
+  <dgm:styleLbl name="node3">
+    <dgm:scene3d>
+      <a:camera prst="orthographicFront"/>
+      <a:lightRig rig="threePt" dir="t"/>
+    </dgm:scene3d>
+    <dgm:txPr/>
+    <dgm:style>
+      <a:lnRef idx="2">
+        <a:scrgbClr r="0" g="0" b="0"/>
+      </a:lnRef>
+      <a:fillRef idx="1">
+        <a:scrgbClr r="0" g="0" b="0"/>
+      </a:fillRef>
+      <a:effectRef idx="0">
+        <a:scrgbClr r="0" g="0" b="0"/>
+      </a:effectRef>
+      <a:fontRef idx="minor">
+        <a:schemeClr val="lt1"/>
+      </a:fontRef>
+    </dgm:style>
+  </dgm:styleLbl>
+  <dgm:styleLbl name="node4">
+    <dgm:scene3d>
+      <a:camera prst="orthographicFront"/>
+      <a:lightRig rig="threePt" dir="t"/>
+    </dgm:scene3d>
+    <dgm:txPr/>
+    <dgm:style>
+      <a:lnRef idx="2">
+        <a:scrgbClr r="0" g="0" b="0"/>
+      </a:lnRef>
+      <a:fillRef idx="1">
+        <a:scrgbClr r="0" g="0" b="0"/>
+      </a:fillRef>
+      <a:effectRef idx="0">
+        <a:scrgbClr r="0" g="0" b="0"/>
+      </a:effectRef>
+      <a:fontRef idx="minor">
+        <a:schemeClr val="lt1"/>
+      </a:fontRef>
+    </dgm:style>
+  </dgm:styleLbl>
+  <dgm:styleLbl name="parChTrans1D1">
+    <dgm:scene3d>
+      <a:camera prst="orthographicFront"/>
+      <a:lightRig rig="threePt" dir="t"/>
+    </dgm:scene3d>
+    <dgm:txPr/>
+    <dgm:style>
+      <a:lnRef idx="2">
+        <a:scrgbClr r="0" g="0" b="0"/>
+      </a:lnRef>
+      <a:fillRef idx="0">
+        <a:scrgbClr r="0" g="0" b="0"/>
+      </a:fillRef>
+      <a:effectRef idx="0">
+        <a:scrgbClr r="0" g="0" b="0"/>
+      </a:effectRef>
+      <a:fontRef idx="minor"/>
+    </dgm:style>
+  </dgm:styleLbl>
+  <dgm:styleLbl name="parChTrans1D2">
+    <dgm:scene3d>
+      <a:camera prst="orthographicFront"/>
+      <a:lightRig rig="threePt" dir="t"/>
+    </dgm:scene3d>
+    <dgm:txPr/>
+    <dgm:style>
+      <a:lnRef idx="2">
+        <a:scrgbClr r="0" g="0" b="0"/>
+      </a:lnRef>
+      <a:fillRef idx="0">
+        <a:scrgbClr r="0" g="0" b="0"/>
+      </a:fillRef>
+      <a:effectRef idx="0">
+        <a:scrgbClr r="0" g="0" b="0"/>
+      </a:effectRef>
+      <a:fontRef idx="minor"/>
+    </dgm:style>
+  </dgm:styleLbl>
+  <dgm:styleLbl name="parChTrans1D3">
+    <dgm:scene3d>
+      <a:camera prst="orthographicFront"/>
+      <a:lightRig rig="threePt" dir="t"/>
+    </dgm:scene3d>
+    <dgm:txPr/>
+    <dgm:style>
+      <a:lnRef idx="2">
+        <a:scrgbClr r="0" g="0" b="0"/>
+      </a:lnRef>
+      <a:fillRef idx="0">
+        <a:scrgbClr r="0" g="0" b="0"/>
+      </a:fillRef>
+      <a:effectRef idx="0">
+        <a:scrgbClr r="0" g="0" b="0"/>
+      </a:effectRef>
+      <a:fontRef idx="minor"/>
+    </dgm:style>
+  </dgm:styleLbl>
+  <dgm:styleLbl name="parChTrans1D4">
+    <dgm:scene3d>
+      <a:camera prst="orthographicFront"/>
+      <a:lightRig rig="threePt" dir="t"/>
+    </dgm:scene3d>
+    <dgm:txPr/>
+    <dgm:style>
+      <a:lnRef idx="2">
+        <a:scrgbClr r="0" g="0" b="0"/>
+      </a:lnRef>
+      <a:fillRef idx="0">
+        <a:scrgbClr r="0" g="0" b="0"/>
+      </a:fillRef>
+      <a:effectRef idx="0">
+        <a:scrgbClr r="0" g="0" b="0"/>
+      </a:effectRef>
+      <a:fontRef idx="minor"/>
+    </dgm:style>
+  </dgm:styleLbl>
+  <dgm:styleLbl name="parChTrans2D1">
+    <dgm:scene3d>
+      <a:camera prst="orthographicFront"/>
+      <a:lightRig rig="threePt" dir="t"/>
+    </dgm:scene3d>
+    <dgm:txPr/>
+    <dgm:style>
+      <a:lnRef idx="2">
+        <a:scrgbClr r="0" g="0" b="0"/>
+      </a:lnRef>
+      <a:fillRef idx="1">
+        <a:scrgbClr r="0" g="0" b="0"/>
+      </a:fillRef>
+      <a:effectRef idx="0">
+        <a:scrgbClr r="0" g="0" b="0"/>
+      </a:effectRef>
+      <a:fontRef idx="minor">
+        <a:schemeClr val="lt1"/>
+      </a:fontRef>
+    </dgm:style>
+  </dgm:styleLbl>
+  <dgm:styleLbl name="parChTrans2D2">
+    <dgm:scene3d>
+      <a:camera prst="orthographicFront"/>
+      <a:lightRig rig="threePt" dir="t"/>
+    </dgm:scene3d>
+    <dgm:txPr/>
+    <dgm:style>
+      <a:lnRef idx="2">
+        <a:scrgbClr r="0" g="0" b="0"/>
+      </a:lnRef>
+      <a:fillRef idx="1">
+        <a:scrgbClr r="0" g="0" b="0"/>
+      </a:fillRef>
+      <a:effectRef idx="0">
+        <a:scrgbClr r="0" g="0" b="0"/>
+      </a:effectRef>
+      <a:fontRef idx="minor">
+        <a:schemeClr val="lt1"/>
+      </a:fontRef>
+    </dgm:style>
+  </dgm:styleLbl>
+  <dgm:styleLbl name="parChTrans2D3">
+    <dgm:scene3d>
+      <a:camera prst="orthographicFront"/>
+      <a:lightRig rig="threePt" dir="t"/>
+    </dgm:scene3d>
+    <dgm:txPr/>
+    <dgm:style>
+      <a:lnRef idx="2">
+        <a:scrgbClr r="0" g="0" b="0"/>
+      </a:lnRef>
+      <a:fillRef idx="1">
+        <a:scrgbClr r="0" g="0" b="0"/>
+      </a:fillRef>
+      <a:effectRef idx="0">
+        <a:scrgbClr r="0" g="0" b="0"/>
+      </a:effectRef>
+      <a:fontRef idx="minor">
+        <a:schemeClr val="lt1"/>
+      </a:fontRef>
+    </dgm:style>
+  </dgm:styleLbl>
+  <dgm:styleLbl name="parChTrans2D4">
+    <dgm:scene3d>
+      <a:camera prst="orthographicFront"/>
+      <a:lightRig rig="threePt" dir="t"/>
+    </dgm:scene3d>
+    <dgm:txPr/>
+    <dgm:style>
+      <a:lnRef idx="2">
+        <a:scrgbClr r="0" g="0" b="0"/>
+      </a:lnRef>
+      <a:fillRef idx="1">
+        <a:scrgbClr r="0" g="0" b="0"/>
+      </a:fillRef>
+      <a:effectRef idx="0">
+        <a:scrgbClr r="0" g="0" b="0"/>
+      </a:effectRef>
+      <a:fontRef idx="minor">
+        <a:schemeClr val="lt1"/>
+      </a:fontRef>
+    </dgm:style>
+  </dgm:styleLbl>
+  <dgm:styleLbl name="revTx">
+    <dgm:scene3d>
+      <a:camera prst="orthographicFront"/>
+      <a:lightRig rig="threePt" dir="t"/>
+    </dgm:scene3d>
+    <dgm:txPr/>
+    <dgm:style>
+      <a:lnRef idx="0">
+        <a:scrgbClr r="0" g="0" b="0"/>
+      </a:lnRef>
+      <a:fillRef idx="0">
+        <a:scrgbClr r="0" g="0" b="0"/>
+      </a:fillRef>
+      <a:effectRef idx="0">
+        <a:scrgbClr r="0" g="0" b="0"/>
+      </a:effectRef>
+      <a:fontRef idx="minor"/>
+    </dgm:style>
+  </dgm:styleLbl>
+  <dgm:styleLbl name="sibTrans1D1">
+    <dgm:scene3d>
+      <a:camera prst="orthographicFront"/>
+      <a:lightRig rig="threePt" dir="t"/>
+    </dgm:scene3d>
+    <dgm:txPr/>
+    <dgm:style>
+      <a:lnRef idx="1">
+        <a:scrgbClr r="0" g="0" b="0"/>
+      </a:lnRef>
+      <a:fillRef idx="0">
+        <a:scrgbClr r="0" g="0" b="0"/>
+      </a:fillRef>
+      <a:effectRef idx="0">
+        <a:scrgbClr r="0" g="0" b="0"/>
+      </a:effectRef>
+      <a:fontRef idx="minor"/>
+    </dgm:style>
+  </dgm:styleLbl>
+  <dgm:styleLbl name="sibTrans2D1">
+    <dgm:scene3d>
+      <a:camera prst="orthographicFront"/>
+      <a:lightRig rig="threePt" dir="t"/>
+    </dgm:scene3d>
+    <dgm:txPr/>
+    <dgm:style>
+      <a:lnRef idx="0">
+        <a:scrgbClr r="0" g="0" b="0"/>
+      </a:lnRef>
+      <a:fillRef idx="1">
+        <a:scrgbClr r="0" g="0" b="0"/>
+      </a:fillRef>
+      <a:effectRef idx="0">
+        <a:scrgbClr r="0" g="0" b="0"/>
+      </a:effectRef>
+      <a:fontRef idx="minor">
+        <a:schemeClr val="lt1"/>
+      </a:fontRef>
+    </dgm:style>
+  </dgm:styleLbl>
+  <dgm:styleLbl name="solidAlignAcc1">
+    <dgm:scene3d>
+      <a:camera prst="orthographicFront"/>
+      <a:lightRig rig="threePt" dir="t"/>
+    </dgm:scene3d>
+    <dgm:txPr/>
+    <dgm:style>
+      <a:lnRef idx="2">
+        <a:scrgbClr r="0" g="0" b="0"/>
+      </a:lnRef>
+      <a:fillRef idx="1">
+        <a:scrgbClr r="0" g="0" b="0"/>
+      </a:fillRef>
+      <a:effectRef idx="0">
+        <a:scrgbClr r="0" g="0" b="0"/>
+      </a:effectRef>
+      <a:fontRef idx="minor"/>
+    </dgm:style>
+  </dgm:styleLbl>
+  <dgm:styleLbl name="solidBgAcc1">
+    <dgm:scene3d>
+      <a:camera prst="orthographicFront"/>
+      <a:lightRig rig="threePt" dir="t"/>
+    </dgm:scene3d>
+    <dgm:txPr/>
+    <dgm:style>
+      <a:lnRef idx="2">
+        <a:scrgbClr r="0" g="0" b="0"/>
+      </a:lnRef>
+      <a:fillRef idx="1">
+        <a:scrgbClr r="0" g="0" b="0"/>
+      </a:fillRef>
+      <a:effectRef idx="0">
+        <a:scrgbClr r="0" g="0" b="0"/>
+      </a:effectRef>
+      <a:fontRef idx="minor"/>
+    </dgm:style>
+  </dgm:styleLbl>
+  <dgm:styleLbl name="solidFgAcc1">
+    <dgm:scene3d>
+      <a:camera prst="orthographicFront"/>
+      <a:lightRig rig="threePt" dir="t"/>
+    </dgm:scene3d>
+    <dgm:txPr/>
+    <dgm:style>
+      <a:lnRef idx="2">
+        <a:scrgbClr r="0" g="0" b="0"/>
+      </a:lnRef>
+      <a:fillRef idx="1">
+        <a:scrgbClr r="0" g="0" b="0"/>
+      </a:fillRef>
+      <a:effectRef idx="0">
+        <a:scrgbClr r="0" g="0" b="0"/>
+      </a:effectRef>
+      <a:fontRef idx="minor"/>
+    </dgm:style>
+  </dgm:styleLbl>
+  <dgm:styleLbl name="trAlignAcc1">
+    <dgm:scene3d>
+      <a:camera prst="orthographicFront"/>
+      <a:lightRig rig="threePt" dir="t"/>
+    </dgm:scene3d>
+    <dgm:txPr/>
+    <dgm:style>
+      <a:lnRef idx="1">
+        <a:scrgbClr r="0" g="0" b="0"/>
+      </a:lnRef>
+      <a:fillRef idx="1">
+        <a:scrgbClr r="0" g="0" b="0"/>
+      </a:fillRef>
+      <a:effectRef idx="0">
+        <a:scrgbClr r="0" g="0" b="0"/>
+      </a:effectRef>
+      <a:fontRef idx="minor"/>
+    </dgm:style>
+  </dgm:styleLbl>
+  <dgm:styleLbl name="trBgShp">
+    <dgm:scene3d>
+      <a:camera prst="orthographicFront"/>
+      <a:lightRig rig="threePt" dir="t"/>
+    </dgm:scene3d>
+    <dgm:txPr/>
+    <dgm:style>
+      <a:lnRef idx="0">
+        <a:scrgbClr r="0" g="0" b="0"/>
+      </a:lnRef>
+      <a:fillRef idx="1">
+        <a:scrgbClr r="0" g="0" b="0"/>
+      </a:fillRef>
+      <a:effectRef idx="0">
+        <a:scrgbClr r="0" g="0" b="0"/>
+      </a:effectRef>
+      <a:fontRef idx="minor"/>
+    </dgm:style>
+  </dgm:styleLbl>
+  <dgm:styleLbl name="vennNode1">
+    <dgm:scene3d>
+      <a:camera prst="orthographicFront"/>
+      <a:lightRig rig="threePt" dir="t"/>
+    </dgm:scene3d>
+    <dgm:txPr/>
+    <dgm:style>
+      <a:lnRef idx="2">
+        <a:scrgbClr r="0" g="0" b="0"/>
+      </a:lnRef>
+      <a:fillRef idx="1">
+        <a:scrgbClr r="0" g="0" b="0"/>
+      </a:fillRef>
+      <a:effectRef idx="0">
+        <a:scrgbClr r="0" g="0" b="0"/>
+      </a:effectRef>
+      <a:fontRef idx="minor">
+        <a:schemeClr val="tx1"/>
+      </a:fontRef>
+    </dgm:style>
+  </dgm:styleLbl>
+</dgm:styleDef>
 </file>
 
 <file path=ppt/slideLayouts/slideLayout1.xml><?xml version="1.0" encoding="utf-8"?>
@@ -3022,7 +7500,9 @@
           </a:xfrm>
         </p:spPr>
         <p:txBody>
-          <a:bodyPr anchor="ctr" anchorCtr="0"/>
+          <a:bodyPr anchor="ctr" anchorCtr="0">
+            <a:normAutofit/>
+          </a:bodyPr>
           <a:lstStyle/>
           <a:p>
             <a:pPr algn="l"/>
@@ -3033,8 +7513,9 @@
                 </a:solidFill>
                 <a:latin typeface="微软雅黑" panose="020B0503020204020204" charset="-122"/>
                 <a:ea typeface="微软雅黑" panose="020B0503020204020204" charset="-122"/>
+                <a:sym typeface="+mn-ea"/>
               </a:rPr>
-              <a:t>自我评价与体会</a:t>
+              <a:t>活体检测</a:t>
             </a:r>
             <a:endParaRPr lang="zh-CN" altLang="en-US" sz="2500" b="1" dirty="0">
               <a:solidFill>
@@ -3048,14 +7529,14 @@
       </p:sp>
       <p:sp>
         <p:nvSpPr>
-          <p:cNvPr id="3" name="文本框 2"/>
+          <p:cNvPr id="2" name="文本框 1"/>
           <p:cNvSpPr txBox="1"/>
           <p:nvPr/>
         </p:nvSpPr>
         <p:spPr>
           <a:xfrm>
-            <a:off x="838200" y="1319530"/>
-            <a:ext cx="9411335" cy="3744595"/>
+            <a:off x="838200" y="1153160"/>
+            <a:ext cx="9240520" cy="645160"/>
           </a:xfrm>
           <a:prstGeom prst="rect">
             <a:avLst/>
@@ -3067,92 +7548,94 @@
             <a:spAutoFit/>
           </a:bodyPr>
           <a:p>
-            <a:pPr>
-              <a:lnSpc>
-                <a:spcPct val="120000"/>
-              </a:lnSpc>
+            <a:pPr marL="285750" indent="-285750">
+              <a:buFont typeface="Wingdings" panose="05000000000000000000" charset="0"/>
+              <a:buChar char="l"/>
             </a:pPr>
             <a:r>
-              <a:rPr lang="zh-CN" altLang="en-US" dirty="0"/>
-              <a:t>①工作质量：提升工作效率，在有效的时间内用最有效的方式工作，同时不懂的地方要更多地虚心请教同事，细心查阅资料，保证工作的顺利</a:t>
-            </a:r>
-            <a:r>
-              <a:rPr lang="zh-CN" altLang="en-US" dirty="0" smtClean="0"/>
-              <a:t>；</a:t>
-            </a:r>
-            <a:endParaRPr lang="zh-CN" altLang="en-US" dirty="0"/>
-          </a:p>
-          <a:p>
-            <a:pPr>
-              <a:lnSpc>
-                <a:spcPct val="120000"/>
-              </a:lnSpc>
+              <a:rPr lang="zh-CN" altLang="en-US"/>
+              <a:t>检测视频，进行视频抽帧，判断是否为活体。检测视频中是否有人脸。</a:t>
+            </a:r>
+            <a:endParaRPr lang="zh-CN" altLang="en-US"/>
+          </a:p>
+          <a:p>
+            <a:pPr marL="285750" indent="-285750">
+              <a:buFont typeface="Wingdings" panose="05000000000000000000" charset="0"/>
+              <a:buChar char="l"/>
             </a:pPr>
-            <a:endParaRPr lang="zh-CN" altLang="en-US" dirty="0"/>
-          </a:p>
-          <a:p>
-            <a:pPr>
-              <a:lnSpc>
-                <a:spcPct val="120000"/>
-              </a:lnSpc>
-            </a:pPr>
-            <a:r>
-              <a:rPr lang="zh-CN" altLang="en-US" dirty="0"/>
-              <a:t>②思考不足：在进行每一项工作之前，认真分析工作内容，对于工作中可能出现的一些疑问，要先做好应对措施，另外对于工作中出现的问题要及时总结；</a:t>
-            </a:r>
-            <a:endParaRPr lang="zh-CN" altLang="en-US" dirty="0"/>
-          </a:p>
-          <a:p>
-            <a:pPr>
-              <a:lnSpc>
-                <a:spcPct val="120000"/>
-              </a:lnSpc>
-            </a:pPr>
-            <a:endParaRPr lang="zh-CN" altLang="en-US" dirty="0"/>
-          </a:p>
-          <a:p>
-            <a:pPr>
-              <a:lnSpc>
-                <a:spcPct val="120000"/>
-              </a:lnSpc>
-            </a:pPr>
-            <a:r>
-              <a:rPr lang="zh-CN" altLang="en-US" dirty="0"/>
-              <a:t>③业务知识：工作中出现的问题，归根结底还是因为对相关领域知识的了解不足导致的，因此平日里要更多地注重业务知识的积累，多看多听多想</a:t>
-            </a:r>
-            <a:r>
-              <a:rPr lang="zh-CN" altLang="en-US" dirty="0" smtClean="0"/>
-              <a:t>；</a:t>
-            </a:r>
-            <a:endParaRPr lang="zh-CN" altLang="en-US" dirty="0"/>
-          </a:p>
-          <a:p>
-            <a:pPr>
-              <a:lnSpc>
-                <a:spcPct val="120000"/>
-              </a:lnSpc>
-            </a:pPr>
-            <a:endParaRPr lang="zh-CN" altLang="en-US" dirty="0"/>
-          </a:p>
-          <a:p>
-            <a:pPr>
-              <a:lnSpc>
-                <a:spcPct val="120000"/>
-              </a:lnSpc>
-            </a:pPr>
-            <a:r>
-              <a:rPr lang="zh-CN" altLang="en-US" dirty="0"/>
-              <a:t>④缺乏积极主动性：积极主动地完成交代下来的工作，并且当交代下来的工作完成时，应该主动询问是否有其他的需要，并主动地进行测试方面知识的学习与完善</a:t>
-            </a:r>
-            <a:endParaRPr lang="zh-CN" altLang="en-US" dirty="0"/>
+            <a:r>
+              <a:rPr lang="zh-CN" altLang="en-US"/>
+              <a:t>可以和语音一起检测。</a:t>
+            </a:r>
+            <a:endParaRPr lang="zh-CN" altLang="en-US"/>
           </a:p>
         </p:txBody>
       </p:sp>
+      <p:graphicFrame>
+        <p:nvGraphicFramePr>
+          <p:cNvPr id="3" name="对象 2">
+            <a:hlinkClick r:id="" action="ppaction://ole?verb="/>
+          </p:cNvPr>
+          <p:cNvGraphicFramePr>
+            <a:graphicFrameLocks noChangeAspect="1"/>
+          </p:cNvGraphicFramePr>
+          <p:nvPr/>
+        </p:nvGraphicFramePr>
+        <p:xfrm>
+          <a:off x="7735570" y="4911090"/>
+          <a:ext cx="3599180" cy="1094105"/>
+        </p:xfrm>
+        <a:graphic>
+          <a:graphicData uri="http://schemas.openxmlformats.org/presentationml/2006/ole">
+            <mc:AlternateContent xmlns:mc="http://schemas.openxmlformats.org/markup-compatibility/2006">
+              <mc:Choice xmlns:v="urn:schemas-microsoft-com:vml" Requires="v">
+                <p:oleObj spid="_x0000_s5121" name="" r:id="rId1" imgW="1818640" imgH="565150" progId="Package">
+                  <p:embed/>
+                </p:oleObj>
+              </mc:Choice>
+              <mc:Fallback>
+                <p:oleObj name="" r:id="rId1" imgW="1818640" imgH="565150" progId="Package">
+                  <p:embed/>
+                  <p:pic>
+                    <p:nvPicPr>
+                      <p:cNvPr id="0" name="图片 5120"/>
+                      <p:cNvPicPr/>
+                      <p:nvPr/>
+                    </p:nvPicPr>
+                    <p:blipFill>
+                      <a:blip r:embed="rId2"/>
+                      <a:stretch>
+                        <a:fillRect/>
+                      </a:stretch>
+                    </p:blipFill>
+                    <p:spPr>
+                      <a:xfrm>
+                        <a:off x="7735570" y="4911090"/>
+                        <a:ext cx="3599180" cy="1094105"/>
+                      </a:xfrm>
+                      <a:prstGeom prst="rect">
+                        <a:avLst/>
+                      </a:prstGeom>
+                    </p:spPr>
+                  </p:pic>
+                </p:oleObj>
+              </mc:Fallback>
+            </mc:AlternateContent>
+          </a:graphicData>
+        </a:graphic>
+      </p:graphicFrame>
     </p:spTree>
   </p:cSld>
   <p:clrMapOvr>
     <a:masterClrMapping/>
   </p:clrMapOvr>
+  <p:timing>
+    <p:tnLst>
+      <p:par>
+        <p:cTn id="1" dur="indefinite" restart="never" nodeType="tmRoot"/>
+      </p:par>
+    </p:tnLst>
+  </p:timing>
 </p:sld>
 </file>
 
@@ -3230,14 +7713,12 @@
           </a:xfrm>
         </p:spPr>
         <p:txBody>
-          <a:bodyPr anchor="ctr" anchorCtr="0"/>
+          <a:bodyPr anchor="ctr" anchorCtr="0">
+            <a:normAutofit/>
+          </a:bodyPr>
           <a:lstStyle/>
           <a:p>
-            <a:pPr algn="l">
-              <a:buClrTx/>
-              <a:buSzTx/>
-              <a:buFontTx/>
-            </a:pPr>
+            <a:pPr algn="l"/>
             <a:r>
               <a:rPr lang="zh-CN" altLang="en-US" sz="2500" b="1" dirty="0">
                 <a:solidFill>
@@ -3247,7 +7728,7 @@
                 <a:ea typeface="微软雅黑" panose="020B0503020204020204" charset="-122"/>
                 <a:sym typeface="+mn-ea"/>
               </a:rPr>
-              <a:t>意见&amp;建议</a:t>
+              <a:t>身份验证</a:t>
             </a:r>
             <a:endParaRPr lang="zh-CN" altLang="en-US" sz="2500" b="1" dirty="0">
               <a:solidFill>
@@ -3268,7 +7749,7 @@
         <p:spPr>
           <a:xfrm>
             <a:off x="838200" y="1319530"/>
-            <a:ext cx="9658985" cy="4048125"/>
+            <a:ext cx="9411335" cy="1087755"/>
           </a:xfrm>
           <a:prstGeom prst="rect">
             <a:avLst/>
@@ -3280,125 +7761,88 @@
             <a:spAutoFit/>
           </a:bodyPr>
           <a:p>
-            <a:pPr>
+            <a:pPr marL="285750" indent="-285750">
               <a:lnSpc>
-                <a:spcPct val="130000"/>
+                <a:spcPct val="120000"/>
               </a:lnSpc>
+              <a:buFont typeface="Wingdings" panose="05000000000000000000" charset="0"/>
+              <a:buChar char="l"/>
             </a:pPr>
             <a:r>
               <a:rPr lang="zh-CN" altLang="en-US" dirty="0"/>
-              <a:t>①  进行需求评审并给出详细需求说明书（尽可能的明确需求，尽可能的详尽需求说明书内容）</a:t>
+              <a:t>除了头像图片外，还需要身份证号和用户姓名！与公安小图相似度可能性，用于验证生活照与公安小图是否为同一人。</a:t>
             </a:r>
             <a:endParaRPr lang="zh-CN" altLang="en-US" dirty="0"/>
           </a:p>
           <a:p>
-            <a:pPr>
+            <a:pPr marL="285750" indent="-285750">
               <a:lnSpc>
-                <a:spcPct val="130000"/>
+                <a:spcPct val="120000"/>
               </a:lnSpc>
+              <a:buFont typeface="Wingdings" panose="05000000000000000000" charset="0"/>
+              <a:buChar char="l"/>
             </a:pPr>
-            <a:endParaRPr lang="zh-CN" altLang="en-US" dirty="0"/>
-          </a:p>
-          <a:p>
-            <a:pPr>
-              <a:lnSpc>
-                <a:spcPct val="130000"/>
-              </a:lnSpc>
-            </a:pPr>
             <a:r>
               <a:rPr lang="zh-CN" altLang="en-US" dirty="0"/>
-              <a:t>②  增加测试用例的评审</a:t>
-            </a:r>
-            <a:endParaRPr lang="zh-CN" altLang="en-US" dirty="0"/>
-          </a:p>
-          <a:p>
-            <a:pPr>
-              <a:lnSpc>
-                <a:spcPct val="130000"/>
-              </a:lnSpc>
-            </a:pPr>
-            <a:endParaRPr lang="zh-CN" altLang="en-US" dirty="0"/>
-          </a:p>
-          <a:p>
-            <a:pPr>
-              <a:lnSpc>
-                <a:spcPct val="130000"/>
-              </a:lnSpc>
-            </a:pPr>
-            <a:r>
-              <a:rPr lang="zh-CN" altLang="en-US" dirty="0"/>
-              <a:t>③  开发组要提供开发计划（计划如有变更，尽早地通知）</a:t>
-            </a:r>
-            <a:endParaRPr lang="zh-CN" altLang="en-US" dirty="0"/>
-          </a:p>
-          <a:p>
-            <a:pPr>
-              <a:lnSpc>
-                <a:spcPct val="130000"/>
-              </a:lnSpc>
-            </a:pPr>
-            <a:endParaRPr lang="zh-CN" altLang="en-US" dirty="0"/>
-          </a:p>
-          <a:p>
-            <a:pPr>
-              <a:lnSpc>
-                <a:spcPct val="130000"/>
-              </a:lnSpc>
-            </a:pPr>
-            <a:r>
-              <a:rPr lang="zh-CN" altLang="en-US" dirty="0"/>
-              <a:t>④  组织一下测试技能方面的培训（一些常用的测试工具）</a:t>
-            </a:r>
-            <a:endParaRPr lang="zh-CN" altLang="en-US" dirty="0"/>
-          </a:p>
-          <a:p>
-            <a:pPr>
-              <a:lnSpc>
-                <a:spcPct val="130000"/>
-              </a:lnSpc>
-            </a:pPr>
-            <a:endParaRPr lang="zh-CN" altLang="en-US" dirty="0"/>
-          </a:p>
-          <a:p>
-            <a:pPr marL="342900" indent="-342900">
-              <a:lnSpc>
-                <a:spcPct val="130000"/>
-              </a:lnSpc>
-              <a:buFont typeface="+mj-ea"/>
-              <a:buAutoNum type="circleNumDbPlain" startAt="5"/>
-            </a:pPr>
-            <a:r>
-              <a:rPr lang="zh-CN" altLang="en-US" dirty="0"/>
-              <a:t>在项目进入开发阶段之前进行交互稿的评审</a:t>
-            </a:r>
-            <a:endParaRPr lang="zh-CN" altLang="en-US" dirty="0"/>
-          </a:p>
-          <a:p>
-            <a:pPr marL="342900" indent="-342900">
-              <a:lnSpc>
-                <a:spcPct val="130000"/>
-              </a:lnSpc>
-              <a:buFont typeface="+mj-ea"/>
-              <a:buAutoNum type="circleNumDbPlain" startAt="5"/>
-            </a:pPr>
-            <a:endParaRPr lang="zh-CN" altLang="en-US" dirty="0"/>
-          </a:p>
-          <a:p>
-            <a:pPr marL="342900" indent="-342900">
-              <a:lnSpc>
-                <a:spcPct val="130000"/>
-              </a:lnSpc>
-              <a:buFont typeface="+mj-ea"/>
-              <a:buAutoNum type="circleNumDbPlain" startAt="5"/>
-            </a:pPr>
-            <a:r>
-              <a:rPr lang="zh-CN" altLang="en-US" dirty="0"/>
-              <a:t>改善用户手册模板（客户理解性不是很强）</a:t>
+              <a:t>企业认证后才能用，个人是没有权限的。</a:t>
             </a:r>
             <a:endParaRPr lang="zh-CN" altLang="en-US" dirty="0"/>
           </a:p>
         </p:txBody>
       </p:sp>
+      <p:graphicFrame>
+        <p:nvGraphicFramePr>
+          <p:cNvPr id="2" name="对象 1">
+            <a:hlinkClick r:id="" action="ppaction://ole?verb="/>
+          </p:cNvPr>
+          <p:cNvGraphicFramePr>
+            <a:graphicFrameLocks noChangeAspect="1"/>
+          </p:cNvGraphicFramePr>
+          <p:nvPr/>
+        </p:nvGraphicFramePr>
+        <p:xfrm>
+          <a:off x="8284845" y="5012055"/>
+          <a:ext cx="3049905" cy="1000125"/>
+        </p:xfrm>
+        <a:graphic>
+          <a:graphicData uri="http://schemas.openxmlformats.org/presentationml/2006/ole">
+            <mc:AlternateContent xmlns:mc="http://schemas.openxmlformats.org/markup-compatibility/2006">
+              <mc:Choice xmlns:v="urn:schemas-microsoft-com:vml" Requires="v">
+                <p:oleObj spid="_x0000_s6145" name="" r:id="rId1" imgW="1684655" imgH="565150" progId="Package">
+                  <p:embed/>
+                </p:oleObj>
+              </mc:Choice>
+              <mc:Fallback>
+                <p:oleObj name="" r:id="rId1" imgW="1684655" imgH="565150" progId="Package">
+                  <p:embed/>
+                  <p:pic>
+                    <p:nvPicPr>
+                      <p:cNvPr id="0" name="图片 6144"/>
+                      <p:cNvPicPr/>
+                      <p:nvPr/>
+                    </p:nvPicPr>
+                    <p:blipFill>
+                      <a:blip r:embed="rId2"/>
+                      <a:stretch>
+                        <a:fillRect/>
+                      </a:stretch>
+                    </p:blipFill>
+                    <p:spPr>
+                      <a:xfrm>
+                        <a:off x="8284845" y="5012055"/>
+                        <a:ext cx="3049905" cy="1000125"/>
+                      </a:xfrm>
+                      <a:prstGeom prst="rect">
+                        <a:avLst/>
+                      </a:prstGeom>
+                    </p:spPr>
+                  </p:pic>
+                </p:oleObj>
+              </mc:Fallback>
+            </mc:AlternateContent>
+          </a:graphicData>
+        </a:graphic>
+      </p:graphicFrame>
     </p:spTree>
   </p:cSld>
   <p:clrMapOvr>
@@ -3408,6 +7852,444 @@
 </file>
 
 <file path=ppt/slides/slide12.xml><?xml version="1.0" encoding="utf-8"?>
+<p:sld xmlns:a="http://schemas.openxmlformats.org/drawingml/2006/main" xmlns:r="http://schemas.openxmlformats.org/officeDocument/2006/relationships" xmlns:p="http://schemas.openxmlformats.org/presentationml/2006/main">
+  <p:cSld>
+    <p:spTree>
+      <p:nvGrpSpPr>
+        <p:cNvPr id="1" name=""/>
+        <p:cNvGrpSpPr/>
+        <p:nvPr/>
+      </p:nvGrpSpPr>
+      <p:grpSpPr>
+        <a:xfrm>
+          <a:off x="0" y="0"/>
+          <a:ext cx="0" cy="0"/>
+          <a:chOff x="0" y="0"/>
+          <a:chExt cx="0" cy="0"/>
+        </a:xfrm>
+      </p:grpSpPr>
+      <p:sp>
+        <p:nvSpPr>
+          <p:cNvPr id="7" name="文本框 6"/>
+          <p:cNvSpPr txBox="1"/>
+          <p:nvPr/>
+        </p:nvSpPr>
+        <p:spPr>
+          <a:xfrm>
+            <a:off x="11334750" y="6398895"/>
+            <a:ext cx="323850" cy="245110"/>
+          </a:xfrm>
+          <a:prstGeom prst="rect">
+            <a:avLst/>
+          </a:prstGeom>
+          <a:noFill/>
+        </p:spPr>
+        <p:txBody>
+          <a:bodyPr wrap="none" rtlCol="0">
+            <a:spAutoFit/>
+          </a:bodyPr>
+          <a:lstStyle/>
+          <a:p>
+            <a:r>
+              <a:rPr lang="en-US" altLang="zh-CN" sz="1000">
+                <a:solidFill>
+                  <a:srgbClr val="ED6C00"/>
+                </a:solidFill>
+                <a:latin typeface="Arial" panose="020B0604020202020204" pitchFamily="34" charset="0"/>
+              </a:rPr>
+              <a:t>02</a:t>
+            </a:r>
+            <a:endParaRPr lang="en-US" altLang="zh-CN" sz="1000">
+              <a:solidFill>
+                <a:srgbClr val="ED6C00"/>
+              </a:solidFill>
+              <a:latin typeface="Arial" panose="020B0604020202020204" pitchFamily="34" charset="0"/>
+            </a:endParaRPr>
+          </a:p>
+        </p:txBody>
+      </p:sp>
+      <p:sp>
+        <p:nvSpPr>
+          <p:cNvPr id="8" name="标题 7"/>
+          <p:cNvSpPr>
+            <a:spLocks noGrp="1"/>
+          </p:cNvSpPr>
+          <p:nvPr>
+            <p:ph type="title"/>
+          </p:nvPr>
+        </p:nvSpPr>
+        <p:spPr>
+          <a:xfrm>
+            <a:off x="838200" y="347980"/>
+            <a:ext cx="7988935" cy="805180"/>
+          </a:xfrm>
+        </p:spPr>
+        <p:txBody>
+          <a:bodyPr anchor="ctr" anchorCtr="0">
+            <a:normAutofit/>
+          </a:bodyPr>
+          <a:lstStyle/>
+          <a:p>
+            <a:pPr algn="l">
+              <a:buClrTx/>
+              <a:buSzTx/>
+              <a:buFontTx/>
+            </a:pPr>
+            <a:r>
+              <a:rPr lang="zh-CN" altLang="en-US" sz="2500" b="1" dirty="0">
+                <a:solidFill>
+                  <a:srgbClr val="ED6C00"/>
+                </a:solidFill>
+                <a:latin typeface="微软雅黑" panose="020B0503020204020204" charset="-122"/>
+                <a:ea typeface="微软雅黑" panose="020B0503020204020204" charset="-122"/>
+                <a:sym typeface="+mn-ea"/>
+              </a:rPr>
+              <a:t>人脸融合</a:t>
+            </a:r>
+            <a:endParaRPr lang="zh-CN" altLang="en-US" sz="2500" b="1" dirty="0">
+              <a:solidFill>
+                <a:srgbClr val="ED6C00"/>
+              </a:solidFill>
+              <a:latin typeface="微软雅黑" panose="020B0503020204020204" charset="-122"/>
+              <a:ea typeface="微软雅黑" panose="020B0503020204020204" charset="-122"/>
+            </a:endParaRPr>
+          </a:p>
+        </p:txBody>
+      </p:sp>
+      <p:sp>
+        <p:nvSpPr>
+          <p:cNvPr id="3" name="文本框 2"/>
+          <p:cNvSpPr txBox="1"/>
+          <p:nvPr/>
+        </p:nvSpPr>
+        <p:spPr>
+          <a:xfrm>
+            <a:off x="838200" y="1319530"/>
+            <a:ext cx="9658985" cy="1170305"/>
+          </a:xfrm>
+          <a:prstGeom prst="rect">
+            <a:avLst/>
+          </a:prstGeom>
+          <a:noFill/>
+        </p:spPr>
+        <p:txBody>
+          <a:bodyPr wrap="square" rtlCol="0">
+            <a:spAutoFit/>
+          </a:bodyPr>
+          <a:p>
+            <a:pPr marL="285750" indent="-285750">
+              <a:lnSpc>
+                <a:spcPct val="130000"/>
+              </a:lnSpc>
+              <a:buFont typeface="Wingdings" panose="05000000000000000000" charset="0"/>
+              <a:buChar char="l"/>
+            </a:pPr>
+            <a:r>
+              <a:rPr lang="en-US" altLang="zh-CN" dirty="0"/>
+              <a:t>两张人脸图片进行融合，输出一张融合后的人脸</a:t>
+            </a:r>
+            <a:r>
+              <a:rPr lang="zh-CN" altLang="en-US" dirty="0"/>
+              <a:t>。</a:t>
+            </a:r>
+            <a:endParaRPr lang="en-US" altLang="zh-CN" dirty="0"/>
+          </a:p>
+          <a:p>
+            <a:pPr marL="285750" indent="-285750">
+              <a:lnSpc>
+                <a:spcPct val="130000"/>
+              </a:lnSpc>
+              <a:buFont typeface="Wingdings" panose="05000000000000000000" charset="0"/>
+              <a:buChar char="l"/>
+            </a:pPr>
+            <a:r>
+              <a:rPr lang="en-US" altLang="zh-CN" dirty="0"/>
+              <a:t>SDK</a:t>
+            </a:r>
+            <a:r>
+              <a:rPr lang="zh-CN" altLang="en-US" dirty="0"/>
+              <a:t>中没有直接</a:t>
+            </a:r>
+            <a:r>
+              <a:rPr lang="en-US" altLang="zh-CN" dirty="0"/>
+              <a:t>HTTP API Wrapper </a:t>
+            </a:r>
+            <a:r>
+              <a:rPr lang="zh-CN" altLang="en-US" dirty="0"/>
+              <a:t>。</a:t>
+            </a:r>
+            <a:endParaRPr lang="en-US" altLang="zh-CN" dirty="0"/>
+          </a:p>
+          <a:p>
+            <a:pPr marL="285750" indent="-285750">
+              <a:lnSpc>
+                <a:spcPct val="130000"/>
+              </a:lnSpc>
+              <a:buFont typeface="Wingdings" panose="05000000000000000000" charset="0"/>
+              <a:buChar char="l"/>
+            </a:pPr>
+            <a:r>
+              <a:rPr lang="zh-CN" altLang="en-US" dirty="0"/>
+              <a:t>没有权限。</a:t>
+            </a:r>
+            <a:endParaRPr lang="zh-CN" altLang="en-US" dirty="0"/>
+          </a:p>
+        </p:txBody>
+      </p:sp>
+      <p:graphicFrame>
+        <p:nvGraphicFramePr>
+          <p:cNvPr id="2" name="对象 1">
+            <a:hlinkClick r:id="" action="ppaction://ole?verb="/>
+          </p:cNvPr>
+          <p:cNvGraphicFramePr>
+            <a:graphicFrameLocks noChangeAspect="1"/>
+          </p:cNvGraphicFramePr>
+          <p:nvPr/>
+        </p:nvGraphicFramePr>
+        <p:xfrm>
+          <a:off x="9016365" y="5126990"/>
+          <a:ext cx="2318385" cy="1075055"/>
+        </p:xfrm>
+        <a:graphic>
+          <a:graphicData uri="http://schemas.openxmlformats.org/presentationml/2006/ole">
+            <mc:AlternateContent xmlns:mc="http://schemas.openxmlformats.org/markup-compatibility/2006">
+              <mc:Choice xmlns:v="urn:schemas-microsoft-com:vml" Requires="v">
+                <p:oleObj spid="_x0000_s7169" name="" r:id="rId1" imgW="1191895" imgH="565150" progId="Package">
+                  <p:embed/>
+                </p:oleObj>
+              </mc:Choice>
+              <mc:Fallback>
+                <p:oleObj name="" r:id="rId1" imgW="1191895" imgH="565150" progId="Package">
+                  <p:embed/>
+                  <p:pic>
+                    <p:nvPicPr>
+                      <p:cNvPr id="0" name="图片 7168"/>
+                      <p:cNvPicPr/>
+                      <p:nvPr/>
+                    </p:nvPicPr>
+                    <p:blipFill>
+                      <a:blip r:embed="rId2"/>
+                      <a:stretch>
+                        <a:fillRect/>
+                      </a:stretch>
+                    </p:blipFill>
+                    <p:spPr>
+                      <a:xfrm>
+                        <a:off x="9016365" y="5126990"/>
+                        <a:ext cx="2318385" cy="1075055"/>
+                      </a:xfrm>
+                      <a:prstGeom prst="rect">
+                        <a:avLst/>
+                      </a:prstGeom>
+                    </p:spPr>
+                  </p:pic>
+                </p:oleObj>
+              </mc:Fallback>
+            </mc:AlternateContent>
+          </a:graphicData>
+        </a:graphic>
+      </p:graphicFrame>
+    </p:spTree>
+  </p:cSld>
+  <p:clrMapOvr>
+    <a:masterClrMapping/>
+  </p:clrMapOvr>
+</p:sld>
+</file>
+
+<file path=ppt/slides/slide13.xml><?xml version="1.0" encoding="utf-8"?>
+<p:sld xmlns:a="http://schemas.openxmlformats.org/drawingml/2006/main" xmlns:r="http://schemas.openxmlformats.org/officeDocument/2006/relationships" xmlns:p="http://schemas.openxmlformats.org/presentationml/2006/main">
+  <p:cSld>
+    <p:spTree>
+      <p:nvGrpSpPr>
+        <p:cNvPr id="1" name=""/>
+        <p:cNvGrpSpPr/>
+        <p:nvPr/>
+      </p:nvGrpSpPr>
+      <p:grpSpPr>
+        <a:xfrm>
+          <a:off x="0" y="0"/>
+          <a:ext cx="0" cy="0"/>
+          <a:chOff x="0" y="0"/>
+          <a:chExt cx="0" cy="0"/>
+        </a:xfrm>
+      </p:grpSpPr>
+      <p:sp>
+        <p:nvSpPr>
+          <p:cNvPr id="7" name="文本框 6"/>
+          <p:cNvSpPr txBox="1"/>
+          <p:nvPr/>
+        </p:nvSpPr>
+        <p:spPr>
+          <a:xfrm>
+            <a:off x="11334750" y="6398895"/>
+            <a:ext cx="323850" cy="245110"/>
+          </a:xfrm>
+          <a:prstGeom prst="rect">
+            <a:avLst/>
+          </a:prstGeom>
+          <a:noFill/>
+        </p:spPr>
+        <p:txBody>
+          <a:bodyPr wrap="none" rtlCol="0">
+            <a:spAutoFit/>
+          </a:bodyPr>
+          <a:lstStyle/>
+          <a:p>
+            <a:r>
+              <a:rPr lang="en-US" altLang="zh-CN" sz="1000">
+                <a:solidFill>
+                  <a:srgbClr val="ED6C00"/>
+                </a:solidFill>
+                <a:latin typeface="Arial" panose="020B0604020202020204" pitchFamily="34" charset="0"/>
+              </a:rPr>
+              <a:t>02</a:t>
+            </a:r>
+            <a:endParaRPr lang="en-US" altLang="zh-CN" sz="1000">
+              <a:solidFill>
+                <a:srgbClr val="ED6C00"/>
+              </a:solidFill>
+              <a:latin typeface="Arial" panose="020B0604020202020204" pitchFamily="34" charset="0"/>
+            </a:endParaRPr>
+          </a:p>
+        </p:txBody>
+      </p:sp>
+      <p:sp>
+        <p:nvSpPr>
+          <p:cNvPr id="8" name="标题 7"/>
+          <p:cNvSpPr>
+            <a:spLocks noGrp="1"/>
+          </p:cNvSpPr>
+          <p:nvPr>
+            <p:ph type="title"/>
+          </p:nvPr>
+        </p:nvSpPr>
+        <p:spPr>
+          <a:xfrm>
+            <a:off x="838200" y="347980"/>
+            <a:ext cx="7988935" cy="805180"/>
+          </a:xfrm>
+        </p:spPr>
+        <p:txBody>
+          <a:bodyPr anchor="ctr" anchorCtr="0">
+            <a:normAutofit/>
+          </a:bodyPr>
+          <a:lstStyle/>
+          <a:p>
+            <a:pPr algn="l">
+              <a:buClrTx/>
+              <a:buSzTx/>
+              <a:buFontTx/>
+            </a:pPr>
+            <a:r>
+              <a:rPr lang="zh-CN" altLang="en-US" sz="2500" b="1" dirty="0">
+                <a:solidFill>
+                  <a:srgbClr val="ED6C00"/>
+                </a:solidFill>
+                <a:latin typeface="微软雅黑" panose="020B0503020204020204" charset="-122"/>
+                <a:ea typeface="微软雅黑" panose="020B0503020204020204" charset="-122"/>
+                <a:sym typeface="+mn-ea"/>
+              </a:rPr>
+              <a:t>实际应用</a:t>
+            </a:r>
+            <a:endParaRPr lang="zh-CN" altLang="en-US" sz="2500" b="1" dirty="0">
+              <a:solidFill>
+                <a:srgbClr val="ED6C00"/>
+              </a:solidFill>
+              <a:latin typeface="微软雅黑" panose="020B0503020204020204" charset="-122"/>
+              <a:ea typeface="微软雅黑" panose="020B0503020204020204" charset="-122"/>
+            </a:endParaRPr>
+          </a:p>
+        </p:txBody>
+      </p:sp>
+      <p:graphicFrame>
+        <p:nvGraphicFramePr>
+          <p:cNvPr id="2" name="对象 1">
+            <a:hlinkClick r:id="" action="ppaction://ole?verb="/>
+          </p:cNvPr>
+          <p:cNvGraphicFramePr>
+            <a:graphicFrameLocks noChangeAspect="1"/>
+          </p:cNvGraphicFramePr>
+          <p:nvPr/>
+        </p:nvGraphicFramePr>
+        <p:xfrm>
+          <a:off x="9016365" y="5126990"/>
+          <a:ext cx="2318385" cy="1075055"/>
+        </p:xfrm>
+        <a:graphic>
+          <a:graphicData uri="http://schemas.openxmlformats.org/presentationml/2006/ole">
+            <mc:AlternateContent xmlns:mc="http://schemas.openxmlformats.org/markup-compatibility/2006">
+              <mc:Choice xmlns:v="urn:schemas-microsoft-com:vml" Requires="v">
+                <p:oleObj spid="_x0000_s7169" name="" r:id="rId1" imgW="1191895" imgH="565150" progId="Package">
+                  <p:embed/>
+                </p:oleObj>
+              </mc:Choice>
+              <mc:Fallback>
+                <p:oleObj name="" r:id="rId1" imgW="1191895" imgH="565150" progId="Package">
+                  <p:embed/>
+                  <p:pic>
+                    <p:nvPicPr>
+                      <p:cNvPr id="0" name="图片 7168"/>
+                      <p:cNvPicPr/>
+                      <p:nvPr/>
+                    </p:nvPicPr>
+                    <p:blipFill>
+                      <a:blip r:embed="rId2"/>
+                      <a:stretch>
+                        <a:fillRect/>
+                      </a:stretch>
+                    </p:blipFill>
+                    <p:spPr>
+                      <a:xfrm>
+                        <a:off x="9016365" y="5126990"/>
+                        <a:ext cx="2318385" cy="1075055"/>
+                      </a:xfrm>
+                      <a:prstGeom prst="rect">
+                        <a:avLst/>
+                      </a:prstGeom>
+                    </p:spPr>
+                  </p:pic>
+                </p:oleObj>
+              </mc:Fallback>
+            </mc:AlternateContent>
+          </a:graphicData>
+        </a:graphic>
+      </p:graphicFrame>
+      <p:pic>
+        <p:nvPicPr>
+          <p:cNvPr id="4" name="图片 3">
+            <a:hlinkClick r:id="rId3" tooltip="" action="ppaction://hlinkfile"/>
+          </p:cNvPr>
+          <p:cNvPicPr>
+            <a:picLocks noChangeAspect="1"/>
+          </p:cNvPicPr>
+          <p:nvPr/>
+        </p:nvPicPr>
+        <p:blipFill>
+          <a:blip r:embed="rId4"/>
+          <a:stretch>
+            <a:fillRect/>
+          </a:stretch>
+        </p:blipFill>
+        <p:spPr>
+          <a:xfrm>
+            <a:off x="838200" y="1333500"/>
+            <a:ext cx="2257425" cy="4191000"/>
+          </a:xfrm>
+          <a:prstGeom prst="rect">
+            <a:avLst/>
+          </a:prstGeom>
+        </p:spPr>
+      </p:pic>
+    </p:spTree>
+  </p:cSld>
+  <p:clrMapOvr>
+    <a:masterClrMapping/>
+  </p:clrMapOvr>
+</p:sld>
+</file>
+
+<file path=ppt/slides/slide14.xml><?xml version="1.0" encoding="utf-8"?>
 <p:sld xmlns:a="http://schemas.openxmlformats.org/drawingml/2006/main" xmlns:r="http://schemas.openxmlformats.org/officeDocument/2006/relationships" xmlns:p="http://schemas.openxmlformats.org/presentationml/2006/main">
   <p:cSld>
     <p:spTree>
@@ -3537,7 +8419,7 @@
                   <a:latin typeface="微软雅黑" panose="020B0503020204020204" charset="-122"/>
                   <a:ea typeface="微软雅黑" panose="020B0503020204020204" charset="-122"/>
                 </a:rPr>
-                <a:t>2019.05.23</a:t>
+                <a:t>2019.07.16</a:t>
               </a:r>
               <a:endParaRPr lang="en-US" sz="2500" dirty="0" smtClean="0">
                 <a:solidFill>
@@ -3581,7 +8463,7 @@
                   <a:ea typeface="微软雅黑" panose="020B0503020204020204" charset="-122"/>
                   <a:sym typeface="+mn-ea"/>
                 </a:rPr>
-                <a:t>技术研发中心 燕梦楠</a:t>
+                <a:t>技术研发中心 朱顺源</a:t>
               </a:r>
               <a:endParaRPr lang="zh-CN" altLang="zh-CN" sz="2500" dirty="0" smtClean="0">
                 <a:solidFill>
@@ -3719,7 +8601,7 @@
         </p:spPr>
         <p:txBody>
           <a:bodyPr>
-            <a:normAutofit fontScale="90000"/>
+            <a:normAutofit/>
           </a:bodyPr>
           <a:lstStyle/>
           <a:p>
@@ -3815,7 +8697,7 @@
                 <a:latin typeface="微软雅黑" panose="020B0503020204020204" charset="-122"/>
                 <a:ea typeface="微软雅黑" panose="020B0503020204020204" charset="-122"/>
               </a:rPr>
-              <a:t>下载和基础概念</a:t>
+              <a:t>下载</a:t>
             </a:r>
             <a:endParaRPr lang="zh-CN" altLang="en-US" sz="2000" dirty="0" smtClean="0">
               <a:solidFill>
@@ -3897,33 +8779,7 @@
                 <a:latin typeface="微软雅黑" panose="020B0503020204020204" charset="-122"/>
                 <a:ea typeface="微软雅黑" panose="020B0503020204020204" charset="-122"/>
               </a:rPr>
-              <a:t>实现应用（实际可应用的项目）</a:t>
-            </a:r>
-            <a:endParaRPr lang="en-US" altLang="zh-CN" sz="2000" dirty="0" smtClean="0">
-              <a:solidFill>
-                <a:srgbClr val="292929"/>
-              </a:solidFill>
-              <a:latin typeface="微软雅黑" panose="020B0503020204020204" charset="-122"/>
-              <a:ea typeface="微软雅黑" panose="020B0503020204020204" charset="-122"/>
-            </a:endParaRPr>
-          </a:p>
-          <a:p>
-            <a:pPr marL="342900" indent="-342900" algn="l">
-              <a:lnSpc>
-                <a:spcPct val="300000"/>
-              </a:lnSpc>
-              <a:buFont typeface="Wingdings" panose="05000000000000000000" pitchFamily="2" charset="2"/>
-              <a:buChar char="l"/>
-            </a:pPr>
-            <a:r>
-              <a:rPr lang="zh-CN" altLang="en-US" sz="2000" dirty="0">
-                <a:solidFill>
-                  <a:srgbClr val="292929"/>
-                </a:solidFill>
-                <a:latin typeface="微软雅黑" panose="020B0503020204020204" charset="-122"/>
-                <a:ea typeface="微软雅黑" panose="020B0503020204020204" charset="-122"/>
-              </a:rPr>
-              <a:t>注意事项</a:t>
+              <a:t>实际应用</a:t>
             </a:r>
             <a:endParaRPr lang="zh-CN" altLang="en-US" sz="2000" dirty="0">
               <a:solidFill>
@@ -4062,6 +8918,7 @@
                 </a:solidFill>
                 <a:latin typeface="微软雅黑" panose="020B0503020204020204" charset="-122"/>
                 <a:ea typeface="微软雅黑" panose="020B0503020204020204" charset="-122"/>
+                <a:hlinkClick r:id="rId1" tooltip="" action="ppaction://hlinkfile"/>
               </a:rPr>
               <a:t>https://ai.baidu.com/</a:t>
             </a:r>
@@ -4105,6 +8962,7 @@
                 </a:solidFill>
                 <a:latin typeface="微软雅黑" panose="020B0503020204020204" charset="-122"/>
                 <a:ea typeface="微软雅黑" panose="020B0503020204020204" charset="-122"/>
+                <a:hlinkClick r:id="rId2" tooltip="" action="ppaction://hlinkfile"/>
               </a:rPr>
               <a:t>https://ai.baidu.com/docs#/Begin/top</a:t>
             </a:r>
@@ -4129,7 +8987,52 @@
                 <a:latin typeface="微软雅黑" panose="020B0503020204020204" charset="-122"/>
                 <a:ea typeface="微软雅黑" panose="020B0503020204020204" charset="-122"/>
               </a:rPr>
-              <a:t>人脸识别开发文档 ： https://ai.baidu.com/docs#/Face-Guide/top</a:t>
+              <a:t>人脸识别开发文档 ： </a:t>
+            </a:r>
+            <a:r>
+              <a:rPr lang="zh-CN" altLang="en-US" sz="2000" b="1" dirty="0" smtClean="0">
+                <a:solidFill>
+                  <a:srgbClr val="292929"/>
+                </a:solidFill>
+                <a:latin typeface="微软雅黑" panose="020B0503020204020204" charset="-122"/>
+                <a:ea typeface="微软雅黑" panose="020B0503020204020204" charset="-122"/>
+                <a:hlinkClick r:id="rId3" tooltip="" action="ppaction://hlinkfile"/>
+              </a:rPr>
+              <a:t>https://ai.baidu.com/docs#/Face-Guide/top</a:t>
+            </a:r>
+            <a:endParaRPr lang="zh-CN" altLang="en-US" sz="2000" b="1" dirty="0" smtClean="0">
+              <a:solidFill>
+                <a:srgbClr val="292929"/>
+              </a:solidFill>
+              <a:latin typeface="微软雅黑" panose="020B0503020204020204" charset="-122"/>
+              <a:ea typeface="微软雅黑" panose="020B0503020204020204" charset="-122"/>
+            </a:endParaRPr>
+          </a:p>
+          <a:p>
+            <a:pPr marL="342900" indent="-342900" algn="l">
+              <a:buFont typeface="Wingdings" panose="05000000000000000000" pitchFamily="2" charset="2"/>
+              <a:buChar char="l"/>
+            </a:pPr>
+            <a:r>
+              <a:rPr lang="zh-CN" altLang="en-US" sz="2000" b="1" dirty="0" smtClean="0">
+                <a:solidFill>
+                  <a:srgbClr val="292929"/>
+                </a:solidFill>
+                <a:latin typeface="微软雅黑" panose="020B0503020204020204" charset="-122"/>
+                <a:ea typeface="微软雅黑" panose="020B0503020204020204" charset="-122"/>
+              </a:rPr>
+              <a:t>快速入门 ：</a:t>
+            </a:r>
+            <a:r>
+              <a:rPr lang="zh-CN" altLang="en-US" sz="2000" b="1" dirty="0" smtClean="0">
+                <a:solidFill>
+                  <a:srgbClr val="292929"/>
+                </a:solidFill>
+                <a:latin typeface="微软雅黑" panose="020B0503020204020204" charset="-122"/>
+                <a:ea typeface="微软雅黑" panose="020B0503020204020204" charset="-122"/>
+                <a:hlinkClick r:id="rId4" tooltip="" action="ppaction://hlinkfile"/>
+              </a:rPr>
+              <a:t>https://ai.baidu.com/docs#/QuickStart-FaceDetect/top</a:t>
             </a:r>
             <a:endParaRPr lang="zh-CN" altLang="en-US" sz="2000" b="1" dirty="0" smtClean="0">
               <a:solidFill>
@@ -4217,20 +9120,29 @@
             <a:r>
               <a:rPr lang="zh-CN" altLang="en-US" sz="3200" dirty="0">
                 <a:sym typeface="+mn-ea"/>
+                <a:hlinkClick r:id="rId1" tooltip="" action="ppaction://hlinkfile"/>
               </a:rPr>
               <a:t>注册</a:t>
             </a:r>
             <a:r>
               <a:rPr lang="en-US" altLang="zh-CN" sz="3200" dirty="0">
                 <a:sym typeface="+mn-ea"/>
+                <a:hlinkClick r:id="rId1" tooltip="" action="ppaction://hlinkfile"/>
               </a:rPr>
               <a:t>/</a:t>
+            </a:r>
+            <a:r>
+              <a:rPr lang="zh-CN" altLang="en-US" sz="3200" dirty="0">
+                <a:sym typeface="+mn-ea"/>
+                <a:hlinkClick r:id="rId1" tooltip="" action="ppaction://hlinkfile"/>
+              </a:rPr>
+              <a:t>登录</a:t>
             </a:r>
             <a:r>
               <a:rPr lang="zh-CN" altLang="en-US" sz="3200" dirty="0">
                 <a:sym typeface="+mn-ea"/>
               </a:rPr>
-              <a:t>登录 </a:t>
+              <a:t> </a:t>
             </a:r>
             <a:r>
               <a:rPr lang="zh-CN" altLang="en-US" sz="3200" dirty="0"/>
@@ -4424,7 +9336,7 @@
         <p:spPr>
           <a:xfrm>
             <a:off x="838200" y="1021715"/>
-            <a:ext cx="10777220" cy="1198880"/>
+            <a:ext cx="10777220" cy="1476375"/>
           </a:xfrm>
           <a:prstGeom prst="rect">
             <a:avLst/>
@@ -4446,13 +9358,21 @@
             </a:r>
             <a:r>
               <a:rPr lang="zh-CN" altLang="en-US"/>
-              <a:t>下载地址发</a:t>
+              <a:t>下载地址</a:t>
             </a:r>
             <a:r>
               <a:rPr lang="en-US" altLang="zh-CN"/>
-              <a:t>: https://ai.baidu.com/sdk#bfr</a:t>
-            </a:r>
-            <a:endParaRPr lang="en-US" altLang="zh-CN"/>
+              <a:t>: </a:t>
+            </a:r>
+            <a:r>
+              <a:rPr lang="en-US" altLang="zh-CN">
+                <a:hlinkClick r:id="rId1" tooltip="" action="ppaction://hlinkfile"/>
+              </a:rPr>
+              <a:t>https://ai.baidu.com/sdk#bfr</a:t>
+            </a:r>
+            <a:endParaRPr lang="en-US" altLang="zh-CN">
+              <a:hlinkClick r:id="rId1" tooltip="" action="ppaction://hlinkfile"/>
+            </a:endParaRPr>
           </a:p>
           <a:p>
             <a:pPr marL="285750" indent="-285750">
@@ -4460,107 +9380,40 @@
               <a:buChar char="l"/>
             </a:pPr>
             <a:r>
+              <a:rPr lang="zh-CN" altLang="en-US">
+                <a:sym typeface="+mn-ea"/>
+              </a:rPr>
+              <a:t>人脸识别开发文档 ： </a:t>
+            </a:r>
+            <a:r>
+              <a:rPr lang="zh-CN" altLang="en-US">
+                <a:sym typeface="+mn-ea"/>
+                <a:hlinkClick r:id="rId2" action="ppaction://hlinkfile"/>
+              </a:rPr>
+              <a:t>https://ai.baidu.com/docs#/Face-Guide/top</a:t>
+            </a:r>
+            <a:endParaRPr lang="en-US" altLang="zh-CN"/>
+          </a:p>
+          <a:p>
+            <a:pPr marL="285750" indent="-285750">
+              <a:buFont typeface="Wingdings" panose="05000000000000000000" charset="0"/>
+              <a:buChar char="l"/>
+            </a:pPr>
+            <a:r>
               <a:rPr lang="en-US" altLang="zh-CN"/>
               <a:t>下载Java 服务器端SDK : Java HTTP SDK</a:t>
             </a:r>
             <a:endParaRPr lang="en-US" altLang="zh-CN"/>
           </a:p>
           <a:p>
-            <a:pPr marL="285750" indent="-285750">
+            <a:pPr indent="0">
               <a:buFont typeface="Arial" panose="020B0604020202020204" pitchFamily="34" charset="0"/>
-              <a:buChar char="•"/>
+              <a:buNone/>
             </a:pPr>
             <a:endParaRPr lang="en-US" altLang="zh-CN"/>
           </a:p>
           <a:p>
             <a:endParaRPr lang="en-US" altLang="zh-CN"/>
-          </a:p>
-        </p:txBody>
-      </p:sp>
-      <p:sp>
-        <p:nvSpPr>
-          <p:cNvPr id="6" name="文本框 5"/>
-          <p:cNvSpPr txBox="1"/>
-          <p:nvPr/>
-        </p:nvSpPr>
-        <p:spPr>
-          <a:xfrm>
-            <a:off x="1055370" y="1953895"/>
-            <a:ext cx="7515225" cy="368300"/>
-          </a:xfrm>
-          <a:prstGeom prst="rect">
-            <a:avLst/>
-          </a:prstGeom>
-          <a:noFill/>
-        </p:spPr>
-        <p:txBody>
-          <a:bodyPr wrap="square" rtlCol="0">
-            <a:spAutoFit/>
-          </a:bodyPr>
-          <a:p>
-            <a:endParaRPr lang="zh-CN" altLang="en-US"/>
-          </a:p>
-        </p:txBody>
-      </p:sp>
-      <p:sp>
-        <p:nvSpPr>
-          <p:cNvPr id="9" name="标题 7"/>
-          <p:cNvSpPr>
-            <a:spLocks noGrp="1"/>
-          </p:cNvSpPr>
-          <p:nvPr/>
-        </p:nvSpPr>
-        <p:spPr>
-          <a:xfrm>
-            <a:off x="838200" y="1735455"/>
-            <a:ext cx="7988935" cy="805180"/>
-          </a:xfrm>
-          <a:prstGeom prst="rect">
-            <a:avLst/>
-          </a:prstGeom>
-        </p:spPr>
-        <p:txBody>
-          <a:bodyPr vert="horz" lIns="91440" tIns="45720" rIns="91440" bIns="45720" rtlCol="0" anchor="ctr" anchorCtr="0">
-            <a:normAutofit/>
-          </a:bodyPr>
-          <a:lstStyle>
-            <a:lvl1pPr algn="ctr" defTabSz="914400" rtl="0" eaLnBrk="1" latinLnBrk="0" hangingPunct="1">
-              <a:lnSpc>
-                <a:spcPct val="90000"/>
-              </a:lnSpc>
-              <a:spcBef>
-                <a:spcPct val="0"/>
-              </a:spcBef>
-              <a:buNone/>
-              <a:defRPr sz="6000" kern="1200">
-                <a:solidFill>
-                  <a:schemeClr val="tx1"/>
-                </a:solidFill>
-                <a:latin typeface="+mj-lt"/>
-                <a:ea typeface="+mj-ea"/>
-                <a:cs typeface="+mj-cs"/>
-              </a:defRPr>
-            </a:lvl1pPr>
-          </a:lstStyle>
-          <a:p>
-            <a:pPr algn="l"/>
-            <a:r>
-              <a:rPr lang="zh-CN" altLang="en-US" sz="2500" b="1" dirty="0">
-                <a:solidFill>
-                  <a:srgbClr val="ED6C00"/>
-                </a:solidFill>
-                <a:latin typeface="微软雅黑" panose="020B0503020204020204" charset="-122"/>
-                <a:ea typeface="微软雅黑" panose="020B0503020204020204" charset="-122"/>
-              </a:rPr>
-              <a:t>基础概念</a:t>
-            </a:r>
-            <a:endParaRPr lang="zh-CN" altLang="en-US" sz="2500" b="1" dirty="0">
-              <a:solidFill>
-                <a:srgbClr val="ED6C00"/>
-              </a:solidFill>
-              <a:latin typeface="微软雅黑" panose="020B0503020204020204" charset="-122"/>
-              <a:ea typeface="微软雅黑" panose="020B0503020204020204" charset="-122"/>
-            </a:endParaRPr>
           </a:p>
         </p:txBody>
       </p:sp>
@@ -4572,8 +9425,8 @@
         </p:nvSpPr>
         <p:spPr>
           <a:xfrm>
-            <a:off x="838200" y="2540635"/>
-            <a:ext cx="8336280" cy="1198880"/>
+            <a:off x="838200" y="1990725"/>
+            <a:ext cx="8336280" cy="4799965"/>
           </a:xfrm>
           <a:prstGeom prst="rect">
             <a:avLst/>
@@ -4590,17 +9443,41 @@
               <a:buNone/>
             </a:pPr>
             <a:r>
-              <a:rPr lang="en-US" altLang="zh-CN"/>
-              <a:t>1.HTTP </a:t>
-            </a:r>
-            <a:endParaRPr lang="en-US" altLang="zh-CN"/>
+              <a:rPr lang="en-US" altLang="zh-CN" sz="2000"/>
+              <a:t>SDK</a:t>
+            </a:r>
+            <a:r>
+              <a:rPr lang="zh-CN" altLang="en-US" sz="2000"/>
+              <a:t>中包含两种调用方式</a:t>
+            </a:r>
+            <a:r>
+              <a:rPr lang="zh-CN" altLang="en-US"/>
+              <a:t>：</a:t>
+            </a:r>
+            <a:endParaRPr lang="zh-CN" altLang="en-US"/>
           </a:p>
           <a:p>
             <a:pPr indent="0">
               <a:buFont typeface="+mj-lt"/>
               <a:buNone/>
             </a:pPr>
-            <a:endParaRPr lang="en-US" altLang="zh-CN"/>
+            <a:r>
+              <a:rPr lang="en-US" altLang="zh-CN"/>
+              <a:t>API --- </a:t>
+            </a:r>
+            <a:r>
+              <a:rPr lang="zh-CN" altLang="en-US"/>
+              <a:t>直接 </a:t>
+            </a:r>
+            <a:r>
+              <a:rPr lang="en-US" altLang="zh-CN"/>
+              <a:t>HTTP </a:t>
+            </a:r>
+            <a:r>
+              <a:rPr lang="zh-CN" altLang="en-US"/>
+              <a:t>请求</a:t>
+            </a:r>
+            <a:endParaRPr lang="zh-CN" altLang="en-US"/>
           </a:p>
           <a:p>
             <a:pPr indent="0">
@@ -4609,8 +9486,316 @@
             </a:pPr>
             <a:r>
               <a:rPr lang="en-US" altLang="zh-CN"/>
-              <a:t>2.</a:t>
-            </a:r>
+              <a:t>API Wrapper --- </a:t>
+            </a:r>
+            <a:r>
+              <a:rPr lang="zh-CN" altLang="en-US"/>
+              <a:t>把</a:t>
+            </a:r>
+            <a:r>
+              <a:rPr lang="en-US" altLang="zh-CN"/>
+              <a:t>HTTP</a:t>
+            </a:r>
+            <a:r>
+              <a:rPr lang="zh-CN" altLang="en-US"/>
+              <a:t>级别的</a:t>
+            </a:r>
+            <a:r>
+              <a:rPr lang="en-US" altLang="zh-CN"/>
+              <a:t>API</a:t>
+            </a:r>
+            <a:r>
+              <a:rPr lang="zh-CN" altLang="en-US"/>
+              <a:t>包装过的</a:t>
+            </a:r>
+            <a:r>
+              <a:rPr lang="en-US" altLang="zh-CN"/>
+              <a:t>Java</a:t>
+            </a:r>
+            <a:r>
+              <a:rPr lang="zh-CN" altLang="en-US"/>
+              <a:t>，</a:t>
+            </a:r>
+            <a:r>
+              <a:rPr lang="en-US" altLang="zh-CN"/>
+              <a:t>C#</a:t>
+            </a:r>
+            <a:r>
+              <a:rPr lang="zh-CN" altLang="en-US"/>
+              <a:t>，。。。开发接口</a:t>
+            </a:r>
+            <a:endParaRPr lang="zh-CN" altLang="en-US"/>
+          </a:p>
+          <a:p>
+            <a:pPr indent="0">
+              <a:buFont typeface="+mj-lt"/>
+              <a:buNone/>
+            </a:pPr>
+            <a:r>
+              <a:rPr lang="zh-CN" altLang="en-US" sz="2000"/>
+              <a:t>注意事项：</a:t>
+            </a:r>
+            <a:endParaRPr lang="en-US" altLang="zh-CN"/>
+          </a:p>
+          <a:p>
+            <a:pPr indent="0">
+              <a:buFont typeface="+mj-lt"/>
+              <a:buNone/>
+            </a:pPr>
+            <a:r>
+              <a:rPr lang="en-US" altLang="zh-CN"/>
+              <a:t>1.HTTP -- API url </a:t>
+            </a:r>
+            <a:r>
+              <a:rPr lang="zh-CN" altLang="en-US"/>
+              <a:t>地址级别，如：https://aip.baidubce.com/rest/2.0/face/v3/detect</a:t>
+            </a:r>
+            <a:endParaRPr lang="zh-CN" altLang="en-US"/>
+          </a:p>
+          <a:p>
+            <a:pPr indent="0">
+              <a:buFont typeface="+mj-lt"/>
+              <a:buNone/>
+            </a:pPr>
+            <a:r>
+              <a:rPr lang="en-US" altLang="zh-CN" sz="1600"/>
+              <a:t> HTTP协议（HyperText Transfer Protocol，超文本传输协议）是因特网上应用最为广泛的一种网络传输协议，所有的WWW文件都必须遵守这个标准。</a:t>
+            </a:r>
+            <a:endParaRPr lang="en-US" altLang="zh-CN" sz="1600"/>
+          </a:p>
+          <a:p>
+            <a:pPr indent="0">
+              <a:buFont typeface="+mj-lt"/>
+              <a:buNone/>
+            </a:pPr>
+            <a:r>
+              <a:rPr lang="en-US" altLang="zh-CN"/>
+              <a:t>GET url</a:t>
+            </a:r>
+            <a:endParaRPr lang="en-US" altLang="zh-CN"/>
+          </a:p>
+          <a:p>
+            <a:pPr indent="0">
+              <a:buFont typeface="+mj-lt"/>
+              <a:buNone/>
+            </a:pPr>
+            <a:r>
+              <a:rPr lang="en-US" altLang="zh-CN"/>
+              <a:t>headers : key = value</a:t>
+            </a:r>
+            <a:endParaRPr lang="en-US" altLang="zh-CN"/>
+          </a:p>
+          <a:p>
+            <a:pPr indent="0">
+              <a:buFont typeface="+mj-lt"/>
+              <a:buNone/>
+            </a:pPr>
+            <a:r>
+              <a:rPr lang="en-US" altLang="zh-CN">
+                <a:solidFill>
+                  <a:schemeClr val="tx1"/>
+                </a:solidFill>
+              </a:rPr>
+              <a:t>\r\n\r\n</a:t>
+            </a:r>
+            <a:endParaRPr lang="en-US" altLang="zh-CN"/>
+          </a:p>
+          <a:p>
+            <a:pPr indent="0">
+              <a:buFont typeface="+mj-lt"/>
+              <a:buNone/>
+            </a:pPr>
+            <a:r>
+              <a:rPr lang="en-US" altLang="zh-CN"/>
+              <a:t>body</a:t>
+            </a:r>
+            <a:endParaRPr lang="en-US" altLang="zh-CN"/>
+          </a:p>
+          <a:p>
+            <a:pPr indent="0">
+              <a:buFont typeface="+mj-lt"/>
+              <a:buNone/>
+            </a:pPr>
+            <a:r>
+              <a:rPr lang="en-US" altLang="zh-CN">
+                <a:sym typeface="+mn-ea"/>
+              </a:rPr>
+              <a:t>2.POST</a:t>
+            </a:r>
+            <a:r>
+              <a:rPr lang="zh-CN" altLang="en-US">
+                <a:sym typeface="+mn-ea"/>
+              </a:rPr>
+              <a:t>方式：</a:t>
+            </a:r>
+            <a:endParaRPr lang="en-US" altLang="zh-CN"/>
+          </a:p>
+          <a:p>
+            <a:pPr indent="0">
+              <a:buFont typeface="+mj-lt"/>
+              <a:buNone/>
+            </a:pPr>
+            <a:r>
+              <a:rPr lang="en-US" altLang="zh-CN"/>
+              <a:t>content-type: application/x-www-form-urlencoded </a:t>
+            </a:r>
+            <a:r>
+              <a:rPr lang="zh-CN" altLang="en-US"/>
+              <a:t>（</a:t>
+            </a:r>
+            <a:r>
+              <a:rPr lang="en-US" altLang="zh-CN"/>
+              <a:t>1</a:t>
+            </a:r>
+            <a:r>
+              <a:rPr lang="zh-CN" altLang="en-US"/>
+              <a:t>）或 </a:t>
+            </a:r>
+            <a:r>
+              <a:rPr lang="en-US" altLang="zh-CN"/>
+              <a:t>application/json</a:t>
+            </a:r>
+            <a:r>
+              <a:rPr lang="zh-CN" altLang="en-US"/>
+              <a:t>（</a:t>
+            </a:r>
+            <a:r>
+              <a:rPr lang="en-US" altLang="zh-CN"/>
+              <a:t>2</a:t>
+            </a:r>
+            <a:r>
+              <a:rPr lang="zh-CN" altLang="en-US"/>
+              <a:t>）</a:t>
+            </a:r>
+            <a:endParaRPr lang="en-US" altLang="zh-CN"/>
+          </a:p>
+          <a:p>
+            <a:pPr indent="0">
+              <a:buFont typeface="+mj-lt"/>
+              <a:buNone/>
+            </a:pPr>
+            <a:r>
+              <a:rPr lang="zh-CN" altLang="en-US">
+                <a:sym typeface="+mn-ea"/>
+              </a:rPr>
+              <a:t>（</a:t>
+            </a:r>
+            <a:r>
+              <a:rPr lang="en-US" altLang="zh-CN">
+                <a:sym typeface="+mn-ea"/>
+              </a:rPr>
+              <a:t>1</a:t>
+            </a:r>
+            <a:r>
+              <a:rPr lang="zh-CN" altLang="en-US">
+                <a:sym typeface="+mn-ea"/>
+              </a:rPr>
+              <a:t>）</a:t>
+            </a:r>
+            <a:r>
+              <a:rPr lang="en-US" altLang="zh-CN">
+                <a:sym typeface="+mn-ea"/>
+              </a:rPr>
+              <a:t>body: </a:t>
+            </a:r>
+            <a:r>
+              <a:rPr lang="zh-CN" altLang="en-US"/>
+              <a:t>参数</a:t>
+            </a:r>
+            <a:r>
+              <a:rPr lang="en-US" altLang="zh-CN"/>
+              <a:t>1=xxx</a:t>
+            </a:r>
+            <a:r>
+              <a:rPr lang="en-US" altLang="zh-CN">
+                <a:solidFill>
+                  <a:srgbClr val="FF0000"/>
+                </a:solidFill>
+              </a:rPr>
+              <a:t>&amp;</a:t>
+            </a:r>
+            <a:r>
+              <a:rPr lang="zh-CN" altLang="en-US"/>
+              <a:t>参数</a:t>
+            </a:r>
+            <a:r>
+              <a:rPr lang="en-US" altLang="zh-CN"/>
+              <a:t>2=xxx...()</a:t>
+            </a:r>
+            <a:r>
+              <a:rPr lang="zh-CN" altLang="en-US"/>
+              <a:t>，注意</a:t>
+            </a:r>
+            <a:r>
+              <a:rPr lang="en-US" altLang="zh-CN">
+                <a:solidFill>
+                  <a:srgbClr val="FF0000"/>
+                </a:solidFill>
+              </a:rPr>
+              <a:t>=</a:t>
+            </a:r>
+            <a:r>
+              <a:rPr lang="zh-CN" altLang="en-US">
+                <a:solidFill>
+                  <a:srgbClr val="FF0000"/>
+                </a:solidFill>
+              </a:rPr>
+              <a:t>，</a:t>
+            </a:r>
+            <a:r>
+              <a:rPr lang="en-US" altLang="zh-CN">
+                <a:solidFill>
+                  <a:srgbClr val="FF0000"/>
+                </a:solidFill>
+              </a:rPr>
+              <a:t>&amp;</a:t>
+            </a:r>
+            <a:r>
+              <a:rPr lang="zh-CN" altLang="en-US"/>
+              <a:t>链接参数</a:t>
+            </a:r>
+            <a:endParaRPr lang="en-US" altLang="zh-CN"/>
+          </a:p>
+          <a:p>
+            <a:pPr indent="0">
+              <a:buFont typeface="+mj-lt"/>
+              <a:buNone/>
+            </a:pPr>
+            <a:r>
+              <a:rPr lang="zh-CN" altLang="en-US"/>
+              <a:t>（</a:t>
+            </a:r>
+            <a:r>
+              <a:rPr lang="en-US" altLang="zh-CN"/>
+              <a:t>2</a:t>
+            </a:r>
+            <a:r>
+              <a:rPr lang="zh-CN" altLang="en-US"/>
+              <a:t>）</a:t>
+            </a:r>
+            <a:r>
+              <a:rPr lang="en-US" altLang="zh-CN"/>
+              <a:t>body: </a:t>
+            </a:r>
+            <a:r>
+              <a:rPr lang="en-US" altLang="zh-CN">
+                <a:solidFill>
+                  <a:srgbClr val="FF0000"/>
+                </a:solidFill>
+              </a:rPr>
+              <a:t>json</a:t>
+            </a:r>
+            <a:r>
+              <a:rPr lang="zh-CN" altLang="en-US"/>
+              <a:t>，字符串</a:t>
+            </a:r>
+            <a:endParaRPr lang="en-US" altLang="zh-CN"/>
+          </a:p>
+          <a:p>
+            <a:pPr indent="0">
+              <a:buFont typeface="+mj-lt"/>
+              <a:buNone/>
+            </a:pPr>
             <a:endParaRPr lang="en-US" altLang="zh-CN"/>
           </a:p>
           <a:p>
@@ -4707,7 +9892,7 @@
             </a:pPr>
             <a:r>
               <a:rPr lang="zh-CN" altLang="en-US"/>
-              <a:t>人脸检测</a:t>
+              <a:t>人脸检测   最基础的功能</a:t>
             </a:r>
             <a:endParaRPr lang="zh-CN" altLang="en-US"/>
           </a:p>
@@ -4718,7 +9903,13 @@
             </a:pPr>
             <a:r>
               <a:rPr lang="zh-CN" altLang="en-US"/>
-              <a:t>人脸对比</a:t>
+              <a:t>人脸对比   </a:t>
+            </a:r>
+            <a:r>
+              <a:rPr lang="zh-CN" altLang="en-US">
+                <a:sym typeface="+mn-ea"/>
+              </a:rPr>
+              <a:t>最基础的功能</a:t>
             </a:r>
             <a:endParaRPr lang="zh-CN" altLang="en-US"/>
           </a:p>
@@ -4728,8 +9919,10 @@
               <a:buChar char="l"/>
             </a:pPr>
             <a:r>
-              <a:rPr lang="zh-CN" altLang="en-US"/>
-              <a:t>人脸搜索</a:t>
+              <a:rPr lang="zh-CN" altLang="en-US">
+                <a:sym typeface="+mn-ea"/>
+              </a:rPr>
+              <a:t>人脸库管理 增删改查   复制 移动</a:t>
             </a:r>
             <a:endParaRPr lang="zh-CN" altLang="en-US"/>
           </a:p>
@@ -4740,7 +9933,11 @@
             </a:pPr>
             <a:r>
               <a:rPr lang="zh-CN" altLang="en-US"/>
-              <a:t>人脸库管理</a:t>
+              <a:t>人脸搜索  </a:t>
+            </a:r>
+            <a:r>
+              <a:rPr lang="en-US" altLang="zh-CN"/>
+              <a:t>1:N     M:N</a:t>
             </a:r>
             <a:endParaRPr lang="zh-CN" altLang="en-US"/>
           </a:p>
@@ -4751,7 +9948,7 @@
             </a:pPr>
             <a:r>
               <a:rPr lang="zh-CN" altLang="en-US"/>
-              <a:t>活体检测</a:t>
+              <a:t>活体检测  视频检测  图片检测 </a:t>
             </a:r>
             <a:endParaRPr lang="zh-CN" altLang="en-US"/>
           </a:p>
@@ -4762,7 +9959,19 @@
             </a:pPr>
             <a:r>
               <a:rPr lang="zh-CN" altLang="en-US"/>
-              <a:t>身份验证</a:t>
+              <a:t>身份验证 </a:t>
+            </a:r>
+            <a:r>
+              <a:rPr lang="en-US" altLang="zh-CN"/>
+              <a:t>(</a:t>
+            </a:r>
+            <a:r>
+              <a:rPr lang="zh-CN" altLang="en-US"/>
+              <a:t>企业认证后授权</a:t>
+            </a:r>
+            <a:r>
+              <a:rPr lang="en-US" altLang="zh-CN"/>
+              <a:t>)</a:t>
             </a:r>
             <a:endParaRPr lang="zh-CN" altLang="en-US"/>
           </a:p>
@@ -4773,7 +9982,23 @@
             </a:pPr>
             <a:r>
               <a:rPr lang="zh-CN" altLang="en-US"/>
-              <a:t>人脸融合</a:t>
+              <a:t>人脸融合   </a:t>
+            </a:r>
+            <a:r>
+              <a:rPr lang="en-US" altLang="zh-CN"/>
+              <a:t>SDK </a:t>
+            </a:r>
+            <a:r>
+              <a:rPr lang="zh-CN" altLang="en-US"/>
+              <a:t>？ </a:t>
+            </a:r>
+            <a:r>
+              <a:rPr lang="en-US" altLang="zh-CN"/>
+              <a:t>HTTP API doc </a:t>
+            </a:r>
+            <a:r>
+              <a:rPr lang="zh-CN" altLang="en-US"/>
+              <a:t>！</a:t>
             </a:r>
             <a:endParaRPr lang="zh-CN" altLang="en-US"/>
           </a:p>
@@ -4796,54 +10021,7 @@
         <p:cNvGrpSpPr/>
         <p:nvPr/>
       </p:nvGrpSpPr>
-      <p:grpSpPr>
-        <a:xfrm>
-          <a:off x="0" y="0"/>
-          <a:ext cx="0" cy="0"/>
-          <a:chOff x="0" y="0"/>
-          <a:chExt cx="0" cy="0"/>
-        </a:xfrm>
-      </p:grpSpPr>
-      <p:sp>
-        <p:nvSpPr>
-          <p:cNvPr id="7" name="文本框 6"/>
-          <p:cNvSpPr txBox="1"/>
-          <p:nvPr/>
-        </p:nvSpPr>
-        <p:spPr>
-          <a:xfrm>
-            <a:off x="11334750" y="6398895"/>
-            <a:ext cx="323850" cy="245110"/>
-          </a:xfrm>
-          <a:prstGeom prst="rect">
-            <a:avLst/>
-          </a:prstGeom>
-          <a:noFill/>
-        </p:spPr>
-        <p:txBody>
-          <a:bodyPr wrap="none" rtlCol="0">
-            <a:spAutoFit/>
-          </a:bodyPr>
-          <a:lstStyle/>
-          <a:p>
-            <a:r>
-              <a:rPr lang="en-US" altLang="zh-CN" sz="1000">
-                <a:solidFill>
-                  <a:srgbClr val="ED6C00"/>
-                </a:solidFill>
-                <a:latin typeface="Arial" panose="020B0604020202020204" pitchFamily="34" charset="0"/>
-              </a:rPr>
-              <a:t>02</a:t>
-            </a:r>
-            <a:endParaRPr lang="en-US" altLang="zh-CN" sz="1000">
-              <a:solidFill>
-                <a:srgbClr val="ED6C00"/>
-              </a:solidFill>
-              <a:latin typeface="Arial" panose="020B0604020202020204" pitchFamily="34" charset="0"/>
-            </a:endParaRPr>
-          </a:p>
-        </p:txBody>
-      </p:sp>
+      <p:grpSpPr/>
       <p:sp>
         <p:nvSpPr>
           <p:cNvPr id="8" name="标题 7"/>
@@ -4862,7 +10040,6 @@
         </p:spPr>
         <p:txBody>
           <a:bodyPr anchor="ctr" anchorCtr="0"/>
-          <a:lstStyle/>
           <a:p>
             <a:pPr algn="l"/>
             <a:r>
@@ -4873,7 +10050,7 @@
                 <a:latin typeface="微软雅黑" panose="020B0503020204020204" charset="-122"/>
                 <a:ea typeface="微软雅黑" panose="020B0503020204020204" charset="-122"/>
               </a:rPr>
-              <a:t>功能测试</a:t>
+              <a:t>人脸检测</a:t>
             </a:r>
             <a:endParaRPr lang="zh-CN" altLang="en-US" sz="2500" b="1" dirty="0">
               <a:solidFill>
@@ -4887,14 +10064,14 @@
       </p:sp>
       <p:sp>
         <p:nvSpPr>
-          <p:cNvPr id="3" name="文本框 2"/>
+          <p:cNvPr id="2" name="文本框 1"/>
           <p:cNvSpPr txBox="1"/>
           <p:nvPr/>
         </p:nvSpPr>
         <p:spPr>
           <a:xfrm>
-            <a:off x="838200" y="1319530"/>
-            <a:ext cx="9411335" cy="2223135"/>
+            <a:off x="838200" y="1024255"/>
+            <a:ext cx="7836535" cy="368300"/>
           </a:xfrm>
           <a:prstGeom prst="rect">
             <a:avLst/>
@@ -4906,84 +10083,17 @@
             <a:spAutoFit/>
           </a:bodyPr>
           <a:p>
-            <a:pPr>
-              <a:lnSpc>
-                <a:spcPct val="110000"/>
-              </a:lnSpc>
-            </a:pPr>
-            <a:r>
-              <a:rPr lang="zh-CN" altLang="en-US" dirty="0"/>
-              <a:t>①熟悉并掌握业务流程，划分测试功能点</a:t>
-            </a:r>
-            <a:r>
-              <a:rPr lang="zh-CN" altLang="en-US" dirty="0" smtClean="0"/>
-              <a:t>；</a:t>
-            </a:r>
-            <a:endParaRPr lang="zh-CN" altLang="en-US" dirty="0"/>
-          </a:p>
-          <a:p>
-            <a:pPr>
-              <a:lnSpc>
-                <a:spcPct val="110000"/>
-              </a:lnSpc>
-            </a:pPr>
-            <a:r>
-              <a:rPr lang="zh-CN" altLang="en-US" dirty="0"/>
-              <a:t>②</a:t>
-            </a:r>
-            <a:r>
-              <a:rPr lang="zh-CN" dirty="0"/>
-              <a:t>结合数据库进行后台数据验证（随时观察数据的变化，及时发现隐藏数据缺陷）</a:t>
-            </a:r>
-            <a:endParaRPr lang="zh-CN" altLang="en-US" dirty="0"/>
-          </a:p>
-          <a:p>
-            <a:pPr>
-              <a:lnSpc>
-                <a:spcPct val="110000"/>
-              </a:lnSpc>
-            </a:pPr>
-            <a:r>
-              <a:rPr lang="zh-CN" altLang="en-US" dirty="0"/>
-              <a:t>③测试过程中需要存疑，一切站在客户角度</a:t>
-            </a:r>
-            <a:r>
-              <a:rPr lang="zh-CN" altLang="en-US" dirty="0" smtClean="0"/>
-              <a:t>；</a:t>
-            </a:r>
-            <a:endParaRPr lang="zh-CN" altLang="en-US" dirty="0"/>
-          </a:p>
-          <a:p>
-            <a:pPr>
-              <a:lnSpc>
-                <a:spcPct val="110000"/>
-              </a:lnSpc>
-            </a:pPr>
-            <a:r>
-              <a:rPr lang="zh-CN" altLang="en-US" dirty="0"/>
-              <a:t>④测试先后（实际测试的过程是程序的反复更新过程，最容易出现错误的是新增加的功能，所以，应该重点测试新的功能，这个测试完毕之后，程序的更新次数会大大减少，这时就可以测试老的功能是否出错）</a:t>
-            </a:r>
-            <a:endParaRPr lang="zh-CN" altLang="en-US" dirty="0"/>
-          </a:p>
-          <a:p>
-            <a:pPr marL="342900" indent="-342900">
-              <a:lnSpc>
-                <a:spcPct val="110000"/>
-              </a:lnSpc>
-              <a:buFont typeface="+mj-ea"/>
-              <a:buAutoNum type="circleNumDbPlain" startAt="5"/>
-            </a:pPr>
-            <a:r>
-              <a:rPr lang="zh-CN" altLang="en-US" dirty="0"/>
-              <a:t>考虑问题要全面，可以尝试着用逆向思维验证产品是否健全</a:t>
-            </a:r>
-            <a:endParaRPr lang="zh-CN" altLang="en-US" dirty="0"/>
+            <a:r>
+              <a:rPr lang="zh-CN" altLang="en-US"/>
+              <a:t>检测人脸并定位，返回五官关键点，及人脸各属性值。</a:t>
+            </a:r>
+            <a:endParaRPr lang="zh-CN" altLang="en-US"/>
           </a:p>
         </p:txBody>
       </p:sp>
       <p:pic>
         <p:nvPicPr>
-          <p:cNvPr id="22531" name="图片 1475588" descr="function_test"/>
+          <p:cNvPr id="3" name="图片 2" descr="multi_faces"/>
           <p:cNvPicPr>
             <a:picLocks noChangeAspect="1"/>
           </p:cNvPicPr>
@@ -4997,72 +10107,394 @@
         </p:blipFill>
         <p:spPr>
           <a:xfrm>
-            <a:off x="2316480" y="3816985"/>
-            <a:ext cx="2908935" cy="2445385"/>
+            <a:off x="838200" y="1506855"/>
+            <a:ext cx="5472430" cy="2978150"/>
+          </a:xfrm>
+          <a:prstGeom prst="rect">
+            <a:avLst/>
+          </a:prstGeom>
+        </p:spPr>
+      </p:pic>
+      <p:pic>
+        <p:nvPicPr>
+          <p:cNvPr id="4" name="图片 3"/>
+          <p:cNvPicPr>
+            <a:picLocks noChangeAspect="1"/>
+          </p:cNvPicPr>
+          <p:nvPr/>
+        </p:nvPicPr>
+        <p:blipFill>
+          <a:blip r:embed="rId2"/>
+          <a:stretch>
+            <a:fillRect/>
+          </a:stretch>
+        </p:blipFill>
+        <p:spPr>
+          <a:xfrm>
+            <a:off x="6593840" y="1510665"/>
+            <a:ext cx="5135880" cy="2974340"/>
+          </a:xfrm>
+          <a:prstGeom prst="rect">
+            <a:avLst/>
+          </a:prstGeom>
+        </p:spPr>
+      </p:pic>
+      <p:sp>
+        <p:nvSpPr>
+          <p:cNvPr id="6" name="文本框 5"/>
+          <p:cNvSpPr txBox="1"/>
+          <p:nvPr/>
+        </p:nvSpPr>
+        <p:spPr>
+          <a:xfrm>
+            <a:off x="838200" y="4768215"/>
+            <a:ext cx="3395345" cy="1753235"/>
           </a:xfrm>
           <a:prstGeom prst="rect">
             <a:avLst/>
           </a:prstGeom>
           <a:noFill/>
-          <a:ln w="9525">
-            <a:noFill/>
-          </a:ln>
         </p:spPr>
-      </p:pic>
+        <p:txBody>
+          <a:bodyPr wrap="square" rtlCol="0">
+            <a:spAutoFit/>
+          </a:bodyPr>
+          <a:p>
+            <a:pPr marL="285750" indent="-285750">
+              <a:buFont typeface="Wingdings" panose="05000000000000000000" charset="0"/>
+              <a:buChar char="l"/>
+            </a:pPr>
+            <a:r>
+              <a:rPr lang="zh-CN" altLang="en-US"/>
+              <a:t>找到人脸</a:t>
+            </a:r>
+            <a:endParaRPr lang="zh-CN" altLang="en-US"/>
+          </a:p>
+          <a:p>
+            <a:pPr marL="285750" indent="-285750">
+              <a:buFont typeface="Wingdings" panose="05000000000000000000" charset="0"/>
+              <a:buChar char="l"/>
+            </a:pPr>
+            <a:r>
+              <a:rPr lang="zh-CN" altLang="en-US">
+                <a:sym typeface="+mn-ea"/>
+              </a:rPr>
+              <a:t>人脸位置</a:t>
+            </a:r>
+            <a:endParaRPr lang="zh-CN" altLang="en-US">
+              <a:sym typeface="+mn-ea"/>
+            </a:endParaRPr>
+          </a:p>
+          <a:p>
+            <a:pPr marL="285750" indent="-285750">
+              <a:buFont typeface="Wingdings" panose="05000000000000000000" charset="0"/>
+              <a:buChar char="l"/>
+            </a:pPr>
+            <a:r>
+              <a:rPr lang="zh-CN" altLang="en-US">
+                <a:sym typeface="+mn-ea"/>
+              </a:rPr>
+              <a:t>表情：微笑，大笑，不笑</a:t>
+            </a:r>
+            <a:endParaRPr lang="zh-CN" altLang="en-US">
+              <a:sym typeface="+mn-ea"/>
+            </a:endParaRPr>
+          </a:p>
+          <a:p>
+            <a:pPr marL="285750" indent="-285750">
+              <a:buFont typeface="Wingdings" panose="05000000000000000000" charset="0"/>
+              <a:buChar char="l"/>
+            </a:pPr>
+            <a:r>
+              <a:rPr lang="zh-CN" altLang="en-US">
+                <a:sym typeface="+mn-ea"/>
+              </a:rPr>
+              <a:t>情绪：高兴，伤心 ，</a:t>
+            </a:r>
+            <a:r>
+              <a:rPr lang="en-US" altLang="zh-CN">
+                <a:sym typeface="+mn-ea"/>
+              </a:rPr>
+              <a:t>...</a:t>
+            </a:r>
+            <a:r>
+              <a:rPr lang="zh-CN" altLang="en-US">
+                <a:sym typeface="+mn-ea"/>
+              </a:rPr>
+              <a:t> </a:t>
+            </a:r>
+            <a:endParaRPr lang="zh-CN" altLang="en-US">
+              <a:sym typeface="+mn-ea"/>
+            </a:endParaRPr>
+          </a:p>
+          <a:p>
+            <a:pPr marL="285750" indent="-285750">
+              <a:buFont typeface="Wingdings" panose="05000000000000000000" charset="0"/>
+              <a:buChar char="l"/>
+            </a:pPr>
+            <a:r>
+              <a:rPr lang="zh-CN" altLang="en-US">
+                <a:sym typeface="+mn-ea"/>
+              </a:rPr>
+              <a:t>眼睛睁开或者闭上</a:t>
+            </a:r>
+            <a:endParaRPr lang="zh-CN" altLang="en-US">
+              <a:sym typeface="+mn-ea"/>
+            </a:endParaRPr>
+          </a:p>
+          <a:p>
+            <a:pPr indent="0">
+              <a:buFont typeface="Wingdings" panose="05000000000000000000" charset="0"/>
+              <a:buNone/>
+            </a:pPr>
+            <a:endParaRPr lang="zh-CN" altLang="en-US"/>
+          </a:p>
+        </p:txBody>
+      </p:sp>
       <p:sp>
         <p:nvSpPr>
-          <p:cNvPr id="22532" name="云形标注 1475589"/>
-          <p:cNvSpPr/>
+          <p:cNvPr id="9" name="文本框 8"/>
+          <p:cNvSpPr txBox="1"/>
           <p:nvPr/>
         </p:nvSpPr>
         <p:spPr>
           <a:xfrm>
-            <a:off x="5225415" y="3694430"/>
-            <a:ext cx="2087245" cy="1260475"/>
+            <a:off x="4088765" y="4768215"/>
+            <a:ext cx="3395345" cy="1753235"/>
           </a:xfrm>
-          <a:prstGeom prst="cloudCallout">
-            <a:avLst>
-              <a:gd name="adj1" fmla="val -43764"/>
-              <a:gd name="adj2" fmla="val 62593"/>
-            </a:avLst>
+          <a:prstGeom prst="rect">
+            <a:avLst/>
           </a:prstGeom>
-          <a:solidFill>
-            <a:schemeClr val="accent1">
-              <a:alpha val="50000"/>
-            </a:schemeClr>
-          </a:solidFill>
-          <a:ln w="9525" cap="flat" cmpd="sng">
-            <a:solidFill>
-              <a:schemeClr val="tx1"/>
-            </a:solidFill>
-            <a:prstDash val="solid"/>
-            <a:round/>
-            <a:headEnd type="none" w="med" len="med"/>
-            <a:tailEnd type="none" w="med" len="med"/>
-          </a:ln>
+          <a:noFill/>
         </p:spPr>
         <p:txBody>
-          <a:bodyPr lIns="0" tIns="0" rIns="0" bIns="0" anchor="ctr"/>
-          <a:p>
-            <a:pPr algn="ctr"/>
-            <a:r>
-              <a:rPr lang="zh-CN" altLang="en-US" b="1" dirty="0">
-                <a:solidFill>
-                  <a:srgbClr val="3366FF"/>
-                </a:solidFill>
-                <a:latin typeface="Arial" panose="020B0604020202020204" pitchFamily="34" charset="0"/>
+          <a:bodyPr wrap="square" rtlCol="0">
+            <a:spAutoFit/>
+          </a:bodyPr>
+          <a:p>
+            <a:pPr marL="285750" indent="-285750">
+              <a:buFont typeface="Wingdings" panose="05000000000000000000" charset="0"/>
+              <a:buChar char="l"/>
+            </a:pPr>
+            <a:r>
+              <a:rPr lang="zh-CN" altLang="en-US"/>
+              <a:t>是否戴眼镜</a:t>
+            </a:r>
+            <a:r>
+              <a:rPr lang="en-US" altLang="zh-CN"/>
+              <a:t>,</a:t>
+            </a:r>
+            <a:r>
+              <a:rPr lang="zh-CN" altLang="en-US"/>
+              <a:t>普通镜，墨镜</a:t>
+            </a:r>
+            <a:endParaRPr lang="zh-CN" altLang="en-US"/>
+          </a:p>
+          <a:p>
+            <a:pPr marL="285750" indent="-285750">
+              <a:buFont typeface="Wingdings" panose="05000000000000000000" charset="0"/>
+              <a:buChar char="l"/>
+            </a:pPr>
+            <a:r>
+              <a:rPr lang="zh-CN" altLang="en-US">
+                <a:sym typeface="+mn-ea"/>
               </a:rPr>
-              <a:t>我要测试所有的功能</a:t>
-            </a:r>
-            <a:endParaRPr lang="zh-CN" altLang="en-US" b="1" dirty="0">
-              <a:solidFill>
-                <a:srgbClr val="3366FF"/>
-              </a:solidFill>
-              <a:latin typeface="Arial" panose="020B0604020202020204" pitchFamily="34" charset="0"/>
+              <a:t>人脸质量</a:t>
+            </a:r>
+            <a:endParaRPr lang="zh-CN" altLang="en-US">
+              <a:sym typeface="+mn-ea"/>
             </a:endParaRPr>
+          </a:p>
+          <a:p>
+            <a:pPr marL="285750" indent="-285750">
+              <a:buFont typeface="Wingdings" panose="05000000000000000000" charset="0"/>
+              <a:buChar char="l"/>
+            </a:pPr>
+            <a:r>
+              <a:rPr lang="zh-CN" altLang="en-US">
+                <a:sym typeface="+mn-ea"/>
+              </a:rPr>
+              <a:t>性别</a:t>
+            </a:r>
+            <a:endParaRPr lang="zh-CN" altLang="en-US">
+              <a:sym typeface="+mn-ea"/>
+            </a:endParaRPr>
+          </a:p>
+          <a:p>
+            <a:pPr marL="285750" indent="-285750">
+              <a:buFont typeface="Wingdings" panose="05000000000000000000" charset="0"/>
+              <a:buChar char="l"/>
+            </a:pPr>
+            <a:r>
+              <a:rPr lang="zh-CN" altLang="en-US">
+                <a:sym typeface="+mn-ea"/>
+              </a:rPr>
+              <a:t>脸型：圆的或者方的</a:t>
+            </a:r>
+            <a:endParaRPr lang="zh-CN" altLang="en-US">
+              <a:sym typeface="+mn-ea"/>
+            </a:endParaRPr>
+          </a:p>
+          <a:p>
+            <a:pPr marL="285750" indent="-285750">
+              <a:buFont typeface="Wingdings" panose="05000000000000000000" charset="0"/>
+              <a:buChar char="l"/>
+            </a:pPr>
+            <a:r>
+              <a:rPr lang="zh-CN" altLang="en-US">
+                <a:sym typeface="+mn-ea"/>
+              </a:rPr>
+              <a:t>人种：黄种人，黑人，白人</a:t>
+            </a:r>
+            <a:r>
+              <a:rPr lang="en-US" altLang="zh-CN">
+                <a:sym typeface="+mn-ea"/>
+              </a:rPr>
+              <a:t>...</a:t>
+            </a:r>
+            <a:endParaRPr lang="zh-CN" altLang="en-US">
+              <a:sym typeface="+mn-ea"/>
+            </a:endParaRPr>
+          </a:p>
+          <a:p>
+            <a:pPr indent="0">
+              <a:buFont typeface="Wingdings" panose="05000000000000000000" charset="0"/>
+              <a:buNone/>
+            </a:pPr>
+            <a:endParaRPr lang="zh-CN" altLang="en-US"/>
           </a:p>
         </p:txBody>
       </p:sp>
+      <p:sp>
+        <p:nvSpPr>
+          <p:cNvPr id="10" name="文本框 9"/>
+          <p:cNvSpPr txBox="1"/>
+          <p:nvPr/>
+        </p:nvSpPr>
+        <p:spPr>
+          <a:xfrm>
+            <a:off x="7484110" y="4768215"/>
+            <a:ext cx="3395345" cy="1476375"/>
+          </a:xfrm>
+          <a:prstGeom prst="rect">
+            <a:avLst/>
+          </a:prstGeom>
+          <a:noFill/>
+        </p:spPr>
+        <p:txBody>
+          <a:bodyPr wrap="square" rtlCol="0">
+            <a:spAutoFit/>
+          </a:bodyPr>
+          <a:p>
+            <a:pPr marL="285750" indent="-285750">
+              <a:buFont typeface="Wingdings" panose="05000000000000000000" charset="0"/>
+              <a:buChar char="l"/>
+            </a:pPr>
+            <a:r>
+              <a:rPr lang="zh-CN" altLang="en-US"/>
+              <a:t>年龄</a:t>
+            </a:r>
+            <a:endParaRPr lang="zh-CN" altLang="en-US"/>
+          </a:p>
+          <a:p>
+            <a:pPr marL="285750" indent="-285750">
+              <a:buFont typeface="Wingdings" panose="05000000000000000000" charset="0"/>
+              <a:buChar char="l"/>
+            </a:pPr>
+            <a:r>
+              <a:rPr lang="zh-CN" altLang="en-US"/>
+              <a:t>美丑</a:t>
+            </a:r>
+            <a:endParaRPr lang="zh-CN" altLang="en-US"/>
+          </a:p>
+          <a:p>
+            <a:pPr marL="285750" indent="-285750">
+              <a:buFont typeface="Wingdings" panose="05000000000000000000" charset="0"/>
+              <a:buChar char="l"/>
+            </a:pPr>
+            <a:r>
+              <a:rPr lang="zh-CN" altLang="en-US"/>
+              <a:t>角度</a:t>
+            </a:r>
+            <a:endParaRPr lang="zh-CN" altLang="en-US"/>
+          </a:p>
+          <a:p>
+            <a:pPr marL="285750" indent="-285750">
+              <a:buFont typeface="Wingdings" panose="05000000000000000000" charset="0"/>
+              <a:buChar char="l"/>
+            </a:pPr>
+            <a:r>
+              <a:rPr lang="zh-CN" altLang="en-US"/>
+              <a:t>人脸特征码</a:t>
+            </a:r>
+            <a:endParaRPr lang="zh-CN" altLang="en-US"/>
+          </a:p>
+          <a:p>
+            <a:pPr indent="0">
+              <a:buFont typeface="Wingdings" panose="05000000000000000000" charset="0"/>
+              <a:buNone/>
+            </a:pPr>
+            <a:r>
+              <a:rPr lang="en-US" altLang="zh-CN"/>
+              <a:t>……</a:t>
+            </a:r>
+            <a:endParaRPr lang="en-US" altLang="zh-CN"/>
+          </a:p>
+        </p:txBody>
+      </p:sp>
+      <p:graphicFrame>
+        <p:nvGraphicFramePr>
+          <p:cNvPr id="17" name="对象 16">
+            <a:hlinkClick r:id="" action="ppaction://ole?verb="/>
+          </p:cNvPr>
+          <p:cNvGraphicFramePr>
+            <a:graphicFrameLocks noChangeAspect="1"/>
+          </p:cNvGraphicFramePr>
+          <p:nvPr/>
+        </p:nvGraphicFramePr>
+        <p:xfrm>
+          <a:off x="9181465" y="5097780"/>
+          <a:ext cx="2432685" cy="644525"/>
+        </p:xfrm>
+        <a:graphic>
+          <a:graphicData uri="http://schemas.openxmlformats.org/presentationml/2006/ole">
+            <mc:AlternateContent xmlns:mc="http://schemas.openxmlformats.org/markup-compatibility/2006">
+              <mc:Choice xmlns:v="urn:schemas-microsoft-com:vml" Requires="v">
+                <p:oleObj spid="_x0000_s2051" name="" r:id="rId3" imgW="2085340" imgH="565150" progId="Package">
+                  <p:embed/>
+                </p:oleObj>
+              </mc:Choice>
+              <mc:Fallback>
+                <p:oleObj name="" r:id="rId3" imgW="2085340" imgH="565150" progId="Package">
+                  <p:embed/>
+                  <p:pic>
+                    <p:nvPicPr>
+                      <p:cNvPr id="0" name="图片 2050"/>
+                      <p:cNvPicPr/>
+                      <p:nvPr/>
+                    </p:nvPicPr>
+                    <p:blipFill>
+                      <a:blip r:embed="rId4"/>
+                      <a:stretch>
+                        <a:fillRect/>
+                      </a:stretch>
+                    </p:blipFill>
+                    <p:spPr>
+                      <a:xfrm>
+                        <a:off x="9181465" y="5097780"/>
+                        <a:ext cx="2432685" cy="644525"/>
+                      </a:xfrm>
+                      <a:prstGeom prst="rect">
+                        <a:avLst/>
+                      </a:prstGeom>
+                    </p:spPr>
+                  </p:pic>
+                </p:oleObj>
+              </mc:Fallback>
+            </mc:AlternateContent>
+          </a:graphicData>
+        </a:graphic>
+      </p:graphicFrame>
     </p:spTree>
   </p:cSld>
   <p:clrMapOvr>
@@ -5156,8 +10588,9 @@
                 </a:solidFill>
                 <a:latin typeface="微软雅黑" panose="020B0503020204020204" charset="-122"/>
                 <a:ea typeface="微软雅黑" panose="020B0503020204020204" charset="-122"/>
+                <a:sym typeface="+mn-ea"/>
               </a:rPr>
-              <a:t>性能测试</a:t>
+              <a:t>人脸对比</a:t>
             </a:r>
             <a:endParaRPr lang="zh-CN" altLang="en-US" sz="2500" b="1" dirty="0">
               <a:solidFill>
@@ -5171,14 +10604,14 @@
       </p:sp>
       <p:sp>
         <p:nvSpPr>
-          <p:cNvPr id="3" name="文本框 2"/>
+          <p:cNvPr id="11" name="文本框 10"/>
           <p:cNvSpPr txBox="1"/>
           <p:nvPr/>
         </p:nvSpPr>
         <p:spPr>
           <a:xfrm>
-            <a:off x="838200" y="1319530"/>
-            <a:ext cx="9411335" cy="2832100"/>
+            <a:off x="838200" y="1153160"/>
+            <a:ext cx="10629900" cy="645160"/>
           </a:xfrm>
           <a:prstGeom prst="rect">
             <a:avLst/>
@@ -5190,132 +10623,17 @@
             <a:spAutoFit/>
           </a:bodyPr>
           <a:p>
-            <a:pPr marL="0" lvl="1">
-              <a:lnSpc>
-                <a:spcPct val="110000"/>
-              </a:lnSpc>
-            </a:pPr>
-            <a:r>
-              <a:rPr lang="zh-CN" altLang="en-US" dirty="0"/>
-              <a:t>①</a:t>
-            </a:r>
-            <a:r>
-              <a:rPr lang="zh-CN" altLang="en-US" dirty="0">
-                <a:latin typeface="Arial" panose="020B0604020202020204" pitchFamily="34" charset="0"/>
-                <a:sym typeface="+mn-ea"/>
-              </a:rPr>
-              <a:t>测试环境应尽量与产品运行环境保持一致，应单独运行尽量避免与其他软件同时使用</a:t>
-            </a:r>
-            <a:r>
-              <a:rPr lang="zh-CN" altLang="en-US" dirty="0" smtClean="0"/>
-              <a:t>；</a:t>
-            </a:r>
-            <a:endParaRPr lang="zh-CN" altLang="en-US" dirty="0"/>
-          </a:p>
-          <a:p>
-            <a:pPr>
-              <a:lnSpc>
-                <a:spcPct val="110000"/>
-              </a:lnSpc>
-            </a:pPr>
-            <a:endParaRPr lang="zh-CN" altLang="en-US" dirty="0"/>
-          </a:p>
-          <a:p>
-            <a:pPr>
-              <a:lnSpc>
-                <a:spcPct val="110000"/>
-              </a:lnSpc>
-            </a:pPr>
-            <a:r>
-              <a:rPr lang="zh-CN" altLang="en-US" dirty="0"/>
-              <a:t>②</a:t>
-            </a:r>
-            <a:r>
-              <a:rPr lang="zh-CN" altLang="en-US" dirty="0">
-                <a:latin typeface="Arial" panose="020B0604020202020204" pitchFamily="34" charset="0"/>
-                <a:sym typeface="+mn-ea"/>
-              </a:rPr>
-              <a:t>性能测试一般使用测试工具和测试人员编制测试脚本来完成；</a:t>
-            </a:r>
-            <a:endParaRPr lang="zh-CN" altLang="en-US" dirty="0"/>
-          </a:p>
-          <a:p>
-            <a:pPr>
-              <a:lnSpc>
-                <a:spcPct val="110000"/>
-              </a:lnSpc>
-            </a:pPr>
-            <a:endParaRPr lang="zh-CN" altLang="en-US" dirty="0"/>
-          </a:p>
-          <a:p>
-            <a:pPr>
-              <a:lnSpc>
-                <a:spcPct val="110000"/>
-              </a:lnSpc>
-            </a:pPr>
-            <a:r>
-              <a:rPr lang="zh-CN" altLang="en-US" dirty="0"/>
-              <a:t>③</a:t>
-            </a:r>
-            <a:r>
-              <a:rPr lang="zh-CN" altLang="en-US" dirty="0">
-                <a:latin typeface="Arial" panose="020B0604020202020204" pitchFamily="34" charset="0"/>
-                <a:sym typeface="+mn-ea"/>
-              </a:rPr>
-              <a:t>性能测试的重点在于前期数据的设计与后期数据的分析</a:t>
-            </a:r>
-            <a:r>
-              <a:rPr lang="zh-CN" altLang="en-US" dirty="0" smtClean="0"/>
-              <a:t>；</a:t>
-            </a:r>
-            <a:endParaRPr lang="zh-CN" altLang="en-US" dirty="0"/>
-          </a:p>
-          <a:p>
-            <a:pPr>
-              <a:lnSpc>
-                <a:spcPct val="110000"/>
-              </a:lnSpc>
-            </a:pPr>
-            <a:endParaRPr lang="zh-CN" altLang="en-US" dirty="0"/>
-          </a:p>
-          <a:p>
-            <a:pPr algn="l">
-              <a:lnSpc>
-                <a:spcPct val="110000"/>
-              </a:lnSpc>
-            </a:pPr>
-            <a:r>
-              <a:rPr lang="zh-CN" altLang="en-US" dirty="0"/>
-              <a:t>④</a:t>
-            </a:r>
-            <a:r>
-              <a:rPr lang="zh-CN" altLang="en-US" dirty="0">
-                <a:latin typeface="Arial" panose="020B0604020202020204" pitchFamily="34" charset="0"/>
-                <a:sym typeface="+mn-ea"/>
-              </a:rPr>
-              <a:t>性</a:t>
-            </a:r>
-            <a:r>
-              <a:rPr lang="zh-CN" altLang="en-US" dirty="0">
-                <a:sym typeface="+mn-ea"/>
-              </a:rPr>
-              <a:t>能测试的用例主要涉及到整个系统架构的问题，所以测试用例一旦生成，改动一般不大，             所以做性能测试的重复使用率一般比较高。</a:t>
-            </a:r>
-            <a:endParaRPr lang="zh-CN" altLang="en-US" dirty="0"/>
-          </a:p>
-          <a:p>
-            <a:pPr>
-              <a:lnSpc>
-                <a:spcPct val="110000"/>
-              </a:lnSpc>
-            </a:pPr>
-            <a:endParaRPr lang="zh-CN" altLang="en-US" dirty="0"/>
+            <a:r>
+              <a:rPr lang="zh-CN" altLang="en-US"/>
+              <a:t>用于比对多张图片中的人脸相似度并返回两两比对的得分，可用于判断两张脸是否是同一人的可能性大小。</a:t>
+            </a:r>
+            <a:endParaRPr lang="zh-CN" altLang="en-US"/>
           </a:p>
         </p:txBody>
       </p:sp>
       <p:pic>
         <p:nvPicPr>
-          <p:cNvPr id="40961" name="图片 1479693" descr="MVC-115F"/>
+          <p:cNvPr id="13" name="图片 12" descr="whiteMaleFrontFace"/>
           <p:cNvPicPr>
             <a:picLocks noChangeAspect="1"/>
           </p:cNvPicPr>
@@ -5329,88 +10647,144 @@
         </p:blipFill>
         <p:spPr>
           <a:xfrm>
-            <a:off x="2143125" y="3906520"/>
-            <a:ext cx="3216275" cy="2329815"/>
+            <a:off x="1468120" y="1797050"/>
+            <a:ext cx="3857625" cy="3207385"/>
+          </a:xfrm>
+          <a:prstGeom prst="rect">
+            <a:avLst/>
+          </a:prstGeom>
+        </p:spPr>
+      </p:pic>
+      <p:pic>
+        <p:nvPicPr>
+          <p:cNvPr id="14" name="图片 13" descr="whiteMaleSideFace"/>
+          <p:cNvPicPr>
+            <a:picLocks noChangeAspect="1"/>
+          </p:cNvPicPr>
+          <p:nvPr/>
+        </p:nvPicPr>
+        <p:blipFill>
+          <a:blip r:embed="rId2"/>
+          <a:stretch>
+            <a:fillRect/>
+          </a:stretch>
+        </p:blipFill>
+        <p:spPr>
+          <a:xfrm>
+            <a:off x="6112510" y="1797050"/>
+            <a:ext cx="3635375" cy="3208655"/>
+          </a:xfrm>
+          <a:prstGeom prst="rect">
+            <a:avLst/>
+          </a:prstGeom>
+        </p:spPr>
+      </p:pic>
+      <p:sp>
+        <p:nvSpPr>
+          <p:cNvPr id="15" name="文本框 14"/>
+          <p:cNvSpPr txBox="1"/>
+          <p:nvPr/>
+        </p:nvSpPr>
+        <p:spPr>
+          <a:xfrm>
+            <a:off x="838200" y="5183505"/>
+            <a:ext cx="8581390" cy="368300"/>
           </a:xfrm>
           <a:prstGeom prst="rect">
             <a:avLst/>
           </a:prstGeom>
           <a:noFill/>
-          <a:ln w="9525">
-            <a:noFill/>
-          </a:ln>
-        </p:spPr>
-      </p:pic>
-      <p:sp>
-        <p:nvSpPr>
-          <p:cNvPr id="40964" name="云形标注 1479695"/>
-          <p:cNvSpPr/>
-          <p:nvPr/>
-        </p:nvSpPr>
-        <p:spPr>
-          <a:xfrm>
-            <a:off x="5831840" y="4233228"/>
-            <a:ext cx="2555875" cy="852487"/>
-          </a:xfrm>
-          <a:prstGeom prst="cloudCallout">
-            <a:avLst>
-              <a:gd name="adj1" fmla="val -63417"/>
-              <a:gd name="adj2" fmla="val 61917"/>
-            </a:avLst>
-          </a:prstGeom>
-          <a:solidFill>
-            <a:schemeClr val="accent1">
-              <a:alpha val="50000"/>
-            </a:schemeClr>
-          </a:solidFill>
-          <a:ln w="9525" cap="flat" cmpd="sng">
-            <a:solidFill>
-              <a:schemeClr val="tx1"/>
-            </a:solidFill>
-            <a:prstDash val="solid"/>
-            <a:round/>
-            <a:headEnd type="none" w="med" len="med"/>
-            <a:tailEnd type="none" w="med" len="med"/>
-          </a:ln>
         </p:spPr>
         <p:txBody>
-          <a:bodyPr lIns="0" tIns="0" rIns="0" bIns="0" anchor="t">
+          <a:bodyPr wrap="square" rtlCol="0">
             <a:spAutoFit/>
           </a:bodyPr>
           <a:p>
-            <a:pPr algn="ctr"/>
-            <a:r>
-              <a:rPr lang="zh-CN" altLang="en-US" b="1" dirty="0">
-                <a:solidFill>
-                  <a:schemeClr val="accent2"/>
-                </a:solidFill>
-                <a:latin typeface="Arial" panose="020B0604020202020204" pitchFamily="34" charset="0"/>
-              </a:rPr>
-              <a:t>一定要设法破坏它</a:t>
-            </a:r>
-            <a:r>
-              <a:rPr lang="en-US" altLang="zh-CN" b="1">
-                <a:solidFill>
-                  <a:schemeClr val="accent2"/>
-                </a:solidFill>
-                <a:latin typeface="Arial" panose="020B0604020202020204" pitchFamily="34" charset="0"/>
-              </a:rPr>
-              <a:t>!</a:t>
-            </a:r>
-            <a:endParaRPr lang="en-US" altLang="zh-CN" b="1">
-              <a:solidFill>
-                <a:schemeClr val="accent2"/>
-              </a:solidFill>
-              <a:latin typeface="Arial" panose="020B0604020202020204" pitchFamily="34" charset="0"/>
-            </a:endParaRPr>
+            <a:r>
+              <a:rPr lang="en-US" altLang="zh-CN"/>
+              <a:t>API</a:t>
+            </a:r>
+            <a:r>
+              <a:rPr lang="zh-CN" altLang="en-US"/>
+              <a:t>返回的结果会有一个</a:t>
+            </a:r>
+            <a:r>
+              <a:rPr lang="en-US" altLang="zh-CN"/>
+              <a:t>score</a:t>
+            </a:r>
+            <a:r>
+              <a:rPr lang="zh-CN" altLang="en-US"/>
+              <a:t>字段，反应相似度得分，得分越高，相似度越高</a:t>
+            </a:r>
+            <a:endParaRPr lang="zh-CN" altLang="en-US"/>
           </a:p>
         </p:txBody>
       </p:sp>
+      <p:graphicFrame>
+        <p:nvGraphicFramePr>
+          <p:cNvPr id="18" name="对象 17">
+            <a:hlinkClick r:id="" action="ppaction://ole?verb="/>
+          </p:cNvPr>
+          <p:cNvGraphicFramePr>
+            <a:graphicFrameLocks noChangeAspect="1"/>
+          </p:cNvGraphicFramePr>
+          <p:nvPr/>
+        </p:nvGraphicFramePr>
+        <p:xfrm>
+          <a:off x="9267825" y="5183505"/>
+          <a:ext cx="2066925" cy="772160"/>
+        </p:xfrm>
+        <a:graphic>
+          <a:graphicData uri="http://schemas.openxmlformats.org/presentationml/2006/ole">
+            <mc:AlternateContent xmlns:mc="http://schemas.openxmlformats.org/markup-compatibility/2006">
+              <mc:Choice xmlns:v="urn:schemas-microsoft-com:vml" Requires="v">
+                <p:oleObj spid="_x0000_s1030" name="" r:id="rId3" imgW="1479550" imgH="565150" progId="Package">
+                  <p:embed/>
+                </p:oleObj>
+              </mc:Choice>
+              <mc:Fallback>
+                <p:oleObj name="" r:id="rId3" imgW="1479550" imgH="565150" progId="Package">
+                  <p:embed/>
+                  <p:pic>
+                    <p:nvPicPr>
+                      <p:cNvPr id="0" name="图片 1029"/>
+                      <p:cNvPicPr/>
+                      <p:nvPr/>
+                    </p:nvPicPr>
+                    <p:blipFill>
+                      <a:blip r:embed="rId4"/>
+                      <a:stretch>
+                        <a:fillRect/>
+                      </a:stretch>
+                    </p:blipFill>
+                    <p:spPr>
+                      <a:xfrm>
+                        <a:off x="9267825" y="5183505"/>
+                        <a:ext cx="2066925" cy="772160"/>
+                      </a:xfrm>
+                      <a:prstGeom prst="rect">
+                        <a:avLst/>
+                      </a:prstGeom>
+                    </p:spPr>
+                  </p:pic>
+                </p:oleObj>
+              </mc:Fallback>
+            </mc:AlternateContent>
+          </a:graphicData>
+        </a:graphic>
+      </p:graphicFrame>
     </p:spTree>
   </p:cSld>
   <p:clrMapOvr>
     <a:masterClrMapping/>
   </p:clrMapOvr>
+  <p:timing>
+    <p:tnLst>
+      <p:par>
+        <p:cTn id="1" dur="indefinite" restart="never" nodeType="tmRoot"/>
+      </p:par>
+    </p:tnLst>
+  </p:timing>
 </p:sld>
 </file>
 
@@ -5488,7 +10862,9 @@
           </a:xfrm>
         </p:spPr>
         <p:txBody>
-          <a:bodyPr anchor="ctr" anchorCtr="0"/>
+          <a:bodyPr anchor="ctr" anchorCtr="0">
+            <a:normAutofit/>
+          </a:bodyPr>
           <a:lstStyle/>
           <a:p>
             <a:pPr algn="l"/>
@@ -5499,8 +10875,9 @@
                 </a:solidFill>
                 <a:latin typeface="微软雅黑" panose="020B0503020204020204" charset="-122"/>
                 <a:ea typeface="微软雅黑" panose="020B0503020204020204" charset="-122"/>
+                <a:sym typeface="+mn-ea"/>
               </a:rPr>
-              <a:t>测试文档</a:t>
+              <a:t>人脸库管理</a:t>
             </a:r>
             <a:endParaRPr lang="zh-CN" altLang="en-US" sz="2500" b="1" dirty="0">
               <a:solidFill>
@@ -5520,8 +10897,8 @@
         </p:nvSpPr>
         <p:spPr>
           <a:xfrm>
-            <a:off x="838200" y="1319530"/>
-            <a:ext cx="9411335" cy="3441700"/>
+            <a:off x="838200" y="1153160"/>
+            <a:ext cx="9411335" cy="395605"/>
           </a:xfrm>
           <a:prstGeom prst="rect">
             <a:avLst/>
@@ -5540,149 +10917,708 @@
             </a:pPr>
             <a:r>
               <a:rPr lang="zh-CN" altLang="en-US" dirty="0"/>
-              <a:t>①术语：文档中用到的术语与读者群的定位、用法一致，符合业界标准</a:t>
-            </a:r>
-            <a:r>
-              <a:rPr lang="zh-CN" altLang="en-US" dirty="0" smtClean="0"/>
-              <a:t>；</a:t>
-            </a:r>
-            <a:endParaRPr lang="zh-CN" altLang="en-US" dirty="0" smtClean="0"/>
-          </a:p>
+              <a:t>作用相当于数据库，保存了人脸数据，主要是人脸图。</a:t>
+            </a:r>
+            <a:endParaRPr lang="zh-CN" altLang="en-US" dirty="0"/>
+          </a:p>
+        </p:txBody>
+      </p:sp>
+      <p:sp>
+        <p:nvSpPr>
+          <p:cNvPr id="5" name="文本框 4"/>
+          <p:cNvSpPr txBox="1"/>
+          <p:nvPr/>
+        </p:nvSpPr>
+        <p:spPr>
+          <a:xfrm>
+            <a:off x="838200" y="1767205"/>
+            <a:ext cx="9411335" cy="395605"/>
+          </a:xfrm>
+          <a:prstGeom prst="rect">
+            <a:avLst/>
+          </a:prstGeom>
+          <a:noFill/>
+        </p:spPr>
+        <p:txBody>
+          <a:bodyPr wrap="square" rtlCol="0">
+            <a:spAutoFit/>
+          </a:bodyPr>
           <a:p>
             <a:pPr>
               <a:lnSpc>
                 <a:spcPct val="110000"/>
               </a:lnSpc>
             </a:pPr>
-            <a:endParaRPr lang="zh-CN" altLang="en-US" dirty="0"/>
-          </a:p>
-          <a:p>
-            <a:pPr>
-              <a:lnSpc>
-                <a:spcPct val="110000"/>
-              </a:lnSpc>
-            </a:pPr>
             <a:r>
               <a:rPr lang="zh-CN" altLang="en-US" dirty="0"/>
-              <a:t>②正确性：检查文档中所有信息是否完整准确，是否存在不真实或夸大其词的错误；</a:t>
-            </a:r>
-            <a:endParaRPr lang="zh-CN" altLang="en-US" dirty="0"/>
-          </a:p>
-          <a:p>
-            <a:pPr>
-              <a:lnSpc>
-                <a:spcPct val="110000"/>
-              </a:lnSpc>
-            </a:pPr>
-            <a:endParaRPr lang="zh-CN" altLang="en-US" dirty="0"/>
-          </a:p>
-          <a:p>
-            <a:pPr>
-              <a:lnSpc>
-                <a:spcPct val="110000"/>
-              </a:lnSpc>
-            </a:pPr>
-            <a:r>
-              <a:rPr lang="zh-CN" altLang="en-US" dirty="0"/>
-              <a:t>③完整性：是否有遗漏的模块</a:t>
-            </a:r>
-            <a:r>
-              <a:rPr lang="zh-CN" altLang="en-US" dirty="0" smtClean="0"/>
-              <a:t>；</a:t>
-            </a:r>
-            <a:endParaRPr lang="zh-CN" altLang="en-US" dirty="0" smtClean="0"/>
-          </a:p>
-          <a:p>
-            <a:pPr>
-              <a:lnSpc>
-                <a:spcPct val="110000"/>
-              </a:lnSpc>
-            </a:pPr>
-            <a:endParaRPr lang="zh-CN" altLang="en-US" dirty="0"/>
-          </a:p>
-          <a:p>
-            <a:pPr>
-              <a:lnSpc>
-                <a:spcPct val="110000"/>
-              </a:lnSpc>
-            </a:pPr>
-            <a:r>
-              <a:rPr lang="zh-CN" altLang="en-US" dirty="0"/>
-              <a:t>④一致性：按照文档描述的步骤进行操作后，达到的效果或目的是否与文档是否一致</a:t>
-            </a:r>
-            <a:r>
-              <a:rPr lang="zh-CN" altLang="en-US" dirty="0" smtClean="0">
-                <a:sym typeface="+mn-ea"/>
-              </a:rPr>
-              <a:t>；</a:t>
-            </a:r>
-            <a:endParaRPr lang="zh-CN" altLang="en-US" dirty="0"/>
-          </a:p>
-          <a:p>
-            <a:pPr>
-              <a:lnSpc>
-                <a:spcPct val="110000"/>
-              </a:lnSpc>
-            </a:pPr>
-            <a:endParaRPr lang="zh-CN" altLang="en-US" dirty="0"/>
-          </a:p>
-          <a:p>
-            <a:pPr marL="342900" indent="-342900">
-              <a:lnSpc>
-                <a:spcPct val="110000"/>
-              </a:lnSpc>
-              <a:buFont typeface="+mj-ea"/>
-              <a:buAutoNum type="circleNumDbPlain" startAt="5"/>
-            </a:pPr>
-            <a:r>
-              <a:rPr lang="zh-CN" altLang="en-US" dirty="0"/>
-              <a:t>易用性：对关键步骤有特殊的标识，对错的结果给予解释并提出处理办法</a:t>
-            </a:r>
-            <a:r>
-              <a:rPr lang="zh-CN" altLang="en-US" dirty="0" smtClean="0">
-                <a:sym typeface="+mn-ea"/>
-              </a:rPr>
-              <a:t>；</a:t>
-            </a:r>
-            <a:endParaRPr lang="zh-CN" altLang="en-US" dirty="0"/>
-          </a:p>
-          <a:p>
-            <a:pPr marL="342900" indent="-342900">
-              <a:lnSpc>
-                <a:spcPct val="110000"/>
-              </a:lnSpc>
-              <a:buFont typeface="+mj-ea"/>
-              <a:buAutoNum type="circleNumDbPlain" startAt="5"/>
-            </a:pPr>
-            <a:endParaRPr lang="zh-CN" altLang="en-US" dirty="0"/>
-          </a:p>
-          <a:p>
-            <a:pPr marL="342900" indent="-342900">
-              <a:lnSpc>
-                <a:spcPct val="110000"/>
-              </a:lnSpc>
-              <a:buFont typeface="+mj-ea"/>
-              <a:buAutoNum type="circleNumDbPlain" startAt="5"/>
-            </a:pPr>
-            <a:r>
-              <a:rPr lang="zh-CN" altLang="en-US" dirty="0"/>
-              <a:t>系统截图：是否有正确的界面截图</a:t>
-            </a:r>
-            <a:r>
-              <a:rPr lang="zh-CN" altLang="en-US" dirty="0" smtClean="0">
-                <a:sym typeface="+mn-ea"/>
-              </a:rPr>
-              <a:t>；</a:t>
+              <a:t>层次结构：</a:t>
             </a:r>
             <a:endParaRPr lang="zh-CN" altLang="en-US" dirty="0"/>
           </a:p>
         </p:txBody>
       </p:sp>
+      <p:graphicFrame>
+        <p:nvGraphicFramePr>
+          <p:cNvPr id="6" name="图示 5"/>
+          <p:cNvGraphicFramePr/>
+          <p:nvPr/>
+        </p:nvGraphicFramePr>
+        <p:xfrm>
+          <a:off x="2250440" y="907415"/>
+          <a:ext cx="5823585" cy="3782695"/>
+        </p:xfrm>
+        <a:graphic>
+          <a:graphicData uri="http://schemas.openxmlformats.org/drawingml/2006/diagram">
+            <dgm:relIds xmlns:dgm="http://schemas.openxmlformats.org/drawingml/2006/diagram" xmlns:r="http://schemas.openxmlformats.org/officeDocument/2006/relationships" r:dm="rId1" r:lo="rId2" r:qs="rId3" r:cs="rId4"/>
+          </a:graphicData>
+        </a:graphic>
+      </p:graphicFrame>
+      <p:pic>
+        <p:nvPicPr>
+          <p:cNvPr id="11" name="图片 10"/>
+          <p:cNvPicPr>
+            <a:picLocks noChangeAspect="1"/>
+          </p:cNvPicPr>
+          <p:nvPr/>
+        </p:nvPicPr>
+        <p:blipFill>
+          <a:blip r:embed="rId6"/>
+          <a:stretch>
+            <a:fillRect/>
+          </a:stretch>
+        </p:blipFill>
+        <p:spPr>
+          <a:xfrm>
+            <a:off x="8877935" y="1549400"/>
+            <a:ext cx="1371600" cy="3829050"/>
+          </a:xfrm>
+          <a:prstGeom prst="rect">
+            <a:avLst/>
+          </a:prstGeom>
+        </p:spPr>
+      </p:pic>
+      <p:graphicFrame>
+        <p:nvGraphicFramePr>
+          <p:cNvPr id="22" name="对象 21">
+            <a:hlinkClick r:id="" action="ppaction://ole?verb="/>
+          </p:cNvPr>
+          <p:cNvGraphicFramePr>
+            <a:graphicFrameLocks noChangeAspect="1"/>
+          </p:cNvGraphicFramePr>
+          <p:nvPr/>
+        </p:nvGraphicFramePr>
+        <p:xfrm>
+          <a:off x="838200" y="4424680"/>
+          <a:ext cx="1319530" cy="558800"/>
+        </p:xfrm>
+        <a:graphic>
+          <a:graphicData uri="http://schemas.openxmlformats.org/presentationml/2006/ole">
+            <mc:AlternateContent xmlns:mc="http://schemas.openxmlformats.org/markup-compatibility/2006">
+              <mc:Choice xmlns:v="urn:schemas-microsoft-com:vml" Requires="v">
+                <p:oleObj spid="_x0000_s3073" name="" r:id="rId7" imgW="1304925" imgH="565150" progId="Package">
+                  <p:embed/>
+                </p:oleObj>
+              </mc:Choice>
+              <mc:Fallback>
+                <p:oleObj name="" r:id="rId7" imgW="1304925" imgH="565150" progId="Package">
+                  <p:embed/>
+                  <p:pic>
+                    <p:nvPicPr>
+                      <p:cNvPr id="0" name="图片 3072"/>
+                      <p:cNvPicPr/>
+                      <p:nvPr/>
+                    </p:nvPicPr>
+                    <p:blipFill>
+                      <a:blip r:embed="rId8"/>
+                      <a:stretch>
+                        <a:fillRect/>
+                      </a:stretch>
+                    </p:blipFill>
+                    <p:spPr>
+                      <a:xfrm>
+                        <a:off x="838200" y="4424680"/>
+                        <a:ext cx="1319530" cy="558800"/>
+                      </a:xfrm>
+                      <a:prstGeom prst="rect">
+                        <a:avLst/>
+                      </a:prstGeom>
+                    </p:spPr>
+                  </p:pic>
+                </p:oleObj>
+              </mc:Fallback>
+            </mc:AlternateContent>
+          </a:graphicData>
+        </a:graphic>
+      </p:graphicFrame>
+      <p:graphicFrame>
+        <p:nvGraphicFramePr>
+          <p:cNvPr id="23" name="对象 22">
+            <a:hlinkClick r:id="" action="ppaction://ole?verb="/>
+          </p:cNvPr>
+          <p:cNvGraphicFramePr>
+            <a:graphicFrameLocks noChangeAspect="1"/>
+          </p:cNvGraphicFramePr>
+          <p:nvPr/>
+        </p:nvGraphicFramePr>
+        <p:xfrm>
+          <a:off x="2501900" y="4424680"/>
+          <a:ext cx="1257300" cy="558800"/>
+        </p:xfrm>
+        <a:graphic>
+          <a:graphicData uri="http://schemas.openxmlformats.org/presentationml/2006/ole">
+            <mc:AlternateContent xmlns:mc="http://schemas.openxmlformats.org/markup-compatibility/2006">
+              <mc:Choice xmlns:v="urn:schemas-microsoft-com:vml" Requires="v">
+                <p:oleObj spid="_x0000_s3074" name="" r:id="rId9" imgW="1243330" imgH="565150" progId="Package">
+                  <p:embed/>
+                </p:oleObj>
+              </mc:Choice>
+              <mc:Fallback>
+                <p:oleObj name="" r:id="rId9" imgW="1243330" imgH="565150" progId="Package">
+                  <p:embed/>
+                  <p:pic>
+                    <p:nvPicPr>
+                      <p:cNvPr id="0" name="图片 3073"/>
+                      <p:cNvPicPr/>
+                      <p:nvPr/>
+                    </p:nvPicPr>
+                    <p:blipFill>
+                      <a:blip r:embed="rId10"/>
+                      <a:stretch>
+                        <a:fillRect/>
+                      </a:stretch>
+                    </p:blipFill>
+                    <p:spPr>
+                      <a:xfrm>
+                        <a:off x="2501900" y="4424680"/>
+                        <a:ext cx="1257300" cy="558800"/>
+                      </a:xfrm>
+                      <a:prstGeom prst="rect">
+                        <a:avLst/>
+                      </a:prstGeom>
+                    </p:spPr>
+                  </p:pic>
+                </p:oleObj>
+              </mc:Fallback>
+            </mc:AlternateContent>
+          </a:graphicData>
+        </a:graphic>
+      </p:graphicFrame>
+      <p:graphicFrame>
+        <p:nvGraphicFramePr>
+          <p:cNvPr id="24" name="对象 23">
+            <a:hlinkClick r:id="" action="ppaction://ole?verb="/>
+          </p:cNvPr>
+          <p:cNvGraphicFramePr>
+            <a:graphicFrameLocks noChangeAspect="1"/>
+          </p:cNvGraphicFramePr>
+          <p:nvPr/>
+        </p:nvGraphicFramePr>
+        <p:xfrm>
+          <a:off x="4162425" y="4424680"/>
+          <a:ext cx="1340485" cy="558800"/>
+        </p:xfrm>
+        <a:graphic>
+          <a:graphicData uri="http://schemas.openxmlformats.org/presentationml/2006/ole">
+            <mc:AlternateContent xmlns:mc="http://schemas.openxmlformats.org/markup-compatibility/2006">
+              <mc:Choice xmlns:v="urn:schemas-microsoft-com:vml" Requires="v">
+                <p:oleObj spid="_x0000_s3075" name="" r:id="rId11" imgW="1325245" imgH="565150" progId="Package">
+                  <p:embed/>
+                </p:oleObj>
+              </mc:Choice>
+              <mc:Fallback>
+                <p:oleObj name="" r:id="rId11" imgW="1325245" imgH="565150" progId="Package">
+                  <p:embed/>
+                  <p:pic>
+                    <p:nvPicPr>
+                      <p:cNvPr id="0" name="图片 3074"/>
+                      <p:cNvPicPr/>
+                      <p:nvPr/>
+                    </p:nvPicPr>
+                    <p:blipFill>
+                      <a:blip r:embed="rId12"/>
+                      <a:stretch>
+                        <a:fillRect/>
+                      </a:stretch>
+                    </p:blipFill>
+                    <p:spPr>
+                      <a:xfrm>
+                        <a:off x="4162425" y="4424680"/>
+                        <a:ext cx="1340485" cy="558800"/>
+                      </a:xfrm>
+                      <a:prstGeom prst="rect">
+                        <a:avLst/>
+                      </a:prstGeom>
+                    </p:spPr>
+                  </p:pic>
+                </p:oleObj>
+              </mc:Fallback>
+            </mc:AlternateContent>
+          </a:graphicData>
+        </a:graphic>
+      </p:graphicFrame>
+      <p:graphicFrame>
+        <p:nvGraphicFramePr>
+          <p:cNvPr id="25" name="对象 24">
+            <a:hlinkClick r:id="" action="ppaction://ole?verb="/>
+          </p:cNvPr>
+          <p:cNvGraphicFramePr>
+            <a:graphicFrameLocks noChangeAspect="1"/>
+          </p:cNvGraphicFramePr>
+          <p:nvPr/>
+        </p:nvGraphicFramePr>
+        <p:xfrm>
+          <a:off x="6023610" y="4424680"/>
+          <a:ext cx="945515" cy="558800"/>
+        </p:xfrm>
+        <a:graphic>
+          <a:graphicData uri="http://schemas.openxmlformats.org/presentationml/2006/ole">
+            <mc:AlternateContent xmlns:mc="http://schemas.openxmlformats.org/markup-compatibility/2006">
+              <mc:Choice xmlns:v="urn:schemas-microsoft-com:vml" Requires="v">
+                <p:oleObj spid="_x0000_s3076" name="" r:id="rId13" imgW="934720" imgH="565150" progId="Package">
+                  <p:embed/>
+                </p:oleObj>
+              </mc:Choice>
+              <mc:Fallback>
+                <p:oleObj name="" r:id="rId13" imgW="934720" imgH="565150" progId="Package">
+                  <p:embed/>
+                  <p:pic>
+                    <p:nvPicPr>
+                      <p:cNvPr id="0" name="图片 3075"/>
+                      <p:cNvPicPr/>
+                      <p:nvPr/>
+                    </p:nvPicPr>
+                    <p:blipFill>
+                      <a:blip r:embed="rId14"/>
+                      <a:stretch>
+                        <a:fillRect/>
+                      </a:stretch>
+                    </p:blipFill>
+                    <p:spPr>
+                      <a:xfrm>
+                        <a:off x="6023610" y="4424680"/>
+                        <a:ext cx="945515" cy="558800"/>
+                      </a:xfrm>
+                      <a:prstGeom prst="rect">
+                        <a:avLst/>
+                      </a:prstGeom>
+                    </p:spPr>
+                  </p:pic>
+                </p:oleObj>
+              </mc:Fallback>
+            </mc:AlternateContent>
+          </a:graphicData>
+        </a:graphic>
+      </p:graphicFrame>
+      <p:sp>
+        <p:nvSpPr>
+          <p:cNvPr id="26" name="文本框 25"/>
+          <p:cNvSpPr txBox="1"/>
+          <p:nvPr/>
+        </p:nvSpPr>
+        <p:spPr>
+          <a:xfrm>
+            <a:off x="838200" y="5494020"/>
+            <a:ext cx="1932305" cy="368300"/>
+          </a:xfrm>
+          <a:prstGeom prst="rect">
+            <a:avLst/>
+          </a:prstGeom>
+          <a:noFill/>
+        </p:spPr>
+        <p:txBody>
+          <a:bodyPr wrap="square" rtlCol="0">
+            <a:spAutoFit/>
+          </a:bodyPr>
+          <a:p>
+            <a:r>
+              <a:rPr lang="en-US" altLang="zh-CN"/>
+              <a:t>……</a:t>
+            </a:r>
+            <a:endParaRPr lang="en-US" altLang="zh-CN"/>
+          </a:p>
+        </p:txBody>
+      </p:sp>
+      <p:pic>
+        <p:nvPicPr>
+          <p:cNvPr id="18" name="图片 17"/>
+          <p:cNvPicPr>
+            <a:picLocks noChangeAspect="1"/>
+          </p:cNvPicPr>
+          <p:nvPr/>
+        </p:nvPicPr>
+        <p:blipFill>
+          <a:blip r:embed="rId15"/>
+          <a:stretch>
+            <a:fillRect/>
+          </a:stretch>
+        </p:blipFill>
+        <p:spPr>
+          <a:xfrm>
+            <a:off x="45720" y="147955"/>
+            <a:ext cx="12099925" cy="6630035"/>
+          </a:xfrm>
+          <a:prstGeom prst="rect">
+            <a:avLst/>
+          </a:prstGeom>
+        </p:spPr>
+      </p:pic>
+      <p:pic>
+        <p:nvPicPr>
+          <p:cNvPr id="19" name="图片 18"/>
+          <p:cNvPicPr>
+            <a:picLocks noChangeAspect="1"/>
+          </p:cNvPicPr>
+          <p:nvPr/>
+        </p:nvPicPr>
+        <p:blipFill>
+          <a:blip r:embed="rId16"/>
+          <a:stretch>
+            <a:fillRect/>
+          </a:stretch>
+        </p:blipFill>
+        <p:spPr>
+          <a:xfrm>
+            <a:off x="45720" y="147955"/>
+            <a:ext cx="12099925" cy="6630035"/>
+          </a:xfrm>
+          <a:prstGeom prst="rect">
+            <a:avLst/>
+          </a:prstGeom>
+        </p:spPr>
+      </p:pic>
+      <p:pic>
+        <p:nvPicPr>
+          <p:cNvPr id="20" name="图片 19"/>
+          <p:cNvPicPr>
+            <a:picLocks noChangeAspect="1"/>
+          </p:cNvPicPr>
+          <p:nvPr/>
+        </p:nvPicPr>
+        <p:blipFill>
+          <a:blip r:embed="rId17"/>
+          <a:stretch>
+            <a:fillRect/>
+          </a:stretch>
+        </p:blipFill>
+        <p:spPr>
+          <a:xfrm>
+            <a:off x="45720" y="148590"/>
+            <a:ext cx="12099925" cy="6630035"/>
+          </a:xfrm>
+          <a:prstGeom prst="rect">
+            <a:avLst/>
+          </a:prstGeom>
+        </p:spPr>
+      </p:pic>
+      <p:pic>
+        <p:nvPicPr>
+          <p:cNvPr id="21" name="图片 20"/>
+          <p:cNvPicPr>
+            <a:picLocks noChangeAspect="1"/>
+          </p:cNvPicPr>
+          <p:nvPr/>
+        </p:nvPicPr>
+        <p:blipFill>
+          <a:blip r:embed="rId18"/>
+          <a:stretch>
+            <a:fillRect/>
+          </a:stretch>
+        </p:blipFill>
+        <p:spPr>
+          <a:xfrm>
+            <a:off x="45720" y="147955"/>
+            <a:ext cx="12099290" cy="6630035"/>
+          </a:xfrm>
+          <a:prstGeom prst="rect">
+            <a:avLst/>
+          </a:prstGeom>
+        </p:spPr>
+      </p:pic>
     </p:spTree>
   </p:cSld>
   <p:clrMapOvr>
     <a:masterClrMapping/>
   </p:clrMapOvr>
+  <p:timing>
+    <p:tnLst>
+      <p:par>
+        <p:cTn id="1" dur="indefinite" restart="never" nodeType="tmRoot">
+          <p:childTnLst>
+            <p:seq concurrent="1" nextAc="seek">
+              <p:cTn id="2" dur="indefinite" nodeType="mainSeq">
+                <p:childTnLst>
+                  <p:par>
+                    <p:cTn id="3" fill="hold">
+                      <p:stCondLst>
+                        <p:cond delay="indefinite"/>
+                      </p:stCondLst>
+                      <p:childTnLst>
+                        <p:par>
+                          <p:cTn id="4" fill="hold">
+                            <p:stCondLst>
+                              <p:cond delay="0"/>
+                            </p:stCondLst>
+                            <p:childTnLst>
+                              <p:par>
+                                <p:cTn id="5" presetID="3" presetClass="entr" presetSubtype="10" fill="hold" nodeType="clickEffect">
+                                  <p:stCondLst>
+                                    <p:cond delay="0"/>
+                                  </p:stCondLst>
+                                  <p:childTnLst>
+                                    <p:set>
+                                      <p:cBhvr>
+                                        <p:cTn id="6" dur="1" fill="hold">
+                                          <p:stCondLst>
+                                            <p:cond delay="0"/>
+                                          </p:stCondLst>
+                                        </p:cTn>
+                                        <p:tgtEl>
+                                          <p:spTgt spid="18"/>
+                                        </p:tgtEl>
+                                        <p:attrNameLst>
+                                          <p:attrName>style.visibility</p:attrName>
+                                        </p:attrNameLst>
+                                      </p:cBhvr>
+                                      <p:to>
+                                        <p:strVal val="visible"/>
+                                      </p:to>
+                                    </p:set>
+                                    <p:animEffect transition="in" filter="blinds(horizontal)">
+                                      <p:cBhvr>
+                                        <p:cTn id="7" dur="500"/>
+                                        <p:tgtEl>
+                                          <p:spTgt spid="18"/>
+                                        </p:tgtEl>
+                                      </p:cBhvr>
+                                    </p:animEffect>
+                                  </p:childTnLst>
+                                </p:cTn>
+                              </p:par>
+                            </p:childTnLst>
+                          </p:cTn>
+                        </p:par>
+                      </p:childTnLst>
+                    </p:cTn>
+                  </p:par>
+                  <p:par>
+                    <p:cTn id="8" fill="hold">
+                      <p:stCondLst>
+                        <p:cond delay="indefinite"/>
+                      </p:stCondLst>
+                      <p:childTnLst>
+                        <p:par>
+                          <p:cTn id="9" fill="hold">
+                            <p:stCondLst>
+                              <p:cond delay="0"/>
+                            </p:stCondLst>
+                            <p:childTnLst>
+                              <p:par>
+                                <p:cTn id="10" presetID="2" presetClass="entr" presetSubtype="4" fill="hold" nodeType="clickEffect">
+                                  <p:stCondLst>
+                                    <p:cond delay="0"/>
+                                  </p:stCondLst>
+                                  <p:childTnLst>
+                                    <p:set>
+                                      <p:cBhvr>
+                                        <p:cTn id="11" dur="1" fill="hold">
+                                          <p:stCondLst>
+                                            <p:cond delay="0"/>
+                                          </p:stCondLst>
+                                        </p:cTn>
+                                        <p:tgtEl>
+                                          <p:spTgt spid="19"/>
+                                        </p:tgtEl>
+                                        <p:attrNameLst>
+                                          <p:attrName>style.visibility</p:attrName>
+                                        </p:attrNameLst>
+                                      </p:cBhvr>
+                                      <p:to>
+                                        <p:strVal val="visible"/>
+                                      </p:to>
+                                    </p:set>
+                                    <p:anim calcmode="lin" valueType="num">
+                                      <p:cBhvr additive="base">
+                                        <p:cTn id="12" dur="500" fill="hold"/>
+                                        <p:tgtEl>
+                                          <p:spTgt spid="19"/>
+                                        </p:tgtEl>
+                                        <p:attrNameLst>
+                                          <p:attrName>ppt_x</p:attrName>
+                                        </p:attrNameLst>
+                                      </p:cBhvr>
+                                      <p:tavLst>
+                                        <p:tav tm="0">
+                                          <p:val>
+                                            <p:strVal val="#ppt_x"/>
+                                          </p:val>
+                                        </p:tav>
+                                        <p:tav tm="100000">
+                                          <p:val>
+                                            <p:strVal val="#ppt_x"/>
+                                          </p:val>
+                                        </p:tav>
+                                      </p:tavLst>
+                                    </p:anim>
+                                    <p:anim calcmode="lin" valueType="num">
+                                      <p:cBhvr additive="base">
+                                        <p:cTn id="13" dur="500" fill="hold"/>
+                                        <p:tgtEl>
+                                          <p:spTgt spid="19"/>
+                                        </p:tgtEl>
+                                        <p:attrNameLst>
+                                          <p:attrName>ppt_y</p:attrName>
+                                        </p:attrNameLst>
+                                      </p:cBhvr>
+                                      <p:tavLst>
+                                        <p:tav tm="0">
+                                          <p:val>
+                                            <p:strVal val="1+#ppt_h/2"/>
+                                          </p:val>
+                                        </p:tav>
+                                        <p:tav tm="100000">
+                                          <p:val>
+                                            <p:strVal val="#ppt_y"/>
+                                          </p:val>
+                                        </p:tav>
+                                      </p:tavLst>
+                                    </p:anim>
+                                  </p:childTnLst>
+                                </p:cTn>
+                              </p:par>
+                            </p:childTnLst>
+                          </p:cTn>
+                        </p:par>
+                      </p:childTnLst>
+                    </p:cTn>
+                  </p:par>
+                  <p:par>
+                    <p:cTn id="14" fill="hold">
+                      <p:stCondLst>
+                        <p:cond delay="indefinite"/>
+                      </p:stCondLst>
+                      <p:childTnLst>
+                        <p:par>
+                          <p:cTn id="15" fill="hold">
+                            <p:stCondLst>
+                              <p:cond delay="0"/>
+                            </p:stCondLst>
+                            <p:childTnLst>
+                              <p:par>
+                                <p:cTn id="16" presetID="22" presetClass="entr" presetSubtype="4" fill="hold" nodeType="clickEffect">
+                                  <p:stCondLst>
+                                    <p:cond delay="0"/>
+                                  </p:stCondLst>
+                                  <p:childTnLst>
+                                    <p:set>
+                                      <p:cBhvr>
+                                        <p:cTn id="17" dur="1" fill="hold">
+                                          <p:stCondLst>
+                                            <p:cond delay="0"/>
+                                          </p:stCondLst>
+                                        </p:cTn>
+                                        <p:tgtEl>
+                                          <p:spTgt spid="20"/>
+                                        </p:tgtEl>
+                                        <p:attrNameLst>
+                                          <p:attrName>style.visibility</p:attrName>
+                                        </p:attrNameLst>
+                                      </p:cBhvr>
+                                      <p:to>
+                                        <p:strVal val="visible"/>
+                                      </p:to>
+                                    </p:set>
+                                    <p:animEffect transition="in" filter="wipe(down)">
+                                      <p:cBhvr>
+                                        <p:cTn id="18" dur="500"/>
+                                        <p:tgtEl>
+                                          <p:spTgt spid="20"/>
+                                        </p:tgtEl>
+                                      </p:cBhvr>
+                                    </p:animEffect>
+                                  </p:childTnLst>
+                                </p:cTn>
+                              </p:par>
+                            </p:childTnLst>
+                          </p:cTn>
+                        </p:par>
+                      </p:childTnLst>
+                    </p:cTn>
+                  </p:par>
+                  <p:par>
+                    <p:cTn id="19" fill="hold">
+                      <p:stCondLst>
+                        <p:cond delay="indefinite"/>
+                      </p:stCondLst>
+                      <p:childTnLst>
+                        <p:par>
+                          <p:cTn id="20" fill="hold">
+                            <p:stCondLst>
+                              <p:cond delay="0"/>
+                            </p:stCondLst>
+                            <p:childTnLst>
+                              <p:par>
+                                <p:cTn id="21" presetID="4" presetClass="entr" presetSubtype="16" fill="hold" nodeType="clickEffect">
+                                  <p:stCondLst>
+                                    <p:cond delay="0"/>
+                                  </p:stCondLst>
+                                  <p:childTnLst>
+                                    <p:set>
+                                      <p:cBhvr>
+                                        <p:cTn id="22" dur="1" fill="hold">
+                                          <p:stCondLst>
+                                            <p:cond delay="0"/>
+                                          </p:stCondLst>
+                                        </p:cTn>
+                                        <p:tgtEl>
+                                          <p:spTgt spid="21"/>
+                                        </p:tgtEl>
+                                        <p:attrNameLst>
+                                          <p:attrName>style.visibility</p:attrName>
+                                        </p:attrNameLst>
+                                      </p:cBhvr>
+                                      <p:to>
+                                        <p:strVal val="visible"/>
+                                      </p:to>
+                                    </p:set>
+                                    <p:animEffect transition="in" filter="box(in)">
+                                      <p:cBhvr>
+                                        <p:cTn id="23" dur="2000"/>
+                                        <p:tgtEl>
+                                          <p:spTgt spid="21"/>
+                                        </p:tgtEl>
+                                      </p:cBhvr>
+                                    </p:animEffect>
+                                  </p:childTnLst>
+                                </p:cTn>
+                              </p:par>
+                            </p:childTnLst>
+                          </p:cTn>
+                        </p:par>
+                      </p:childTnLst>
+                    </p:cTn>
+                  </p:par>
+                </p:childTnLst>
+              </p:cTn>
+              <p:prevCondLst>
+                <p:cond evt="onPrev" delay="0">
+                  <p:tgtEl>
+                    <p:sldTgt/>
+                  </p:tgtEl>
+                </p:cond>
+              </p:prevCondLst>
+              <p:nextCondLst>
+                <p:cond evt="onNext" delay="0">
+                  <p:tgtEl>
+                    <p:sldTgt/>
+                  </p:tgtEl>
+                </p:cond>
+              </p:nextCondLst>
+            </p:seq>
+          </p:childTnLst>
+        </p:cTn>
+      </p:par>
+    </p:tnLst>
+  </p:timing>
 </p:sld>
 </file>
 
@@ -5760,7 +11696,9 @@
           </a:xfrm>
         </p:spPr>
         <p:txBody>
-          <a:bodyPr anchor="ctr" anchorCtr="0"/>
+          <a:bodyPr anchor="ctr" anchorCtr="0">
+            <a:normAutofit/>
+          </a:bodyPr>
           <a:lstStyle/>
           <a:p>
             <a:pPr algn="l"/>
@@ -5771,8 +11709,9 @@
                 </a:solidFill>
                 <a:latin typeface="微软雅黑" panose="020B0503020204020204" charset="-122"/>
                 <a:ea typeface="微软雅黑" panose="020B0503020204020204" charset="-122"/>
+                <a:sym typeface="+mn-ea"/>
               </a:rPr>
-              <a:t>自我评价与体会</a:t>
+              <a:t>人脸搜索 </a:t>
             </a:r>
             <a:endParaRPr lang="zh-CN" altLang="en-US" sz="2500" b="1" dirty="0">
               <a:solidFill>
@@ -5786,14 +11725,14 @@
       </p:sp>
       <p:sp>
         <p:nvSpPr>
-          <p:cNvPr id="4" name="文本框 3"/>
+          <p:cNvPr id="3" name="文本框 2"/>
           <p:cNvSpPr txBox="1"/>
           <p:nvPr/>
         </p:nvSpPr>
         <p:spPr>
           <a:xfrm>
-            <a:off x="5363409" y="2952710"/>
-            <a:ext cx="2011680" cy="829945"/>
+            <a:off x="838200" y="1153160"/>
+            <a:ext cx="9411335" cy="1309370"/>
           </a:xfrm>
           <a:prstGeom prst="rect">
             <a:avLst/>
@@ -5801,40 +11740,215 @@
           <a:noFill/>
         </p:spPr>
         <p:txBody>
-          <a:bodyPr wrap="none" rtlCol="0">
+          <a:bodyPr wrap="square" rtlCol="0">
             <a:spAutoFit/>
           </a:bodyPr>
           <a:p>
-            <a:r>
-              <a:rPr lang="zh-CN" sz="4800" dirty="0">
-                <a:solidFill>
-                  <a:srgbClr val="292929"/>
-                </a:solidFill>
-                <a:latin typeface="微软雅黑" panose="020B0503020204020204" charset="-122"/>
-                <a:ea typeface="微软雅黑" panose="020B0503020204020204" charset="-122"/>
-              </a:rPr>
-              <a:t>问题点</a:t>
-            </a:r>
-            <a:endParaRPr lang="zh-CN" sz="4800" dirty="0">
-              <a:solidFill>
-                <a:srgbClr val="292929"/>
-              </a:solidFill>
-              <a:latin typeface="微软雅黑" panose="020B0503020204020204" charset="-122"/>
-              <a:ea typeface="微软雅黑" panose="020B0503020204020204" charset="-122"/>
-            </a:endParaRPr>
+            <a:pPr marL="285750" indent="-285750">
+              <a:lnSpc>
+                <a:spcPct val="110000"/>
+              </a:lnSpc>
+              <a:buFont typeface="Wingdings" panose="05000000000000000000" charset="0"/>
+              <a:buChar char="l"/>
+            </a:pPr>
+            <a:r>
+              <a:rPr lang="zh-CN" altLang="en-US" dirty="0"/>
+              <a:t>根据已有的人脸信息去查询人脸库中这个人脸的信息，如果人脸库确实没有这个人脸或者相似的人脸，结果就是没有，如果有，则返回人脸库当中的所有人脸相似的信息数据集合。</a:t>
+            </a:r>
+            <a:endParaRPr lang="zh-CN" altLang="en-US" dirty="0"/>
+          </a:p>
+          <a:p>
+            <a:pPr marL="285750" indent="-285750">
+              <a:lnSpc>
+                <a:spcPct val="110000"/>
+              </a:lnSpc>
+              <a:buFont typeface="Wingdings" panose="05000000000000000000" charset="0"/>
+              <a:buChar char="l"/>
+            </a:pPr>
+            <a:r>
+              <a:rPr lang="zh-CN" altLang="en-US" dirty="0"/>
+              <a:t>分为两种方式：一种是根据</a:t>
+            </a:r>
+            <a:r>
+              <a:rPr lang="en-US" altLang="zh-CN" dirty="0"/>
+              <a:t>user_id</a:t>
+            </a:r>
+            <a:r>
+              <a:rPr lang="zh-CN" altLang="en-US" dirty="0"/>
+              <a:t>和人脸图查询 </a:t>
+            </a:r>
+            <a:r>
+              <a:rPr lang="en-US" altLang="zh-CN" dirty="0"/>
+              <a:t>1 : N</a:t>
+            </a:r>
+            <a:r>
+              <a:rPr lang="zh-CN" altLang="en-US" dirty="0"/>
+              <a:t>，另一种是在只给出人脸图在多个组内查询 </a:t>
+            </a:r>
+            <a:r>
+              <a:rPr lang="en-US" altLang="zh-CN" dirty="0"/>
+              <a:t>M : N</a:t>
+            </a:r>
+            <a:r>
+              <a:rPr lang="zh-CN" altLang="en-US" dirty="0"/>
+              <a:t>。</a:t>
+            </a:r>
+            <a:endParaRPr lang="zh-CN" altLang="en-US" dirty="0"/>
           </a:p>
         </p:txBody>
       </p:sp>
+      <p:graphicFrame>
+        <p:nvGraphicFramePr>
+          <p:cNvPr id="2" name="对象 1">
+            <a:hlinkClick r:id="" action="ppaction://ole?verb="/>
+          </p:cNvPr>
+          <p:cNvGraphicFramePr>
+            <a:graphicFrameLocks noChangeAspect="1"/>
+          </p:cNvGraphicFramePr>
+          <p:nvPr/>
+        </p:nvGraphicFramePr>
+        <p:xfrm>
+          <a:off x="9676130" y="5126355"/>
+          <a:ext cx="1778635" cy="824865"/>
+        </p:xfrm>
+        <a:graphic>
+          <a:graphicData uri="http://schemas.openxmlformats.org/presentationml/2006/ole">
+            <mc:AlternateContent xmlns:mc="http://schemas.openxmlformats.org/markup-compatibility/2006">
+              <mc:Choice xmlns:v="urn:schemas-microsoft-com:vml" Requires="v">
+                <p:oleObj spid="_x0000_s4097" name="" r:id="rId1" imgW="1191895" imgH="565150" progId="Package">
+                  <p:embed/>
+                </p:oleObj>
+              </mc:Choice>
+              <mc:Fallback>
+                <p:oleObj name="" r:id="rId1" imgW="1191895" imgH="565150" progId="Package">
+                  <p:embed/>
+                  <p:pic>
+                    <p:nvPicPr>
+                      <p:cNvPr id="0" name="图片 4096"/>
+                      <p:cNvPicPr/>
+                      <p:nvPr/>
+                    </p:nvPicPr>
+                    <p:blipFill>
+                      <a:blip r:embed="rId2"/>
+                      <a:stretch>
+                        <a:fillRect/>
+                      </a:stretch>
+                    </p:blipFill>
+                    <p:spPr>
+                      <a:xfrm>
+                        <a:off x="9676130" y="5126355"/>
+                        <a:ext cx="1778635" cy="824865"/>
+                      </a:xfrm>
+                      <a:prstGeom prst="rect">
+                        <a:avLst/>
+                      </a:prstGeom>
+                    </p:spPr>
+                  </p:pic>
+                </p:oleObj>
+              </mc:Fallback>
+            </mc:AlternateContent>
+          </a:graphicData>
+        </a:graphic>
+      </p:graphicFrame>
+      <p:pic>
+        <p:nvPicPr>
+          <p:cNvPr id="4" name="图片 3" descr="face-1"/>
+          <p:cNvPicPr>
+            <a:picLocks noChangeAspect="1"/>
+          </p:cNvPicPr>
+          <p:nvPr/>
+        </p:nvPicPr>
+        <p:blipFill>
+          <a:blip r:embed="rId3"/>
+          <a:stretch>
+            <a:fillRect/>
+          </a:stretch>
+        </p:blipFill>
+        <p:spPr>
+          <a:xfrm>
+            <a:off x="838200" y="2915285"/>
+            <a:ext cx="1457325" cy="1457325"/>
+          </a:xfrm>
+          <a:prstGeom prst="rect">
+            <a:avLst/>
+          </a:prstGeom>
+        </p:spPr>
+      </p:pic>
       <p:sp>
         <p:nvSpPr>
-          <p:cNvPr id="5" name="文本框 4"/>
+          <p:cNvPr id="5" name="右箭头 4"/>
+          <p:cNvSpPr/>
+          <p:nvPr/>
+        </p:nvSpPr>
+        <p:spPr>
+          <a:xfrm>
+            <a:off x="2649855" y="3335655"/>
+            <a:ext cx="3166110" cy="788035"/>
+          </a:xfrm>
+          <a:prstGeom prst="rightArrow">
+            <a:avLst/>
+          </a:prstGeom>
+        </p:spPr>
+        <p:style>
+          <a:lnRef idx="2">
+            <a:schemeClr val="accent1"/>
+          </a:lnRef>
+          <a:fillRef idx="1">
+            <a:schemeClr val="lt1"/>
+          </a:fillRef>
+          <a:effectRef idx="0">
+            <a:schemeClr val="accent1"/>
+          </a:effectRef>
+          <a:fontRef idx="minor">
+            <a:schemeClr val="dk1"/>
+          </a:fontRef>
+        </p:style>
+        <p:txBody>
+          <a:bodyPr rtlCol="0" anchor="ctr"/>
+          <a:p>
+            <a:pPr algn="ctr"/>
+            <a:r>
+              <a:rPr lang="zh-CN" altLang="en-US"/>
+              <a:t>查询人脸库中这张脸</a:t>
+            </a:r>
+            <a:endParaRPr lang="zh-CN" altLang="en-US"/>
+          </a:p>
+        </p:txBody>
+      </p:sp>
+      <p:pic>
+        <p:nvPicPr>
+          <p:cNvPr id="6" name="图片 5"/>
+          <p:cNvPicPr>
+            <a:picLocks noChangeAspect="1"/>
+          </p:cNvPicPr>
+          <p:nvPr/>
+        </p:nvPicPr>
+        <p:blipFill>
+          <a:blip r:embed="rId4"/>
+          <a:stretch>
+            <a:fillRect/>
+          </a:stretch>
+        </p:blipFill>
+        <p:spPr>
+          <a:xfrm>
+            <a:off x="6014085" y="2518410"/>
+            <a:ext cx="3662045" cy="2422525"/>
+          </a:xfrm>
+          <a:prstGeom prst="rect">
+            <a:avLst/>
+          </a:prstGeom>
+        </p:spPr>
+      </p:pic>
+      <p:sp>
+        <p:nvSpPr>
+          <p:cNvPr id="9" name="文本框 8"/>
           <p:cNvSpPr txBox="1"/>
           <p:nvPr/>
         </p:nvSpPr>
         <p:spPr>
           <a:xfrm>
-            <a:off x="2032834" y="2647643"/>
-            <a:ext cx="2011680" cy="645160"/>
+            <a:off x="838200" y="5354320"/>
+            <a:ext cx="7562850" cy="368300"/>
           </a:xfrm>
           <a:prstGeom prst="rect">
             <a:avLst/>
@@ -5842,219 +11956,31 @@
           <a:noFill/>
         </p:spPr>
         <p:txBody>
-          <a:bodyPr wrap="none" rtlCol="0">
+          <a:bodyPr wrap="square" rtlCol="0">
             <a:spAutoFit/>
           </a:bodyPr>
           <a:p>
-            <a:r>
-              <a:rPr lang="zh-CN" altLang="en-US" sz="3600" dirty="0" smtClean="0">
-                <a:latin typeface="微软雅黑" panose="020B0503020204020204" charset="-122"/>
-                <a:ea typeface="微软雅黑" panose="020B0503020204020204" charset="-122"/>
-              </a:rPr>
-              <a:t>思考不足</a:t>
-            </a:r>
-            <a:endParaRPr lang="zh-CN" altLang="en-US" sz="3600" dirty="0" smtClean="0">
-              <a:latin typeface="微软雅黑" panose="020B0503020204020204" charset="-122"/>
-              <a:ea typeface="微软雅黑" panose="020B0503020204020204" charset="-122"/>
-            </a:endParaRPr>
-          </a:p>
-        </p:txBody>
-      </p:sp>
-      <p:sp>
-        <p:nvSpPr>
-          <p:cNvPr id="6" name="文本框 5"/>
-          <p:cNvSpPr txBox="1"/>
-          <p:nvPr/>
-        </p:nvSpPr>
-        <p:spPr>
-          <a:xfrm>
-            <a:off x="4354613" y="4309438"/>
-            <a:ext cx="3840480" cy="645160"/>
-          </a:xfrm>
-          <a:prstGeom prst="rect">
-            <a:avLst/>
-          </a:prstGeom>
-          <a:noFill/>
-        </p:spPr>
-        <p:txBody>
-          <a:bodyPr wrap="none" rtlCol="0">
-            <a:spAutoFit/>
-          </a:bodyPr>
-          <a:p>
-            <a:r>
-              <a:rPr lang="zh-CN" altLang="en-US" sz="3600" dirty="0" smtClean="0">
-                <a:latin typeface="微软雅黑" panose="020B0503020204020204" charset="-122"/>
-                <a:ea typeface="微软雅黑" panose="020B0503020204020204" charset="-122"/>
-              </a:rPr>
-              <a:t>业务知识需要提高</a:t>
-            </a:r>
-            <a:endParaRPr lang="zh-CN" altLang="en-US" sz="3600" dirty="0" smtClean="0">
-              <a:latin typeface="微软雅黑" panose="020B0503020204020204" charset="-122"/>
-              <a:ea typeface="微软雅黑" panose="020B0503020204020204" charset="-122"/>
-            </a:endParaRPr>
-          </a:p>
-        </p:txBody>
-      </p:sp>
-      <p:sp>
-        <p:nvSpPr>
-          <p:cNvPr id="10" name="文本框 9"/>
-          <p:cNvSpPr txBox="1"/>
-          <p:nvPr/>
-        </p:nvSpPr>
-        <p:spPr>
-          <a:xfrm>
-            <a:off x="8275544" y="2952562"/>
-            <a:ext cx="3383280" cy="645160"/>
-          </a:xfrm>
-          <a:prstGeom prst="rect">
-            <a:avLst/>
-          </a:prstGeom>
-          <a:noFill/>
-        </p:spPr>
-        <p:txBody>
-          <a:bodyPr wrap="none" rtlCol="0">
-            <a:spAutoFit/>
-          </a:bodyPr>
-          <a:p>
-            <a:r>
-              <a:rPr lang="zh-CN" altLang="en-US" sz="3600" dirty="0" smtClean="0">
-                <a:latin typeface="微软雅黑" panose="020B0503020204020204" charset="-122"/>
-                <a:ea typeface="微软雅黑" panose="020B0503020204020204" charset="-122"/>
-              </a:rPr>
-              <a:t>缺乏积极主动性</a:t>
-            </a:r>
-            <a:endParaRPr lang="zh-CN" altLang="en-US" sz="3600" dirty="0" smtClean="0">
-              <a:latin typeface="微软雅黑" panose="020B0503020204020204" charset="-122"/>
-              <a:ea typeface="微软雅黑" panose="020B0503020204020204" charset="-122"/>
-            </a:endParaRPr>
-          </a:p>
-        </p:txBody>
-      </p:sp>
-      <p:sp>
-        <p:nvSpPr>
-          <p:cNvPr id="11" name="文本框 10"/>
-          <p:cNvSpPr txBox="1"/>
-          <p:nvPr/>
-        </p:nvSpPr>
-        <p:spPr>
-          <a:xfrm>
-            <a:off x="5268950" y="1730187"/>
-            <a:ext cx="2011680" cy="645160"/>
-          </a:xfrm>
-          <a:prstGeom prst="rect">
-            <a:avLst/>
-          </a:prstGeom>
-          <a:noFill/>
-        </p:spPr>
-        <p:txBody>
-          <a:bodyPr wrap="none" rtlCol="0">
-            <a:spAutoFit/>
-          </a:bodyPr>
-          <a:p>
-            <a:r>
-              <a:rPr lang="zh-CN" altLang="en-US" sz="3600" dirty="0" smtClean="0">
-                <a:latin typeface="微软雅黑" panose="020B0503020204020204" charset="-122"/>
-                <a:ea typeface="微软雅黑" panose="020B0503020204020204" charset="-122"/>
-              </a:rPr>
-              <a:t>工作质量</a:t>
-            </a:r>
-            <a:endParaRPr lang="zh-CN" altLang="en-US" sz="3600" dirty="0" smtClean="0">
-              <a:latin typeface="微软雅黑" panose="020B0503020204020204" charset="-122"/>
-              <a:ea typeface="微软雅黑" panose="020B0503020204020204" charset="-122"/>
-            </a:endParaRPr>
-          </a:p>
-        </p:txBody>
-      </p:sp>
-      <p:pic>
-        <p:nvPicPr>
-          <p:cNvPr id="28675" name="图片 1582086" descr="错误推测2"/>
-          <p:cNvPicPr>
-            <a:picLocks noChangeAspect="1"/>
-          </p:cNvPicPr>
-          <p:nvPr/>
-        </p:nvPicPr>
-        <p:blipFill>
-          <a:blip r:embed="rId1"/>
-          <a:stretch>
-            <a:fillRect/>
-          </a:stretch>
-        </p:blipFill>
-        <p:spPr>
-          <a:xfrm>
-            <a:off x="683895" y="3519170"/>
-            <a:ext cx="2853055" cy="2815590"/>
-          </a:xfrm>
-          <a:prstGeom prst="rect">
-            <a:avLst/>
-          </a:prstGeom>
-          <a:noFill/>
-          <a:ln w="9525">
-            <a:noFill/>
-          </a:ln>
-        </p:spPr>
-      </p:pic>
-      <p:sp>
-        <p:nvSpPr>
-          <p:cNvPr id="40964" name="云形标注 1479695"/>
-          <p:cNvSpPr/>
-          <p:nvPr/>
-        </p:nvSpPr>
-        <p:spPr>
-          <a:xfrm>
-            <a:off x="8689340" y="1523048"/>
-            <a:ext cx="2555875" cy="701830"/>
-          </a:xfrm>
-          <a:prstGeom prst="cloudCallout">
-            <a:avLst>
-              <a:gd name="adj1" fmla="val -63417"/>
-              <a:gd name="adj2" fmla="val 61917"/>
-            </a:avLst>
-          </a:prstGeom>
-          <a:solidFill>
-            <a:schemeClr val="accent1">
-              <a:alpha val="50000"/>
-            </a:schemeClr>
-          </a:solidFill>
-          <a:ln w="9525" cap="flat" cmpd="sng">
-            <a:solidFill>
-              <a:schemeClr val="tx1"/>
-            </a:solidFill>
-            <a:prstDash val="solid"/>
-            <a:round/>
-            <a:headEnd type="none" w="med" len="med"/>
-            <a:tailEnd type="none" w="med" len="med"/>
-          </a:ln>
-        </p:spPr>
-        <p:txBody>
-          <a:bodyPr lIns="0" tIns="0" rIns="0" bIns="0" anchor="t">
-            <a:spAutoFit/>
-          </a:bodyPr>
-          <a:p>
-            <a:pPr algn="ctr"/>
-            <a:r>
-              <a:rPr lang="zh-CN" b="1" dirty="0">
-                <a:solidFill>
-                  <a:schemeClr val="accent2"/>
-                </a:solidFill>
-                <a:latin typeface="Arial" panose="020B0604020202020204" pitchFamily="34" charset="0"/>
-              </a:rPr>
-              <a:t>这个问题在哪？</a:t>
-            </a:r>
-            <a:endParaRPr lang="zh-CN" b="1" dirty="0">
-              <a:solidFill>
-                <a:schemeClr val="accent2"/>
-              </a:solidFill>
-              <a:latin typeface="Arial" panose="020B0604020202020204" pitchFamily="34" charset="0"/>
-            </a:endParaRPr>
-          </a:p>
-          <a:p>
-            <a:pPr algn="ctr"/>
-            <a:endParaRPr lang="zh-CN" b="1">
-              <a:solidFill>
-                <a:schemeClr val="accent2"/>
-              </a:solidFill>
-              <a:latin typeface="Arial" panose="020B0604020202020204" pitchFamily="34" charset="0"/>
-            </a:endParaRPr>
+            <a:pPr marL="285750" indent="-285750">
+              <a:buFont typeface="Wingdings" panose="05000000000000000000" charset="0"/>
+              <a:buChar char="l"/>
+            </a:pPr>
+            <a:r>
+              <a:rPr lang="zh-CN" altLang="en-US"/>
+              <a:t>返回结果中会有一个相似度得分，如果一模一样，</a:t>
+            </a:r>
+            <a:r>
+              <a:rPr lang="en-US" altLang="zh-CN"/>
+              <a:t>score</a:t>
+            </a:r>
+            <a:r>
+              <a:rPr lang="zh-CN" altLang="en-US"/>
+              <a:t>是</a:t>
+            </a:r>
+            <a:r>
+              <a:rPr lang="en-US" altLang="zh-CN"/>
+              <a:t>100.</a:t>
+            </a:r>
+            <a:endParaRPr lang="en-US" altLang="zh-CN"/>
           </a:p>
         </p:txBody>
       </p:sp>
@@ -6063,499 +11989,6 @@
   <p:clrMapOvr>
     <a:masterClrMapping/>
   </p:clrMapOvr>
-  <p:timing>
-    <p:tnLst>
-      <p:par>
-        <p:cTn id="1" dur="indefinite" restart="never" nodeType="tmRoot">
-          <p:childTnLst>
-            <p:seq concurrent="1" nextAc="seek">
-              <p:cTn id="2" dur="indefinite" nodeType="mainSeq">
-                <p:childTnLst>
-                  <p:par>
-                    <p:cTn id="3" fill="hold">
-                      <p:stCondLst>
-                        <p:cond delay="indefinite"/>
-                      </p:stCondLst>
-                      <p:childTnLst>
-                        <p:par>
-                          <p:cTn id="4" fill="hold">
-                            <p:stCondLst>
-                              <p:cond delay="0"/>
-                            </p:stCondLst>
-                            <p:childTnLst>
-                              <p:par>
-                                <p:cTn id="5" presetID="2" presetClass="entr" presetSubtype="4" fill="hold" grpId="0" nodeType="clickEffect">
-                                  <p:stCondLst>
-                                    <p:cond delay="0"/>
-                                  </p:stCondLst>
-                                  <p:childTnLst>
-                                    <p:set>
-                                      <p:cBhvr>
-                                        <p:cTn id="6" dur="1" fill="hold">
-                                          <p:stCondLst>
-                                            <p:cond delay="0"/>
-                                          </p:stCondLst>
-                                        </p:cTn>
-                                        <p:tgtEl>
-                                          <p:spTgt spid="4"/>
-                                        </p:tgtEl>
-                                        <p:attrNameLst>
-                                          <p:attrName>style.visibility</p:attrName>
-                                        </p:attrNameLst>
-                                      </p:cBhvr>
-                                      <p:to>
-                                        <p:strVal val="visible"/>
-                                      </p:to>
-                                    </p:set>
-                                    <p:anim calcmode="lin" valueType="num">
-                                      <p:cBhvr additive="base">
-                                        <p:cTn id="7" dur="500" fill="hold"/>
-                                        <p:tgtEl>
-                                          <p:spTgt spid="4"/>
-                                        </p:tgtEl>
-                                        <p:attrNameLst>
-                                          <p:attrName>ppt_x</p:attrName>
-                                        </p:attrNameLst>
-                                      </p:cBhvr>
-                                      <p:tavLst>
-                                        <p:tav tm="0">
-                                          <p:val>
-                                            <p:strVal val="#ppt_x"/>
-                                          </p:val>
-                                        </p:tav>
-                                        <p:tav tm="100000">
-                                          <p:val>
-                                            <p:strVal val="#ppt_x"/>
-                                          </p:val>
-                                        </p:tav>
-                                      </p:tavLst>
-                                    </p:anim>
-                                    <p:anim calcmode="lin" valueType="num">
-                                      <p:cBhvr additive="base">
-                                        <p:cTn id="8" dur="500" fill="hold"/>
-                                        <p:tgtEl>
-                                          <p:spTgt spid="4"/>
-                                        </p:tgtEl>
-                                        <p:attrNameLst>
-                                          <p:attrName>ppt_y</p:attrName>
-                                        </p:attrNameLst>
-                                      </p:cBhvr>
-                                      <p:tavLst>
-                                        <p:tav tm="0">
-                                          <p:val>
-                                            <p:strVal val="1+#ppt_h/2"/>
-                                          </p:val>
-                                        </p:tav>
-                                        <p:tav tm="100000">
-                                          <p:val>
-                                            <p:strVal val="#ppt_y"/>
-                                          </p:val>
-                                        </p:tav>
-                                      </p:tavLst>
-                                    </p:anim>
-                                  </p:childTnLst>
-                                </p:cTn>
-                              </p:par>
-                            </p:childTnLst>
-                          </p:cTn>
-                        </p:par>
-                      </p:childTnLst>
-                    </p:cTn>
-                  </p:par>
-                  <p:par>
-                    <p:cTn id="9" fill="hold">
-                      <p:stCondLst>
-                        <p:cond delay="indefinite"/>
-                      </p:stCondLst>
-                      <p:childTnLst>
-                        <p:par>
-                          <p:cTn id="10" fill="hold">
-                            <p:stCondLst>
-                              <p:cond delay="0"/>
-                            </p:stCondLst>
-                            <p:childTnLst>
-                              <p:par>
-                                <p:cTn id="11" presetID="2" presetClass="entr" presetSubtype="4" fill="hold" grpId="0" nodeType="clickEffect">
-                                  <p:stCondLst>
-                                    <p:cond delay="0"/>
-                                  </p:stCondLst>
-                                  <p:childTnLst>
-                                    <p:set>
-                                      <p:cBhvr>
-                                        <p:cTn id="12" dur="1" fill="hold">
-                                          <p:stCondLst>
-                                            <p:cond delay="0"/>
-                                          </p:stCondLst>
-                                        </p:cTn>
-                                        <p:tgtEl>
-                                          <p:spTgt spid="11"/>
-                                        </p:tgtEl>
-                                        <p:attrNameLst>
-                                          <p:attrName>style.visibility</p:attrName>
-                                        </p:attrNameLst>
-                                      </p:cBhvr>
-                                      <p:to>
-                                        <p:strVal val="visible"/>
-                                      </p:to>
-                                    </p:set>
-                                    <p:anim calcmode="lin" valueType="num">
-                                      <p:cBhvr additive="base">
-                                        <p:cTn id="13" dur="500" fill="hold"/>
-                                        <p:tgtEl>
-                                          <p:spTgt spid="11"/>
-                                        </p:tgtEl>
-                                        <p:attrNameLst>
-                                          <p:attrName>ppt_x</p:attrName>
-                                        </p:attrNameLst>
-                                      </p:cBhvr>
-                                      <p:tavLst>
-                                        <p:tav tm="0">
-                                          <p:val>
-                                            <p:strVal val="#ppt_x"/>
-                                          </p:val>
-                                        </p:tav>
-                                        <p:tav tm="100000">
-                                          <p:val>
-                                            <p:strVal val="#ppt_x"/>
-                                          </p:val>
-                                        </p:tav>
-                                      </p:tavLst>
-                                    </p:anim>
-                                    <p:anim calcmode="lin" valueType="num">
-                                      <p:cBhvr additive="base">
-                                        <p:cTn id="14" dur="500" fill="hold"/>
-                                        <p:tgtEl>
-                                          <p:spTgt spid="11"/>
-                                        </p:tgtEl>
-                                        <p:attrNameLst>
-                                          <p:attrName>ppt_y</p:attrName>
-                                        </p:attrNameLst>
-                                      </p:cBhvr>
-                                      <p:tavLst>
-                                        <p:tav tm="0">
-                                          <p:val>
-                                            <p:strVal val="1+#ppt_h/2"/>
-                                          </p:val>
-                                        </p:tav>
-                                        <p:tav tm="100000">
-                                          <p:val>
-                                            <p:strVal val="#ppt_y"/>
-                                          </p:val>
-                                        </p:tav>
-                                      </p:tavLst>
-                                    </p:anim>
-                                  </p:childTnLst>
-                                </p:cTn>
-                              </p:par>
-                            </p:childTnLst>
-                          </p:cTn>
-                        </p:par>
-                      </p:childTnLst>
-                    </p:cTn>
-                  </p:par>
-                  <p:par>
-                    <p:cTn id="15" fill="hold">
-                      <p:stCondLst>
-                        <p:cond delay="indefinite"/>
-                      </p:stCondLst>
-                      <p:childTnLst>
-                        <p:par>
-                          <p:cTn id="16" fill="hold">
-                            <p:stCondLst>
-                              <p:cond delay="0"/>
-                            </p:stCondLst>
-                            <p:childTnLst>
-                              <p:par>
-                                <p:cTn id="17" presetID="2" presetClass="entr" presetSubtype="4" fill="hold" grpId="0" nodeType="clickEffect">
-                                  <p:stCondLst>
-                                    <p:cond delay="0"/>
-                                  </p:stCondLst>
-                                  <p:childTnLst>
-                                    <p:set>
-                                      <p:cBhvr>
-                                        <p:cTn id="18" dur="1" fill="hold">
-                                          <p:stCondLst>
-                                            <p:cond delay="0"/>
-                                          </p:stCondLst>
-                                        </p:cTn>
-                                        <p:tgtEl>
-                                          <p:spTgt spid="5"/>
-                                        </p:tgtEl>
-                                        <p:attrNameLst>
-                                          <p:attrName>style.visibility</p:attrName>
-                                        </p:attrNameLst>
-                                      </p:cBhvr>
-                                      <p:to>
-                                        <p:strVal val="visible"/>
-                                      </p:to>
-                                    </p:set>
-                                    <p:anim calcmode="lin" valueType="num">
-                                      <p:cBhvr additive="base">
-                                        <p:cTn id="19" dur="500" fill="hold"/>
-                                        <p:tgtEl>
-                                          <p:spTgt spid="5"/>
-                                        </p:tgtEl>
-                                        <p:attrNameLst>
-                                          <p:attrName>ppt_x</p:attrName>
-                                        </p:attrNameLst>
-                                      </p:cBhvr>
-                                      <p:tavLst>
-                                        <p:tav tm="0">
-                                          <p:val>
-                                            <p:strVal val="#ppt_x"/>
-                                          </p:val>
-                                        </p:tav>
-                                        <p:tav tm="100000">
-                                          <p:val>
-                                            <p:strVal val="#ppt_x"/>
-                                          </p:val>
-                                        </p:tav>
-                                      </p:tavLst>
-                                    </p:anim>
-                                    <p:anim calcmode="lin" valueType="num">
-                                      <p:cBhvr additive="base">
-                                        <p:cTn id="20" dur="500" fill="hold"/>
-                                        <p:tgtEl>
-                                          <p:spTgt spid="5"/>
-                                        </p:tgtEl>
-                                        <p:attrNameLst>
-                                          <p:attrName>ppt_y</p:attrName>
-                                        </p:attrNameLst>
-                                      </p:cBhvr>
-                                      <p:tavLst>
-                                        <p:tav tm="0">
-                                          <p:val>
-                                            <p:strVal val="1+#ppt_h/2"/>
-                                          </p:val>
-                                        </p:tav>
-                                        <p:tav tm="100000">
-                                          <p:val>
-                                            <p:strVal val="#ppt_y"/>
-                                          </p:val>
-                                        </p:tav>
-                                      </p:tavLst>
-                                    </p:anim>
-                                  </p:childTnLst>
-                                </p:cTn>
-                              </p:par>
-                            </p:childTnLst>
-                          </p:cTn>
-                        </p:par>
-                      </p:childTnLst>
-                    </p:cTn>
-                  </p:par>
-                  <p:par>
-                    <p:cTn id="21" fill="hold">
-                      <p:stCondLst>
-                        <p:cond delay="indefinite"/>
-                      </p:stCondLst>
-                      <p:childTnLst>
-                        <p:par>
-                          <p:cTn id="22" fill="hold">
-                            <p:stCondLst>
-                              <p:cond delay="0"/>
-                            </p:stCondLst>
-                            <p:childTnLst>
-                              <p:par>
-                                <p:cTn id="23" presetID="2" presetClass="entr" presetSubtype="4" fill="hold" grpId="0" nodeType="clickEffect">
-                                  <p:stCondLst>
-                                    <p:cond delay="0"/>
-                                  </p:stCondLst>
-                                  <p:childTnLst>
-                                    <p:set>
-                                      <p:cBhvr>
-                                        <p:cTn id="24" dur="1" fill="hold">
-                                          <p:stCondLst>
-                                            <p:cond delay="0"/>
-                                          </p:stCondLst>
-                                        </p:cTn>
-                                        <p:tgtEl>
-                                          <p:spTgt spid="10"/>
-                                        </p:tgtEl>
-                                        <p:attrNameLst>
-                                          <p:attrName>style.visibility</p:attrName>
-                                        </p:attrNameLst>
-                                      </p:cBhvr>
-                                      <p:to>
-                                        <p:strVal val="visible"/>
-                                      </p:to>
-                                    </p:set>
-                                    <p:anim calcmode="lin" valueType="num">
-                                      <p:cBhvr additive="base">
-                                        <p:cTn id="25" dur="500" fill="hold"/>
-                                        <p:tgtEl>
-                                          <p:spTgt spid="10"/>
-                                        </p:tgtEl>
-                                        <p:attrNameLst>
-                                          <p:attrName>ppt_x</p:attrName>
-                                        </p:attrNameLst>
-                                      </p:cBhvr>
-                                      <p:tavLst>
-                                        <p:tav tm="0">
-                                          <p:val>
-                                            <p:strVal val="#ppt_x"/>
-                                          </p:val>
-                                        </p:tav>
-                                        <p:tav tm="100000">
-                                          <p:val>
-                                            <p:strVal val="#ppt_x"/>
-                                          </p:val>
-                                        </p:tav>
-                                      </p:tavLst>
-                                    </p:anim>
-                                    <p:anim calcmode="lin" valueType="num">
-                                      <p:cBhvr additive="base">
-                                        <p:cTn id="26" dur="500" fill="hold"/>
-                                        <p:tgtEl>
-                                          <p:spTgt spid="10"/>
-                                        </p:tgtEl>
-                                        <p:attrNameLst>
-                                          <p:attrName>ppt_y</p:attrName>
-                                        </p:attrNameLst>
-                                      </p:cBhvr>
-                                      <p:tavLst>
-                                        <p:tav tm="0">
-                                          <p:val>
-                                            <p:strVal val="1+#ppt_h/2"/>
-                                          </p:val>
-                                        </p:tav>
-                                        <p:tav tm="100000">
-                                          <p:val>
-                                            <p:strVal val="#ppt_y"/>
-                                          </p:val>
-                                        </p:tav>
-                                      </p:tavLst>
-                                    </p:anim>
-                                  </p:childTnLst>
-                                </p:cTn>
-                              </p:par>
-                            </p:childTnLst>
-                          </p:cTn>
-                        </p:par>
-                      </p:childTnLst>
-                    </p:cTn>
-                  </p:par>
-                  <p:par>
-                    <p:cTn id="27" fill="hold">
-                      <p:stCondLst>
-                        <p:cond delay="indefinite"/>
-                      </p:stCondLst>
-                      <p:childTnLst>
-                        <p:par>
-                          <p:cTn id="28" fill="hold">
-                            <p:stCondLst>
-                              <p:cond delay="0"/>
-                            </p:stCondLst>
-                            <p:childTnLst>
-                              <p:par>
-                                <p:cTn id="29" presetID="2" presetClass="entr" presetSubtype="4" fill="hold" grpId="0" nodeType="clickEffect">
-                                  <p:stCondLst>
-                                    <p:cond delay="0"/>
-                                  </p:stCondLst>
-                                  <p:childTnLst>
-                                    <p:set>
-                                      <p:cBhvr>
-                                        <p:cTn id="30" dur="1" fill="hold">
-                                          <p:stCondLst>
-                                            <p:cond delay="0"/>
-                                          </p:stCondLst>
-                                        </p:cTn>
-                                        <p:tgtEl>
-                                          <p:spTgt spid="6"/>
-                                        </p:tgtEl>
-                                        <p:attrNameLst>
-                                          <p:attrName>style.visibility</p:attrName>
-                                        </p:attrNameLst>
-                                      </p:cBhvr>
-                                      <p:to>
-                                        <p:strVal val="visible"/>
-                                      </p:to>
-                                    </p:set>
-                                    <p:anim calcmode="lin" valueType="num">
-                                      <p:cBhvr additive="base">
-                                        <p:cTn id="31" dur="500" fill="hold"/>
-                                        <p:tgtEl>
-                                          <p:spTgt spid="6"/>
-                                        </p:tgtEl>
-                                        <p:attrNameLst>
-                                          <p:attrName>ppt_x</p:attrName>
-                                        </p:attrNameLst>
-                                      </p:cBhvr>
-                                      <p:tavLst>
-                                        <p:tav tm="0">
-                                          <p:val>
-                                            <p:strVal val="#ppt_x"/>
-                                          </p:val>
-                                        </p:tav>
-                                        <p:tav tm="100000">
-                                          <p:val>
-                                            <p:strVal val="#ppt_x"/>
-                                          </p:val>
-                                        </p:tav>
-                                      </p:tavLst>
-                                    </p:anim>
-                                    <p:anim calcmode="lin" valueType="num">
-                                      <p:cBhvr additive="base">
-                                        <p:cTn id="32" dur="500" fill="hold"/>
-                                        <p:tgtEl>
-                                          <p:spTgt spid="6"/>
-                                        </p:tgtEl>
-                                        <p:attrNameLst>
-                                          <p:attrName>ppt_y</p:attrName>
-                                        </p:attrNameLst>
-                                      </p:cBhvr>
-                                      <p:tavLst>
-                                        <p:tav tm="0">
-                                          <p:val>
-                                            <p:strVal val="1+#ppt_h/2"/>
-                                          </p:val>
-                                        </p:tav>
-                                        <p:tav tm="100000">
-                                          <p:val>
-                                            <p:strVal val="#ppt_y"/>
-                                          </p:val>
-                                        </p:tav>
-                                      </p:tavLst>
-                                    </p:anim>
-                                  </p:childTnLst>
-                                </p:cTn>
-                              </p:par>
-                            </p:childTnLst>
-                          </p:cTn>
-                        </p:par>
-                      </p:childTnLst>
-                    </p:cTn>
-                  </p:par>
-                </p:childTnLst>
-              </p:cTn>
-              <p:prevCondLst>
-                <p:cond evt="onPrev" delay="0">
-                  <p:tgtEl>
-                    <p:sldTgt/>
-                  </p:tgtEl>
-                </p:cond>
-              </p:prevCondLst>
-              <p:nextCondLst>
-                <p:cond evt="onNext" delay="0">
-                  <p:tgtEl>
-                    <p:sldTgt/>
-                  </p:tgtEl>
-                </p:cond>
-              </p:nextCondLst>
-            </p:seq>
-          </p:childTnLst>
-        </p:cTn>
-      </p:par>
-    </p:tnLst>
-    <p:bldLst>
-      <p:bldP spid="4" grpId="0"/>
-      <p:bldP spid="4" grpId="1"/>
-      <p:bldP spid="11" grpId="0"/>
-      <p:bldP spid="5" grpId="0"/>
-      <p:bldP spid="10" grpId="0"/>
-      <p:bldP spid="6" grpId="0"/>
-    </p:bldLst>
-  </p:timing>
 </p:sld>
 </file>
 

--- a/BaiduAI.pptx
+++ b/BaiduAI.pptx
@@ -8918,7 +8918,7 @@
                 </a:solidFill>
                 <a:latin typeface="微软雅黑" panose="020B0503020204020204" charset="-122"/>
                 <a:ea typeface="微软雅黑" panose="020B0503020204020204" charset="-122"/>
-                <a:hlinkClick r:id="rId1" tooltip="" action="ppaction://hlinkfile"/>
+                <a:hlinkClick r:id="rId1" action="ppaction://hlinkfile"/>
               </a:rPr>
               <a:t>https://ai.baidu.com/</a:t>
             </a:r>
@@ -8962,7 +8962,7 @@
                 </a:solidFill>
                 <a:latin typeface="微软雅黑" panose="020B0503020204020204" charset="-122"/>
                 <a:ea typeface="微软雅黑" panose="020B0503020204020204" charset="-122"/>
-                <a:hlinkClick r:id="rId2" tooltip="" action="ppaction://hlinkfile"/>
+                <a:hlinkClick r:id="rId2" action="ppaction://hlinkfile"/>
               </a:rPr>
               <a:t>https://ai.baidu.com/docs#/Begin/top</a:t>
             </a:r>
@@ -8996,7 +8996,7 @@
                 </a:solidFill>
                 <a:latin typeface="微软雅黑" panose="020B0503020204020204" charset="-122"/>
                 <a:ea typeface="微软雅黑" panose="020B0503020204020204" charset="-122"/>
-                <a:hlinkClick r:id="rId3" tooltip="" action="ppaction://hlinkfile"/>
+                <a:hlinkClick r:id="rId3" action="ppaction://hlinkfile"/>
               </a:rPr>
               <a:t>https://ai.baidu.com/docs#/Face-Guide/top</a:t>
             </a:r>
@@ -9030,7 +9030,7 @@
                 </a:solidFill>
                 <a:latin typeface="微软雅黑" panose="020B0503020204020204" charset="-122"/>
                 <a:ea typeface="微软雅黑" panose="020B0503020204020204" charset="-122"/>
-                <a:hlinkClick r:id="rId4" tooltip="" action="ppaction://hlinkfile"/>
+                <a:hlinkClick r:id="rId4" action="ppaction://hlinkfile"/>
               </a:rPr>
               <a:t>https://ai.baidu.com/docs#/QuickStart-FaceDetect/top</a:t>
             </a:r>
@@ -9120,21 +9120,21 @@
             <a:r>
               <a:rPr lang="zh-CN" altLang="en-US" sz="3200" dirty="0">
                 <a:sym typeface="+mn-ea"/>
-                <a:hlinkClick r:id="rId1" tooltip="" action="ppaction://hlinkfile"/>
+                <a:hlinkClick r:id="rId1" action="ppaction://hlinkfile"/>
               </a:rPr>
               <a:t>注册</a:t>
             </a:r>
             <a:r>
               <a:rPr lang="en-US" altLang="zh-CN" sz="3200" dirty="0">
                 <a:sym typeface="+mn-ea"/>
-                <a:hlinkClick r:id="rId1" tooltip="" action="ppaction://hlinkfile"/>
+                <a:hlinkClick r:id="rId1" action="ppaction://hlinkfile"/>
               </a:rPr>
               <a:t>/</a:t>
             </a:r>
             <a:r>
               <a:rPr lang="zh-CN" altLang="en-US" sz="3200" dirty="0">
                 <a:sym typeface="+mn-ea"/>
-                <a:hlinkClick r:id="rId1" tooltip="" action="ppaction://hlinkfile"/>
+                <a:hlinkClick r:id="rId1" action="ppaction://hlinkfile"/>
               </a:rPr>
               <a:t>登录</a:t>
             </a:r>
@@ -9366,12 +9366,12 @@
             </a:r>
             <a:r>
               <a:rPr lang="en-US" altLang="zh-CN">
-                <a:hlinkClick r:id="rId1" tooltip="" action="ppaction://hlinkfile"/>
+                <a:hlinkClick r:id="rId1" action="ppaction://hlinkfile"/>
               </a:rPr>
               <a:t>https://ai.baidu.com/sdk#bfr</a:t>
             </a:r>
             <a:endParaRPr lang="en-US" altLang="zh-CN">
-              <a:hlinkClick r:id="rId1" tooltip="" action="ppaction://hlinkfile"/>
+              <a:hlinkClick r:id="rId1" action="ppaction://hlinkfile"/>
             </a:endParaRPr>
           </a:p>
           <a:p>

--- a/BaiduAI.pptx
+++ b/BaiduAI.pptx
@@ -16,9 +16,10 @@
     <p:sldId id="295" r:id="rId11"/>
     <p:sldId id="297" r:id="rId12"/>
     <p:sldId id="299" r:id="rId13"/>
-    <p:sldId id="300" r:id="rId14"/>
-    <p:sldId id="322" r:id="rId15"/>
-    <p:sldId id="278" r:id="rId16"/>
+    <p:sldId id="330" r:id="rId14"/>
+    <p:sldId id="300" r:id="rId15"/>
+    <p:sldId id="322" r:id="rId16"/>
+    <p:sldId id="278" r:id="rId17"/>
   </p:sldIdLst>
   <p:sldSz cx="12192000" cy="6858000"/>
   <p:notesSz cx="7103745" cy="10234295"/>
@@ -7944,6 +7945,212 @@
                 <a:ea typeface="微软雅黑" panose="020B0503020204020204" charset="-122"/>
                 <a:sym typeface="+mn-ea"/>
               </a:rPr>
+              <a:t>在线活体检测</a:t>
+            </a:r>
+            <a:endParaRPr lang="zh-CN" altLang="en-US" sz="2500" b="1" dirty="0">
+              <a:solidFill>
+                <a:srgbClr val="ED6C00"/>
+              </a:solidFill>
+              <a:latin typeface="微软雅黑" panose="020B0503020204020204" charset="-122"/>
+              <a:ea typeface="微软雅黑" panose="020B0503020204020204" charset="-122"/>
+            </a:endParaRPr>
+          </a:p>
+        </p:txBody>
+      </p:sp>
+      <p:sp>
+        <p:nvSpPr>
+          <p:cNvPr id="3" name="文本框 2"/>
+          <p:cNvSpPr txBox="1"/>
+          <p:nvPr/>
+        </p:nvSpPr>
+        <p:spPr>
+          <a:xfrm>
+            <a:off x="838200" y="1153160"/>
+            <a:ext cx="9658985" cy="450850"/>
+          </a:xfrm>
+          <a:prstGeom prst="rect">
+            <a:avLst/>
+          </a:prstGeom>
+          <a:noFill/>
+        </p:spPr>
+        <p:txBody>
+          <a:bodyPr wrap="square" rtlCol="0">
+            <a:spAutoFit/>
+          </a:bodyPr>
+          <a:p>
+            <a:pPr marL="285750" indent="-285750">
+              <a:lnSpc>
+                <a:spcPct val="130000"/>
+              </a:lnSpc>
+              <a:buFont typeface="Wingdings" panose="05000000000000000000" charset="0"/>
+              <a:buChar char="l"/>
+            </a:pPr>
+            <a:r>
+              <a:rPr lang="en-US" altLang="zh-CN" dirty="0"/>
+              <a:t>人脸基础信息，人脸质量检测，基于图片的活体检测</a:t>
+            </a:r>
+            <a:r>
+              <a:rPr lang="zh-CN" altLang="en-US" dirty="0"/>
+              <a:t>。</a:t>
+            </a:r>
+            <a:endParaRPr lang="zh-CN" altLang="en-US" dirty="0"/>
+          </a:p>
+        </p:txBody>
+      </p:sp>
+      <p:graphicFrame>
+        <p:nvGraphicFramePr>
+          <p:cNvPr id="4" name="对象 3">
+            <a:hlinkClick r:id="" action="ppaction://ole?verb="/>
+          </p:cNvPr>
+          <p:cNvGraphicFramePr>
+            <a:graphicFrameLocks noChangeAspect="1"/>
+          </p:cNvGraphicFramePr>
+          <p:nvPr/>
+        </p:nvGraphicFramePr>
+        <p:xfrm>
+          <a:off x="9371965" y="4968875"/>
+          <a:ext cx="1962785" cy="831215"/>
+        </p:xfrm>
+        <a:graphic>
+          <a:graphicData uri="http://schemas.openxmlformats.org/presentationml/2006/ole">
+            <mc:AlternateContent xmlns:mc="http://schemas.openxmlformats.org/markup-compatibility/2006">
+              <mc:Choice xmlns:v="urn:schemas-microsoft-com:vml" Requires="v">
+                <p:oleObj spid="_x0000_s1025" name="" r:id="rId1" imgW="1304925" imgH="565150" progId="Package">
+                  <p:embed/>
+                </p:oleObj>
+              </mc:Choice>
+              <mc:Fallback>
+                <p:oleObj name="" r:id="rId1" imgW="1304925" imgH="565150" progId="Package">
+                  <p:embed/>
+                  <p:pic>
+                    <p:nvPicPr>
+                      <p:cNvPr id="0" name="图片 1024"/>
+                      <p:cNvPicPr/>
+                      <p:nvPr/>
+                    </p:nvPicPr>
+                    <p:blipFill>
+                      <a:blip r:embed="rId2"/>
+                      <a:stretch>
+                        <a:fillRect/>
+                      </a:stretch>
+                    </p:blipFill>
+                    <p:spPr>
+                      <a:xfrm>
+                        <a:off x="9371965" y="4968875"/>
+                        <a:ext cx="1962785" cy="831215"/>
+                      </a:xfrm>
+                      <a:prstGeom prst="rect">
+                        <a:avLst/>
+                      </a:prstGeom>
+                    </p:spPr>
+                  </p:pic>
+                </p:oleObj>
+              </mc:Fallback>
+            </mc:AlternateContent>
+          </a:graphicData>
+        </a:graphic>
+      </p:graphicFrame>
+    </p:spTree>
+  </p:cSld>
+  <p:clrMapOvr>
+    <a:masterClrMapping/>
+  </p:clrMapOvr>
+</p:sld>
+</file>
+
+<file path=ppt/slides/slide13.xml><?xml version="1.0" encoding="utf-8"?>
+<p:sld xmlns:a="http://schemas.openxmlformats.org/drawingml/2006/main" xmlns:r="http://schemas.openxmlformats.org/officeDocument/2006/relationships" xmlns:p="http://schemas.openxmlformats.org/presentationml/2006/main">
+  <p:cSld>
+    <p:spTree>
+      <p:nvGrpSpPr>
+        <p:cNvPr id="1" name=""/>
+        <p:cNvGrpSpPr/>
+        <p:nvPr/>
+      </p:nvGrpSpPr>
+      <p:grpSpPr>
+        <a:xfrm>
+          <a:off x="0" y="0"/>
+          <a:ext cx="0" cy="0"/>
+          <a:chOff x="0" y="0"/>
+          <a:chExt cx="0" cy="0"/>
+        </a:xfrm>
+      </p:grpSpPr>
+      <p:sp>
+        <p:nvSpPr>
+          <p:cNvPr id="7" name="文本框 6"/>
+          <p:cNvSpPr txBox="1"/>
+          <p:nvPr/>
+        </p:nvSpPr>
+        <p:spPr>
+          <a:xfrm>
+            <a:off x="11334750" y="6398895"/>
+            <a:ext cx="323850" cy="245110"/>
+          </a:xfrm>
+          <a:prstGeom prst="rect">
+            <a:avLst/>
+          </a:prstGeom>
+          <a:noFill/>
+        </p:spPr>
+        <p:txBody>
+          <a:bodyPr wrap="none" rtlCol="0">
+            <a:spAutoFit/>
+          </a:bodyPr>
+          <a:lstStyle/>
+          <a:p>
+            <a:r>
+              <a:rPr lang="en-US" altLang="zh-CN" sz="1000">
+                <a:solidFill>
+                  <a:srgbClr val="ED6C00"/>
+                </a:solidFill>
+                <a:latin typeface="Arial" panose="020B0604020202020204" pitchFamily="34" charset="0"/>
+              </a:rPr>
+              <a:t>02</a:t>
+            </a:r>
+            <a:endParaRPr lang="en-US" altLang="zh-CN" sz="1000">
+              <a:solidFill>
+                <a:srgbClr val="ED6C00"/>
+              </a:solidFill>
+              <a:latin typeface="Arial" panose="020B0604020202020204" pitchFamily="34" charset="0"/>
+            </a:endParaRPr>
+          </a:p>
+        </p:txBody>
+      </p:sp>
+      <p:sp>
+        <p:nvSpPr>
+          <p:cNvPr id="8" name="标题 7"/>
+          <p:cNvSpPr>
+            <a:spLocks noGrp="1"/>
+          </p:cNvSpPr>
+          <p:nvPr>
+            <p:ph type="title"/>
+          </p:nvPr>
+        </p:nvSpPr>
+        <p:spPr>
+          <a:xfrm>
+            <a:off x="838200" y="347980"/>
+            <a:ext cx="7988935" cy="805180"/>
+          </a:xfrm>
+        </p:spPr>
+        <p:txBody>
+          <a:bodyPr anchor="ctr" anchorCtr="0">
+            <a:normAutofit/>
+          </a:bodyPr>
+          <a:lstStyle/>
+          <a:p>
+            <a:pPr algn="l">
+              <a:buClrTx/>
+              <a:buSzTx/>
+              <a:buFontTx/>
+            </a:pPr>
+            <a:r>
+              <a:rPr lang="zh-CN" altLang="en-US" sz="2500" b="1" dirty="0">
+                <a:solidFill>
+                  <a:srgbClr val="ED6C00"/>
+                </a:solidFill>
+                <a:latin typeface="微软雅黑" panose="020B0503020204020204" charset="-122"/>
+                <a:ea typeface="微软雅黑" panose="020B0503020204020204" charset="-122"/>
+                <a:sym typeface="+mn-ea"/>
+              </a:rPr>
               <a:t>人脸融合</a:t>
             </a:r>
             <a:endParaRPr lang="zh-CN" altLang="en-US" sz="2500" b="1" dirty="0">
@@ -8097,7 +8304,7 @@
 </p:sld>
 </file>
 
-<file path=ppt/slides/slide13.xml><?xml version="1.0" encoding="utf-8"?>
+<file path=ppt/slides/slide14.xml><?xml version="1.0" encoding="utf-8"?>
 <p:sld xmlns:a="http://schemas.openxmlformats.org/drawingml/2006/main" xmlns:r="http://schemas.openxmlformats.org/officeDocument/2006/relationships" xmlns:p="http://schemas.openxmlformats.org/presentationml/2006/main">
   <p:cSld>
     <p:spTree>
@@ -8258,7 +8465,7 @@
       <p:pic>
         <p:nvPicPr>
           <p:cNvPr id="4" name="图片 3">
-            <a:hlinkClick r:id="rId3" tooltip="" action="ppaction://hlinkfile"/>
+            <a:hlinkClick r:id="rId3" action="ppaction://hlinkfile"/>
           </p:cNvPr>
           <p:cNvPicPr>
             <a:picLocks noChangeAspect="1"/>
@@ -8289,7 +8496,7 @@
 </p:sld>
 </file>
 
-<file path=ppt/slides/slide14.xml><?xml version="1.0" encoding="utf-8"?>
+<file path=ppt/slides/slide15.xml><?xml version="1.0" encoding="utf-8"?>
 <p:sld xmlns:a="http://schemas.openxmlformats.org/drawingml/2006/main" xmlns:r="http://schemas.openxmlformats.org/officeDocument/2006/relationships" xmlns:p="http://schemas.openxmlformats.org/presentationml/2006/main">
   <p:cSld>
     <p:spTree>
@@ -9874,7 +10081,7 @@
         <p:spPr>
           <a:xfrm>
             <a:off x="838200" y="1392555"/>
-            <a:ext cx="8585200" cy="2030095"/>
+            <a:ext cx="8585200" cy="2306955"/>
           </a:xfrm>
           <a:prstGeom prst="rect">
             <a:avLst/>
@@ -9972,6 +10179,17 @@
             <a:r>
               <a:rPr lang="en-US" altLang="zh-CN"/>
               <a:t>)</a:t>
+            </a:r>
+            <a:endParaRPr lang="en-US" altLang="zh-CN"/>
+          </a:p>
+          <a:p>
+            <a:pPr marL="285750" indent="-285750">
+              <a:buFont typeface="Wingdings" panose="05000000000000000000" charset="0"/>
+              <a:buChar char="l"/>
+            </a:pPr>
+            <a:r>
+              <a:rPr lang="zh-CN" altLang="en-US"/>
+              <a:t>在线活体检测</a:t>
             </a:r>
             <a:endParaRPr lang="zh-CN" altLang="en-US"/>
           </a:p>

--- a/BaiduAI.pptx
+++ b/BaiduAI.pptx
@@ -8172,7 +8172,7 @@
         <p:spPr>
           <a:xfrm>
             <a:off x="838200" y="1319530"/>
-            <a:ext cx="9658985" cy="1170305"/>
+            <a:ext cx="9658985" cy="1529715"/>
           </a:xfrm>
           <a:prstGeom prst="rect">
             <a:avLst/>
@@ -8240,6 +8240,26 @@
               <a:t>没有权限。</a:t>
             </a:r>
             <a:endParaRPr lang="zh-CN" altLang="en-US" dirty="0"/>
+          </a:p>
+          <a:p>
+            <a:pPr marL="285750" indent="-285750">
+              <a:lnSpc>
+                <a:spcPct val="130000"/>
+              </a:lnSpc>
+              <a:buFont typeface="Wingdings" panose="05000000000000000000" charset="0"/>
+              <a:buChar char="l"/>
+            </a:pPr>
+            <a:r>
+              <a:rPr lang="zh-CN" altLang="zh-CN" dirty="0"/>
+              <a:t>效果地址：</a:t>
+            </a:r>
+            <a:r>
+              <a:rPr lang="zh-CN" altLang="zh-CN" dirty="0">
+                <a:hlinkClick r:id="rId1" tooltip="" action="ppaction://hlinkfile"/>
+              </a:rPr>
+              <a:t>https://ai.baidu.com/tech/face/merge</a:t>
+            </a:r>
+            <a:endParaRPr lang="zh-CN" altLang="zh-CN" dirty="0"/>
           </a:p>
         </p:txBody>
       </p:sp>
@@ -8261,12 +8281,12 @@
           <a:graphicData uri="http://schemas.openxmlformats.org/presentationml/2006/ole">
             <mc:AlternateContent xmlns:mc="http://schemas.openxmlformats.org/markup-compatibility/2006">
               <mc:Choice xmlns:v="urn:schemas-microsoft-com:vml" Requires="v">
-                <p:oleObj spid="_x0000_s7169" name="" r:id="rId1" imgW="1191895" imgH="565150" progId="Package">
+                <p:oleObj spid="_x0000_s7169" name="" r:id="rId2" imgW="1191895" imgH="565150" progId="Package">
                   <p:embed/>
                 </p:oleObj>
               </mc:Choice>
               <mc:Fallback>
-                <p:oleObj name="" r:id="rId1" imgW="1191895" imgH="565150" progId="Package">
+                <p:oleObj name="" r:id="rId2" imgW="1191895" imgH="565150" progId="Package">
                   <p:embed/>
                   <p:pic>
                     <p:nvPicPr>
@@ -8275,7 +8295,7 @@
                       <p:nvPr/>
                     </p:nvPicPr>
                     <p:blipFill>
-                      <a:blip r:embed="rId2"/>
+                      <a:blip r:embed="rId3"/>
                       <a:stretch>
                         <a:fillRect/>
                       </a:stretch>
@@ -9247,6 +9267,41 @@
               </a:solidFill>
               <a:latin typeface="微软雅黑" panose="020B0503020204020204" charset="-122"/>
               <a:ea typeface="微软雅黑" panose="020B0503020204020204" charset="-122"/>
+              <a:hlinkClick r:id="rId4" action="ppaction://hlinkfile"/>
+            </a:endParaRPr>
+          </a:p>
+          <a:p>
+            <a:pPr marL="342900" indent="-342900" algn="l">
+              <a:buFont typeface="Wingdings" panose="05000000000000000000" pitchFamily="2" charset="2"/>
+              <a:buChar char="l"/>
+            </a:pPr>
+            <a:r>
+              <a:rPr lang="zh-CN" altLang="en-US" sz="2000" b="1" dirty="0" smtClean="0">
+                <a:solidFill>
+                  <a:srgbClr val="292929"/>
+                </a:solidFill>
+                <a:latin typeface="微软雅黑" panose="020B0503020204020204" charset="-122"/>
+                <a:ea typeface="微软雅黑" panose="020B0503020204020204" charset="-122"/>
+              </a:rPr>
+              <a:t>在线效果地址：</a:t>
+            </a:r>
+            <a:r>
+              <a:rPr lang="zh-CN" altLang="en-US" sz="2000" b="1" dirty="0" smtClean="0">
+                <a:solidFill>
+                  <a:srgbClr val="292929"/>
+                </a:solidFill>
+                <a:latin typeface="微软雅黑" panose="020B0503020204020204" charset="-122"/>
+                <a:ea typeface="微软雅黑" panose="020B0503020204020204" charset="-122"/>
+                <a:hlinkClick r:id="rId5" tooltip="" action="ppaction://hlinkfile"/>
+              </a:rPr>
+              <a:t>https://ai.baidu.com/tech/face</a:t>
+            </a:r>
+            <a:endParaRPr lang="zh-CN" altLang="en-US" sz="2000" b="1" dirty="0" smtClean="0">
+              <a:solidFill>
+                <a:srgbClr val="292929"/>
+              </a:solidFill>
+              <a:latin typeface="微软雅黑" panose="020B0503020204020204" charset="-122"/>
+              <a:ea typeface="微软雅黑" panose="020B0503020204020204" charset="-122"/>
             </a:endParaRPr>
           </a:p>
           <a:p>
@@ -10311,14 +10366,16 @@
       </p:sp>
       <p:pic>
         <p:nvPicPr>
-          <p:cNvPr id="3" name="图片 2" descr="multi_faces"/>
+          <p:cNvPr id="3" name="图片 2" descr="multi_faces">
+            <a:hlinkClick r:id="rId1" tooltip="" action="ppaction://hlinkfile"/>
+          </p:cNvPr>
           <p:cNvPicPr>
             <a:picLocks noChangeAspect="1"/>
           </p:cNvPicPr>
           <p:nvPr/>
         </p:nvPicPr>
         <p:blipFill>
-          <a:blip r:embed="rId1"/>
+          <a:blip r:embed="rId2"/>
           <a:stretch>
             <a:fillRect/>
           </a:stretch>
@@ -10335,14 +10392,16 @@
       </p:pic>
       <p:pic>
         <p:nvPicPr>
-          <p:cNvPr id="4" name="图片 3"/>
+          <p:cNvPr id="4" name="图片 3">
+            <a:hlinkClick r:id="rId1" tooltip="" action="ppaction://hlinkfile"/>
+          </p:cNvPr>
           <p:cNvPicPr>
             <a:picLocks noChangeAspect="1"/>
           </p:cNvPicPr>
           <p:nvPr/>
         </p:nvPicPr>
         <p:blipFill>
-          <a:blip r:embed="rId2"/>
+          <a:blip r:embed="rId3"/>
           <a:stretch>
             <a:fillRect/>
           </a:stretch>
@@ -10547,7 +10606,13 @@
               <a:rPr lang="zh-CN" altLang="en-US">
                 <a:sym typeface="+mn-ea"/>
               </a:rPr>
-              <a:t>脸型：圆的或者方的</a:t>
+              <a:t>脸型：圆的，方的，</a:t>
+            </a:r>
+            <a:r>
+              <a:rPr lang="en-US" altLang="zh-CN">
+                <a:sym typeface="+mn-ea"/>
+              </a:rPr>
+              <a:t>...</a:t>
             </a:r>
             <a:endParaRPr lang="zh-CN" altLang="en-US">
               <a:sym typeface="+mn-ea"/>
@@ -10678,12 +10743,12 @@
           <a:graphicData uri="http://schemas.openxmlformats.org/presentationml/2006/ole">
             <mc:AlternateContent xmlns:mc="http://schemas.openxmlformats.org/markup-compatibility/2006">
               <mc:Choice xmlns:v="urn:schemas-microsoft-com:vml" Requires="v">
-                <p:oleObj spid="_x0000_s2051" name="" r:id="rId3" imgW="2085340" imgH="565150" progId="Package">
+                <p:oleObj spid="_x0000_s2051" name="" r:id="rId4" imgW="2085340" imgH="565150" progId="Package">
                   <p:embed/>
                 </p:oleObj>
               </mc:Choice>
               <mc:Fallback>
-                <p:oleObj name="" r:id="rId3" imgW="2085340" imgH="565150" progId="Package">
+                <p:oleObj name="" r:id="rId4" imgW="2085340" imgH="565150" progId="Package">
                   <p:embed/>
                   <p:pic>
                     <p:nvPicPr>
@@ -10692,7 +10757,7 @@
                       <p:nvPr/>
                     </p:nvPicPr>
                     <p:blipFill>
-                      <a:blip r:embed="rId4"/>
+                      <a:blip r:embed="rId5"/>
                       <a:stretch>
                         <a:fillRect/>
                       </a:stretch>
@@ -10906,7 +10971,7 @@
         <p:spPr>
           <a:xfrm>
             <a:off x="838200" y="5183505"/>
-            <a:ext cx="8581390" cy="368300"/>
+            <a:ext cx="8581390" cy="645160"/>
           </a:xfrm>
           <a:prstGeom prst="rect">
             <a:avLst/>
@@ -10935,6 +11000,19 @@
               <a:t>字段，反应相似度得分，得分越高，相似度越高</a:t>
             </a:r>
             <a:endParaRPr lang="zh-CN" altLang="en-US"/>
+          </a:p>
+          <a:p>
+            <a:r>
+              <a:rPr lang="zh-CN" altLang="en-US"/>
+              <a:t>效果地址：</a:t>
+            </a:r>
+            <a:r>
+              <a:rPr lang="en-US" altLang="zh-CN">
+                <a:hlinkClick r:id="rId3" tooltip="" action="ppaction://hlinkfile"/>
+              </a:rPr>
+              <a:t>https://ai.baidu.com/tech/face/compare</a:t>
+            </a:r>
+            <a:endParaRPr lang="en-US" altLang="zh-CN"/>
           </a:p>
         </p:txBody>
       </p:sp>
@@ -10956,12 +11034,12 @@
           <a:graphicData uri="http://schemas.openxmlformats.org/presentationml/2006/ole">
             <mc:AlternateContent xmlns:mc="http://schemas.openxmlformats.org/markup-compatibility/2006">
               <mc:Choice xmlns:v="urn:schemas-microsoft-com:vml" Requires="v">
-                <p:oleObj spid="_x0000_s1030" name="" r:id="rId3" imgW="1479550" imgH="565150" progId="Package">
+                <p:oleObj spid="_x0000_s1030" name="" r:id="rId4" imgW="1479550" imgH="565150" progId="Package">
                   <p:embed/>
                 </p:oleObj>
               </mc:Choice>
               <mc:Fallback>
-                <p:oleObj name="" r:id="rId3" imgW="1479550" imgH="565150" progId="Package">
+                <p:oleObj name="" r:id="rId4" imgW="1479550" imgH="565150" progId="Package">
                   <p:embed/>
                   <p:pic>
                     <p:nvPicPr>
@@ -10970,7 +11048,7 @@
                       <p:nvPr/>
                     </p:nvPicPr>
                     <p:blipFill>
-                      <a:blip r:embed="rId4"/>
+                      <a:blip r:embed="rId5"/>
                       <a:stretch>
                         <a:fillRect/>
                       </a:stretch>
@@ -12015,69 +12093,18 @@
           </a:p>
         </p:txBody>
       </p:sp>
-      <p:graphicFrame>
-        <p:nvGraphicFramePr>
-          <p:cNvPr id="2" name="对象 1">
-            <a:hlinkClick r:id="" action="ppaction://ole?verb="/>
-          </p:cNvPr>
-          <p:cNvGraphicFramePr>
-            <a:graphicFrameLocks noChangeAspect="1"/>
-          </p:cNvGraphicFramePr>
-          <p:nvPr/>
-        </p:nvGraphicFramePr>
-        <p:xfrm>
-          <a:off x="9676130" y="5126355"/>
-          <a:ext cx="1778635" cy="824865"/>
-        </p:xfrm>
-        <a:graphic>
-          <a:graphicData uri="http://schemas.openxmlformats.org/presentationml/2006/ole">
-            <mc:AlternateContent xmlns:mc="http://schemas.openxmlformats.org/markup-compatibility/2006">
-              <mc:Choice xmlns:v="urn:schemas-microsoft-com:vml" Requires="v">
-                <p:oleObj spid="_x0000_s4097" name="" r:id="rId1" imgW="1191895" imgH="565150" progId="Package">
-                  <p:embed/>
-                </p:oleObj>
-              </mc:Choice>
-              <mc:Fallback>
-                <p:oleObj name="" r:id="rId1" imgW="1191895" imgH="565150" progId="Package">
-                  <p:embed/>
-                  <p:pic>
-                    <p:nvPicPr>
-                      <p:cNvPr id="0" name="图片 4096"/>
-                      <p:cNvPicPr/>
-                      <p:nvPr/>
-                    </p:nvPicPr>
-                    <p:blipFill>
-                      <a:blip r:embed="rId2"/>
-                      <a:stretch>
-                        <a:fillRect/>
-                      </a:stretch>
-                    </p:blipFill>
-                    <p:spPr>
-                      <a:xfrm>
-                        <a:off x="9676130" y="5126355"/>
-                        <a:ext cx="1778635" cy="824865"/>
-                      </a:xfrm>
-                      <a:prstGeom prst="rect">
-                        <a:avLst/>
-                      </a:prstGeom>
-                    </p:spPr>
-                  </p:pic>
-                </p:oleObj>
-              </mc:Fallback>
-            </mc:AlternateContent>
-          </a:graphicData>
-        </a:graphic>
-      </p:graphicFrame>
       <p:pic>
         <p:nvPicPr>
-          <p:cNvPr id="4" name="图片 3" descr="face-1"/>
+          <p:cNvPr id="4" name="图片 3" descr="face-1">
+            <a:hlinkClick r:id="rId1" tooltip="" action="ppaction://hlinkfile"/>
+          </p:cNvPr>
           <p:cNvPicPr>
             <a:picLocks noChangeAspect="1"/>
           </p:cNvPicPr>
           <p:nvPr/>
         </p:nvPicPr>
         <p:blipFill>
-          <a:blip r:embed="rId3"/>
+          <a:blip r:embed="rId2"/>
           <a:stretch>
             <a:fillRect/>
           </a:stretch>
@@ -12135,14 +12162,16 @@
       </p:sp>
       <p:pic>
         <p:nvPicPr>
-          <p:cNvPr id="6" name="图片 5"/>
+          <p:cNvPr id="6" name="图片 5">
+            <a:hlinkClick r:id="rId1" tooltip="" action="ppaction://hlinkfile"/>
+          </p:cNvPr>
           <p:cNvPicPr>
             <a:picLocks noChangeAspect="1"/>
           </p:cNvPicPr>
           <p:nvPr/>
         </p:nvPicPr>
         <p:blipFill>
-          <a:blip r:embed="rId4"/>
+          <a:blip r:embed="rId3"/>
           <a:stretch>
             <a:fillRect/>
           </a:stretch>
@@ -12202,6 +12231,59 @@
           </a:p>
         </p:txBody>
       </p:sp>
+      <p:graphicFrame>
+        <p:nvGraphicFramePr>
+          <p:cNvPr id="10" name="对象 9">
+            <a:hlinkClick r:id="" action="ppaction://ole?verb="/>
+          </p:cNvPr>
+          <p:cNvGraphicFramePr>
+            <a:graphicFrameLocks noChangeAspect="1"/>
+          </p:cNvGraphicFramePr>
+          <p:nvPr/>
+        </p:nvGraphicFramePr>
+        <p:xfrm>
+          <a:off x="9036685" y="5307965"/>
+          <a:ext cx="2045335" cy="948690"/>
+        </p:xfrm>
+        <a:graphic>
+          <a:graphicData uri="http://schemas.openxmlformats.org/presentationml/2006/ole">
+            <mc:AlternateContent xmlns:mc="http://schemas.openxmlformats.org/markup-compatibility/2006">
+              <mc:Choice xmlns:v="urn:schemas-microsoft-com:vml" Requires="v">
+                <p:oleObj spid="_x0000_s1025" name="" r:id="rId4" imgW="1191895" imgH="565150" progId="Package">
+                  <p:embed/>
+                </p:oleObj>
+              </mc:Choice>
+              <mc:Fallback>
+                <p:oleObj name="" r:id="rId4" imgW="1191895" imgH="565150" progId="Package">
+                  <p:embed/>
+                  <p:pic>
+                    <p:nvPicPr>
+                      <p:cNvPr id="0" name="图片 1024"/>
+                      <p:cNvPicPr/>
+                      <p:nvPr/>
+                    </p:nvPicPr>
+                    <p:blipFill>
+                      <a:blip r:embed="rId5"/>
+                      <a:stretch>
+                        <a:fillRect/>
+                      </a:stretch>
+                    </p:blipFill>
+                    <p:spPr>
+                      <a:xfrm>
+                        <a:off x="9036685" y="5307965"/>
+                        <a:ext cx="2045335" cy="948690"/>
+                      </a:xfrm>
+                      <a:prstGeom prst="rect">
+                        <a:avLst/>
+                      </a:prstGeom>
+                    </p:spPr>
+                  </p:pic>
+                </p:oleObj>
+              </mc:Fallback>
+            </mc:AlternateContent>
+          </a:graphicData>
+        </a:graphic>
+      </p:graphicFrame>
     </p:spTree>
   </p:cSld>
   <p:clrMapOvr>

--- a/BaiduAI.pptx
+++ b/BaiduAI.pptx
@@ -7402,7 +7402,7 @@
                   <a:ea typeface="微软雅黑" panose="020B0503020204020204" charset="-122"/>
                   <a:sym typeface="+mn-ea"/>
                 </a:rPr>
-                <a:t>技术研发中心  朱顺源</a:t>
+                <a:t>技术研发中心  </a:t>
               </a:r>
               <a:endParaRPr lang="zh-CN" sz="2500" dirty="0" smtClean="0">
                 <a:solidFill>
@@ -8255,7 +8255,7 @@
             </a:r>
             <a:r>
               <a:rPr lang="zh-CN" altLang="zh-CN" dirty="0">
-                <a:hlinkClick r:id="rId1" tooltip="" action="ppaction://hlinkfile"/>
+                <a:hlinkClick r:id="rId1" action="ppaction://hlinkfile"/>
               </a:rPr>
               <a:t>https://ai.baidu.com/tech/face/merge</a:t>
             </a:r>
@@ -8690,7 +8690,7 @@
                   <a:ea typeface="微软雅黑" panose="020B0503020204020204" charset="-122"/>
                   <a:sym typeface="+mn-ea"/>
                 </a:rPr>
-                <a:t>技术研发中心 朱顺源</a:t>
+                <a:t>技术研发中心 </a:t>
               </a:r>
               <a:endParaRPr lang="zh-CN" altLang="zh-CN" sz="2500" dirty="0" smtClean="0">
                 <a:solidFill>
@@ -9292,7 +9292,7 @@
                 </a:solidFill>
                 <a:latin typeface="微软雅黑" panose="020B0503020204020204" charset="-122"/>
                 <a:ea typeface="微软雅黑" panose="020B0503020204020204" charset="-122"/>
-                <a:hlinkClick r:id="rId5" tooltip="" action="ppaction://hlinkfile"/>
+                <a:hlinkClick r:id="rId5" action="ppaction://hlinkfile"/>
               </a:rPr>
               <a:t>https://ai.baidu.com/tech/face</a:t>
             </a:r>
@@ -10367,7 +10367,7 @@
       <p:pic>
         <p:nvPicPr>
           <p:cNvPr id="3" name="图片 2" descr="multi_faces">
-            <a:hlinkClick r:id="rId1" tooltip="" action="ppaction://hlinkfile"/>
+            <a:hlinkClick r:id="rId1" action="ppaction://hlinkfile"/>
           </p:cNvPr>
           <p:cNvPicPr>
             <a:picLocks noChangeAspect="1"/>
@@ -10393,7 +10393,7 @@
       <p:pic>
         <p:nvPicPr>
           <p:cNvPr id="4" name="图片 3">
-            <a:hlinkClick r:id="rId1" tooltip="" action="ppaction://hlinkfile"/>
+            <a:hlinkClick r:id="rId1" action="ppaction://hlinkfile"/>
           </p:cNvPr>
           <p:cNvPicPr>
             <a:picLocks noChangeAspect="1"/>
@@ -11008,7 +11008,7 @@
             </a:r>
             <a:r>
               <a:rPr lang="en-US" altLang="zh-CN">
-                <a:hlinkClick r:id="rId3" tooltip="" action="ppaction://hlinkfile"/>
+                <a:hlinkClick r:id="rId3" action="ppaction://hlinkfile"/>
               </a:rPr>
               <a:t>https://ai.baidu.com/tech/face/compare</a:t>
             </a:r>
@@ -12096,7 +12096,7 @@
       <p:pic>
         <p:nvPicPr>
           <p:cNvPr id="4" name="图片 3" descr="face-1">
-            <a:hlinkClick r:id="rId1" tooltip="" action="ppaction://hlinkfile"/>
+            <a:hlinkClick r:id="rId1" action="ppaction://hlinkfile"/>
           </p:cNvPr>
           <p:cNvPicPr>
             <a:picLocks noChangeAspect="1"/>
@@ -12163,7 +12163,7 @@
       <p:pic>
         <p:nvPicPr>
           <p:cNvPr id="6" name="图片 5">
-            <a:hlinkClick r:id="rId1" tooltip="" action="ppaction://hlinkfile"/>
+            <a:hlinkClick r:id="rId1" action="ppaction://hlinkfile"/>
           </p:cNvPr>
           <p:cNvPicPr>
             <a:picLocks noChangeAspect="1"/>
